--- a/presentazione/Pagliari Lorenzo presentazione.pptx
+++ b/presentazione/Pagliari Lorenzo presentazione.pptx
@@ -7,38 +7,32 @@
     <p:sldMasterId id="2147483681" r:id="rId3"/>
   </p:sldMasterIdLst>
   <p:notesMasterIdLst>
-    <p:notesMasterId r:id="rId30"/>
+    <p:notesMasterId r:id="rId24"/>
   </p:notesMasterIdLst>
   <p:handoutMasterIdLst>
-    <p:handoutMasterId r:id="rId31"/>
+    <p:handoutMasterId r:id="rId25"/>
   </p:handoutMasterIdLst>
   <p:sldIdLst>
     <p:sldId id="256" r:id="rId4"/>
     <p:sldId id="331" r:id="rId5"/>
     <p:sldId id="340" r:id="rId6"/>
     <p:sldId id="268" r:id="rId7"/>
-    <p:sldId id="325" r:id="rId8"/>
-    <p:sldId id="269" r:id="rId9"/>
-    <p:sldId id="304" r:id="rId10"/>
-    <p:sldId id="343" r:id="rId11"/>
-    <p:sldId id="344" r:id="rId12"/>
-    <p:sldId id="345" r:id="rId13"/>
-    <p:sldId id="341" r:id="rId14"/>
+    <p:sldId id="304" r:id="rId8"/>
+    <p:sldId id="343" r:id="rId9"/>
+    <p:sldId id="344" r:id="rId10"/>
+    <p:sldId id="345" r:id="rId11"/>
+    <p:sldId id="341" r:id="rId12"/>
+    <p:sldId id="346" r:id="rId13"/>
+    <p:sldId id="347" r:id="rId14"/>
     <p:sldId id="342" r:id="rId15"/>
-    <p:sldId id="336" r:id="rId16"/>
-    <p:sldId id="337" r:id="rId17"/>
-    <p:sldId id="338" r:id="rId18"/>
-    <p:sldId id="339" r:id="rId19"/>
-    <p:sldId id="270" r:id="rId20"/>
-    <p:sldId id="329" r:id="rId21"/>
-    <p:sldId id="326" r:id="rId22"/>
-    <p:sldId id="318" r:id="rId23"/>
-    <p:sldId id="279" r:id="rId24"/>
-    <p:sldId id="327" r:id="rId25"/>
-    <p:sldId id="282" r:id="rId26"/>
-    <p:sldId id="328" r:id="rId27"/>
-    <p:sldId id="287" r:id="rId28"/>
-    <p:sldId id="258" r:id="rId29"/>
+    <p:sldId id="348" r:id="rId16"/>
+    <p:sldId id="349" r:id="rId17"/>
+    <p:sldId id="336" r:id="rId18"/>
+    <p:sldId id="337" r:id="rId19"/>
+    <p:sldId id="338" r:id="rId20"/>
+    <p:sldId id="339" r:id="rId21"/>
+    <p:sldId id="287" r:id="rId22"/>
+    <p:sldId id="258" r:id="rId23"/>
   </p:sldIdLst>
   <p:sldSz cx="9144000" cy="6858000" type="screen4x3"/>
   <p:notesSz cx="9906000" cy="6794500"/>
@@ -253,7 +247,7 @@
             <a:fld id="{3012F1C6-8193-4D58-BB28-44CF9C7F83D5}" type="datetimeFigureOut">
               <a:rPr lang="it-IT" smtClean="0"/>
               <a:pPr/>
-              <a:t>27/08/2015</a:t>
+              <a:t>04/09/2015</a:t>
             </a:fld>
             <a:endParaRPr lang="it-IT"/>
           </a:p>
@@ -415,7 +409,7 @@
             <a:fld id="{0A055084-1CB9-CF40-93F3-663EB9ADEB9C}" type="datetimeFigureOut">
               <a:rPr lang="it-IT" smtClean="0"/>
               <a:pPr/>
-              <a:t>27/08/2015</a:t>
+              <a:t>04/09/2015</a:t>
             </a:fld>
             <a:endParaRPr lang="it-IT"/>
           </a:p>
@@ -584,7 +578,7 @@
     </p:spTree>
     <p:extLst>
       <p:ext uri="{BB962C8B-B14F-4D97-AF65-F5344CB8AC3E}">
-        <p14:creationId xmlns="" xmlns:p14="http://schemas.microsoft.com/office/powerpoint/2010/main" val="983607612"/>
+        <p14:creationId xmlns:p14="http://schemas.microsoft.com/office/powerpoint/2010/main" xmlns="" val="983607612"/>
       </p:ext>
     </p:extLst>
   </p:cSld>
@@ -764,7 +758,7 @@
     </p:spTree>
     <p:extLst>
       <p:ext uri="{BB962C8B-B14F-4D97-AF65-F5344CB8AC3E}">
-        <p14:creationId xmlns="" xmlns:p14="http://schemas.microsoft.com/office/powerpoint/2010/main" val="1229878964"/>
+        <p14:creationId xmlns:p14="http://schemas.microsoft.com/office/powerpoint/2010/main" xmlns="" val="1229878964"/>
       </p:ext>
     </p:extLst>
   </p:cSld>
@@ -875,7 +869,7 @@
     </p:spTree>
     <p:extLst>
       <p:ext uri="{BB962C8B-B14F-4D97-AF65-F5344CB8AC3E}">
-        <p14:creationId xmlns="" xmlns:p14="http://schemas.microsoft.com/office/powerpoint/2010/main" val="650065356"/>
+        <p14:creationId xmlns:p14="http://schemas.microsoft.com/office/powerpoint/2010/main" xmlns="" val="650065356"/>
       </p:ext>
     </p:extLst>
   </p:cSld>
@@ -934,7 +928,28 @@
           <a:bodyPr/>
           <a:lstStyle/>
           <a:p>
-            <a:endParaRPr lang="it-IT" baseline="0" dirty="0" smtClean="0"/>
+            <a:pPr marL="0" marR="0" indent="0" algn="l" defTabSz="457200" rtl="0" eaLnBrk="1" fontAlgn="auto" latinLnBrk="0" hangingPunct="1">
+              <a:lnSpc>
+                <a:spcPct val="100000"/>
+              </a:lnSpc>
+              <a:spcBef>
+                <a:spcPts val="0"/>
+              </a:spcBef>
+              <a:spcAft>
+                <a:spcPts val="0"/>
+              </a:spcAft>
+              <a:buClrTx/>
+              <a:buSzTx/>
+              <a:buFontTx/>
+              <a:buNone/>
+              <a:tabLst/>
+              <a:defRPr/>
+            </a:pPr>
+            <a:endParaRPr lang="it-IT" b="0" dirty="0" smtClean="0">
+              <a:solidFill>
+                <a:schemeClr val="tx1"/>
+              </a:solidFill>
+            </a:endParaRPr>
           </a:p>
         </p:txBody>
       </p:sp>
@@ -965,7 +980,7 @@
     </p:spTree>
     <p:extLst>
       <p:ext uri="{BB962C8B-B14F-4D97-AF65-F5344CB8AC3E}">
-        <p14:creationId xmlns="" xmlns:p14="http://schemas.microsoft.com/office/powerpoint/2010/main" val="70992606"/>
+        <p14:creationId xmlns:p14="http://schemas.microsoft.com/office/powerpoint/2010/main" xmlns="" val="650065356"/>
       </p:ext>
     </p:extLst>
   </p:cSld>
@@ -1055,7 +1070,7 @@
     </p:spTree>
     <p:extLst>
       <p:ext uri="{BB962C8B-B14F-4D97-AF65-F5344CB8AC3E}">
-        <p14:creationId xmlns="" xmlns:p14="http://schemas.microsoft.com/office/powerpoint/2010/main" val="70992606"/>
+        <p14:creationId xmlns:p14="http://schemas.microsoft.com/office/powerpoint/2010/main" xmlns="" val="70992606"/>
       </p:ext>
     </p:extLst>
   </p:cSld>
@@ -1114,7 +1129,28 @@
           <a:bodyPr/>
           <a:lstStyle/>
           <a:p>
-            <a:endParaRPr lang="it-IT" baseline="0" dirty="0" smtClean="0"/>
+            <a:pPr marL="0" marR="0" indent="0" algn="l" defTabSz="457200" rtl="0" eaLnBrk="1" fontAlgn="auto" latinLnBrk="0" hangingPunct="1">
+              <a:lnSpc>
+                <a:spcPct val="100000"/>
+              </a:lnSpc>
+              <a:spcBef>
+                <a:spcPts val="0"/>
+              </a:spcBef>
+              <a:spcAft>
+                <a:spcPts val="0"/>
+              </a:spcAft>
+              <a:buClrTx/>
+              <a:buSzTx/>
+              <a:buFontTx/>
+              <a:buNone/>
+              <a:tabLst/>
+              <a:defRPr/>
+            </a:pPr>
+            <a:endParaRPr lang="it-IT" b="0" dirty="0" smtClean="0">
+              <a:solidFill>
+                <a:schemeClr val="tx1"/>
+              </a:solidFill>
+            </a:endParaRPr>
           </a:p>
         </p:txBody>
       </p:sp>
@@ -1145,7 +1181,7 @@
     </p:spTree>
     <p:extLst>
       <p:ext uri="{BB962C8B-B14F-4D97-AF65-F5344CB8AC3E}">
-        <p14:creationId xmlns="" xmlns:p14="http://schemas.microsoft.com/office/powerpoint/2010/main" val="70992606"/>
+        <p14:creationId xmlns:p14="http://schemas.microsoft.com/office/powerpoint/2010/main" xmlns="" val="650065356"/>
       </p:ext>
     </p:extLst>
   </p:cSld>
@@ -1204,7 +1240,28 @@
           <a:bodyPr/>
           <a:lstStyle/>
           <a:p>
-            <a:endParaRPr lang="it-IT" baseline="0" dirty="0" smtClean="0"/>
+            <a:pPr marL="0" marR="0" indent="0" algn="l" defTabSz="457200" rtl="0" eaLnBrk="1" fontAlgn="auto" latinLnBrk="0" hangingPunct="1">
+              <a:lnSpc>
+                <a:spcPct val="100000"/>
+              </a:lnSpc>
+              <a:spcBef>
+                <a:spcPts val="0"/>
+              </a:spcBef>
+              <a:spcAft>
+                <a:spcPts val="0"/>
+              </a:spcAft>
+              <a:buClrTx/>
+              <a:buSzTx/>
+              <a:buFontTx/>
+              <a:buNone/>
+              <a:tabLst/>
+              <a:defRPr/>
+            </a:pPr>
+            <a:endParaRPr lang="it-IT" b="0" dirty="0" smtClean="0">
+              <a:solidFill>
+                <a:schemeClr val="tx1"/>
+              </a:solidFill>
+            </a:endParaRPr>
           </a:p>
         </p:txBody>
       </p:sp>
@@ -1235,7 +1292,7 @@
     </p:spTree>
     <p:extLst>
       <p:ext uri="{BB962C8B-B14F-4D97-AF65-F5344CB8AC3E}">
-        <p14:creationId xmlns="" xmlns:p14="http://schemas.microsoft.com/office/powerpoint/2010/main" val="70992606"/>
+        <p14:creationId xmlns:p14="http://schemas.microsoft.com/office/powerpoint/2010/main" xmlns="" val="650065356"/>
       </p:ext>
     </p:extLst>
   </p:cSld>
@@ -1325,7 +1382,7 @@
     </p:spTree>
     <p:extLst>
       <p:ext uri="{BB962C8B-B14F-4D97-AF65-F5344CB8AC3E}">
-        <p14:creationId xmlns="" xmlns:p14="http://schemas.microsoft.com/office/powerpoint/2010/main" val="70992606"/>
+        <p14:creationId xmlns:p14="http://schemas.microsoft.com/office/powerpoint/2010/main" xmlns="" val="70992606"/>
       </p:ext>
     </p:extLst>
   </p:cSld>
@@ -1415,7 +1472,7 @@
     </p:spTree>
     <p:extLst>
       <p:ext uri="{BB962C8B-B14F-4D97-AF65-F5344CB8AC3E}">
-        <p14:creationId xmlns="" xmlns:p14="http://schemas.microsoft.com/office/powerpoint/2010/main" val="70992606"/>
+        <p14:creationId xmlns:p14="http://schemas.microsoft.com/office/powerpoint/2010/main" xmlns="" val="70992606"/>
       </p:ext>
     </p:extLst>
   </p:cSld>
@@ -1474,7 +1531,7 @@
           <a:bodyPr/>
           <a:lstStyle/>
           <a:p>
-            <a:endParaRPr lang="it-IT" b="0" dirty="0"/>
+            <a:endParaRPr lang="it-IT" baseline="0" dirty="0" smtClean="0"/>
           </a:p>
         </p:txBody>
       </p:sp>
@@ -1505,7 +1562,7 @@
     </p:spTree>
     <p:extLst>
       <p:ext uri="{BB962C8B-B14F-4D97-AF65-F5344CB8AC3E}">
-        <p14:creationId xmlns="" xmlns:p14="http://schemas.microsoft.com/office/powerpoint/2010/main" val="3647631556"/>
+        <p14:creationId xmlns:p14="http://schemas.microsoft.com/office/powerpoint/2010/main" xmlns="" val="70992606"/>
       </p:ext>
     </p:extLst>
   </p:cSld>
@@ -1564,7 +1621,7 @@
           <a:bodyPr/>
           <a:lstStyle/>
           <a:p>
-            <a:endParaRPr lang="it-IT" b="0" dirty="0"/>
+            <a:endParaRPr lang="it-IT" baseline="0" dirty="0" smtClean="0"/>
           </a:p>
         </p:txBody>
       </p:sp>
@@ -1595,7 +1652,7 @@
     </p:spTree>
     <p:extLst>
       <p:ext uri="{BB962C8B-B14F-4D97-AF65-F5344CB8AC3E}">
-        <p14:creationId xmlns="" xmlns:p14="http://schemas.microsoft.com/office/powerpoint/2010/main" val="3647631556"/>
+        <p14:creationId xmlns:p14="http://schemas.microsoft.com/office/powerpoint/2010/main" xmlns="" val="70992606"/>
       </p:ext>
     </p:extLst>
   </p:cSld>
@@ -1654,7 +1711,24 @@
           <a:bodyPr/>
           <a:lstStyle/>
           <a:p>
-            <a:endParaRPr lang="it-IT" baseline="0" dirty="0" smtClean="0"/>
+            <a:pPr marL="0" marR="0" indent="0" algn="l" defTabSz="457200" rtl="0" eaLnBrk="1" fontAlgn="auto" latinLnBrk="0" hangingPunct="1">
+              <a:lnSpc>
+                <a:spcPct val="100000"/>
+              </a:lnSpc>
+              <a:spcBef>
+                <a:spcPts val="0"/>
+              </a:spcBef>
+              <a:spcAft>
+                <a:spcPts val="0"/>
+              </a:spcAft>
+              <a:buClrTx/>
+              <a:buSzTx/>
+              <a:buFontTx/>
+              <a:buNone/>
+              <a:tabLst/>
+              <a:defRPr/>
+            </a:pPr>
+            <a:endParaRPr lang="it-IT" b="0" dirty="0"/>
           </a:p>
         </p:txBody>
       </p:sp>
@@ -1685,7 +1759,7 @@
     </p:spTree>
     <p:extLst>
       <p:ext uri="{BB962C8B-B14F-4D97-AF65-F5344CB8AC3E}">
-        <p14:creationId xmlns="" xmlns:p14="http://schemas.microsoft.com/office/powerpoint/2010/main" val="70992606"/>
+        <p14:creationId xmlns:p14="http://schemas.microsoft.com/office/powerpoint/2010/main" xmlns="" val="2864582512"/>
       </p:ext>
     </p:extLst>
   </p:cSld>
@@ -1775,566 +1849,7 @@
     </p:spTree>
     <p:extLst>
       <p:ext uri="{BB962C8B-B14F-4D97-AF65-F5344CB8AC3E}">
-        <p14:creationId xmlns="" xmlns:p14="http://schemas.microsoft.com/office/powerpoint/2010/main" val="70992606"/>
-      </p:ext>
-    </p:extLst>
-  </p:cSld>
-  <p:clrMapOvr>
-    <a:masterClrMapping/>
-  </p:clrMapOvr>
-</p:notes>
-</file>
-
-<file path=ppt/notesSlides/notesSlide20.xml><?xml version="1.0" encoding="utf-8"?>
-<p:notes xmlns:a="http://schemas.openxmlformats.org/drawingml/2006/main" xmlns:r="http://schemas.openxmlformats.org/officeDocument/2006/relationships" xmlns:p="http://schemas.openxmlformats.org/presentationml/2006/main">
-  <p:cSld>
-    <p:spTree>
-      <p:nvGrpSpPr>
-        <p:cNvPr id="1" name=""/>
-        <p:cNvGrpSpPr/>
-        <p:nvPr/>
-      </p:nvGrpSpPr>
-      <p:grpSpPr>
-        <a:xfrm>
-          <a:off x="0" y="0"/>
-          <a:ext cx="0" cy="0"/>
-          <a:chOff x="0" y="0"/>
-          <a:chExt cx="0" cy="0"/>
-        </a:xfrm>
-      </p:grpSpPr>
-      <p:sp>
-        <p:nvSpPr>
-          <p:cNvPr id="2" name="Segnaposto immagine diapositiva 1"/>
-          <p:cNvSpPr>
-            <a:spLocks noGrp="1" noRot="1" noChangeAspect="1"/>
-          </p:cNvSpPr>
-          <p:nvPr>
-            <p:ph type="sldImg"/>
-          </p:nvPr>
-        </p:nvSpPr>
-        <p:spPr>
-          <a:xfrm>
-            <a:off x="3254375" y="509588"/>
-            <a:ext cx="3397250" cy="2547937"/>
-          </a:xfrm>
-        </p:spPr>
-      </p:sp>
-      <p:sp>
-        <p:nvSpPr>
-          <p:cNvPr id="3" name="Segnaposto note 2"/>
-          <p:cNvSpPr>
-            <a:spLocks noGrp="1"/>
-          </p:cNvSpPr>
-          <p:nvPr>
-            <p:ph type="body" idx="1"/>
-          </p:nvPr>
-        </p:nvSpPr>
-        <p:spPr/>
-        <p:txBody>
-          <a:bodyPr/>
-          <a:lstStyle/>
-          <a:p>
-            <a:endParaRPr lang="it-IT" b="0" baseline="0" dirty="0" smtClean="0">
-              <a:sym typeface="Wingdings"/>
-            </a:endParaRPr>
-          </a:p>
-        </p:txBody>
-      </p:sp>
-      <p:sp>
-        <p:nvSpPr>
-          <p:cNvPr id="4" name="Segnaposto numero diapositiva 3"/>
-          <p:cNvSpPr>
-            <a:spLocks noGrp="1"/>
-          </p:cNvSpPr>
-          <p:nvPr>
-            <p:ph type="sldNum" sz="quarter" idx="10"/>
-          </p:nvPr>
-        </p:nvSpPr>
-        <p:spPr/>
-        <p:txBody>
-          <a:bodyPr/>
-          <a:lstStyle/>
-          <a:p>
-            <a:fld id="{E73CFAA4-C87D-1545-9F8E-F35BF2220A99}" type="slidenum">
-              <a:rPr lang="it-IT" smtClean="0"/>
-              <a:pPr/>
-              <a:t>20</a:t>
-            </a:fld>
-            <a:endParaRPr lang="it-IT"/>
-          </a:p>
-        </p:txBody>
-      </p:sp>
-    </p:spTree>
-    <p:extLst>
-      <p:ext uri="{BB962C8B-B14F-4D97-AF65-F5344CB8AC3E}">
-        <p14:creationId xmlns="" xmlns:p14="http://schemas.microsoft.com/office/powerpoint/2010/main" val="2590524519"/>
-      </p:ext>
-    </p:extLst>
-  </p:cSld>
-  <p:clrMapOvr>
-    <a:masterClrMapping/>
-  </p:clrMapOvr>
-</p:notes>
-</file>
-
-<file path=ppt/notesSlides/notesSlide21.xml><?xml version="1.0" encoding="utf-8"?>
-<p:notes xmlns:a="http://schemas.openxmlformats.org/drawingml/2006/main" xmlns:r="http://schemas.openxmlformats.org/officeDocument/2006/relationships" xmlns:p="http://schemas.openxmlformats.org/presentationml/2006/main">
-  <p:cSld>
-    <p:spTree>
-      <p:nvGrpSpPr>
-        <p:cNvPr id="1" name=""/>
-        <p:cNvGrpSpPr/>
-        <p:nvPr/>
-      </p:nvGrpSpPr>
-      <p:grpSpPr>
-        <a:xfrm>
-          <a:off x="0" y="0"/>
-          <a:ext cx="0" cy="0"/>
-          <a:chOff x="0" y="0"/>
-          <a:chExt cx="0" cy="0"/>
-        </a:xfrm>
-      </p:grpSpPr>
-      <p:sp>
-        <p:nvSpPr>
-          <p:cNvPr id="2" name="Segnaposto immagine diapositiva 1"/>
-          <p:cNvSpPr>
-            <a:spLocks noGrp="1" noRot="1" noChangeAspect="1"/>
-          </p:cNvSpPr>
-          <p:nvPr>
-            <p:ph type="sldImg"/>
-          </p:nvPr>
-        </p:nvSpPr>
-        <p:spPr>
-          <a:xfrm>
-            <a:off x="3254375" y="509588"/>
-            <a:ext cx="3397250" cy="2547937"/>
-          </a:xfrm>
-        </p:spPr>
-      </p:sp>
-      <p:sp>
-        <p:nvSpPr>
-          <p:cNvPr id="3" name="Segnaposto note 2"/>
-          <p:cNvSpPr>
-            <a:spLocks noGrp="1"/>
-          </p:cNvSpPr>
-          <p:nvPr>
-            <p:ph type="body" idx="1"/>
-          </p:nvPr>
-        </p:nvSpPr>
-        <p:spPr/>
-        <p:txBody>
-          <a:bodyPr/>
-          <a:lstStyle/>
-          <a:p>
-            <a:endParaRPr lang="it-IT" b="0" dirty="0" smtClean="0"/>
-          </a:p>
-        </p:txBody>
-      </p:sp>
-      <p:sp>
-        <p:nvSpPr>
-          <p:cNvPr id="4" name="Segnaposto numero diapositiva 3"/>
-          <p:cNvSpPr>
-            <a:spLocks noGrp="1"/>
-          </p:cNvSpPr>
-          <p:nvPr>
-            <p:ph type="sldNum" sz="quarter" idx="10"/>
-          </p:nvPr>
-        </p:nvSpPr>
-        <p:spPr/>
-        <p:txBody>
-          <a:bodyPr/>
-          <a:lstStyle/>
-          <a:p>
-            <a:fld id="{E73CFAA4-C87D-1545-9F8E-F35BF2220A99}" type="slidenum">
-              <a:rPr lang="it-IT" smtClean="0"/>
-              <a:pPr/>
-              <a:t>21</a:t>
-            </a:fld>
-            <a:endParaRPr lang="it-IT"/>
-          </a:p>
-        </p:txBody>
-      </p:sp>
-    </p:spTree>
-    <p:extLst>
-      <p:ext uri="{BB962C8B-B14F-4D97-AF65-F5344CB8AC3E}">
-        <p14:creationId xmlns="" xmlns:p14="http://schemas.microsoft.com/office/powerpoint/2010/main" val="459318317"/>
-      </p:ext>
-    </p:extLst>
-  </p:cSld>
-  <p:clrMapOvr>
-    <a:masterClrMapping/>
-  </p:clrMapOvr>
-</p:notes>
-</file>
-
-<file path=ppt/notesSlides/notesSlide22.xml><?xml version="1.0" encoding="utf-8"?>
-<p:notes xmlns:a="http://schemas.openxmlformats.org/drawingml/2006/main" xmlns:r="http://schemas.openxmlformats.org/officeDocument/2006/relationships" xmlns:p="http://schemas.openxmlformats.org/presentationml/2006/main">
-  <p:cSld>
-    <p:spTree>
-      <p:nvGrpSpPr>
-        <p:cNvPr id="1" name=""/>
-        <p:cNvGrpSpPr/>
-        <p:nvPr/>
-      </p:nvGrpSpPr>
-      <p:grpSpPr>
-        <a:xfrm>
-          <a:off x="0" y="0"/>
-          <a:ext cx="0" cy="0"/>
-          <a:chOff x="0" y="0"/>
-          <a:chExt cx="0" cy="0"/>
-        </a:xfrm>
-      </p:grpSpPr>
-      <p:sp>
-        <p:nvSpPr>
-          <p:cNvPr id="2" name="Segnaposto immagine diapositiva 1"/>
-          <p:cNvSpPr>
-            <a:spLocks noGrp="1" noRot="1" noChangeAspect="1"/>
-          </p:cNvSpPr>
-          <p:nvPr>
-            <p:ph type="sldImg"/>
-          </p:nvPr>
-        </p:nvSpPr>
-        <p:spPr>
-          <a:xfrm>
-            <a:off x="3254375" y="509588"/>
-            <a:ext cx="3397250" cy="2547937"/>
-          </a:xfrm>
-        </p:spPr>
-      </p:sp>
-      <p:sp>
-        <p:nvSpPr>
-          <p:cNvPr id="3" name="Segnaposto note 2"/>
-          <p:cNvSpPr>
-            <a:spLocks noGrp="1"/>
-          </p:cNvSpPr>
-          <p:nvPr>
-            <p:ph type="body" idx="1"/>
-          </p:nvPr>
-        </p:nvSpPr>
-        <p:spPr/>
-        <p:txBody>
-          <a:bodyPr/>
-          <a:lstStyle/>
-          <a:p>
-            <a:endParaRPr lang="it-IT" baseline="0" dirty="0" smtClean="0"/>
-          </a:p>
-        </p:txBody>
-      </p:sp>
-      <p:sp>
-        <p:nvSpPr>
-          <p:cNvPr id="4" name="Segnaposto numero diapositiva 3"/>
-          <p:cNvSpPr>
-            <a:spLocks noGrp="1"/>
-          </p:cNvSpPr>
-          <p:nvPr>
-            <p:ph type="sldNum" sz="quarter" idx="10"/>
-          </p:nvPr>
-        </p:nvSpPr>
-        <p:spPr/>
-        <p:txBody>
-          <a:bodyPr/>
-          <a:lstStyle/>
-          <a:p>
-            <a:fld id="{E73CFAA4-C87D-1545-9F8E-F35BF2220A99}" type="slidenum">
-              <a:rPr lang="it-IT" smtClean="0"/>
-              <a:pPr/>
-              <a:t>22</a:t>
-            </a:fld>
-            <a:endParaRPr lang="it-IT"/>
-          </a:p>
-        </p:txBody>
-      </p:sp>
-    </p:spTree>
-    <p:extLst>
-      <p:ext uri="{BB962C8B-B14F-4D97-AF65-F5344CB8AC3E}">
-        <p14:creationId xmlns="" xmlns:p14="http://schemas.microsoft.com/office/powerpoint/2010/main" val="70992606"/>
-      </p:ext>
-    </p:extLst>
-  </p:cSld>
-  <p:clrMapOvr>
-    <a:masterClrMapping/>
-  </p:clrMapOvr>
-</p:notes>
-</file>
-
-<file path=ppt/notesSlides/notesSlide23.xml><?xml version="1.0" encoding="utf-8"?>
-<p:notes xmlns:a="http://schemas.openxmlformats.org/drawingml/2006/main" xmlns:r="http://schemas.openxmlformats.org/officeDocument/2006/relationships" xmlns:p="http://schemas.openxmlformats.org/presentationml/2006/main">
-  <p:cSld>
-    <p:spTree>
-      <p:nvGrpSpPr>
-        <p:cNvPr id="1" name=""/>
-        <p:cNvGrpSpPr/>
-        <p:nvPr/>
-      </p:nvGrpSpPr>
-      <p:grpSpPr>
-        <a:xfrm>
-          <a:off x="0" y="0"/>
-          <a:ext cx="0" cy="0"/>
-          <a:chOff x="0" y="0"/>
-          <a:chExt cx="0" cy="0"/>
-        </a:xfrm>
-      </p:grpSpPr>
-      <p:sp>
-        <p:nvSpPr>
-          <p:cNvPr id="2" name="Segnaposto immagine diapositiva 1"/>
-          <p:cNvSpPr>
-            <a:spLocks noGrp="1" noRot="1" noChangeAspect="1"/>
-          </p:cNvSpPr>
-          <p:nvPr>
-            <p:ph type="sldImg"/>
-          </p:nvPr>
-        </p:nvSpPr>
-        <p:spPr>
-          <a:xfrm>
-            <a:off x="3254375" y="509588"/>
-            <a:ext cx="3397250" cy="2547937"/>
-          </a:xfrm>
-        </p:spPr>
-      </p:sp>
-      <p:sp>
-        <p:nvSpPr>
-          <p:cNvPr id="3" name="Segnaposto note 2"/>
-          <p:cNvSpPr>
-            <a:spLocks noGrp="1"/>
-          </p:cNvSpPr>
-          <p:nvPr>
-            <p:ph type="body" idx="1"/>
-          </p:nvPr>
-        </p:nvSpPr>
-        <p:spPr/>
-        <p:txBody>
-          <a:bodyPr/>
-          <a:lstStyle/>
-          <a:p>
-            <a:endParaRPr lang="it-IT" sz="1200" b="0" dirty="0"/>
-          </a:p>
-        </p:txBody>
-      </p:sp>
-      <p:sp>
-        <p:nvSpPr>
-          <p:cNvPr id="4" name="Segnaposto numero diapositiva 3"/>
-          <p:cNvSpPr>
-            <a:spLocks noGrp="1"/>
-          </p:cNvSpPr>
-          <p:nvPr>
-            <p:ph type="sldNum" sz="quarter" idx="10"/>
-          </p:nvPr>
-        </p:nvSpPr>
-        <p:spPr/>
-        <p:txBody>
-          <a:bodyPr/>
-          <a:lstStyle/>
-          <a:p>
-            <a:fld id="{E73CFAA4-C87D-1545-9F8E-F35BF2220A99}" type="slidenum">
-              <a:rPr lang="it-IT" smtClean="0"/>
-              <a:pPr/>
-              <a:t>23</a:t>
-            </a:fld>
-            <a:endParaRPr lang="it-IT"/>
-          </a:p>
-        </p:txBody>
-      </p:sp>
-    </p:spTree>
-    <p:extLst>
-      <p:ext uri="{BB962C8B-B14F-4D97-AF65-F5344CB8AC3E}">
-        <p14:creationId xmlns="" xmlns:p14="http://schemas.microsoft.com/office/powerpoint/2010/main" val="1987704509"/>
-      </p:ext>
-    </p:extLst>
-  </p:cSld>
-  <p:clrMapOvr>
-    <a:masterClrMapping/>
-  </p:clrMapOvr>
-</p:notes>
-</file>
-
-<file path=ppt/notesSlides/notesSlide24.xml><?xml version="1.0" encoding="utf-8"?>
-<p:notes xmlns:a="http://schemas.openxmlformats.org/drawingml/2006/main" xmlns:r="http://schemas.openxmlformats.org/officeDocument/2006/relationships" xmlns:p="http://schemas.openxmlformats.org/presentationml/2006/main">
-  <p:cSld>
-    <p:spTree>
-      <p:nvGrpSpPr>
-        <p:cNvPr id="1" name=""/>
-        <p:cNvGrpSpPr/>
-        <p:nvPr/>
-      </p:nvGrpSpPr>
-      <p:grpSpPr>
-        <a:xfrm>
-          <a:off x="0" y="0"/>
-          <a:ext cx="0" cy="0"/>
-          <a:chOff x="0" y="0"/>
-          <a:chExt cx="0" cy="0"/>
-        </a:xfrm>
-      </p:grpSpPr>
-      <p:sp>
-        <p:nvSpPr>
-          <p:cNvPr id="2" name="Segnaposto immagine diapositiva 1"/>
-          <p:cNvSpPr>
-            <a:spLocks noGrp="1" noRot="1" noChangeAspect="1"/>
-          </p:cNvSpPr>
-          <p:nvPr>
-            <p:ph type="sldImg"/>
-          </p:nvPr>
-        </p:nvSpPr>
-        <p:spPr>
-          <a:xfrm>
-            <a:off x="3254375" y="509588"/>
-            <a:ext cx="3397250" cy="2547937"/>
-          </a:xfrm>
-        </p:spPr>
-      </p:sp>
-      <p:sp>
-        <p:nvSpPr>
-          <p:cNvPr id="3" name="Segnaposto note 2"/>
-          <p:cNvSpPr>
-            <a:spLocks noGrp="1"/>
-          </p:cNvSpPr>
-          <p:nvPr>
-            <p:ph type="body" idx="1"/>
-          </p:nvPr>
-        </p:nvSpPr>
-        <p:spPr/>
-        <p:txBody>
-          <a:bodyPr/>
-          <a:lstStyle/>
-          <a:p>
-            <a:endParaRPr lang="it-IT" baseline="0" dirty="0" smtClean="0"/>
-          </a:p>
-        </p:txBody>
-      </p:sp>
-      <p:sp>
-        <p:nvSpPr>
-          <p:cNvPr id="4" name="Segnaposto numero diapositiva 3"/>
-          <p:cNvSpPr>
-            <a:spLocks noGrp="1"/>
-          </p:cNvSpPr>
-          <p:nvPr>
-            <p:ph type="sldNum" sz="quarter" idx="10"/>
-          </p:nvPr>
-        </p:nvSpPr>
-        <p:spPr/>
-        <p:txBody>
-          <a:bodyPr/>
-          <a:lstStyle/>
-          <a:p>
-            <a:fld id="{E73CFAA4-C87D-1545-9F8E-F35BF2220A99}" type="slidenum">
-              <a:rPr lang="it-IT" smtClean="0"/>
-              <a:pPr/>
-              <a:t>24</a:t>
-            </a:fld>
-            <a:endParaRPr lang="it-IT"/>
-          </a:p>
-        </p:txBody>
-      </p:sp>
-    </p:spTree>
-    <p:extLst>
-      <p:ext uri="{BB962C8B-B14F-4D97-AF65-F5344CB8AC3E}">
-        <p14:creationId xmlns="" xmlns:p14="http://schemas.microsoft.com/office/powerpoint/2010/main" val="70992606"/>
-      </p:ext>
-    </p:extLst>
-  </p:cSld>
-  <p:clrMapOvr>
-    <a:masterClrMapping/>
-  </p:clrMapOvr>
-</p:notes>
-</file>
-
-<file path=ppt/notesSlides/notesSlide25.xml><?xml version="1.0" encoding="utf-8"?>
-<p:notes xmlns:a="http://schemas.openxmlformats.org/drawingml/2006/main" xmlns:r="http://schemas.openxmlformats.org/officeDocument/2006/relationships" xmlns:p="http://schemas.openxmlformats.org/presentationml/2006/main">
-  <p:cSld>
-    <p:spTree>
-      <p:nvGrpSpPr>
-        <p:cNvPr id="1" name=""/>
-        <p:cNvGrpSpPr/>
-        <p:nvPr/>
-      </p:nvGrpSpPr>
-      <p:grpSpPr>
-        <a:xfrm>
-          <a:off x="0" y="0"/>
-          <a:ext cx="0" cy="0"/>
-          <a:chOff x="0" y="0"/>
-          <a:chExt cx="0" cy="0"/>
-        </a:xfrm>
-      </p:grpSpPr>
-      <p:sp>
-        <p:nvSpPr>
-          <p:cNvPr id="2" name="Segnaposto immagine diapositiva 1"/>
-          <p:cNvSpPr>
-            <a:spLocks noGrp="1" noRot="1" noChangeAspect="1"/>
-          </p:cNvSpPr>
-          <p:nvPr>
-            <p:ph type="sldImg"/>
-          </p:nvPr>
-        </p:nvSpPr>
-        <p:spPr>
-          <a:xfrm>
-            <a:off x="3254375" y="509588"/>
-            <a:ext cx="3397250" cy="2547937"/>
-          </a:xfrm>
-        </p:spPr>
-      </p:sp>
-      <p:sp>
-        <p:nvSpPr>
-          <p:cNvPr id="3" name="Segnaposto note 2"/>
-          <p:cNvSpPr>
-            <a:spLocks noGrp="1"/>
-          </p:cNvSpPr>
-          <p:nvPr>
-            <p:ph type="body" idx="1"/>
-          </p:nvPr>
-        </p:nvSpPr>
-        <p:spPr/>
-        <p:txBody>
-          <a:bodyPr/>
-          <a:lstStyle/>
-          <a:p>
-            <a:pPr marL="0" marR="0" indent="0" algn="l" defTabSz="457200" rtl="0" eaLnBrk="1" fontAlgn="auto" latinLnBrk="0" hangingPunct="1">
-              <a:lnSpc>
-                <a:spcPct val="100000"/>
-              </a:lnSpc>
-              <a:spcBef>
-                <a:spcPts val="0"/>
-              </a:spcBef>
-              <a:spcAft>
-                <a:spcPts val="0"/>
-              </a:spcAft>
-              <a:buClrTx/>
-              <a:buSzTx/>
-              <a:buFontTx/>
-              <a:buNone/>
-              <a:tabLst/>
-              <a:defRPr/>
-            </a:pPr>
-            <a:endParaRPr lang="it-IT" b="0" dirty="0"/>
-          </a:p>
-        </p:txBody>
-      </p:sp>
-      <p:sp>
-        <p:nvSpPr>
-          <p:cNvPr id="4" name="Segnaposto numero diapositiva 3"/>
-          <p:cNvSpPr>
-            <a:spLocks noGrp="1"/>
-          </p:cNvSpPr>
-          <p:nvPr>
-            <p:ph type="sldNum" sz="quarter" idx="10"/>
-          </p:nvPr>
-        </p:nvSpPr>
-        <p:spPr/>
-        <p:txBody>
-          <a:bodyPr/>
-          <a:lstStyle/>
-          <a:p>
-            <a:fld id="{E73CFAA4-C87D-1545-9F8E-F35BF2220A99}" type="slidenum">
-              <a:rPr lang="it-IT" smtClean="0"/>
-              <a:pPr/>
-              <a:t>25</a:t>
-            </a:fld>
-            <a:endParaRPr lang="it-IT"/>
-          </a:p>
-        </p:txBody>
-      </p:sp>
-    </p:spTree>
-    <p:extLst>
-      <p:ext uri="{BB962C8B-B14F-4D97-AF65-F5344CB8AC3E}">
-        <p14:creationId xmlns="" xmlns:p14="http://schemas.microsoft.com/office/powerpoint/2010/main" val="2864582512"/>
+        <p14:creationId xmlns:p14="http://schemas.microsoft.com/office/powerpoint/2010/main" xmlns="" val="70992606"/>
       </p:ext>
     </p:extLst>
   </p:cSld>
@@ -2424,7 +1939,7 @@
     </p:spTree>
     <p:extLst>
       <p:ext uri="{BB962C8B-B14F-4D97-AF65-F5344CB8AC3E}">
-        <p14:creationId xmlns="" xmlns:p14="http://schemas.microsoft.com/office/powerpoint/2010/main" val="70992606"/>
+        <p14:creationId xmlns:p14="http://schemas.microsoft.com/office/powerpoint/2010/main" xmlns="" val="70992606"/>
       </p:ext>
     </p:extLst>
   </p:cSld>
@@ -2533,7 +2048,7 @@
     </p:spTree>
     <p:extLst>
       <p:ext uri="{BB962C8B-B14F-4D97-AF65-F5344CB8AC3E}">
-        <p14:creationId xmlns="" xmlns:p14="http://schemas.microsoft.com/office/powerpoint/2010/main" val="2759415330"/>
+        <p14:creationId xmlns:p14="http://schemas.microsoft.com/office/powerpoint/2010/main" xmlns="" val="2759415330"/>
       </p:ext>
     </p:extLst>
   </p:cSld>
@@ -2592,26 +2107,7 @@
           <a:bodyPr/>
           <a:lstStyle/>
           <a:p>
-            <a:pPr marL="0" marR="0" indent="0" algn="l" defTabSz="457200" rtl="0" eaLnBrk="1" fontAlgn="auto" latinLnBrk="0" hangingPunct="1">
-              <a:lnSpc>
-                <a:spcPct val="100000"/>
-              </a:lnSpc>
-              <a:spcBef>
-                <a:spcPts val="0"/>
-              </a:spcBef>
-              <a:spcAft>
-                <a:spcPts val="0"/>
-              </a:spcAft>
-              <a:buClrTx/>
-              <a:buSzTx/>
-              <a:buFontTx/>
-              <a:buNone/>
-              <a:tabLst/>
-              <a:defRPr/>
-            </a:pPr>
-            <a:endParaRPr lang="it-IT" sz="1200" b="0" baseline="0" dirty="0" smtClean="0">
-              <a:sym typeface="Wingdings"/>
-            </a:endParaRPr>
+            <a:endParaRPr lang="it-IT" baseline="0" dirty="0" smtClean="0"/>
           </a:p>
         </p:txBody>
       </p:sp>
@@ -2642,7 +2138,7 @@
     </p:spTree>
     <p:extLst>
       <p:ext uri="{BB962C8B-B14F-4D97-AF65-F5344CB8AC3E}">
-        <p14:creationId xmlns="" xmlns:p14="http://schemas.microsoft.com/office/powerpoint/2010/main" val="2759415330"/>
+        <p14:creationId xmlns:p14="http://schemas.microsoft.com/office/powerpoint/2010/main" xmlns="" val="70992606"/>
       </p:ext>
     </p:extLst>
   </p:cSld>
@@ -2753,7 +2249,7 @@
     </p:spTree>
     <p:extLst>
       <p:ext uri="{BB962C8B-B14F-4D97-AF65-F5344CB8AC3E}">
-        <p14:creationId xmlns="" xmlns:p14="http://schemas.microsoft.com/office/powerpoint/2010/main" val="650065356"/>
+        <p14:creationId xmlns:p14="http://schemas.microsoft.com/office/powerpoint/2010/main" xmlns="" val="650065356"/>
       </p:ext>
     </p:extLst>
   </p:cSld>
@@ -2812,7 +2308,28 @@
           <a:bodyPr/>
           <a:lstStyle/>
           <a:p>
-            <a:endParaRPr lang="it-IT" baseline="0" dirty="0" smtClean="0"/>
+            <a:pPr marL="0" marR="0" indent="0" algn="l" defTabSz="457200" rtl="0" eaLnBrk="1" fontAlgn="auto" latinLnBrk="0" hangingPunct="1">
+              <a:lnSpc>
+                <a:spcPct val="100000"/>
+              </a:lnSpc>
+              <a:spcBef>
+                <a:spcPts val="0"/>
+              </a:spcBef>
+              <a:spcAft>
+                <a:spcPts val="0"/>
+              </a:spcAft>
+              <a:buClrTx/>
+              <a:buSzTx/>
+              <a:buFontTx/>
+              <a:buNone/>
+              <a:tabLst/>
+              <a:defRPr/>
+            </a:pPr>
+            <a:endParaRPr lang="it-IT" b="0" dirty="0" smtClean="0">
+              <a:solidFill>
+                <a:schemeClr val="tx1"/>
+              </a:solidFill>
+            </a:endParaRPr>
           </a:p>
         </p:txBody>
       </p:sp>
@@ -2843,7 +2360,7 @@
     </p:spTree>
     <p:extLst>
       <p:ext uri="{BB962C8B-B14F-4D97-AF65-F5344CB8AC3E}">
-        <p14:creationId xmlns="" xmlns:p14="http://schemas.microsoft.com/office/powerpoint/2010/main" val="70992606"/>
+        <p14:creationId xmlns:p14="http://schemas.microsoft.com/office/powerpoint/2010/main" xmlns="" val="650065356"/>
       </p:ext>
     </p:extLst>
   </p:cSld>
@@ -2954,7 +2471,7 @@
     </p:spTree>
     <p:extLst>
       <p:ext uri="{BB962C8B-B14F-4D97-AF65-F5344CB8AC3E}">
-        <p14:creationId xmlns="" xmlns:p14="http://schemas.microsoft.com/office/powerpoint/2010/main" val="650065356"/>
+        <p14:creationId xmlns:p14="http://schemas.microsoft.com/office/powerpoint/2010/main" xmlns="" val="650065356"/>
       </p:ext>
     </p:extLst>
   </p:cSld>
@@ -3013,28 +2530,7 @@
           <a:bodyPr/>
           <a:lstStyle/>
           <a:p>
-            <a:pPr marL="0" marR="0" indent="0" algn="l" defTabSz="457200" rtl="0" eaLnBrk="1" fontAlgn="auto" latinLnBrk="0" hangingPunct="1">
-              <a:lnSpc>
-                <a:spcPct val="100000"/>
-              </a:lnSpc>
-              <a:spcBef>
-                <a:spcPts val="0"/>
-              </a:spcBef>
-              <a:spcAft>
-                <a:spcPts val="0"/>
-              </a:spcAft>
-              <a:buClrTx/>
-              <a:buSzTx/>
-              <a:buFontTx/>
-              <a:buNone/>
-              <a:tabLst/>
-              <a:defRPr/>
-            </a:pPr>
-            <a:endParaRPr lang="it-IT" b="0" dirty="0" smtClean="0">
-              <a:solidFill>
-                <a:schemeClr val="tx1"/>
-              </a:solidFill>
-            </a:endParaRPr>
+            <a:endParaRPr lang="it-IT" baseline="0" dirty="0" smtClean="0"/>
           </a:p>
         </p:txBody>
       </p:sp>
@@ -3065,7 +2561,7 @@
     </p:spTree>
     <p:extLst>
       <p:ext uri="{BB962C8B-B14F-4D97-AF65-F5344CB8AC3E}">
-        <p14:creationId xmlns="" xmlns:p14="http://schemas.microsoft.com/office/powerpoint/2010/main" val="650065356"/>
+        <p14:creationId xmlns:p14="http://schemas.microsoft.com/office/powerpoint/2010/main" xmlns="" val="70992606"/>
       </p:ext>
     </p:extLst>
   </p:cSld>
@@ -3227,7 +2723,7 @@
     </p:spTree>
     <p:extLst>
       <p:ext uri="{BB962C8B-B14F-4D97-AF65-F5344CB8AC3E}">
-        <p14:creationId xmlns="" xmlns:p14="http://schemas.microsoft.com/office/powerpoint/2010/main" val="27430096"/>
+        <p14:creationId xmlns:p14="http://schemas.microsoft.com/office/powerpoint/2010/main" xmlns="" val="27430096"/>
       </p:ext>
     </p:extLst>
   </p:cSld>
@@ -3345,7 +2841,7 @@
     </p:spTree>
     <p:extLst>
       <p:ext uri="{BB962C8B-B14F-4D97-AF65-F5344CB8AC3E}">
-        <p14:creationId xmlns="" xmlns:p14="http://schemas.microsoft.com/office/powerpoint/2010/main" val="1473926903"/>
+        <p14:creationId xmlns:p14="http://schemas.microsoft.com/office/powerpoint/2010/main" xmlns="" val="1473926903"/>
       </p:ext>
     </p:extLst>
   </p:cSld>
@@ -3463,7 +2959,7 @@
     </p:spTree>
     <p:extLst>
       <p:ext uri="{BB962C8B-B14F-4D97-AF65-F5344CB8AC3E}">
-        <p14:creationId xmlns="" xmlns:p14="http://schemas.microsoft.com/office/powerpoint/2010/main" val="1681231856"/>
+        <p14:creationId xmlns:p14="http://schemas.microsoft.com/office/powerpoint/2010/main" xmlns="" val="1681231856"/>
       </p:ext>
     </p:extLst>
   </p:cSld>
@@ -3625,7 +3121,7 @@
     </p:spTree>
     <p:extLst>
       <p:ext uri="{BB962C8B-B14F-4D97-AF65-F5344CB8AC3E}">
-        <p14:creationId xmlns="" xmlns:p14="http://schemas.microsoft.com/office/powerpoint/2010/main" val="27430096"/>
+        <p14:creationId xmlns:p14="http://schemas.microsoft.com/office/powerpoint/2010/main" xmlns="" val="27430096"/>
       </p:ext>
     </p:extLst>
   </p:cSld>
@@ -3678,7 +3174,7 @@
     </p:spTree>
     <p:extLst>
       <p:ext uri="{BB962C8B-B14F-4D97-AF65-F5344CB8AC3E}">
-        <p14:creationId xmlns="" xmlns:p14="http://schemas.microsoft.com/office/powerpoint/2010/main" val="1191776143"/>
+        <p14:creationId xmlns:p14="http://schemas.microsoft.com/office/powerpoint/2010/main" xmlns="" val="1191776143"/>
       </p:ext>
     </p:extLst>
   </p:cSld>
@@ -3708,7 +3204,7 @@
     </p:spTree>
     <p:extLst>
       <p:ext uri="{BB962C8B-B14F-4D97-AF65-F5344CB8AC3E}">
-        <p14:creationId xmlns="" xmlns:p14="http://schemas.microsoft.com/office/powerpoint/2010/main" val="871637495"/>
+        <p14:creationId xmlns:p14="http://schemas.microsoft.com/office/powerpoint/2010/main" xmlns="" val="871637495"/>
       </p:ext>
     </p:extLst>
   </p:cSld>
@@ -3761,7 +3257,7 @@
     </p:spTree>
     <p:extLst>
       <p:ext uri="{BB962C8B-B14F-4D97-AF65-F5344CB8AC3E}">
-        <p14:creationId xmlns="" xmlns:p14="http://schemas.microsoft.com/office/powerpoint/2010/main" val="1191776143"/>
+        <p14:creationId xmlns:p14="http://schemas.microsoft.com/office/powerpoint/2010/main" xmlns="" val="1191776143"/>
       </p:ext>
     </p:extLst>
   </p:cSld>
@@ -3791,7 +3287,7 @@
     </p:spTree>
     <p:extLst>
       <p:ext uri="{BB962C8B-B14F-4D97-AF65-F5344CB8AC3E}">
-        <p14:creationId xmlns="" xmlns:p14="http://schemas.microsoft.com/office/powerpoint/2010/main" val="871637495"/>
+        <p14:creationId xmlns:p14="http://schemas.microsoft.com/office/powerpoint/2010/main" xmlns="" val="871637495"/>
       </p:ext>
     </p:extLst>
   </p:cSld>
@@ -3878,7 +3374,7 @@
     </p:spTree>
     <p:extLst>
       <p:ext uri="{BB962C8B-B14F-4D97-AF65-F5344CB8AC3E}">
-        <p14:creationId xmlns="" xmlns:p14="http://schemas.microsoft.com/office/powerpoint/2010/main" val="1724467125"/>
+        <p14:creationId xmlns:p14="http://schemas.microsoft.com/office/powerpoint/2010/main" xmlns="" val="1724467125"/>
       </p:ext>
     </p:extLst>
   </p:cSld>
@@ -4061,7 +3557,7 @@
     </p:spTree>
     <p:extLst>
       <p:ext uri="{BB962C8B-B14F-4D97-AF65-F5344CB8AC3E}">
-        <p14:creationId xmlns="" xmlns:p14="http://schemas.microsoft.com/office/powerpoint/2010/main" val="3825920509"/>
+        <p14:creationId xmlns:p14="http://schemas.microsoft.com/office/powerpoint/2010/main" xmlns="" val="3825920509"/>
       </p:ext>
     </p:extLst>
   </p:cSld>
@@ -4179,7 +3675,7 @@
     </p:spTree>
     <p:extLst>
       <p:ext uri="{BB962C8B-B14F-4D97-AF65-F5344CB8AC3E}">
-        <p14:creationId xmlns="" xmlns:p14="http://schemas.microsoft.com/office/powerpoint/2010/main" val="1473926903"/>
+        <p14:creationId xmlns:p14="http://schemas.microsoft.com/office/powerpoint/2010/main" xmlns="" val="1473926903"/>
       </p:ext>
     </p:extLst>
   </p:cSld>
@@ -4297,7 +3793,7 @@
     </p:spTree>
     <p:extLst>
       <p:ext uri="{BB962C8B-B14F-4D97-AF65-F5344CB8AC3E}">
-        <p14:creationId xmlns="" xmlns:p14="http://schemas.microsoft.com/office/powerpoint/2010/main" val="1681231856"/>
+        <p14:creationId xmlns:p14="http://schemas.microsoft.com/office/powerpoint/2010/main" xmlns="" val="1681231856"/>
       </p:ext>
     </p:extLst>
   </p:cSld>
@@ -4384,7 +3880,7 @@
     </p:spTree>
     <p:extLst>
       <p:ext uri="{BB962C8B-B14F-4D97-AF65-F5344CB8AC3E}">
-        <p14:creationId xmlns="" xmlns:p14="http://schemas.microsoft.com/office/powerpoint/2010/main" val="1724467125"/>
+        <p14:creationId xmlns:p14="http://schemas.microsoft.com/office/powerpoint/2010/main" xmlns="" val="1724467125"/>
       </p:ext>
     </p:extLst>
   </p:cSld>
@@ -4567,7 +4063,7 @@
     </p:spTree>
     <p:extLst>
       <p:ext uri="{BB962C8B-B14F-4D97-AF65-F5344CB8AC3E}">
-        <p14:creationId xmlns="" xmlns:p14="http://schemas.microsoft.com/office/powerpoint/2010/main" val="3825920509"/>
+        <p14:creationId xmlns:p14="http://schemas.microsoft.com/office/powerpoint/2010/main" xmlns="" val="3825920509"/>
       </p:ext>
     </p:extLst>
   </p:cSld>
@@ -4614,7 +4110,7 @@
           <a:blip r:embed="rId5" cstate="print">
             <a:extLst>
               <a:ext uri="{28A0092B-C50C-407E-A947-70E740481C1C}">
-                <a14:useLocalDpi xmlns="" xmlns:a14="http://schemas.microsoft.com/office/drawing/2010/main" val="0"/>
+                <a14:useLocalDpi xmlns:a14="http://schemas.microsoft.com/office/drawing/2010/main" xmlns="" val="0"/>
               </a:ext>
             </a:extLst>
           </a:blip>
@@ -4637,14 +4133,14 @@
           </a:ln>
           <a:extLst>
             <a:ext uri="{909E8E84-426E-40dd-AFC4-6F175D3DCCD1}">
-              <a14:hiddenFill xmlns="" xmlns:a14="http://schemas.microsoft.com/office/drawing/2010/main">
+              <a14:hiddenFill xmlns:a14="http://schemas.microsoft.com/office/drawing/2010/main" xmlns="">
                 <a:solidFill>
                   <a:srgbClr val="FFFFFF"/>
                 </a:solidFill>
               </a14:hiddenFill>
             </a:ext>
             <a:ext uri="{91240B29-F687-4f45-9708-019B960494DF}">
-              <a14:hiddenLine xmlns="" xmlns:a14="http://schemas.microsoft.com/office/drawing/2010/main" w="9525">
+              <a14:hiddenLine xmlns:a14="http://schemas.microsoft.com/office/drawing/2010/main" xmlns="" w="9525">
                 <a:solidFill>
                   <a:srgbClr val="000000"/>
                 </a:solidFill>
@@ -4722,14 +4218,14 @@
           </a:ln>
           <a:extLst>
             <a:ext uri="{909E8E84-426E-40dd-AFC4-6F175D3DCCD1}">
-              <a14:hiddenFill xmlns="" xmlns:a14="http://schemas.microsoft.com/office/drawing/2010/main">
+              <a14:hiddenFill xmlns:a14="http://schemas.microsoft.com/office/drawing/2010/main" xmlns="">
                 <a:solidFill>
                   <a:srgbClr val="FFFFFF"/>
                 </a:solidFill>
               </a14:hiddenFill>
             </a:ext>
             <a:ext uri="{91240B29-F687-4f45-9708-019B960494DF}">
-              <a14:hiddenLine xmlns="" xmlns:a14="http://schemas.microsoft.com/office/drawing/2010/main" w="9525">
+              <a14:hiddenLine xmlns:a14="http://schemas.microsoft.com/office/drawing/2010/main" xmlns="" w="9525">
                 <a:solidFill>
                   <a:srgbClr val="000000"/>
                 </a:solidFill>
@@ -4739,7 +4235,7 @@
               </a14:hiddenLine>
             </a:ext>
             <a:ext uri="{FAA26D3D-D897-4be2-8F04-BA451C77F1D7}">
-              <ma14:placeholderFlag xmlns="" xmlns:ma14="http://schemas.microsoft.com/office/mac/drawingml/2011/main" val="1"/>
+              <ma14:placeholderFlag xmlns:ma14="http://schemas.microsoft.com/office/mac/drawingml/2011/main" xmlns="" val="1"/>
             </a:ext>
           </a:extLst>
         </p:spPr>
@@ -4788,14 +4284,14 @@
           </a:ln>
           <a:extLst>
             <a:ext uri="{909E8E84-426E-40dd-AFC4-6F175D3DCCD1}">
-              <a14:hiddenFill xmlns="" xmlns:a14="http://schemas.microsoft.com/office/drawing/2010/main">
+              <a14:hiddenFill xmlns:a14="http://schemas.microsoft.com/office/drawing/2010/main" xmlns="">
                 <a:solidFill>
                   <a:srgbClr val="FFFFFF"/>
                 </a:solidFill>
               </a14:hiddenFill>
             </a:ext>
             <a:ext uri="{91240B29-F687-4f45-9708-019B960494DF}">
-              <a14:hiddenLine xmlns="" xmlns:a14="http://schemas.microsoft.com/office/drawing/2010/main" w="9525">
+              <a14:hiddenLine xmlns:a14="http://schemas.microsoft.com/office/drawing/2010/main" xmlns="" w="9525">
                 <a:solidFill>
                   <a:srgbClr val="000000"/>
                 </a:solidFill>
@@ -4805,7 +4301,7 @@
               </a14:hiddenLine>
             </a:ext>
             <a:ext uri="{FAA26D3D-D897-4be2-8F04-BA451C77F1D7}">
-              <ma14:placeholderFlag xmlns="" xmlns:ma14="http://schemas.microsoft.com/office/mac/drawingml/2011/main" val="1"/>
+              <ma14:placeholderFlag xmlns:ma14="http://schemas.microsoft.com/office/mac/drawingml/2011/main" xmlns="" val="1"/>
             </a:ext>
           </a:extLst>
         </p:spPr>
@@ -4849,7 +4345,7 @@
     </p:spTree>
     <p:extLst>
       <p:ext uri="{BB962C8B-B14F-4D97-AF65-F5344CB8AC3E}">
-        <p14:creationId xmlns="" xmlns:p14="http://schemas.microsoft.com/office/powerpoint/2010/main" val="4048614870"/>
+        <p14:creationId xmlns:p14="http://schemas.microsoft.com/office/powerpoint/2010/main" xmlns="" val="4048614870"/>
       </p:ext>
     </p:extLst>
   </p:cSld>
@@ -5300,14 +4796,14 @@
           <a:effectLst/>
           <a:extLst>
             <a:ext uri="{909E8E84-426E-40dd-AFC4-6F175D3DCCD1}">
-              <a14:hiddenFill xmlns="" xmlns:a14="http://schemas.microsoft.com/office/drawing/2010/main">
+              <a14:hiddenFill xmlns:a14="http://schemas.microsoft.com/office/drawing/2010/main" xmlns="">
                 <a:solidFill>
                   <a:schemeClr val="accent1"/>
                 </a:solidFill>
               </a14:hiddenFill>
             </a:ext>
             <a:ext uri="{91240B29-F687-4f45-9708-019B960494DF}">
-              <a14:hiddenLine xmlns="" xmlns:a14="http://schemas.microsoft.com/office/drawing/2010/main" w="9525">
+              <a14:hiddenLine xmlns:a14="http://schemas.microsoft.com/office/drawing/2010/main" xmlns="" w="9525">
                 <a:solidFill>
                   <a:srgbClr val="FF6600"/>
                 </a:solidFill>
@@ -5317,7 +4813,7 @@
               </a14:hiddenLine>
             </a:ext>
             <a:ext uri="{AF507438-7753-43e0-B8FC-AC1667EBCBE1}">
-              <a14:hiddenEffects xmlns="" xmlns:a14="http://schemas.microsoft.com/office/drawing/2010/main">
+              <a14:hiddenEffects xmlns:a14="http://schemas.microsoft.com/office/drawing/2010/main" xmlns="">
                 <a:effectLst>
                   <a:outerShdw blurRad="63500" dist="38099" dir="2700000" algn="ctr" rotWithShape="0">
                     <a:schemeClr val="bg2">
@@ -5873,7 +5369,7 @@
           <a:blip r:embed="rId5" cstate="print">
             <a:extLst>
               <a:ext uri="{28A0092B-C50C-407E-A947-70E740481C1C}">
-                <a14:useLocalDpi xmlns="" xmlns:a14="http://schemas.microsoft.com/office/drawing/2010/main" val="0"/>
+                <a14:useLocalDpi xmlns:a14="http://schemas.microsoft.com/office/drawing/2010/main" xmlns="" val="0"/>
               </a:ext>
             </a:extLst>
           </a:blip>
@@ -5896,14 +5392,14 @@
           </a:ln>
           <a:extLst>
             <a:ext uri="{909E8E84-426E-40dd-AFC4-6F175D3DCCD1}">
-              <a14:hiddenFill xmlns="" xmlns:a14="http://schemas.microsoft.com/office/drawing/2010/main">
+              <a14:hiddenFill xmlns:a14="http://schemas.microsoft.com/office/drawing/2010/main" xmlns="">
                 <a:solidFill>
                   <a:srgbClr val="FFFFFF"/>
                 </a:solidFill>
               </a14:hiddenFill>
             </a:ext>
             <a:ext uri="{91240B29-F687-4f45-9708-019B960494DF}">
-              <a14:hiddenLine xmlns="" xmlns:a14="http://schemas.microsoft.com/office/drawing/2010/main" w="9525">
+              <a14:hiddenLine xmlns:a14="http://schemas.microsoft.com/office/drawing/2010/main" xmlns="" w="9525">
                 <a:solidFill>
                   <a:srgbClr val="000000"/>
                 </a:solidFill>
@@ -5981,14 +5477,14 @@
           </a:ln>
           <a:extLst>
             <a:ext uri="{909E8E84-426E-40dd-AFC4-6F175D3DCCD1}">
-              <a14:hiddenFill xmlns="" xmlns:a14="http://schemas.microsoft.com/office/drawing/2010/main">
+              <a14:hiddenFill xmlns:a14="http://schemas.microsoft.com/office/drawing/2010/main" xmlns="">
                 <a:solidFill>
                   <a:srgbClr val="FFFFFF"/>
                 </a:solidFill>
               </a14:hiddenFill>
             </a:ext>
             <a:ext uri="{91240B29-F687-4f45-9708-019B960494DF}">
-              <a14:hiddenLine xmlns="" xmlns:a14="http://schemas.microsoft.com/office/drawing/2010/main" w="9525">
+              <a14:hiddenLine xmlns:a14="http://schemas.microsoft.com/office/drawing/2010/main" xmlns="" w="9525">
                 <a:solidFill>
                   <a:srgbClr val="000000"/>
                 </a:solidFill>
@@ -5998,7 +5494,7 @@
               </a14:hiddenLine>
             </a:ext>
             <a:ext uri="{FAA26D3D-D897-4be2-8F04-BA451C77F1D7}">
-              <ma14:placeholderFlag xmlns="" xmlns:ma14="http://schemas.microsoft.com/office/mac/drawingml/2011/main" val="1"/>
+              <ma14:placeholderFlag xmlns:ma14="http://schemas.microsoft.com/office/mac/drawingml/2011/main" xmlns="" val="1"/>
             </a:ext>
           </a:extLst>
         </p:spPr>
@@ -6047,14 +5543,14 @@
           </a:ln>
           <a:extLst>
             <a:ext uri="{909E8E84-426E-40dd-AFC4-6F175D3DCCD1}">
-              <a14:hiddenFill xmlns="" xmlns:a14="http://schemas.microsoft.com/office/drawing/2010/main">
+              <a14:hiddenFill xmlns:a14="http://schemas.microsoft.com/office/drawing/2010/main" xmlns="">
                 <a:solidFill>
                   <a:srgbClr val="FFFFFF"/>
                 </a:solidFill>
               </a14:hiddenFill>
             </a:ext>
             <a:ext uri="{91240B29-F687-4f45-9708-019B960494DF}">
-              <a14:hiddenLine xmlns="" xmlns:a14="http://schemas.microsoft.com/office/drawing/2010/main" w="9525">
+              <a14:hiddenLine xmlns:a14="http://schemas.microsoft.com/office/drawing/2010/main" xmlns="" w="9525">
                 <a:solidFill>
                   <a:srgbClr val="000000"/>
                 </a:solidFill>
@@ -6064,7 +5560,7 @@
               </a14:hiddenLine>
             </a:ext>
             <a:ext uri="{FAA26D3D-D897-4be2-8F04-BA451C77F1D7}">
-              <ma14:placeholderFlag xmlns="" xmlns:ma14="http://schemas.microsoft.com/office/mac/drawingml/2011/main" val="1"/>
+              <ma14:placeholderFlag xmlns:ma14="http://schemas.microsoft.com/office/mac/drawingml/2011/main" xmlns="" val="1"/>
             </a:ext>
           </a:extLst>
         </p:spPr>
@@ -6108,7 +5604,7 @@
     </p:spTree>
     <p:extLst>
       <p:ext uri="{BB962C8B-B14F-4D97-AF65-F5344CB8AC3E}">
-        <p14:creationId xmlns="" xmlns:p14="http://schemas.microsoft.com/office/powerpoint/2010/main" val="4048614870"/>
+        <p14:creationId xmlns:p14="http://schemas.microsoft.com/office/powerpoint/2010/main" xmlns="" val="4048614870"/>
       </p:ext>
     </p:extLst>
   </p:cSld>
@@ -6794,7 +6290,7 @@
           <a:blip r:embed="rId3" cstate="print">
             <a:extLst>
               <a:ext uri="{28A0092B-C50C-407E-A947-70E740481C1C}">
-                <a14:useLocalDpi xmlns="" xmlns:a14="http://schemas.microsoft.com/office/drawing/2010/main" val="0"/>
+                <a14:useLocalDpi xmlns:a14="http://schemas.microsoft.com/office/drawing/2010/main" xmlns="" val="0"/>
               </a:ext>
             </a:extLst>
           </a:blip>
@@ -6815,7 +6311,7 @@
     </p:spTree>
     <p:extLst>
       <p:ext uri="{BB962C8B-B14F-4D97-AF65-F5344CB8AC3E}">
-        <p14:creationId xmlns="" xmlns:p14="http://schemas.microsoft.com/office/powerpoint/2010/main" val="2572022632"/>
+        <p14:creationId xmlns:p14="http://schemas.microsoft.com/office/powerpoint/2010/main" xmlns="" val="2572022632"/>
       </p:ext>
     </p:extLst>
   </p:cSld>
@@ -6823,7 +6319,7 @@
     <a:masterClrMapping/>
   </p:clrMapOvr>
   <mc:AlternateContent xmlns:mc="http://schemas.openxmlformats.org/markup-compatibility/2006">
-    <mc:Choice xmlns="" xmlns:p14="http://schemas.microsoft.com/office/powerpoint/2010/main" Requires="p14">
+    <mc:Choice xmlns:p14="http://schemas.microsoft.com/office/powerpoint/2010/main" xmlns="" Requires="p14">
       <p:transition spd="slow" p14:dur="2000" advTm="19458"/>
     </mc:Choice>
     <mc:Fallback>
@@ -6874,23 +6370,14 @@
           <a:p>
             <a:r>
               <a:rPr lang="it-IT" dirty="0" smtClean="0"/>
-              <a:t>BLE – Link </a:t>
-            </a:r>
-            <a:r>
-              <a:rPr lang="it-IT" dirty="0" err="1" smtClean="0"/>
-              <a:t>L</a:t>
-            </a:r>
-            <a:r>
-              <a:rPr lang="it-IT" dirty="0" err="1" smtClean="0"/>
-              <a:t>ayer</a:t>
-            </a:r>
-            <a:endParaRPr lang="it-IT" dirty="0"/>
+              <a:t>Modello di rete – caratteristiche scenario</a:t>
+            </a:r>
           </a:p>
         </p:txBody>
       </p:sp>
       <p:sp>
         <p:nvSpPr>
-          <p:cNvPr id="12" name="Segnaposto testo 11"/>
+          <p:cNvPr id="5" name="Segnaposto testo 4"/>
           <p:cNvSpPr>
             <a:spLocks noGrp="1"/>
           </p:cNvSpPr>
@@ -6898,12 +6385,502 @@
             <p:ph type="body" sz="quarter" idx="11"/>
           </p:nvPr>
         </p:nvSpPr>
-        <p:spPr/>
+        <p:spPr>
+          <a:xfrm>
+            <a:off x="711200" y="4648200"/>
+            <a:ext cx="4914900" cy="1930401"/>
+          </a:xfrm>
+        </p:spPr>
         <p:txBody>
           <a:bodyPr/>
           <a:lstStyle/>
           <a:p>
-            <a:endParaRPr lang="it-IT"/>
+            <a:pPr>
+              <a:buFont typeface="Arial" pitchFamily="34" charset="0"/>
+              <a:buChar char="•"/>
+            </a:pPr>
+            <a:r>
+              <a:rPr lang="it-IT" sz="2000" dirty="0" smtClean="0">
+                <a:solidFill>
+                  <a:schemeClr val="tx1"/>
+                </a:solidFill>
+              </a:rPr>
+              <a:t>Assenza di una struttura di rete</a:t>
+            </a:r>
+          </a:p>
+          <a:p>
+            <a:pPr>
+              <a:buFont typeface="Arial" pitchFamily="34" charset="0"/>
+              <a:buChar char="•"/>
+            </a:pPr>
+            <a:r>
+              <a:rPr lang="it-IT" sz="2000" dirty="0" smtClean="0">
+                <a:solidFill>
+                  <a:schemeClr val="tx1"/>
+                </a:solidFill>
+              </a:rPr>
+              <a:t>Assenza di conoscenza globale della rete</a:t>
+            </a:r>
+          </a:p>
+          <a:p>
+            <a:pPr>
+              <a:buFont typeface="Arial" pitchFamily="34" charset="0"/>
+              <a:buChar char="•"/>
+            </a:pPr>
+            <a:r>
+              <a:rPr lang="it-IT" sz="2000" dirty="0" smtClean="0">
+                <a:solidFill>
+                  <a:schemeClr val="tx1"/>
+                </a:solidFill>
+              </a:rPr>
+              <a:t>Assenza controlli centralizzati</a:t>
+            </a:r>
+          </a:p>
+          <a:p>
+            <a:pPr>
+              <a:buFont typeface="Arial" pitchFamily="34" charset="0"/>
+              <a:buChar char="•"/>
+            </a:pPr>
+            <a:r>
+              <a:rPr lang="it-IT" sz="2000" dirty="0" smtClean="0">
+                <a:solidFill>
+                  <a:schemeClr val="tx1"/>
+                </a:solidFill>
+              </a:rPr>
+              <a:t>Mancanza di un </a:t>
+            </a:r>
+            <a:r>
+              <a:rPr lang="it-IT" sz="2000" dirty="0" err="1" smtClean="0">
+                <a:solidFill>
+                  <a:schemeClr val="tx1"/>
+                </a:solidFill>
+              </a:rPr>
+              <a:t>overlay</a:t>
+            </a:r>
+            <a:endParaRPr lang="it-IT" sz="2000" dirty="0" smtClean="0">
+              <a:solidFill>
+                <a:schemeClr val="tx1"/>
+              </a:solidFill>
+            </a:endParaRPr>
+          </a:p>
+          <a:p>
+            <a:pPr>
+              <a:buFont typeface="Arial" pitchFamily="34" charset="0"/>
+              <a:buChar char="•"/>
+            </a:pPr>
+            <a:r>
+              <a:rPr lang="it-IT" sz="2000" dirty="0" smtClean="0">
+                <a:solidFill>
+                  <a:schemeClr val="tx1"/>
+                </a:solidFill>
+              </a:rPr>
+              <a:t>Visione locale della </a:t>
+            </a:r>
+            <a:r>
+              <a:rPr lang="it-IT" sz="2000" dirty="0" smtClean="0">
+                <a:solidFill>
+                  <a:schemeClr val="tx1"/>
+                </a:solidFill>
+              </a:rPr>
+              <a:t>rete</a:t>
+            </a:r>
+            <a:endParaRPr lang="it-IT" sz="2000" dirty="0" smtClean="0">
+              <a:solidFill>
+                <a:schemeClr val="tx1"/>
+              </a:solidFill>
+            </a:endParaRPr>
+          </a:p>
+        </p:txBody>
+      </p:sp>
+      <p:pic>
+        <p:nvPicPr>
+          <p:cNvPr id="2050" name="Picture 2" descr="C:\Users\Lorenzo\Documents\GitHub\Tesi\LaTeX\Pagliari_Lorenzo_Tesi\Images\reti\grafo_sconnesso.png"/>
+          <p:cNvPicPr>
+            <a:picLocks noChangeAspect="1" noChangeArrowheads="1"/>
+          </p:cNvPicPr>
+          <p:nvPr/>
+        </p:nvPicPr>
+        <p:blipFill>
+          <a:blip r:embed="rId4" cstate="print"/>
+          <a:srcRect/>
+          <a:stretch>
+            <a:fillRect/>
+          </a:stretch>
+        </p:blipFill>
+        <p:spPr bwMode="auto">
+          <a:xfrm>
+            <a:off x="5626100" y="4375090"/>
+            <a:ext cx="3347356" cy="2178110"/>
+          </a:xfrm>
+          <a:prstGeom prst="rect">
+            <a:avLst/>
+          </a:prstGeom>
+          <a:noFill/>
+        </p:spPr>
+      </p:pic>
+      <p:pic>
+        <p:nvPicPr>
+          <p:cNvPr id="2051" name="Picture 3" descr="C:\Users\Lorenzo\Documents\GitHub\Tesi\LaTeX\Pagliari_Lorenzo_Tesi\Images\reti\rete_cellulare.png"/>
+          <p:cNvPicPr>
+            <a:picLocks noChangeAspect="1" noChangeArrowheads="1"/>
+          </p:cNvPicPr>
+          <p:nvPr/>
+        </p:nvPicPr>
+        <p:blipFill>
+          <a:blip r:embed="rId5" cstate="print"/>
+          <a:srcRect/>
+          <a:stretch>
+            <a:fillRect/>
+          </a:stretch>
+        </p:blipFill>
+        <p:spPr bwMode="auto">
+          <a:xfrm>
+            <a:off x="5613399" y="1054100"/>
+            <a:ext cx="3313915" cy="2108201"/>
+          </a:xfrm>
+          <a:prstGeom prst="rect">
+            <a:avLst/>
+          </a:prstGeom>
+          <a:noFill/>
+        </p:spPr>
+      </p:pic>
+      <p:sp>
+        <p:nvSpPr>
+          <p:cNvPr id="8" name="Segnaposto testo 4"/>
+          <p:cNvSpPr txBox="1">
+            <a:spLocks/>
+          </p:cNvSpPr>
+          <p:nvPr/>
+        </p:nvSpPr>
+        <p:spPr>
+          <a:xfrm>
+            <a:off x="698500" y="1231899"/>
+            <a:ext cx="4914900" cy="2069501"/>
+          </a:xfrm>
+          <a:prstGeom prst="rect">
+            <a:avLst/>
+          </a:prstGeom>
+        </p:spPr>
+        <p:txBody>
+          <a:bodyPr vert="horz"/>
+          <a:lstStyle/>
+          <a:p>
+            <a:pPr marL="342900" marR="0" lvl="0" indent="-342900" algn="l" defTabSz="914400" rtl="0" eaLnBrk="1" fontAlgn="base" latinLnBrk="0" hangingPunct="1">
+              <a:lnSpc>
+                <a:spcPct val="100000"/>
+              </a:lnSpc>
+              <a:spcBef>
+                <a:spcPct val="20000"/>
+              </a:spcBef>
+              <a:spcAft>
+                <a:spcPct val="0"/>
+              </a:spcAft>
+              <a:buClrTx/>
+              <a:buSzTx/>
+              <a:buFont typeface="Arial" pitchFamily="34" charset="0"/>
+              <a:buChar char="•"/>
+              <a:tabLst/>
+              <a:defRPr/>
+            </a:pPr>
+            <a:r>
+              <a:rPr kumimoji="0" lang="it-IT" sz="2000" b="0" i="0" u="none" strike="noStrike" kern="1200" cap="none" spc="0" normalizeH="0" baseline="0" noProof="0" dirty="0" smtClean="0">
+                <a:ln>
+                  <a:noFill/>
+                </a:ln>
+                <a:solidFill>
+                  <a:schemeClr val="tx1"/>
+                </a:solidFill>
+                <a:effectLst/>
+                <a:uLnTx/>
+                <a:uFillTx/>
+                <a:latin typeface="+mn-lt"/>
+                <a:ea typeface="ＭＳ Ｐゴシック" charset="0"/>
+                <a:cs typeface="+mn-cs"/>
+              </a:rPr>
+              <a:t>Presenza</a:t>
+            </a:r>
+            <a:r>
+              <a:rPr kumimoji="0" lang="it-IT" sz="2000" b="0" i="0" u="none" strike="noStrike" kern="1200" cap="none" spc="0" normalizeH="0" noProof="0" dirty="0" smtClean="0">
+                <a:ln>
+                  <a:noFill/>
+                </a:ln>
+                <a:solidFill>
+                  <a:schemeClr val="tx1"/>
+                </a:solidFill>
+                <a:effectLst/>
+                <a:uLnTx/>
+                <a:uFillTx/>
+                <a:latin typeface="+mn-lt"/>
+                <a:ea typeface="ＭＳ Ｐゴシック" charset="0"/>
+                <a:cs typeface="+mn-cs"/>
+              </a:rPr>
+              <a:t> </a:t>
+            </a:r>
+            <a:r>
+              <a:rPr kumimoji="0" lang="it-IT" sz="2000" b="0" i="0" u="none" strike="noStrike" kern="1200" cap="none" spc="0" normalizeH="0" baseline="0" noProof="0" dirty="0" smtClean="0">
+                <a:ln>
+                  <a:noFill/>
+                </a:ln>
+                <a:solidFill>
+                  <a:schemeClr val="tx1"/>
+                </a:solidFill>
+                <a:effectLst/>
+                <a:uLnTx/>
+                <a:uFillTx/>
+                <a:latin typeface="+mn-lt"/>
+                <a:ea typeface="ＭＳ Ｐゴシック" charset="0"/>
+                <a:cs typeface="+mn-cs"/>
+              </a:rPr>
+              <a:t>di una struttura di rete</a:t>
+            </a:r>
+          </a:p>
+          <a:p>
+            <a:pPr marL="342900" marR="0" lvl="0" indent="-342900" algn="l" defTabSz="914400" rtl="0" eaLnBrk="1" fontAlgn="base" latinLnBrk="0" hangingPunct="1">
+              <a:lnSpc>
+                <a:spcPct val="100000"/>
+              </a:lnSpc>
+              <a:spcBef>
+                <a:spcPct val="20000"/>
+              </a:spcBef>
+              <a:spcAft>
+                <a:spcPct val="0"/>
+              </a:spcAft>
+              <a:buClrTx/>
+              <a:buSzTx/>
+              <a:buFont typeface="Arial" pitchFamily="34" charset="0"/>
+              <a:buChar char="•"/>
+              <a:tabLst/>
+              <a:defRPr/>
+            </a:pPr>
+            <a:r>
+              <a:rPr lang="it-IT" sz="2000" dirty="0" smtClean="0">
+                <a:latin typeface="+mn-lt"/>
+              </a:rPr>
+              <a:t>Lo smistamento dei messaggi è completamente in carico alla rete stessa</a:t>
+            </a:r>
+            <a:endParaRPr lang="it-IT" sz="2000" noProof="0" dirty="0" smtClean="0">
+              <a:latin typeface="+mn-lt"/>
+            </a:endParaRPr>
+          </a:p>
+          <a:p>
+            <a:pPr marL="342900" marR="0" lvl="0" indent="-342900" algn="l" defTabSz="914400" rtl="0" eaLnBrk="1" fontAlgn="base" latinLnBrk="0" hangingPunct="1">
+              <a:lnSpc>
+                <a:spcPct val="100000"/>
+              </a:lnSpc>
+              <a:spcBef>
+                <a:spcPct val="20000"/>
+              </a:spcBef>
+              <a:spcAft>
+                <a:spcPct val="0"/>
+              </a:spcAft>
+              <a:buClrTx/>
+              <a:buSzTx/>
+              <a:buFont typeface="Arial" pitchFamily="34" charset="0"/>
+              <a:buChar char="•"/>
+              <a:tabLst/>
+              <a:defRPr/>
+            </a:pPr>
+            <a:r>
+              <a:rPr kumimoji="0" lang="it-IT" sz="2000" b="0" i="0" u="none" strike="noStrike" kern="1200" cap="none" spc="0" normalizeH="0" baseline="0" noProof="0" dirty="0" smtClean="0">
+                <a:ln>
+                  <a:noFill/>
+                </a:ln>
+                <a:solidFill>
+                  <a:schemeClr val="tx1"/>
+                </a:solidFill>
+                <a:effectLst/>
+                <a:uLnTx/>
+                <a:uFillTx/>
+                <a:latin typeface="+mn-lt"/>
+                <a:ea typeface="ＭＳ Ｐゴシック" charset="0"/>
+                <a:cs typeface="+mn-cs"/>
+              </a:rPr>
+              <a:t>Controlli centralizzati </a:t>
+            </a:r>
+          </a:p>
+          <a:p>
+            <a:pPr marL="342900" marR="0" lvl="0" indent="-342900" algn="l" defTabSz="914400" rtl="0" eaLnBrk="1" fontAlgn="base" latinLnBrk="0" hangingPunct="1">
+              <a:lnSpc>
+                <a:spcPct val="100000"/>
+              </a:lnSpc>
+              <a:spcBef>
+                <a:spcPct val="20000"/>
+              </a:spcBef>
+              <a:spcAft>
+                <a:spcPct val="0"/>
+              </a:spcAft>
+              <a:buClrTx/>
+              <a:buSzTx/>
+              <a:buFont typeface="Arial" pitchFamily="34" charset="0"/>
+              <a:buChar char="•"/>
+              <a:tabLst/>
+              <a:defRPr/>
+            </a:pPr>
+            <a:r>
+              <a:rPr lang="it-IT" sz="2000" dirty="0" smtClean="0">
+                <a:latin typeface="+mn-lt"/>
+              </a:rPr>
+              <a:t>Possibilità di comunicare con qualsiasi dispositivo si conosca (visione globale)</a:t>
+            </a:r>
+            <a:endParaRPr kumimoji="0" lang="it-IT" sz="2000" b="0" i="0" u="none" strike="noStrike" kern="1200" cap="none" spc="0" normalizeH="0" baseline="0" noProof="0" dirty="0" smtClean="0">
+              <a:ln>
+                <a:noFill/>
+              </a:ln>
+              <a:solidFill>
+                <a:schemeClr val="tx1"/>
+              </a:solidFill>
+              <a:effectLst/>
+              <a:uLnTx/>
+              <a:uFillTx/>
+              <a:latin typeface="+mn-lt"/>
+              <a:ea typeface="ＭＳ Ｐゴシック" charset="0"/>
+              <a:cs typeface="+mn-cs"/>
+            </a:endParaRPr>
+          </a:p>
+        </p:txBody>
+      </p:sp>
+      <p:sp>
+        <p:nvSpPr>
+          <p:cNvPr id="10" name="CasellaDiTesto 9"/>
+          <p:cNvSpPr txBox="1"/>
+          <p:nvPr/>
+        </p:nvSpPr>
+        <p:spPr>
+          <a:xfrm>
+            <a:off x="1466850" y="854075"/>
+            <a:ext cx="2660650" cy="400110"/>
+          </a:xfrm>
+          <a:prstGeom prst="rect">
+            <a:avLst/>
+          </a:prstGeom>
+          <a:noFill/>
+        </p:spPr>
+        <p:txBody>
+          <a:bodyPr wrap="square" rtlCol="0">
+            <a:spAutoFit/>
+          </a:bodyPr>
+          <a:lstStyle/>
+          <a:p>
+            <a:pPr algn="ctr"/>
+            <a:r>
+              <a:rPr lang="it-IT" sz="2000" b="1" i="1" u="sng" dirty="0" smtClean="0">
+                <a:solidFill>
+                  <a:srgbClr val="0070C0"/>
+                </a:solidFill>
+              </a:rPr>
+              <a:t>Situazione normale</a:t>
+            </a:r>
+            <a:endParaRPr lang="it-IT" sz="2000" b="1" i="1" u="sng" dirty="0">
+              <a:solidFill>
+                <a:srgbClr val="0070C0"/>
+              </a:solidFill>
+            </a:endParaRPr>
+          </a:p>
+        </p:txBody>
+      </p:sp>
+      <p:sp>
+        <p:nvSpPr>
+          <p:cNvPr id="11" name="CasellaDiTesto 10"/>
+          <p:cNvSpPr txBox="1"/>
+          <p:nvPr/>
+        </p:nvSpPr>
+        <p:spPr>
+          <a:xfrm>
+            <a:off x="1390650" y="4248090"/>
+            <a:ext cx="3213100" cy="400110"/>
+          </a:xfrm>
+          <a:prstGeom prst="rect">
+            <a:avLst/>
+          </a:prstGeom>
+          <a:noFill/>
+        </p:spPr>
+        <p:txBody>
+          <a:bodyPr wrap="square" rtlCol="0">
+            <a:spAutoFit/>
+          </a:bodyPr>
+          <a:lstStyle/>
+          <a:p>
+            <a:pPr algn="ctr"/>
+            <a:r>
+              <a:rPr lang="it-IT" sz="2000" b="1" i="1" u="sng" dirty="0" smtClean="0">
+                <a:solidFill>
+                  <a:srgbClr val="0070C0"/>
+                </a:solidFill>
+              </a:rPr>
+              <a:t>Situazione di emergenza</a:t>
+            </a:r>
+            <a:endParaRPr lang="it-IT" sz="2000" b="1" i="1" u="sng" dirty="0">
+              <a:solidFill>
+                <a:srgbClr val="0070C0"/>
+              </a:solidFill>
+            </a:endParaRPr>
+          </a:p>
+        </p:txBody>
+      </p:sp>
+      <p:sp>
+        <p:nvSpPr>
+          <p:cNvPr id="13" name="Freccia in giù 12"/>
+          <p:cNvSpPr/>
+          <p:nvPr/>
+        </p:nvSpPr>
+        <p:spPr>
+          <a:xfrm>
+            <a:off x="4679950" y="3386138"/>
+            <a:ext cx="495300" cy="861952"/>
+          </a:xfrm>
+          <a:prstGeom prst="downArrow">
+            <a:avLst>
+              <a:gd name="adj1" fmla="val 48485"/>
+              <a:gd name="adj2" fmla="val 69946"/>
+            </a:avLst>
+          </a:prstGeom>
+          <a:solidFill>
+            <a:schemeClr val="tx1">
+              <a:lumMod val="50000"/>
+              <a:lumOff val="50000"/>
+            </a:schemeClr>
+          </a:solidFill>
+          <a:ln w="12700">
+            <a:solidFill>
+              <a:schemeClr val="tx1"/>
+            </a:solidFill>
+          </a:ln>
+          <a:effectLst>
+            <a:outerShdw blurRad="50800" dist="38100" algn="l" rotWithShape="0">
+              <a:prstClr val="black">
+                <a:alpha val="40000"/>
+              </a:prstClr>
+            </a:outerShdw>
+          </a:effectLst>
+        </p:spPr>
+        <p:style>
+          <a:lnRef idx="2">
+            <a:schemeClr val="accent1">
+              <a:shade val="50000"/>
+            </a:schemeClr>
+          </a:lnRef>
+          <a:fillRef idx="1">
+            <a:schemeClr val="accent1"/>
+          </a:fillRef>
+          <a:effectRef idx="0">
+            <a:schemeClr val="accent1"/>
+          </a:effectRef>
+          <a:fontRef idx="minor">
+            <a:schemeClr val="lt1"/>
+          </a:fontRef>
+        </p:style>
+        <p:txBody>
+          <a:bodyPr rtlCol="0" anchor="ctr"/>
+          <a:lstStyle/>
+          <a:p>
+            <a:pPr algn="ctr"/>
+            <a:endParaRPr lang="it-IT">
+              <a:ln>
+                <a:solidFill>
+                  <a:schemeClr val="tx1"/>
+                </a:solidFill>
+              </a:ln>
+            </a:endParaRPr>
           </a:p>
         </p:txBody>
       </p:sp>
@@ -6913,7 +6890,7 @@
     </p:custDataLst>
     <p:extLst>
       <p:ext uri="{BB962C8B-B14F-4D97-AF65-F5344CB8AC3E}">
-        <p14:creationId xmlns="" xmlns:p14="http://schemas.microsoft.com/office/powerpoint/2010/main" val="2671343476"/>
+        <p14:creationId xmlns:p14="http://schemas.microsoft.com/office/powerpoint/2010/main" xmlns="" val="2671343476"/>
       </p:ext>
     </p:extLst>
   </p:cSld>
@@ -6921,7 +6898,7 @@
     <a:masterClrMapping/>
   </p:clrMapOvr>
   <mc:AlternateContent xmlns:mc="http://schemas.openxmlformats.org/markup-compatibility/2006">
-    <mc:Choice xmlns="" xmlns:p14="http://schemas.microsoft.com/office/powerpoint/2010/main" Requires="p14">
+    <mc:Choice xmlns:p14="http://schemas.microsoft.com/office/powerpoint/2010/main" xmlns="" Requires="p14">
       <p:transition spd="slow" p14:dur="2000" advTm="157969"/>
     </mc:Choice>
     <mc:Fallback>
@@ -6972,15 +6949,35 @@
           <a:p>
             <a:r>
               <a:rPr lang="it-IT" dirty="0" smtClean="0"/>
-              <a:t>Sommario</a:t>
-            </a:r>
-            <a:endParaRPr lang="it-IT" dirty="0"/>
+              <a:t>Modello di rete – </a:t>
+            </a:r>
+            <a:r>
+              <a:rPr lang="it-IT" dirty="0" err="1" smtClean="0"/>
+              <a:t>Random</a:t>
+            </a:r>
+            <a:r>
+              <a:rPr lang="it-IT" dirty="0" smtClean="0"/>
+              <a:t> </a:t>
+            </a:r>
+            <a:r>
+              <a:rPr lang="it-IT" dirty="0" err="1" smtClean="0"/>
+              <a:t>Geometric</a:t>
+            </a:r>
+            <a:r>
+              <a:rPr lang="it-IT" dirty="0" smtClean="0"/>
+              <a:t> </a:t>
+            </a:r>
+            <a:r>
+              <a:rPr lang="it-IT" dirty="0" err="1" smtClean="0"/>
+              <a:t>Graph</a:t>
+            </a:r>
+            <a:endParaRPr lang="it-IT" dirty="0" smtClean="0"/>
           </a:p>
         </p:txBody>
       </p:sp>
       <p:sp>
         <p:nvSpPr>
-          <p:cNvPr id="3" name="Segnaposto testo 2"/>
+          <p:cNvPr id="12" name="Segnaposto testo 11"/>
           <p:cNvSpPr>
             <a:spLocks noGrp="1"/>
           </p:cNvSpPr>
@@ -6990,210 +6987,302 @@
         </p:nvSpPr>
         <p:spPr>
           <a:xfrm>
-            <a:off x="603252" y="870856"/>
-            <a:ext cx="7937501" cy="5646057"/>
+            <a:off x="546100" y="1104900"/>
+            <a:ext cx="8026400" cy="5066505"/>
           </a:xfrm>
         </p:spPr>
         <p:txBody>
           <a:bodyPr/>
           <a:lstStyle/>
           <a:p>
-            <a:pPr marL="457200" indent="-457200">
-              <a:lnSpc>
-                <a:spcPct val="140000"/>
-              </a:lnSpc>
-              <a:buFont typeface="Arial"/>
+            <a:r>
+              <a:rPr lang="it-IT" sz="2400" dirty="0" err="1" smtClean="0">
+                <a:solidFill>
+                  <a:schemeClr val="tx1"/>
+                </a:solidFill>
+              </a:rPr>
+              <a:t>Random</a:t>
+            </a:r>
+            <a:r>
+              <a:rPr lang="it-IT" sz="2400" dirty="0" smtClean="0">
+                <a:solidFill>
+                  <a:schemeClr val="tx1"/>
+                </a:solidFill>
+              </a:rPr>
+              <a:t> </a:t>
+            </a:r>
+            <a:r>
+              <a:rPr lang="it-IT" sz="2400" dirty="0" err="1" smtClean="0">
+                <a:solidFill>
+                  <a:schemeClr val="tx1"/>
+                </a:solidFill>
+              </a:rPr>
+              <a:t>Geometric</a:t>
+            </a:r>
+            <a:r>
+              <a:rPr lang="it-IT" sz="2400" dirty="0" smtClean="0">
+                <a:solidFill>
+                  <a:schemeClr val="tx1"/>
+                </a:solidFill>
+              </a:rPr>
+              <a:t> </a:t>
+            </a:r>
+            <a:r>
+              <a:rPr lang="it-IT" sz="2400" dirty="0" err="1" smtClean="0">
+                <a:solidFill>
+                  <a:schemeClr val="tx1"/>
+                </a:solidFill>
+              </a:rPr>
+              <a:t>Graph</a:t>
+            </a:r>
+            <a:r>
+              <a:rPr lang="it-IT" sz="2400" dirty="0" smtClean="0">
+                <a:solidFill>
+                  <a:schemeClr val="tx1"/>
+                </a:solidFill>
+              </a:rPr>
+              <a:t> </a:t>
+            </a:r>
+            <a:r>
+              <a:rPr lang="it-IT" sz="2400" i="1" dirty="0" smtClean="0">
+                <a:solidFill>
+                  <a:schemeClr val="tx1"/>
+                </a:solidFill>
+              </a:rPr>
+              <a:t>G(N,</a:t>
+            </a:r>
+            <a:r>
+              <a:rPr lang="el-GR" sz="2400" i="1" dirty="0" smtClean="0">
+                <a:solidFill>
+                  <a:schemeClr val="tx1"/>
+                </a:solidFill>
+                <a:latin typeface="Calibri"/>
+              </a:rPr>
+              <a:t>ρ</a:t>
+            </a:r>
+            <a:r>
+              <a:rPr lang="it-IT" sz="2400" i="1" dirty="0" smtClean="0">
+                <a:solidFill>
+                  <a:schemeClr val="tx1"/>
+                </a:solidFill>
+              </a:rPr>
+              <a:t>)</a:t>
+            </a:r>
+            <a:r>
+              <a:rPr lang="it-IT" sz="2400" b="1" dirty="0" smtClean="0">
+                <a:solidFill>
+                  <a:schemeClr val="tx1"/>
+                </a:solidFill>
+              </a:rPr>
+              <a:t>:</a:t>
+            </a:r>
+          </a:p>
+          <a:p>
+            <a:pPr>
+              <a:buFont typeface="Arial" pitchFamily="34" charset="0"/>
               <a:buChar char="•"/>
             </a:pPr>
             <a:r>
-              <a:rPr lang="it-IT" sz="2400" dirty="0" smtClean="0">
-                <a:solidFill>
-                  <a:schemeClr val="bg1">
-                    <a:lumMod val="50000"/>
-                  </a:schemeClr>
-                </a:solidFill>
-              </a:rPr>
-              <a:t>Introduzione</a:t>
-            </a:r>
-          </a:p>
-          <a:p>
-            <a:pPr marL="457200" indent="-457200">
-              <a:lnSpc>
-                <a:spcPct val="140000"/>
-              </a:lnSpc>
-              <a:buFont typeface="Arial"/>
+              <a:rPr lang="it-IT" sz="2000" dirty="0" smtClean="0">
+                <a:solidFill>
+                  <a:schemeClr val="tx1"/>
+                </a:solidFill>
+              </a:rPr>
+              <a:t>Modello di rete P2P</a:t>
+            </a:r>
+          </a:p>
+          <a:p>
+            <a:pPr>
+              <a:buFont typeface="Arial" pitchFamily="34" charset="0"/>
               <a:buChar char="•"/>
             </a:pPr>
             <a:r>
-              <a:rPr lang="it-IT" sz="2800" b="1" dirty="0" smtClean="0">
-                <a:solidFill>
-                  <a:srgbClr val="0070C0"/>
-                </a:solidFill>
-              </a:rPr>
-              <a:t>Stato dell’arte</a:t>
-            </a:r>
-          </a:p>
-          <a:p>
-            <a:pPr marL="857250" lvl="1" indent="-457200">
-              <a:lnSpc>
-                <a:spcPct val="140000"/>
-              </a:lnSpc>
-              <a:buFont typeface="Wingdings" pitchFamily="2" charset="2"/>
-              <a:buChar char="§"/>
+              <a:rPr lang="it-IT" sz="2000" dirty="0" smtClean="0">
+                <a:solidFill>
+                  <a:schemeClr val="tx1"/>
+                </a:solidFill>
+              </a:rPr>
+              <a:t>Distanza </a:t>
+            </a:r>
+            <a:r>
+              <a:rPr lang="it-IT" sz="2000" dirty="0" err="1" smtClean="0">
+                <a:solidFill>
+                  <a:schemeClr val="tx1"/>
+                </a:solidFill>
+              </a:rPr>
+              <a:t>geomentrica</a:t>
+            </a:r>
+            <a:r>
+              <a:rPr lang="it-IT" sz="2000" dirty="0" smtClean="0">
+                <a:solidFill>
+                  <a:schemeClr val="tx1"/>
+                </a:solidFill>
+              </a:rPr>
+              <a:t> </a:t>
+            </a:r>
+            <a:r>
+              <a:rPr lang="el-GR" sz="2000" dirty="0" smtClean="0">
+                <a:solidFill>
+                  <a:schemeClr val="tx1"/>
+                </a:solidFill>
+              </a:rPr>
+              <a:t>ρ</a:t>
+            </a:r>
+            <a:endParaRPr lang="it-IT" sz="2000" dirty="0" smtClean="0">
+              <a:solidFill>
+                <a:schemeClr val="tx1"/>
+              </a:solidFill>
+            </a:endParaRPr>
+          </a:p>
+          <a:p>
+            <a:pPr>
+              <a:buFont typeface="Arial" pitchFamily="34" charset="0"/>
+              <a:buChar char="•"/>
             </a:pPr>
             <a:r>
-              <a:rPr lang="it-IT" sz="2400" dirty="0" smtClean="0">
+              <a:rPr lang="it-IT" sz="2000" dirty="0" smtClean="0">
                 <a:solidFill>
                   <a:schemeClr val="tx1"/>
                 </a:solidFill>
               </a:rPr>
-              <a:t>Bluetooth Low Energy</a:t>
-            </a:r>
-          </a:p>
-          <a:p>
-            <a:pPr marL="857250" lvl="1" indent="-457200">
-              <a:lnSpc>
-                <a:spcPct val="140000"/>
-              </a:lnSpc>
-              <a:buFont typeface="Wingdings" pitchFamily="2" charset="2"/>
-              <a:buChar char="§"/>
+              <a:t>Adatto a modellare reti wireless o reti ad hoc in cui la distanza fisica tra i dispositivi è un parametro significativo</a:t>
+            </a:r>
+          </a:p>
+          <a:p>
+            <a:pPr>
+              <a:buFont typeface="Arial" pitchFamily="34" charset="0"/>
+              <a:buChar char="•"/>
             </a:pPr>
             <a:r>
-              <a:rPr lang="it-IT" sz="2400" b="1" dirty="0" smtClean="0">
-                <a:solidFill>
-                  <a:srgbClr val="0070C0"/>
-                </a:solidFill>
-              </a:rPr>
-              <a:t>Modello </a:t>
-            </a:r>
-            <a:r>
-              <a:rPr lang="it-IT" sz="2400" b="1" dirty="0" smtClean="0">
-                <a:solidFill>
-                  <a:srgbClr val="0070C0"/>
-                </a:solidFill>
-              </a:rPr>
-              <a:t>di </a:t>
-            </a:r>
-            <a:r>
-              <a:rPr lang="it-IT" sz="2400" b="1" dirty="0" smtClean="0">
-                <a:solidFill>
-                  <a:srgbClr val="0070C0"/>
-                </a:solidFill>
-              </a:rPr>
-              <a:t>rete</a:t>
-            </a:r>
-          </a:p>
-          <a:p>
-            <a:pPr marL="857250" lvl="1" indent="-457200">
-              <a:lnSpc>
-                <a:spcPct val="140000"/>
-              </a:lnSpc>
-              <a:buFont typeface="Wingdings" pitchFamily="2" charset="2"/>
-              <a:buChar char="§"/>
+              <a:rPr lang="it-IT" sz="2000" dirty="0" smtClean="0">
+                <a:solidFill>
+                  <a:schemeClr val="tx1"/>
+                </a:solidFill>
+              </a:rPr>
+              <a:t>Alta </a:t>
+            </a:r>
+            <a:r>
+              <a:rPr lang="it-IT" sz="2000" dirty="0" err="1" smtClean="0">
+                <a:solidFill>
+                  <a:schemeClr val="tx1"/>
+                </a:solidFill>
+              </a:rPr>
+              <a:t>edge-dependency</a:t>
+            </a:r>
+            <a:endParaRPr lang="it-IT" sz="2000" dirty="0" smtClean="0">
+              <a:solidFill>
+                <a:schemeClr val="tx1"/>
+              </a:solidFill>
+            </a:endParaRPr>
+          </a:p>
+          <a:p>
+            <a:pPr>
+              <a:buFont typeface="Arial" pitchFamily="34" charset="0"/>
+              <a:buChar char="•"/>
             </a:pPr>
             <a:r>
-              <a:rPr lang="it-IT" sz="2400" dirty="0" smtClean="0">
+              <a:rPr lang="it-IT" sz="2000" dirty="0" smtClean="0">
                 <a:solidFill>
                   <a:schemeClr val="tx1"/>
                 </a:solidFill>
               </a:rPr>
-              <a:t>Gossip</a:t>
-            </a:r>
+              <a:t>Bassa </a:t>
+            </a:r>
+            <a:r>
+              <a:rPr lang="it-IT" sz="2000" dirty="0" err="1" smtClean="0">
+                <a:solidFill>
+                  <a:schemeClr val="tx1"/>
+                </a:solidFill>
+              </a:rPr>
+              <a:t>degree</a:t>
+            </a:r>
+            <a:r>
+              <a:rPr lang="it-IT" sz="2000" dirty="0" smtClean="0">
+                <a:solidFill>
+                  <a:schemeClr val="tx1"/>
+                </a:solidFill>
+              </a:rPr>
+              <a:t> </a:t>
+            </a:r>
+            <a:r>
+              <a:rPr lang="it-IT" sz="2000" dirty="0" err="1" smtClean="0">
+                <a:solidFill>
+                  <a:schemeClr val="tx1"/>
+                </a:solidFill>
+              </a:rPr>
+              <a:t>variance</a:t>
+            </a:r>
+            <a:endParaRPr lang="it-IT" sz="2000" i="1" dirty="0" smtClean="0">
+              <a:solidFill>
+                <a:schemeClr val="tx1"/>
+              </a:solidFill>
+            </a:endParaRPr>
+          </a:p>
+          <a:p>
+            <a:pPr>
+              <a:buFont typeface="Arial" pitchFamily="34" charset="0"/>
+              <a:buChar char="•"/>
+            </a:pPr>
+            <a:r>
+              <a:rPr lang="it-IT" sz="2000" i="1" dirty="0" smtClean="0">
+                <a:solidFill>
+                  <a:schemeClr val="tx1"/>
+                </a:solidFill>
+              </a:rPr>
+              <a:t>Sinergia con BLE</a:t>
+            </a:r>
+            <a:endParaRPr lang="it-IT" sz="2000" i="1" dirty="0" smtClean="0">
+              <a:solidFill>
+                <a:schemeClr val="tx1"/>
+              </a:solidFill>
+            </a:endParaRPr>
+          </a:p>
+          <a:p>
+            <a:pPr>
+              <a:buFont typeface="Arial" pitchFamily="34" charset="0"/>
+              <a:buChar char="•"/>
+            </a:pPr>
             <a:endParaRPr lang="it-IT" sz="2400" dirty="0" smtClean="0">
               <a:solidFill>
                 <a:schemeClr val="tx1"/>
               </a:solidFill>
             </a:endParaRPr>
           </a:p>
-          <a:p>
-            <a:pPr marL="457200" indent="-457200">
-              <a:lnSpc>
-                <a:spcPct val="140000"/>
-              </a:lnSpc>
-              <a:buFont typeface="Arial"/>
-              <a:buChar char="•"/>
-            </a:pPr>
-            <a:r>
-              <a:rPr lang="it-IT" sz="2400" dirty="0" smtClean="0">
-                <a:solidFill>
-                  <a:schemeClr val="bg1">
-                    <a:lumMod val="50000"/>
-                  </a:schemeClr>
-                </a:solidFill>
-              </a:rPr>
-              <a:t>Analisi di fattibilità</a:t>
-            </a:r>
-          </a:p>
-          <a:p>
-            <a:pPr marL="457200" indent="-457200">
-              <a:lnSpc>
-                <a:spcPct val="140000"/>
-              </a:lnSpc>
-              <a:buFont typeface="Arial"/>
-              <a:buChar char="•"/>
-            </a:pPr>
-            <a:r>
-              <a:rPr lang="it-IT" sz="2400" dirty="0" smtClean="0">
-                <a:solidFill>
-                  <a:schemeClr val="bg1">
-                    <a:lumMod val="50000"/>
-                  </a:schemeClr>
-                </a:solidFill>
-              </a:rPr>
-              <a:t>Architettura della soluzione</a:t>
-            </a:r>
-          </a:p>
-          <a:p>
-            <a:pPr marL="457200" indent="-457200">
-              <a:lnSpc>
-                <a:spcPct val="140000"/>
-              </a:lnSpc>
-              <a:buFont typeface="Arial"/>
-              <a:buChar char="•"/>
-            </a:pPr>
-            <a:r>
-              <a:rPr lang="it-IT" sz="2400" dirty="0" smtClean="0">
-                <a:solidFill>
-                  <a:schemeClr val="bg1">
-                    <a:lumMod val="50000"/>
-                  </a:schemeClr>
-                </a:solidFill>
-              </a:rPr>
-              <a:t>Simulazioni e risultati</a:t>
-            </a:r>
-          </a:p>
-          <a:p>
-            <a:pPr marL="457200" indent="-457200">
-              <a:lnSpc>
-                <a:spcPct val="140000"/>
-              </a:lnSpc>
-              <a:buFont typeface="Arial"/>
-              <a:buChar char="•"/>
-            </a:pPr>
-            <a:r>
-              <a:rPr lang="it-IT" sz="2400" dirty="0" smtClean="0">
-                <a:solidFill>
-                  <a:schemeClr val="bg1">
-                    <a:lumMod val="50000"/>
-                  </a:schemeClr>
-                </a:solidFill>
-              </a:rPr>
-              <a:t>Conclusioni</a:t>
-            </a:r>
-            <a:endParaRPr lang="it-IT" sz="2400" dirty="0">
-              <a:solidFill>
-                <a:schemeClr val="bg1">
-                  <a:lumMod val="50000"/>
-                </a:schemeClr>
-              </a:solidFill>
-            </a:endParaRPr>
-          </a:p>
         </p:txBody>
       </p:sp>
+      <p:pic>
+        <p:nvPicPr>
+          <p:cNvPr id="3074" name="Picture 2" descr="C:\Users\Lorenzo\Documents\GitHub\Tesi\LaTeX\Pagliari_Lorenzo_Tesi\Images\reti\RandomGeometricGraph.png"/>
+          <p:cNvPicPr>
+            <a:picLocks noChangeAspect="1" noChangeArrowheads="1"/>
+          </p:cNvPicPr>
+          <p:nvPr/>
+        </p:nvPicPr>
+        <p:blipFill>
+          <a:blip r:embed="rId4" cstate="print"/>
+          <a:srcRect/>
+          <a:stretch>
+            <a:fillRect/>
+          </a:stretch>
+        </p:blipFill>
+        <p:spPr bwMode="auto">
+          <a:xfrm>
+            <a:off x="3523210" y="3200400"/>
+            <a:ext cx="5223915" cy="2971005"/>
+          </a:xfrm>
+          <a:prstGeom prst="rect">
+            <a:avLst/>
+          </a:prstGeom>
+          <a:noFill/>
+        </p:spPr>
+      </p:pic>
     </p:spTree>
+    <p:custDataLst>
+      <p:tags r:id="rId1"/>
+    </p:custDataLst>
     <p:extLst>
       <p:ext uri="{BB962C8B-B14F-4D97-AF65-F5344CB8AC3E}">
-        <p14:creationId xmlns="" xmlns:p14="http://schemas.microsoft.com/office/powerpoint/2010/main" val="4293126687"/>
+        <p14:creationId xmlns:p14="http://schemas.microsoft.com/office/powerpoint/2010/main" xmlns="" val="2671343476"/>
       </p:ext>
     </p:extLst>
   </p:cSld>
@@ -7201,11 +7290,11 @@
     <a:masterClrMapping/>
   </p:clrMapOvr>
   <mc:AlternateContent xmlns:mc="http://schemas.openxmlformats.org/markup-compatibility/2006">
-    <mc:Choice xmlns="" xmlns:p14="http://schemas.microsoft.com/office/powerpoint/2010/main" Requires="p14">
-      <p:transition spd="slow" p14:dur="2000" advTm="25932"/>
+    <mc:Choice xmlns:p14="http://schemas.microsoft.com/office/powerpoint/2010/main" xmlns="" Requires="p14">
+      <p:transition spd="slow" p14:dur="2000" advTm="157969"/>
     </mc:Choice>
     <mc:Fallback>
-      <p:transition spd="slow" advTm="25932"/>
+      <p:transition spd="slow" advTm="157969"/>
     </mc:Fallback>
   </mc:AlternateContent>
   <p:timing>
@@ -7380,17 +7469,7 @@
                   </a:schemeClr>
                 </a:solidFill>
               </a:rPr>
-              <a:t>Analisi </a:t>
-            </a:r>
-            <a:r>
-              <a:rPr lang="it-IT" sz="2400" dirty="0" smtClean="0">
-                <a:solidFill>
-                  <a:schemeClr val="bg1">
-                    <a:lumMod val="50000"/>
-                  </a:schemeClr>
-                </a:solidFill>
-              </a:rPr>
-              <a:t>di fattibilità</a:t>
+              <a:t>Analisi di fattibilità</a:t>
             </a:r>
           </a:p>
           <a:p>
@@ -7462,7 +7541,7 @@
     </p:spTree>
     <p:extLst>
       <p:ext uri="{BB962C8B-B14F-4D97-AF65-F5344CB8AC3E}">
-        <p14:creationId xmlns="" xmlns:p14="http://schemas.microsoft.com/office/powerpoint/2010/main" val="4293126687"/>
+        <p14:creationId xmlns:p14="http://schemas.microsoft.com/office/powerpoint/2010/main" xmlns="" val="4293126687"/>
       </p:ext>
     </p:extLst>
   </p:cSld>
@@ -7470,7 +7549,7 @@
     <a:masterClrMapping/>
   </p:clrMapOvr>
   <mc:AlternateContent xmlns:mc="http://schemas.openxmlformats.org/markup-compatibility/2006">
-    <mc:Choice xmlns="" xmlns:p14="http://schemas.microsoft.com/office/powerpoint/2010/main" Requires="p14">
+    <mc:Choice xmlns:p14="http://schemas.microsoft.com/office/powerpoint/2010/main" xmlns="" Requires="p14">
       <p:transition spd="slow" p14:dur="2000" advTm="25932"/>
     </mc:Choice>
     <mc:Fallback>
@@ -7521,15 +7600,14 @@
           <a:p>
             <a:r>
               <a:rPr lang="it-IT" dirty="0" smtClean="0"/>
-              <a:t>Sommario</a:t>
-            </a:r>
-            <a:endParaRPr lang="it-IT" dirty="0"/>
+              <a:t>Gossip</a:t>
+            </a:r>
           </a:p>
         </p:txBody>
       </p:sp>
       <p:sp>
         <p:nvSpPr>
-          <p:cNvPr id="3" name="Segnaposto testo 2"/>
+          <p:cNvPr id="5" name="Segnaposto testo 4"/>
           <p:cNvSpPr>
             <a:spLocks noGrp="1"/>
           </p:cNvSpPr>
@@ -7537,140 +7615,138 @@
             <p:ph type="body" sz="quarter" idx="11"/>
           </p:nvPr>
         </p:nvSpPr>
-        <p:spPr>
-          <a:xfrm>
-            <a:off x="603252" y="1582057"/>
-            <a:ext cx="7937501" cy="4281714"/>
-          </a:xfrm>
-        </p:spPr>
+        <p:spPr/>
         <p:txBody>
           <a:bodyPr/>
           <a:lstStyle/>
           <a:p>
-            <a:pPr marL="457200" indent="-457200">
-              <a:lnSpc>
-                <a:spcPct val="140000"/>
-              </a:lnSpc>
-              <a:buFont typeface="Arial"/>
+            <a:pPr>
+              <a:buFont typeface="Arial" pitchFamily="34" charset="0"/>
               <a:buChar char="•"/>
             </a:pPr>
             <a:r>
               <a:rPr lang="it-IT" sz="2400" dirty="0" smtClean="0">
                 <a:solidFill>
-                  <a:schemeClr val="bg1">
-                    <a:lumMod val="50000"/>
-                  </a:schemeClr>
-                </a:solidFill>
-              </a:rPr>
-              <a:t>Introduzione</a:t>
-            </a:r>
-          </a:p>
-          <a:p>
-            <a:pPr marL="457200" indent="-457200">
-              <a:lnSpc>
-                <a:spcPct val="140000"/>
-              </a:lnSpc>
-              <a:buFont typeface="Arial"/>
+                  <a:schemeClr val="tx1"/>
+                </a:solidFill>
+              </a:rPr>
+              <a:t>Modelli nati per lo studio della diffusione delle epidemie. Infatti questi metodi sono chiamati anche “epidemici”</a:t>
+            </a:r>
+          </a:p>
+          <a:p>
+            <a:endParaRPr lang="it-IT" sz="2400" dirty="0" smtClean="0">
+              <a:solidFill>
+                <a:schemeClr val="tx1"/>
+              </a:solidFill>
+            </a:endParaRPr>
+          </a:p>
+          <a:p>
+            <a:pPr>
+              <a:buFont typeface="Arial" pitchFamily="34" charset="0"/>
               <a:buChar char="•"/>
             </a:pPr>
             <a:r>
               <a:rPr lang="it-IT" sz="2400" dirty="0" smtClean="0">
                 <a:solidFill>
-                  <a:schemeClr val="bg1">
-                    <a:lumMod val="50000"/>
-                  </a:schemeClr>
-                </a:solidFill>
-              </a:rPr>
-              <a:t>Stato dell’arte</a:t>
-            </a:r>
-          </a:p>
-          <a:p>
-            <a:pPr marL="457200" indent="-457200">
-              <a:lnSpc>
-                <a:spcPct val="140000"/>
-              </a:lnSpc>
-              <a:buFont typeface="Arial"/>
+                  <a:schemeClr val="tx1"/>
+                </a:solidFill>
+              </a:rPr>
+              <a:t>Adatti anche allo studio della diffusione delle informazioni in maniera virale. (</a:t>
+            </a:r>
+            <a:r>
+              <a:rPr lang="it-IT" sz="2400" dirty="0" err="1" smtClean="0">
+                <a:solidFill>
+                  <a:schemeClr val="tx1"/>
+                </a:solidFill>
+              </a:rPr>
+              <a:t>a.e.</a:t>
+            </a:r>
+            <a:r>
+              <a:rPr lang="it-IT" sz="2400" dirty="0" smtClean="0">
+                <a:solidFill>
+                  <a:schemeClr val="tx1"/>
+                </a:solidFill>
+              </a:rPr>
+              <a:t> Social Network</a:t>
+            </a:r>
+            <a:r>
+              <a:rPr lang="it-IT" sz="2400" dirty="0" smtClean="0"/>
+              <a:t>)</a:t>
+            </a:r>
+          </a:p>
+          <a:p>
+            <a:endParaRPr lang="it-IT" sz="2400" dirty="0" smtClean="0"/>
+          </a:p>
+          <a:p>
+            <a:pPr>
+              <a:buFont typeface="Arial" pitchFamily="34" charset="0"/>
               <a:buChar char="•"/>
             </a:pPr>
             <a:r>
-              <a:rPr lang="it-IT" sz="2800" b="1" dirty="0" smtClean="0">
-                <a:solidFill>
-                  <a:srgbClr val="0070C0"/>
-                </a:solidFill>
-              </a:rPr>
-              <a:t>Analisi di fattibilità</a:t>
-            </a:r>
-          </a:p>
-          <a:p>
-            <a:pPr marL="457200" indent="-457200">
-              <a:lnSpc>
-                <a:spcPct val="140000"/>
-              </a:lnSpc>
-              <a:buFont typeface="Arial"/>
+              <a:rPr lang="it-IT" sz="2400" dirty="0" smtClean="0">
+                <a:solidFill>
+                  <a:schemeClr val="tx1"/>
+                </a:solidFill>
+              </a:rPr>
+              <a:t>Possibili stati in un modello epidemico:</a:t>
+            </a:r>
+          </a:p>
+          <a:p>
+            <a:pPr lvl="1">
+              <a:buFont typeface="Arial" pitchFamily="34" charset="0"/>
               <a:buChar char="•"/>
             </a:pPr>
             <a:r>
               <a:rPr lang="it-IT" sz="2400" dirty="0" smtClean="0">
                 <a:solidFill>
-                  <a:schemeClr val="bg1">
-                    <a:lumMod val="50000"/>
-                  </a:schemeClr>
-                </a:solidFill>
-              </a:rPr>
-              <a:t>Architettura della soluzione</a:t>
-            </a:r>
-          </a:p>
-          <a:p>
-            <a:pPr marL="457200" indent="-457200">
-              <a:lnSpc>
-                <a:spcPct val="140000"/>
-              </a:lnSpc>
-              <a:buFont typeface="Arial"/>
+                  <a:schemeClr val="tx1"/>
+                </a:solidFill>
+              </a:rPr>
+              <a:t>Suscettibile</a:t>
+            </a:r>
+          </a:p>
+          <a:p>
+            <a:pPr lvl="1">
+              <a:buFont typeface="Arial" pitchFamily="34" charset="0"/>
               <a:buChar char="•"/>
             </a:pPr>
             <a:r>
               <a:rPr lang="it-IT" sz="2400" dirty="0" smtClean="0">
                 <a:solidFill>
-                  <a:schemeClr val="bg1">
-                    <a:lumMod val="50000"/>
-                  </a:schemeClr>
-                </a:solidFill>
-              </a:rPr>
-              <a:t>Simulazioni e risultati</a:t>
-            </a:r>
-          </a:p>
-          <a:p>
-            <a:pPr marL="457200" indent="-457200">
-              <a:lnSpc>
-                <a:spcPct val="140000"/>
-              </a:lnSpc>
-              <a:buFont typeface="Arial"/>
+                  <a:schemeClr val="tx1"/>
+                </a:solidFill>
+              </a:rPr>
+              <a:t>Contagiato</a:t>
+            </a:r>
+          </a:p>
+          <a:p>
+            <a:pPr lvl="1">
+              <a:buFont typeface="Arial" pitchFamily="34" charset="0"/>
               <a:buChar char="•"/>
             </a:pPr>
             <a:r>
               <a:rPr lang="it-IT" sz="2400" dirty="0" smtClean="0">
                 <a:solidFill>
-                  <a:schemeClr val="bg1">
-                    <a:lumMod val="50000"/>
-                  </a:schemeClr>
-                </a:solidFill>
-              </a:rPr>
-              <a:t>Conclusioni</a:t>
-            </a:r>
-            <a:endParaRPr lang="it-IT" sz="2400" dirty="0">
+                  <a:schemeClr val="tx1"/>
+                </a:solidFill>
+              </a:rPr>
+              <a:t>Rimosso</a:t>
+            </a:r>
+            <a:endParaRPr lang="it-IT" sz="2400" dirty="0" smtClean="0">
               <a:solidFill>
-                <a:schemeClr val="bg1">
-                  <a:lumMod val="50000"/>
-                </a:schemeClr>
+                <a:schemeClr val="tx1"/>
               </a:solidFill>
             </a:endParaRPr>
           </a:p>
         </p:txBody>
       </p:sp>
     </p:spTree>
+    <p:custDataLst>
+      <p:tags r:id="rId1"/>
+    </p:custDataLst>
     <p:extLst>
       <p:ext uri="{BB962C8B-B14F-4D97-AF65-F5344CB8AC3E}">
-        <p14:creationId xmlns="" xmlns:p14="http://schemas.microsoft.com/office/powerpoint/2010/main" val="4293126687"/>
+        <p14:creationId xmlns:p14="http://schemas.microsoft.com/office/powerpoint/2010/main" xmlns="" val="2671343476"/>
       </p:ext>
     </p:extLst>
   </p:cSld>
@@ -7678,11 +7754,11 @@
     <a:masterClrMapping/>
   </p:clrMapOvr>
   <mc:AlternateContent xmlns:mc="http://schemas.openxmlformats.org/markup-compatibility/2006">
-    <mc:Choice xmlns="" xmlns:p14="http://schemas.microsoft.com/office/powerpoint/2010/main" Requires="p14">
-      <p:transition spd="slow" p14:dur="2000" advTm="25932"/>
+    <mc:Choice xmlns:p14="http://schemas.microsoft.com/office/powerpoint/2010/main" xmlns="" Requires="p14">
+      <p:transition spd="slow" p14:dur="2000" advTm="157969"/>
     </mc:Choice>
     <mc:Fallback>
-      <p:transition spd="slow" advTm="25932"/>
+      <p:transition spd="slow" advTm="157969"/>
     </mc:Fallback>
   </mc:AlternateContent>
   <p:timing>
@@ -7729,15 +7805,14 @@
           <a:p>
             <a:r>
               <a:rPr lang="it-IT" dirty="0" smtClean="0"/>
-              <a:t>Sommario</a:t>
-            </a:r>
-            <a:endParaRPr lang="it-IT" dirty="0"/>
+              <a:t>Gossip - categorizzazione</a:t>
+            </a:r>
           </a:p>
         </p:txBody>
       </p:sp>
       <p:sp>
         <p:nvSpPr>
-          <p:cNvPr id="3" name="Segnaposto testo 2"/>
+          <p:cNvPr id="5" name="Segnaposto testo 4"/>
           <p:cNvSpPr>
             <a:spLocks noGrp="1"/>
           </p:cNvSpPr>
@@ -7745,140 +7820,249 @@
             <p:ph type="body" sz="quarter" idx="11"/>
           </p:nvPr>
         </p:nvSpPr>
-        <p:spPr>
-          <a:xfrm>
-            <a:off x="603252" y="1582057"/>
-            <a:ext cx="7937501" cy="4281714"/>
-          </a:xfrm>
-        </p:spPr>
+        <p:spPr/>
         <p:txBody>
           <a:bodyPr/>
           <a:lstStyle/>
           <a:p>
-            <a:pPr marL="457200" indent="-457200">
-              <a:lnSpc>
-                <a:spcPct val="140000"/>
-              </a:lnSpc>
-              <a:buFont typeface="Arial"/>
+            <a:pPr marL="0" indent="0"/>
+            <a:r>
+              <a:rPr lang="it-IT" sz="2400" dirty="0" smtClean="0">
+                <a:solidFill>
+                  <a:schemeClr val="tx1"/>
+                </a:solidFill>
+              </a:rPr>
+              <a:t>Le classi degli algoritmi di gossip sono:</a:t>
+            </a:r>
+          </a:p>
+          <a:p>
+            <a:pPr>
+              <a:buFont typeface="Arial" pitchFamily="34" charset="0"/>
               <a:buChar char="•"/>
             </a:pPr>
             <a:r>
+              <a:rPr lang="it-IT" sz="2400" dirty="0" err="1" smtClean="0">
+                <a:solidFill>
+                  <a:schemeClr val="tx1"/>
+                </a:solidFill>
+              </a:rPr>
+              <a:t>Suscettible</a:t>
+            </a:r>
+            <a:r>
               <a:rPr lang="it-IT" sz="2400" dirty="0" smtClean="0">
                 <a:solidFill>
-                  <a:schemeClr val="bg1">
-                    <a:lumMod val="50000"/>
-                  </a:schemeClr>
-                </a:solidFill>
-              </a:rPr>
-              <a:t>Introduzione</a:t>
-            </a:r>
-          </a:p>
-          <a:p>
-            <a:pPr marL="457200" indent="-457200">
-              <a:lnSpc>
-                <a:spcPct val="140000"/>
-              </a:lnSpc>
-              <a:buFont typeface="Arial"/>
+                  <a:schemeClr val="tx1"/>
+                </a:solidFill>
+              </a:rPr>
+              <a:t> – </a:t>
+            </a:r>
+            <a:r>
+              <a:rPr lang="it-IT" sz="2400" dirty="0" err="1" smtClean="0">
+                <a:solidFill>
+                  <a:schemeClr val="tx1"/>
+                </a:solidFill>
+              </a:rPr>
+              <a:t>Infected</a:t>
+            </a:r>
+            <a:r>
+              <a:rPr lang="it-IT" sz="2400" dirty="0" smtClean="0">
+                <a:solidFill>
+                  <a:schemeClr val="tx1"/>
+                </a:solidFill>
+              </a:rPr>
+              <a:t> (SI)</a:t>
+            </a:r>
+          </a:p>
+          <a:p>
+            <a:pPr>
+              <a:buFont typeface="Arial" pitchFamily="34" charset="0"/>
               <a:buChar char="•"/>
             </a:pPr>
             <a:r>
+              <a:rPr lang="it-IT" sz="2400" dirty="0" err="1" smtClean="0">
+                <a:solidFill>
+                  <a:schemeClr val="tx1"/>
+                </a:solidFill>
+              </a:rPr>
+              <a:t>Sucettible</a:t>
+            </a:r>
+            <a:r>
               <a:rPr lang="it-IT" sz="2400" dirty="0" smtClean="0">
                 <a:solidFill>
-                  <a:schemeClr val="bg1">
-                    <a:lumMod val="50000"/>
-                  </a:schemeClr>
-                </a:solidFill>
-              </a:rPr>
-              <a:t>Stato dell’arte</a:t>
-            </a:r>
-          </a:p>
-          <a:p>
-            <a:pPr marL="457200" indent="-457200">
-              <a:lnSpc>
-                <a:spcPct val="140000"/>
-              </a:lnSpc>
-              <a:buFont typeface="Arial"/>
+                  <a:schemeClr val="tx1"/>
+                </a:solidFill>
+              </a:rPr>
+              <a:t> – </a:t>
+            </a:r>
+            <a:r>
+              <a:rPr lang="it-IT" sz="2400" dirty="0" err="1" smtClean="0">
+                <a:solidFill>
+                  <a:schemeClr val="tx1"/>
+                </a:solidFill>
+              </a:rPr>
+              <a:t>Infected</a:t>
+            </a:r>
+            <a:r>
+              <a:rPr lang="it-IT" sz="2400" dirty="0" smtClean="0">
+                <a:solidFill>
+                  <a:schemeClr val="tx1"/>
+                </a:solidFill>
+              </a:rPr>
+              <a:t> – </a:t>
+            </a:r>
+            <a:r>
+              <a:rPr lang="it-IT" sz="2400" dirty="0" err="1" smtClean="0">
+                <a:solidFill>
+                  <a:schemeClr val="tx1"/>
+                </a:solidFill>
+              </a:rPr>
+              <a:t>Removed</a:t>
+            </a:r>
+            <a:r>
+              <a:rPr lang="it-IT" sz="2400" dirty="0" smtClean="0">
+                <a:solidFill>
+                  <a:schemeClr val="tx1"/>
+                </a:solidFill>
+              </a:rPr>
+              <a:t> (SIR)</a:t>
+            </a:r>
+          </a:p>
+          <a:p>
+            <a:pPr>
+              <a:buFont typeface="Arial" pitchFamily="34" charset="0"/>
               <a:buChar char="•"/>
             </a:pPr>
             <a:r>
+              <a:rPr lang="it-IT" sz="2400" dirty="0" err="1" smtClean="0">
+                <a:solidFill>
+                  <a:schemeClr val="tx1"/>
+                </a:solidFill>
+              </a:rPr>
+              <a:t>Suscettible</a:t>
+            </a:r>
+            <a:r>
               <a:rPr lang="it-IT" sz="2400" dirty="0" smtClean="0">
                 <a:solidFill>
-                  <a:schemeClr val="bg1">
-                    <a:lumMod val="50000"/>
-                  </a:schemeClr>
-                </a:solidFill>
-              </a:rPr>
-              <a:t>Analisi di fattibilità</a:t>
-            </a:r>
-          </a:p>
-          <a:p>
-            <a:pPr marL="457200" indent="-457200">
-              <a:lnSpc>
-                <a:spcPct val="140000"/>
-              </a:lnSpc>
-              <a:buFont typeface="Arial"/>
+                  <a:schemeClr val="tx1"/>
+                </a:solidFill>
+              </a:rPr>
+              <a:t> – </a:t>
+            </a:r>
+            <a:r>
+              <a:rPr lang="it-IT" sz="2400" dirty="0" err="1" smtClean="0">
+                <a:solidFill>
+                  <a:schemeClr val="tx1"/>
+                </a:solidFill>
+              </a:rPr>
+              <a:t>Infected</a:t>
+            </a:r>
+            <a:r>
+              <a:rPr lang="it-IT" sz="2400" dirty="0" smtClean="0">
+                <a:solidFill>
+                  <a:schemeClr val="tx1"/>
+                </a:solidFill>
+              </a:rPr>
+              <a:t> – </a:t>
+            </a:r>
+            <a:r>
+              <a:rPr lang="it-IT" sz="2400" dirty="0" err="1" smtClean="0">
+                <a:solidFill>
+                  <a:schemeClr val="tx1"/>
+                </a:solidFill>
+              </a:rPr>
+              <a:t>Suscettible</a:t>
+            </a:r>
+            <a:r>
+              <a:rPr lang="it-IT" sz="2400" dirty="0" smtClean="0">
+                <a:solidFill>
+                  <a:schemeClr val="tx1"/>
+                </a:solidFill>
+              </a:rPr>
+              <a:t> (SIS)</a:t>
+            </a:r>
+          </a:p>
+          <a:p>
+            <a:pPr>
+              <a:buFont typeface="Arial" pitchFamily="34" charset="0"/>
               <a:buChar char="•"/>
             </a:pPr>
-            <a:r>
-              <a:rPr lang="it-IT" sz="2800" b="1" dirty="0" smtClean="0">
-                <a:solidFill>
-                  <a:srgbClr val="0070C0"/>
-                </a:solidFill>
-              </a:rPr>
-              <a:t>Architettura della soluzione</a:t>
-            </a:r>
-          </a:p>
-          <a:p>
-            <a:pPr marL="457200" indent="-457200">
-              <a:lnSpc>
-                <a:spcPct val="140000"/>
-              </a:lnSpc>
-              <a:buFont typeface="Arial"/>
+            <a:endParaRPr lang="it-IT" sz="2400" dirty="0" smtClean="0">
+              <a:solidFill>
+                <a:schemeClr val="tx1"/>
+              </a:solidFill>
+            </a:endParaRPr>
+          </a:p>
+          <a:p>
+            <a:r>
+              <a:rPr lang="it-IT" sz="2400" dirty="0" smtClean="0">
+                <a:solidFill>
+                  <a:schemeClr val="tx1"/>
+                </a:solidFill>
+              </a:rPr>
+              <a:t>Metodi di diffusione dell’informazione sono:</a:t>
+            </a:r>
+          </a:p>
+          <a:p>
+            <a:pPr>
+              <a:buFont typeface="Arial" pitchFamily="34" charset="0"/>
               <a:buChar char="•"/>
             </a:pPr>
             <a:r>
               <a:rPr lang="it-IT" sz="2400" dirty="0" smtClean="0">
                 <a:solidFill>
-                  <a:schemeClr val="bg1">
-                    <a:lumMod val="50000"/>
-                  </a:schemeClr>
-                </a:solidFill>
-              </a:rPr>
-              <a:t>Simulazioni e risultati</a:t>
-            </a:r>
-          </a:p>
-          <a:p>
-            <a:pPr marL="457200" indent="-457200">
-              <a:lnSpc>
-                <a:spcPct val="140000"/>
-              </a:lnSpc>
-              <a:buFont typeface="Arial"/>
+                  <a:schemeClr val="tx1"/>
+                </a:solidFill>
+              </a:rPr>
+              <a:t>Pull</a:t>
+            </a:r>
+          </a:p>
+          <a:p>
+            <a:pPr>
+              <a:buFont typeface="Arial" pitchFamily="34" charset="0"/>
               <a:buChar char="•"/>
             </a:pPr>
             <a:r>
-              <a:rPr lang="it-IT" sz="2400" dirty="0" smtClean="0">
-                <a:solidFill>
-                  <a:schemeClr val="bg1">
-                    <a:lumMod val="50000"/>
-                  </a:schemeClr>
-                </a:solidFill>
-              </a:rPr>
-              <a:t>Conclusioni</a:t>
-            </a:r>
-            <a:endParaRPr lang="it-IT" sz="2400" dirty="0">
+              <a:rPr lang="it-IT" sz="2400" dirty="0" err="1" smtClean="0">
+                <a:solidFill>
+                  <a:schemeClr val="tx1"/>
+                </a:solidFill>
+              </a:rPr>
+              <a:t>Push</a:t>
+            </a:r>
+            <a:endParaRPr lang="it-IT" sz="2400" dirty="0" smtClean="0">
               <a:solidFill>
-                <a:schemeClr val="bg1">
-                  <a:lumMod val="50000"/>
-                </a:schemeClr>
+                <a:schemeClr val="tx1"/>
               </a:solidFill>
             </a:endParaRPr>
           </a:p>
+          <a:p>
+            <a:pPr>
+              <a:buFont typeface="Arial" pitchFamily="34" charset="0"/>
+              <a:buChar char="•"/>
+            </a:pPr>
+            <a:r>
+              <a:rPr lang="it-IT" sz="2400" dirty="0" err="1" smtClean="0">
+                <a:solidFill>
+                  <a:schemeClr val="tx1"/>
+                </a:solidFill>
+              </a:rPr>
+              <a:t>Pull&amp;Push</a:t>
+            </a:r>
+            <a:endParaRPr lang="it-IT" sz="2400" dirty="0" smtClean="0">
+              <a:solidFill>
+                <a:schemeClr val="tx1"/>
+              </a:solidFill>
+            </a:endParaRPr>
+          </a:p>
         </p:txBody>
       </p:sp>
     </p:spTree>
+    <p:custDataLst>
+      <p:tags r:id="rId1"/>
+    </p:custDataLst>
     <p:extLst>
       <p:ext uri="{BB962C8B-B14F-4D97-AF65-F5344CB8AC3E}">
-        <p14:creationId xmlns="" xmlns:p14="http://schemas.microsoft.com/office/powerpoint/2010/main" val="4293126687"/>
+        <p14:creationId xmlns:p14="http://schemas.microsoft.com/office/powerpoint/2010/main" xmlns="" val="2671343476"/>
       </p:ext>
     </p:extLst>
   </p:cSld>
@@ -7886,11 +8070,11 @@
     <a:masterClrMapping/>
   </p:clrMapOvr>
   <mc:AlternateContent xmlns:mc="http://schemas.openxmlformats.org/markup-compatibility/2006">
-    <mc:Choice xmlns="" xmlns:p14="http://schemas.microsoft.com/office/powerpoint/2010/main" Requires="p14">
-      <p:transition spd="slow" p14:dur="2000" advTm="25932"/>
+    <mc:Choice xmlns:p14="http://schemas.microsoft.com/office/powerpoint/2010/main" xmlns="" Requires="p14">
+      <p:transition spd="slow" p14:dur="2000" advTm="157969"/>
     </mc:Choice>
     <mc:Fallback>
-      <p:transition spd="slow" advTm="25932"/>
+      <p:transition spd="slow" advTm="157969"/>
     </mc:Fallback>
   </mc:AlternateContent>
   <p:timing>
@@ -8009,11 +8193,9 @@
               <a:buChar char="•"/>
             </a:pPr>
             <a:r>
-              <a:rPr lang="it-IT" sz="2400" dirty="0" smtClean="0">
-                <a:solidFill>
-                  <a:schemeClr val="bg1">
-                    <a:lumMod val="50000"/>
-                  </a:schemeClr>
+              <a:rPr lang="it-IT" sz="2800" b="1" dirty="0" smtClean="0">
+                <a:solidFill>
+                  <a:srgbClr val="0070C0"/>
                 </a:solidFill>
               </a:rPr>
               <a:t>Analisi di fattibilità</a:t>
@@ -8047,9 +8229,11 @@
               <a:buChar char="•"/>
             </a:pPr>
             <a:r>
-              <a:rPr lang="it-IT" sz="2800" b="1" dirty="0" smtClean="0">
-                <a:solidFill>
-                  <a:srgbClr val="0070C0"/>
+              <a:rPr lang="it-IT" sz="2400" dirty="0" smtClean="0">
+                <a:solidFill>
+                  <a:schemeClr val="bg1">
+                    <a:lumMod val="50000"/>
+                  </a:schemeClr>
                 </a:solidFill>
               </a:rPr>
               <a:t>Simulazioni e risultati</a:t>
@@ -8086,7 +8270,7 @@
     </p:spTree>
     <p:extLst>
       <p:ext uri="{BB962C8B-B14F-4D97-AF65-F5344CB8AC3E}">
-        <p14:creationId xmlns="" xmlns:p14="http://schemas.microsoft.com/office/powerpoint/2010/main" val="4293126687"/>
+        <p14:creationId xmlns:p14="http://schemas.microsoft.com/office/powerpoint/2010/main" xmlns="" val="4293126687"/>
       </p:ext>
     </p:extLst>
   </p:cSld>
@@ -8094,7 +8278,7 @@
     <a:masterClrMapping/>
   </p:clrMapOvr>
   <mc:AlternateContent xmlns:mc="http://schemas.openxmlformats.org/markup-compatibility/2006">
-    <mc:Choice xmlns="" xmlns:p14="http://schemas.microsoft.com/office/powerpoint/2010/main" Requires="p14">
+    <mc:Choice xmlns:p14="http://schemas.microsoft.com/office/powerpoint/2010/main" xmlns="" Requires="p14">
       <p:transition spd="slow" p14:dur="2000" advTm="25932"/>
     </mc:Choice>
     <mc:Fallback>
@@ -8236,11 +8420,9 @@
               <a:buChar char="•"/>
             </a:pPr>
             <a:r>
-              <a:rPr lang="it-IT" sz="2400" dirty="0" smtClean="0">
-                <a:solidFill>
-                  <a:schemeClr val="bg1">
-                    <a:lumMod val="50000"/>
-                  </a:schemeClr>
+              <a:rPr lang="it-IT" sz="2800" b="1" dirty="0" smtClean="0">
+                <a:solidFill>
+                  <a:srgbClr val="0070C0"/>
                 </a:solidFill>
               </a:rPr>
               <a:t>Architettura della soluzione</a:t>
@@ -8274,16 +8456,20 @@
               <a:buChar char="•"/>
             </a:pPr>
             <a:r>
-              <a:rPr lang="it-IT" sz="2800" b="1" dirty="0" smtClean="0">
-                <a:solidFill>
-                  <a:srgbClr val="0070C0"/>
+              <a:rPr lang="it-IT" sz="2400" dirty="0" smtClean="0">
+                <a:solidFill>
+                  <a:schemeClr val="bg1">
+                    <a:lumMod val="50000"/>
+                  </a:schemeClr>
                 </a:solidFill>
               </a:rPr>
               <a:t>Conclusioni</a:t>
             </a:r>
-            <a:endParaRPr lang="it-IT" sz="2800" b="1" dirty="0">
+            <a:endParaRPr lang="it-IT" sz="2400" dirty="0">
               <a:solidFill>
-                <a:srgbClr val="0070C0"/>
+                <a:schemeClr val="bg1">
+                  <a:lumMod val="50000"/>
+                </a:schemeClr>
               </a:solidFill>
             </a:endParaRPr>
           </a:p>
@@ -8292,7 +8478,7 @@
     </p:spTree>
     <p:extLst>
       <p:ext uri="{BB962C8B-B14F-4D97-AF65-F5344CB8AC3E}">
-        <p14:creationId xmlns="" xmlns:p14="http://schemas.microsoft.com/office/powerpoint/2010/main" val="4293126687"/>
+        <p14:creationId xmlns:p14="http://schemas.microsoft.com/office/powerpoint/2010/main" xmlns="" val="4293126687"/>
       </p:ext>
     </p:extLst>
   </p:cSld>
@@ -8300,7 +8486,7 @@
     <a:masterClrMapping/>
   </p:clrMapOvr>
   <mc:AlternateContent xmlns:mc="http://schemas.openxmlformats.org/markup-compatibility/2006">
-    <mc:Choice xmlns="" xmlns:p14="http://schemas.microsoft.com/office/powerpoint/2010/main" Requires="p14">
+    <mc:Choice xmlns:p14="http://schemas.microsoft.com/office/powerpoint/2010/main" xmlns="" Requires="p14">
       <p:transition spd="slow" p14:dur="2000" advTm="25932"/>
     </mc:Choice>
     <mc:Fallback>
@@ -8351,7 +8537,7 @@
           <a:p>
             <a:r>
               <a:rPr lang="it-IT" dirty="0" smtClean="0"/>
-              <a:t>Setup Sperimentale</a:t>
+              <a:t>Sommario</a:t>
             </a:r>
             <a:endParaRPr lang="it-IT" dirty="0"/>
           </a:p>
@@ -8359,157 +8545,148 @@
       </p:sp>
       <p:sp>
         <p:nvSpPr>
-          <p:cNvPr id="7" name="CasellaDiTesto 6"/>
-          <p:cNvSpPr txBox="1"/>
-          <p:nvPr/>
+          <p:cNvPr id="3" name="Segnaposto testo 2"/>
+          <p:cNvSpPr>
+            <a:spLocks noGrp="1"/>
+          </p:cNvSpPr>
+          <p:nvPr>
+            <p:ph type="body" sz="quarter" idx="11"/>
+          </p:nvPr>
         </p:nvSpPr>
         <p:spPr>
           <a:xfrm>
-            <a:off x="6141642" y="5174236"/>
-            <a:ext cx="1237839" cy="369332"/>
+            <a:off x="603252" y="1582057"/>
+            <a:ext cx="7937501" cy="4281714"/>
           </a:xfrm>
-          <a:prstGeom prst="rect">
-            <a:avLst/>
-          </a:prstGeom>
         </p:spPr>
-        <p:style>
-          <a:lnRef idx="2">
-            <a:schemeClr val="accent1"/>
-          </a:lnRef>
-          <a:fillRef idx="1">
-            <a:schemeClr val="lt1"/>
-          </a:fillRef>
-          <a:effectRef idx="0">
-            <a:schemeClr val="accent1"/>
-          </a:effectRef>
-          <a:fontRef idx="minor">
-            <a:schemeClr val="dk1"/>
-          </a:fontRef>
-        </p:style>
         <p:txBody>
-          <a:bodyPr wrap="none" rtlCol="0">
-            <a:spAutoFit/>
-          </a:bodyPr>
+          <a:bodyPr/>
           <a:lstStyle/>
           <a:p>
-            <a:r>
-              <a:rPr lang="it-IT" dirty="0" smtClean="0"/>
-              <a:t>Immagine2</a:t>
-            </a:r>
-            <a:endParaRPr lang="it-IT" b="1" dirty="0"/>
+            <a:pPr marL="457200" indent="-457200">
+              <a:lnSpc>
+                <a:spcPct val="140000"/>
+              </a:lnSpc>
+              <a:buFont typeface="Arial"/>
+              <a:buChar char="•"/>
+            </a:pPr>
+            <a:r>
+              <a:rPr lang="it-IT" sz="2400" dirty="0" smtClean="0">
+                <a:solidFill>
+                  <a:schemeClr val="bg1">
+                    <a:lumMod val="50000"/>
+                  </a:schemeClr>
+                </a:solidFill>
+              </a:rPr>
+              <a:t>Introduzione</a:t>
+            </a:r>
+          </a:p>
+          <a:p>
+            <a:pPr marL="457200" indent="-457200">
+              <a:lnSpc>
+                <a:spcPct val="140000"/>
+              </a:lnSpc>
+              <a:buFont typeface="Arial"/>
+              <a:buChar char="•"/>
+            </a:pPr>
+            <a:r>
+              <a:rPr lang="it-IT" sz="2400" dirty="0" smtClean="0">
+                <a:solidFill>
+                  <a:schemeClr val="bg1">
+                    <a:lumMod val="50000"/>
+                  </a:schemeClr>
+                </a:solidFill>
+              </a:rPr>
+              <a:t>Stato dell’arte</a:t>
+            </a:r>
+          </a:p>
+          <a:p>
+            <a:pPr marL="457200" indent="-457200">
+              <a:lnSpc>
+                <a:spcPct val="140000"/>
+              </a:lnSpc>
+              <a:buFont typeface="Arial"/>
+              <a:buChar char="•"/>
+            </a:pPr>
+            <a:r>
+              <a:rPr lang="it-IT" sz="2400" dirty="0" smtClean="0">
+                <a:solidFill>
+                  <a:schemeClr val="bg1">
+                    <a:lumMod val="50000"/>
+                  </a:schemeClr>
+                </a:solidFill>
+              </a:rPr>
+              <a:t>Analisi di fattibilità</a:t>
+            </a:r>
+          </a:p>
+          <a:p>
+            <a:pPr marL="457200" indent="-457200">
+              <a:lnSpc>
+                <a:spcPct val="140000"/>
+              </a:lnSpc>
+              <a:buFont typeface="Arial"/>
+              <a:buChar char="•"/>
+            </a:pPr>
+            <a:r>
+              <a:rPr lang="it-IT" sz="2400" dirty="0" smtClean="0">
+                <a:solidFill>
+                  <a:schemeClr val="bg1">
+                    <a:lumMod val="50000"/>
+                  </a:schemeClr>
+                </a:solidFill>
+              </a:rPr>
+              <a:t>Architettura della soluzione</a:t>
+            </a:r>
+          </a:p>
+          <a:p>
+            <a:pPr marL="457200" indent="-457200">
+              <a:lnSpc>
+                <a:spcPct val="140000"/>
+              </a:lnSpc>
+              <a:buFont typeface="Arial"/>
+              <a:buChar char="•"/>
+            </a:pPr>
+            <a:r>
+              <a:rPr lang="it-IT" sz="2800" b="1" dirty="0" smtClean="0">
+                <a:solidFill>
+                  <a:srgbClr val="0070C0"/>
+                </a:solidFill>
+              </a:rPr>
+              <a:t>Simulazioni e risultati</a:t>
+            </a:r>
+          </a:p>
+          <a:p>
+            <a:pPr marL="457200" indent="-457200">
+              <a:lnSpc>
+                <a:spcPct val="140000"/>
+              </a:lnSpc>
+              <a:buFont typeface="Arial"/>
+              <a:buChar char="•"/>
+            </a:pPr>
+            <a:r>
+              <a:rPr lang="it-IT" sz="2400" dirty="0" smtClean="0">
+                <a:solidFill>
+                  <a:schemeClr val="bg1">
+                    <a:lumMod val="50000"/>
+                  </a:schemeClr>
+                </a:solidFill>
+              </a:rPr>
+              <a:t>Conclusioni</a:t>
+            </a:r>
+            <a:endParaRPr lang="it-IT" sz="2400" dirty="0">
+              <a:solidFill>
+                <a:schemeClr val="bg1">
+                  <a:lumMod val="50000"/>
+                </a:schemeClr>
+              </a:solidFill>
+            </a:endParaRPr>
           </a:p>
         </p:txBody>
       </p:sp>
-      <p:pic>
-        <p:nvPicPr>
-          <p:cNvPr id="5" name="Immagine 4" descr="Tecnica motore banco prova 1b.JPG"/>
-          <p:cNvPicPr>
-            <a:picLocks noChangeAspect="1"/>
-          </p:cNvPicPr>
-          <p:nvPr/>
-        </p:nvPicPr>
-        <p:blipFill>
-          <a:blip r:embed="rId4" cstate="print">
-            <a:extLst>
-              <a:ext uri="{28A0092B-C50C-407E-A947-70E740481C1C}">
-                <a14:useLocalDpi xmlns="" xmlns:a14="http://schemas.microsoft.com/office/drawing/2010/main" val="0"/>
-              </a:ext>
-            </a:extLst>
-          </a:blip>
-          <a:stretch>
-            <a:fillRect/>
-          </a:stretch>
-        </p:blipFill>
-        <p:spPr>
-          <a:xfrm>
-            <a:off x="215248" y="2131821"/>
-            <a:ext cx="4248912" cy="2667000"/>
-          </a:xfrm>
-          <a:prstGeom prst="rect">
-            <a:avLst/>
-          </a:prstGeom>
-        </p:spPr>
-      </p:pic>
-      <p:pic>
-        <p:nvPicPr>
-          <p:cNvPr id="6" name="Immagine 5" descr="image.jpg"/>
-          <p:cNvPicPr>
-            <a:picLocks noChangeAspect="1"/>
-          </p:cNvPicPr>
-          <p:nvPr/>
-        </p:nvPicPr>
-        <p:blipFill>
-          <a:blip r:embed="rId5" cstate="print">
-            <a:extLst>
-              <a:ext uri="{28A0092B-C50C-407E-A947-70E740481C1C}">
-                <a14:useLocalDpi xmlns="" xmlns:a14="http://schemas.microsoft.com/office/drawing/2010/main" val="0"/>
-              </a:ext>
-            </a:extLst>
-          </a:blip>
-          <a:stretch>
-            <a:fillRect/>
-          </a:stretch>
-        </p:blipFill>
-        <p:spPr>
-          <a:xfrm>
-            <a:off x="5103693" y="2131821"/>
-            <a:ext cx="3555999" cy="2667000"/>
-          </a:xfrm>
-          <a:prstGeom prst="rect">
-            <a:avLst/>
-          </a:prstGeom>
-        </p:spPr>
-      </p:pic>
-      <p:sp>
-        <p:nvSpPr>
-          <p:cNvPr id="12" name="CasellaDiTesto 11"/>
-          <p:cNvSpPr txBox="1"/>
-          <p:nvPr/>
-        </p:nvSpPr>
-        <p:spPr>
-          <a:xfrm>
-            <a:off x="1665798" y="5195472"/>
-            <a:ext cx="1237839" cy="369332"/>
-          </a:xfrm>
-          <a:prstGeom prst="rect">
-            <a:avLst/>
-          </a:prstGeom>
-        </p:spPr>
-        <p:style>
-          <a:lnRef idx="2">
-            <a:schemeClr val="accent1"/>
-          </a:lnRef>
-          <a:fillRef idx="1">
-            <a:schemeClr val="lt1"/>
-          </a:fillRef>
-          <a:effectRef idx="0">
-            <a:schemeClr val="accent1"/>
-          </a:effectRef>
-          <a:fontRef idx="minor">
-            <a:schemeClr val="dk1"/>
-          </a:fontRef>
-        </p:style>
-        <p:txBody>
-          <a:bodyPr wrap="none" rtlCol="0">
-            <a:spAutoFit/>
-          </a:bodyPr>
-          <a:lstStyle/>
-          <a:p>
-            <a:r>
-              <a:rPr lang="it-IT" dirty="0" smtClean="0"/>
-              <a:t>Immagine1</a:t>
-            </a:r>
-            <a:endParaRPr lang="it-IT" b="1" dirty="0"/>
-          </a:p>
-        </p:txBody>
-      </p:sp>
     </p:spTree>
-    <p:custDataLst>
-      <p:tags r:id="rId1"/>
-    </p:custDataLst>
     <p:extLst>
       <p:ext uri="{BB962C8B-B14F-4D97-AF65-F5344CB8AC3E}">
-        <p14:creationId xmlns="" xmlns:p14="http://schemas.microsoft.com/office/powerpoint/2010/main" val="2009756495"/>
+        <p14:creationId xmlns:p14="http://schemas.microsoft.com/office/powerpoint/2010/main" xmlns="" val="4293126687"/>
       </p:ext>
     </p:extLst>
   </p:cSld>
@@ -8517,11 +8694,11 @@
     <a:masterClrMapping/>
   </p:clrMapOvr>
   <mc:AlternateContent xmlns:mc="http://schemas.openxmlformats.org/markup-compatibility/2006">
-    <mc:Choice xmlns="" xmlns:p14="http://schemas.microsoft.com/office/powerpoint/2010/main" Requires="p14">
-      <p:transition spd="slow" p14:dur="2000" advTm="54523"/>
+    <mc:Choice xmlns:p14="http://schemas.microsoft.com/office/powerpoint/2010/main" xmlns="" Requires="p14">
+      <p:transition spd="slow" p14:dur="2000" advTm="25932"/>
     </mc:Choice>
     <mc:Fallback>
-      <p:transition spd="slow" advTm="54523"/>
+      <p:transition spd="slow" advTm="25932"/>
     </mc:Fallback>
   </mc:AlternateContent>
   <p:timing>
@@ -8568,7 +8745,7 @@
           <a:p>
             <a:r>
               <a:rPr lang="it-IT" dirty="0" smtClean="0"/>
-              <a:t>Risultati Sperimentali</a:t>
+              <a:t>Sommario</a:t>
             </a:r>
             <a:endParaRPr lang="it-IT" dirty="0"/>
           </a:p>
@@ -8576,54 +8753,146 @@
       </p:sp>
       <p:sp>
         <p:nvSpPr>
-          <p:cNvPr id="7" name="CasellaDiTesto 6"/>
-          <p:cNvSpPr txBox="1"/>
-          <p:nvPr/>
+          <p:cNvPr id="3" name="Segnaposto testo 2"/>
+          <p:cNvSpPr>
+            <a:spLocks noGrp="1"/>
+          </p:cNvSpPr>
+          <p:nvPr>
+            <p:ph type="body" sz="quarter" idx="11"/>
+          </p:nvPr>
         </p:nvSpPr>
         <p:spPr>
           <a:xfrm>
-            <a:off x="2244664" y="3105835"/>
-            <a:ext cx="4616585" cy="369332"/>
+            <a:off x="603252" y="1582057"/>
+            <a:ext cx="7937501" cy="4281714"/>
           </a:xfrm>
-          <a:prstGeom prst="rect">
-            <a:avLst/>
-          </a:prstGeom>
         </p:spPr>
-        <p:style>
-          <a:lnRef idx="2">
-            <a:schemeClr val="accent1"/>
-          </a:lnRef>
-          <a:fillRef idx="1">
-            <a:schemeClr val="lt1"/>
-          </a:fillRef>
-          <a:effectRef idx="0">
-            <a:schemeClr val="accent1"/>
-          </a:effectRef>
-          <a:fontRef idx="minor">
-            <a:schemeClr val="dk1"/>
-          </a:fontRef>
-        </p:style>
         <p:txBody>
-          <a:bodyPr wrap="none" rtlCol="0">
-            <a:spAutoFit/>
-          </a:bodyPr>
+          <a:bodyPr/>
           <a:lstStyle/>
           <a:p>
-            <a:r>
-              <a:rPr lang="it-IT" dirty="0" smtClean="0"/>
-              <a:t>Testo/immagini/grafici dei risultati sperimentali</a:t>
-            </a:r>
-            <a:endParaRPr lang="it-IT" dirty="0"/>
+            <a:pPr marL="457200" indent="-457200">
+              <a:lnSpc>
+                <a:spcPct val="140000"/>
+              </a:lnSpc>
+              <a:buFont typeface="Arial"/>
+              <a:buChar char="•"/>
+            </a:pPr>
+            <a:r>
+              <a:rPr lang="it-IT" sz="2400" dirty="0" smtClean="0">
+                <a:solidFill>
+                  <a:schemeClr val="bg1">
+                    <a:lumMod val="50000"/>
+                  </a:schemeClr>
+                </a:solidFill>
+              </a:rPr>
+              <a:t>Introduzione</a:t>
+            </a:r>
+          </a:p>
+          <a:p>
+            <a:pPr marL="457200" indent="-457200">
+              <a:lnSpc>
+                <a:spcPct val="140000"/>
+              </a:lnSpc>
+              <a:buFont typeface="Arial"/>
+              <a:buChar char="•"/>
+            </a:pPr>
+            <a:r>
+              <a:rPr lang="it-IT" sz="2400" dirty="0" smtClean="0">
+                <a:solidFill>
+                  <a:schemeClr val="bg1">
+                    <a:lumMod val="50000"/>
+                  </a:schemeClr>
+                </a:solidFill>
+              </a:rPr>
+              <a:t>Stato dell’arte</a:t>
+            </a:r>
+          </a:p>
+          <a:p>
+            <a:pPr marL="457200" indent="-457200">
+              <a:lnSpc>
+                <a:spcPct val="140000"/>
+              </a:lnSpc>
+              <a:buFont typeface="Arial"/>
+              <a:buChar char="•"/>
+            </a:pPr>
+            <a:r>
+              <a:rPr lang="it-IT" sz="2400" dirty="0" smtClean="0">
+                <a:solidFill>
+                  <a:schemeClr val="bg1">
+                    <a:lumMod val="50000"/>
+                  </a:schemeClr>
+                </a:solidFill>
+              </a:rPr>
+              <a:t>Analisi di fattibilità</a:t>
+            </a:r>
+          </a:p>
+          <a:p>
+            <a:pPr marL="457200" indent="-457200">
+              <a:lnSpc>
+                <a:spcPct val="140000"/>
+              </a:lnSpc>
+              <a:buFont typeface="Arial"/>
+              <a:buChar char="•"/>
+            </a:pPr>
+            <a:r>
+              <a:rPr lang="it-IT" sz="2400" dirty="0" smtClean="0">
+                <a:solidFill>
+                  <a:schemeClr val="bg1">
+                    <a:lumMod val="50000"/>
+                  </a:schemeClr>
+                </a:solidFill>
+              </a:rPr>
+              <a:t>Architettura della soluzione</a:t>
+            </a:r>
+          </a:p>
+          <a:p>
+            <a:pPr marL="457200" indent="-457200">
+              <a:lnSpc>
+                <a:spcPct val="140000"/>
+              </a:lnSpc>
+              <a:buFont typeface="Arial"/>
+              <a:buChar char="•"/>
+            </a:pPr>
+            <a:r>
+              <a:rPr lang="it-IT" sz="2400" dirty="0" smtClean="0">
+                <a:solidFill>
+                  <a:schemeClr val="bg1">
+                    <a:lumMod val="50000"/>
+                  </a:schemeClr>
+                </a:solidFill>
+              </a:rPr>
+              <a:t>Simulazioni e risultati</a:t>
+            </a:r>
+          </a:p>
+          <a:p>
+            <a:pPr marL="457200" indent="-457200">
+              <a:lnSpc>
+                <a:spcPct val="140000"/>
+              </a:lnSpc>
+              <a:buFont typeface="Arial"/>
+              <a:buChar char="•"/>
+            </a:pPr>
+            <a:r>
+              <a:rPr lang="it-IT" sz="2800" b="1" dirty="0" smtClean="0">
+                <a:solidFill>
+                  <a:srgbClr val="0070C0"/>
+                </a:solidFill>
+              </a:rPr>
+              <a:t>Conclusioni</a:t>
+            </a:r>
+            <a:endParaRPr lang="it-IT" sz="2800" b="1" dirty="0">
+              <a:solidFill>
+                <a:srgbClr val="0070C0"/>
+              </a:solidFill>
+            </a:endParaRPr>
           </a:p>
         </p:txBody>
       </p:sp>
     </p:spTree>
-    <p:custDataLst>
-      <p:tags r:id="rId1"/>
-    </p:custDataLst>
     <p:extLst>
       <p:ext uri="{BB962C8B-B14F-4D97-AF65-F5344CB8AC3E}">
-        <p14:creationId xmlns="" xmlns:p14="http://schemas.microsoft.com/office/powerpoint/2010/main" val="3198320949"/>
+        <p14:creationId xmlns:p14="http://schemas.microsoft.com/office/powerpoint/2010/main" xmlns="" val="4293126687"/>
       </p:ext>
     </p:extLst>
   </p:cSld>
@@ -8631,11 +8900,11 @@
     <a:masterClrMapping/>
   </p:clrMapOvr>
   <mc:AlternateContent xmlns:mc="http://schemas.openxmlformats.org/markup-compatibility/2006">
-    <mc:Choice xmlns="" xmlns:p14="http://schemas.microsoft.com/office/powerpoint/2010/main" Requires="p14">
-      <p:transition spd="slow" p14:dur="2000" advTm="54523"/>
+    <mc:Choice xmlns:p14="http://schemas.microsoft.com/office/powerpoint/2010/main" xmlns="" Requires="p14">
+      <p:transition spd="slow" p14:dur="2000" advTm="25932"/>
     </mc:Choice>
     <mc:Fallback>
-      <p:transition spd="slow" advTm="54523"/>
+      <p:transition spd="slow" advTm="25932"/>
     </mc:Fallback>
   </mc:AlternateContent>
   <p:timing>
@@ -8682,7 +8951,7 @@
           <a:p>
             <a:r>
               <a:rPr lang="it-IT" dirty="0" smtClean="0"/>
-              <a:t>Sommario</a:t>
+              <a:t>Conclusioni</a:t>
             </a:r>
             <a:endParaRPr lang="it-IT" dirty="0"/>
           </a:p>
@@ -8690,7 +8959,7 @@
       </p:sp>
       <p:sp>
         <p:nvSpPr>
-          <p:cNvPr id="3" name="Segnaposto testo 2"/>
+          <p:cNvPr id="8" name="Segnaposto testo 7"/>
           <p:cNvSpPr>
             <a:spLocks noGrp="1"/>
           </p:cNvSpPr>
@@ -8698,107 +8967,22 @@
             <p:ph type="body" sz="quarter" idx="11"/>
           </p:nvPr>
         </p:nvSpPr>
-        <p:spPr>
-          <a:xfrm>
-            <a:off x="603252" y="1671651"/>
-            <a:ext cx="7937501" cy="3514699"/>
-          </a:xfrm>
-        </p:spPr>
+        <p:spPr/>
         <p:txBody>
           <a:bodyPr/>
           <a:lstStyle/>
           <a:p>
-            <a:pPr marL="457200" indent="-457200">
-              <a:lnSpc>
-                <a:spcPct val="140000"/>
-              </a:lnSpc>
-              <a:buFont typeface="Arial"/>
-              <a:buChar char="•"/>
-            </a:pPr>
-            <a:r>
-              <a:rPr lang="it-IT" sz="2800" dirty="0" smtClean="0">
-                <a:solidFill>
-                  <a:schemeClr val="tx1"/>
-                </a:solidFill>
-              </a:rPr>
-              <a:t>Introduzione e Obiettivi del Lavoro</a:t>
-            </a:r>
-          </a:p>
-          <a:p>
-            <a:pPr marL="457200" indent="-457200">
-              <a:lnSpc>
-                <a:spcPct val="140000"/>
-              </a:lnSpc>
-              <a:buFont typeface="Arial"/>
-              <a:buChar char="•"/>
-            </a:pPr>
-            <a:r>
-              <a:rPr lang="it-IT" sz="2800" dirty="0" smtClean="0">
-                <a:solidFill>
-                  <a:schemeClr val="tx1"/>
-                </a:solidFill>
-              </a:rPr>
-              <a:t>Parte 1 (es. Prove Sperimentali)</a:t>
-            </a:r>
-          </a:p>
-          <a:p>
-            <a:pPr marL="457200" indent="-457200">
-              <a:lnSpc>
-                <a:spcPct val="140000"/>
-              </a:lnSpc>
-              <a:buFont typeface="Arial"/>
-              <a:buChar char="•"/>
-            </a:pPr>
-            <a:r>
-              <a:rPr lang="it-IT" sz="2800" b="1" dirty="0" smtClean="0"/>
-              <a:t>Simulazioni Numeriche</a:t>
-            </a:r>
-          </a:p>
-          <a:p>
-            <a:pPr marL="457200" indent="-457200">
-              <a:lnSpc>
-                <a:spcPct val="140000"/>
-              </a:lnSpc>
-              <a:buFont typeface="Arial"/>
-              <a:buChar char="•"/>
-            </a:pPr>
-            <a:r>
-              <a:rPr lang="it-IT" sz="2800" dirty="0" smtClean="0">
-                <a:solidFill>
-                  <a:schemeClr val="tx1"/>
-                </a:solidFill>
-              </a:rPr>
-              <a:t>Parte 3</a:t>
-            </a:r>
-          </a:p>
-          <a:p>
-            <a:pPr marL="457200" indent="-457200">
-              <a:lnSpc>
-                <a:spcPct val="140000"/>
-              </a:lnSpc>
-              <a:buFont typeface="Arial"/>
-              <a:buChar char="•"/>
-            </a:pPr>
-            <a:r>
-              <a:rPr lang="it-IT" sz="2800" dirty="0" smtClean="0">
-                <a:solidFill>
-                  <a:schemeClr val="tx1"/>
-                </a:solidFill>
-              </a:rPr>
-              <a:t>Conclusioni</a:t>
-            </a:r>
-            <a:endParaRPr lang="it-IT" sz="2800" dirty="0">
-              <a:solidFill>
-                <a:schemeClr val="tx1"/>
-              </a:solidFill>
-            </a:endParaRPr>
+            <a:endParaRPr lang="it-IT"/>
           </a:p>
         </p:txBody>
       </p:sp>
     </p:spTree>
+    <p:custDataLst>
+      <p:tags r:id="rId1"/>
+    </p:custDataLst>
     <p:extLst>
       <p:ext uri="{BB962C8B-B14F-4D97-AF65-F5344CB8AC3E}">
-        <p14:creationId xmlns="" xmlns:p14="http://schemas.microsoft.com/office/powerpoint/2010/main" val="2760447325"/>
+        <p14:creationId xmlns:p14="http://schemas.microsoft.com/office/powerpoint/2010/main" xmlns="" val="1562047360"/>
       </p:ext>
     </p:extLst>
   </p:cSld>
@@ -8806,11 +8990,11 @@
     <a:masterClrMapping/>
   </p:clrMapOvr>
   <mc:AlternateContent xmlns:mc="http://schemas.openxmlformats.org/markup-compatibility/2006">
-    <mc:Choice xmlns="" xmlns:p14="http://schemas.microsoft.com/office/powerpoint/2010/main" Requires="p14">
-      <p:transition spd="slow" p14:dur="2000" advTm="25932"/>
+    <mc:Choice xmlns:p14="http://schemas.microsoft.com/office/powerpoint/2010/main" xmlns="" Requires="p14">
+      <p:transition spd="slow" p14:dur="2000" advTm="9545"/>
     </mc:Choice>
     <mc:Fallback>
-      <p:transition spd="slow" advTm="25932"/>
+      <p:transition spd="slow" advTm="9545"/>
     </mc:Fallback>
   </mc:AlternateContent>
   <p:timing>
@@ -8994,7 +9178,7 @@
     </p:spTree>
     <p:extLst>
       <p:ext uri="{BB962C8B-B14F-4D97-AF65-F5344CB8AC3E}">
-        <p14:creationId xmlns="" xmlns:p14="http://schemas.microsoft.com/office/powerpoint/2010/main" val="4293126687"/>
+        <p14:creationId xmlns:p14="http://schemas.microsoft.com/office/powerpoint/2010/main" xmlns="" val="4293126687"/>
       </p:ext>
     </p:extLst>
   </p:cSld>
@@ -9002,7 +9186,7 @@
     <a:masterClrMapping/>
   </p:clrMapOvr>
   <mc:AlternateContent xmlns:mc="http://schemas.openxmlformats.org/markup-compatibility/2006">
-    <mc:Choice xmlns="" xmlns:p14="http://schemas.microsoft.com/office/powerpoint/2010/main" Requires="p14">
+    <mc:Choice xmlns:p14="http://schemas.microsoft.com/office/powerpoint/2010/main" xmlns="" Requires="p14">
       <p:transition spd="slow" p14:dur="2000" advTm="25932"/>
     </mc:Choice>
     <mc:Fallback>
@@ -9036,1807 +9220,6 @@
           <a:chExt cx="0" cy="0"/>
         </a:xfrm>
       </p:grpSpPr>
-      <p:sp>
-        <p:nvSpPr>
-          <p:cNvPr id="2" name="Segnaposto testo 1"/>
-          <p:cNvSpPr>
-            <a:spLocks noGrp="1"/>
-          </p:cNvSpPr>
-          <p:nvPr>
-            <p:ph type="body" sz="quarter" idx="10"/>
-          </p:nvPr>
-        </p:nvSpPr>
-        <p:spPr/>
-        <p:txBody>
-          <a:bodyPr/>
-          <a:lstStyle/>
-          <a:p>
-            <a:r>
-              <a:rPr lang="it-IT" dirty="0" smtClean="0"/>
-              <a:t>Scelte di Modellazione</a:t>
-            </a:r>
-            <a:endParaRPr lang="it-IT" dirty="0"/>
-          </a:p>
-        </p:txBody>
-      </p:sp>
-      <p:sp>
-        <p:nvSpPr>
-          <p:cNvPr id="3" name="CasellaDiTesto 2"/>
-          <p:cNvSpPr txBox="1"/>
-          <p:nvPr/>
-        </p:nvSpPr>
-        <p:spPr>
-          <a:xfrm>
-            <a:off x="134831" y="3165699"/>
-            <a:ext cx="3954376" cy="1077218"/>
-          </a:xfrm>
-          <a:prstGeom prst="rect">
-            <a:avLst/>
-          </a:prstGeom>
-          <a:noFill/>
-        </p:spPr>
-        <p:txBody>
-          <a:bodyPr wrap="square" rtlCol="0">
-            <a:spAutoFit/>
-          </a:bodyPr>
-          <a:lstStyle/>
-          <a:p>
-            <a:pPr marL="285750" indent="-285750">
-              <a:buFont typeface="Arial"/>
-              <a:buChar char="•"/>
-            </a:pPr>
-            <a:r>
-              <a:rPr lang="it-IT" sz="1600" dirty="0" smtClean="0"/>
-              <a:t>Obiettivo1</a:t>
-            </a:r>
-          </a:p>
-          <a:p>
-            <a:pPr marL="285750" indent="-285750">
-              <a:buFont typeface="Arial"/>
-              <a:buChar char="•"/>
-            </a:pPr>
-            <a:r>
-              <a:rPr lang="it-IT" sz="1600" dirty="0" smtClean="0"/>
-              <a:t>Obiettivo2</a:t>
-            </a:r>
-            <a:endParaRPr lang="it-IT" sz="1600" dirty="0"/>
-          </a:p>
-          <a:p>
-            <a:pPr marL="285750" indent="-285750">
-              <a:buFont typeface="Arial"/>
-              <a:buChar char="•"/>
-            </a:pPr>
-            <a:r>
-              <a:rPr lang="it-IT" sz="1600" dirty="0" smtClean="0"/>
-              <a:t>Obiettivo3</a:t>
-            </a:r>
-            <a:endParaRPr lang="it-IT" sz="1600" dirty="0"/>
-          </a:p>
-          <a:p>
-            <a:pPr marL="285750" indent="-285750">
-              <a:buFont typeface="Arial"/>
-              <a:buChar char="•"/>
-            </a:pPr>
-            <a:r>
-              <a:rPr lang="it-IT" sz="1600" dirty="0" smtClean="0"/>
-              <a:t>Obiettivo4</a:t>
-            </a:r>
-            <a:endParaRPr lang="it-IT" sz="1600" dirty="0"/>
-          </a:p>
-        </p:txBody>
-      </p:sp>
-      <p:sp>
-        <p:nvSpPr>
-          <p:cNvPr id="4" name="Freccia destra 3"/>
-          <p:cNvSpPr/>
-          <p:nvPr/>
-        </p:nvSpPr>
-        <p:spPr>
-          <a:xfrm flipV="1">
-            <a:off x="3688993" y="2785783"/>
-            <a:ext cx="1506508" cy="183376"/>
-          </a:xfrm>
-          <a:prstGeom prst="rightArrow">
-            <a:avLst>
-              <a:gd name="adj1" fmla="val 37434"/>
-              <a:gd name="adj2" fmla="val 64032"/>
-            </a:avLst>
-          </a:prstGeom>
-        </p:spPr>
-        <p:style>
-          <a:lnRef idx="1">
-            <a:schemeClr val="accent1"/>
-          </a:lnRef>
-          <a:fillRef idx="3">
-            <a:schemeClr val="accent1"/>
-          </a:fillRef>
-          <a:effectRef idx="2">
-            <a:schemeClr val="accent1"/>
-          </a:effectRef>
-          <a:fontRef idx="minor">
-            <a:schemeClr val="lt1"/>
-          </a:fontRef>
-        </p:style>
-        <p:txBody>
-          <a:bodyPr rtlCol="0" anchor="ctr"/>
-          <a:lstStyle/>
-          <a:p>
-            <a:pPr algn="ctr"/>
-            <a:endParaRPr lang="it-IT"/>
-          </a:p>
-        </p:txBody>
-      </p:sp>
-      <p:sp>
-        <p:nvSpPr>
-          <p:cNvPr id="5" name="CasellaDiTesto 4"/>
-          <p:cNvSpPr txBox="1"/>
-          <p:nvPr/>
-        </p:nvSpPr>
-        <p:spPr>
-          <a:xfrm>
-            <a:off x="5508581" y="3164364"/>
-            <a:ext cx="3534833" cy="1815882"/>
-          </a:xfrm>
-          <a:prstGeom prst="rect">
-            <a:avLst/>
-          </a:prstGeom>
-          <a:noFill/>
-        </p:spPr>
-        <p:txBody>
-          <a:bodyPr wrap="square" rtlCol="0">
-            <a:spAutoFit/>
-          </a:bodyPr>
-          <a:lstStyle/>
-          <a:p>
-            <a:pPr marL="285750" indent="-285750">
-              <a:buFont typeface="Arial"/>
-              <a:buChar char="•"/>
-            </a:pPr>
-            <a:r>
-              <a:rPr lang="it-IT" sz="1600" dirty="0" smtClean="0"/>
-              <a:t>Scelta1</a:t>
-            </a:r>
-            <a:endParaRPr lang="it-IT" sz="1600" b="1" dirty="0" smtClean="0"/>
-          </a:p>
-          <a:p>
-            <a:pPr marL="285750" indent="-285750">
-              <a:buFont typeface="Arial"/>
-              <a:buChar char="•"/>
-            </a:pPr>
-            <a:r>
-              <a:rPr lang="it-IT" sz="1600" dirty="0" smtClean="0"/>
-              <a:t>Scelta2</a:t>
-            </a:r>
-            <a:endParaRPr lang="it-IT" sz="1600" b="1" dirty="0"/>
-          </a:p>
-          <a:p>
-            <a:pPr marL="285750" indent="-285750">
-              <a:buFont typeface="Arial"/>
-              <a:buChar char="•"/>
-            </a:pPr>
-            <a:r>
-              <a:rPr lang="it-IT" sz="1600" dirty="0" smtClean="0"/>
-              <a:t>Scelta3</a:t>
-            </a:r>
-            <a:endParaRPr lang="it-IT" sz="1600" b="1" dirty="0"/>
-          </a:p>
-          <a:p>
-            <a:pPr marL="285750" indent="-285750">
-              <a:buFont typeface="Arial"/>
-              <a:buChar char="•"/>
-            </a:pPr>
-            <a:r>
-              <a:rPr lang="it-IT" sz="1600" dirty="0" smtClean="0"/>
-              <a:t>Scelta4</a:t>
-            </a:r>
-          </a:p>
-          <a:p>
-            <a:pPr marL="285750" indent="-285750">
-              <a:buFont typeface="Arial"/>
-              <a:buChar char="•"/>
-            </a:pPr>
-            <a:endParaRPr lang="it-IT" sz="1600" dirty="0"/>
-          </a:p>
-          <a:p>
-            <a:pPr marL="285750" indent="-285750">
-              <a:buFont typeface="Arial"/>
-              <a:buChar char="•"/>
-            </a:pPr>
-            <a:r>
-              <a:rPr lang="it-IT" sz="1600" dirty="0" smtClean="0"/>
-              <a:t>Ipotesi1</a:t>
-            </a:r>
-          </a:p>
-          <a:p>
-            <a:pPr marL="285750" indent="-285750">
-              <a:buFont typeface="Arial"/>
-              <a:buChar char="•"/>
-            </a:pPr>
-            <a:r>
-              <a:rPr lang="it-IT" sz="1600" dirty="0" smtClean="0"/>
-              <a:t>Ipotesi2</a:t>
-            </a:r>
-            <a:endParaRPr lang="it-IT" sz="1600" dirty="0"/>
-          </a:p>
-        </p:txBody>
-      </p:sp>
-      <p:sp>
-        <p:nvSpPr>
-          <p:cNvPr id="12" name="CasellaDiTesto 11"/>
-          <p:cNvSpPr txBox="1"/>
-          <p:nvPr/>
-        </p:nvSpPr>
-        <p:spPr>
-          <a:xfrm>
-            <a:off x="1459494" y="2627603"/>
-            <a:ext cx="1313180" cy="369332"/>
-          </a:xfrm>
-          <a:prstGeom prst="rect">
-            <a:avLst/>
-          </a:prstGeom>
-          <a:solidFill>
-            <a:schemeClr val="accent5">
-              <a:lumMod val="20000"/>
-              <a:lumOff val="80000"/>
-            </a:schemeClr>
-          </a:solidFill>
-          <a:ln>
-            <a:solidFill>
-              <a:schemeClr val="accent5">
-                <a:lumMod val="75000"/>
-              </a:schemeClr>
-            </a:solidFill>
-          </a:ln>
-        </p:spPr>
-        <p:txBody>
-          <a:bodyPr wrap="none" rtlCol="0">
-            <a:spAutoFit/>
-          </a:bodyPr>
-          <a:lstStyle/>
-          <a:p>
-            <a:r>
-              <a:rPr lang="it-IT" b="1" dirty="0" smtClean="0">
-                <a:solidFill>
-                  <a:schemeClr val="tx2"/>
-                </a:solidFill>
-              </a:rPr>
-              <a:t>OBIETTIVI</a:t>
-            </a:r>
-            <a:endParaRPr lang="it-IT" b="1" dirty="0">
-              <a:solidFill>
-                <a:schemeClr val="tx2"/>
-              </a:solidFill>
-            </a:endParaRPr>
-          </a:p>
-        </p:txBody>
-      </p:sp>
-      <p:sp>
-        <p:nvSpPr>
-          <p:cNvPr id="13" name="CasellaDiTesto 12"/>
-          <p:cNvSpPr txBox="1"/>
-          <p:nvPr/>
-        </p:nvSpPr>
-        <p:spPr>
-          <a:xfrm>
-            <a:off x="5508581" y="2628229"/>
-            <a:ext cx="2245038" cy="369332"/>
-          </a:xfrm>
-          <a:prstGeom prst="rect">
-            <a:avLst/>
-          </a:prstGeom>
-          <a:solidFill>
-            <a:schemeClr val="accent5">
-              <a:lumMod val="20000"/>
-              <a:lumOff val="80000"/>
-            </a:schemeClr>
-          </a:solidFill>
-          <a:ln>
-            <a:solidFill>
-              <a:schemeClr val="accent5">
-                <a:lumMod val="75000"/>
-              </a:schemeClr>
-            </a:solidFill>
-          </a:ln>
-        </p:spPr>
-        <p:txBody>
-          <a:bodyPr wrap="none" rtlCol="0">
-            <a:spAutoFit/>
-          </a:bodyPr>
-          <a:lstStyle/>
-          <a:p>
-            <a:r>
-              <a:rPr lang="it-IT" b="1" dirty="0" smtClean="0">
-                <a:solidFill>
-                  <a:schemeClr val="tx2"/>
-                </a:solidFill>
-              </a:rPr>
-              <a:t>SCELTE e IPOTESI</a:t>
-            </a:r>
-            <a:endParaRPr lang="it-IT" b="1" dirty="0">
-              <a:solidFill>
-                <a:schemeClr val="tx2"/>
-              </a:solidFill>
-            </a:endParaRPr>
-          </a:p>
-        </p:txBody>
-      </p:sp>
-    </p:spTree>
-    <p:custDataLst>
-      <p:tags r:id="rId1"/>
-    </p:custDataLst>
-    <p:extLst>
-      <p:ext uri="{BB962C8B-B14F-4D97-AF65-F5344CB8AC3E}">
-        <p14:creationId xmlns="" xmlns:p14="http://schemas.microsoft.com/office/powerpoint/2010/main" val="3626614168"/>
-      </p:ext>
-    </p:extLst>
-  </p:cSld>
-  <p:clrMapOvr>
-    <a:masterClrMapping/>
-  </p:clrMapOvr>
-  <mc:AlternateContent xmlns:mc="http://schemas.openxmlformats.org/markup-compatibility/2006">
-    <mc:Choice xmlns="" xmlns:p14="http://schemas.microsoft.com/office/powerpoint/2010/main" Requires="p14">
-      <p:transition spd="slow" p14:dur="2000" advTm="146330"/>
-    </mc:Choice>
-    <mc:Fallback>
-      <p:transition spd="slow" advTm="146330"/>
-    </mc:Fallback>
-  </mc:AlternateContent>
-  <p:timing>
-    <p:tnLst>
-      <p:par>
-        <p:cTn id="1" dur="indefinite" restart="never" nodeType="tmRoot">
-          <p:childTnLst>
-            <p:seq concurrent="1" nextAc="seek">
-              <p:cTn id="2" dur="indefinite" nodeType="mainSeq">
-                <p:childTnLst>
-                  <p:par>
-                    <p:cTn id="3" fill="hold">
-                      <p:stCondLst>
-                        <p:cond delay="indefinite"/>
-                      </p:stCondLst>
-                      <p:childTnLst>
-                        <p:par>
-                          <p:cTn id="4" fill="hold">
-                            <p:stCondLst>
-                              <p:cond delay="0"/>
-                            </p:stCondLst>
-                            <p:childTnLst>
-                              <p:par>
-                                <p:cTn id="5" presetID="1" presetClass="entr" presetSubtype="0" fill="hold" grpId="0" nodeType="clickEffect">
-                                  <p:stCondLst>
-                                    <p:cond delay="0"/>
-                                  </p:stCondLst>
-                                  <p:childTnLst>
-                                    <p:set>
-                                      <p:cBhvr>
-                                        <p:cTn id="6" dur="1" fill="hold">
-                                          <p:stCondLst>
-                                            <p:cond delay="0"/>
-                                          </p:stCondLst>
-                                        </p:cTn>
-                                        <p:tgtEl>
-                                          <p:spTgt spid="4"/>
-                                        </p:tgtEl>
-                                        <p:attrNameLst>
-                                          <p:attrName>style.visibility</p:attrName>
-                                        </p:attrNameLst>
-                                      </p:cBhvr>
-                                      <p:to>
-                                        <p:strVal val="visible"/>
-                                      </p:to>
-                                    </p:set>
-                                  </p:childTnLst>
-                                </p:cTn>
-                              </p:par>
-                              <p:par>
-                                <p:cTn id="7" presetID="1" presetClass="entr" presetSubtype="0" fill="hold" grpId="0" nodeType="withEffect">
-                                  <p:stCondLst>
-                                    <p:cond delay="0"/>
-                                  </p:stCondLst>
-                                  <p:childTnLst>
-                                    <p:set>
-                                      <p:cBhvr>
-                                        <p:cTn id="8" dur="1" fill="hold">
-                                          <p:stCondLst>
-                                            <p:cond delay="0"/>
-                                          </p:stCondLst>
-                                        </p:cTn>
-                                        <p:tgtEl>
-                                          <p:spTgt spid="13"/>
-                                        </p:tgtEl>
-                                        <p:attrNameLst>
-                                          <p:attrName>style.visibility</p:attrName>
-                                        </p:attrNameLst>
-                                      </p:cBhvr>
-                                      <p:to>
-                                        <p:strVal val="visible"/>
-                                      </p:to>
-                                    </p:set>
-                                  </p:childTnLst>
-                                </p:cTn>
-                              </p:par>
-                              <p:par>
-                                <p:cTn id="9" presetID="1" presetClass="entr" presetSubtype="0" fill="hold" grpId="0" nodeType="withEffect">
-                                  <p:stCondLst>
-                                    <p:cond delay="0"/>
-                                  </p:stCondLst>
-                                  <p:childTnLst>
-                                    <p:set>
-                                      <p:cBhvr>
-                                        <p:cTn id="10" dur="1" fill="hold">
-                                          <p:stCondLst>
-                                            <p:cond delay="0"/>
-                                          </p:stCondLst>
-                                        </p:cTn>
-                                        <p:tgtEl>
-                                          <p:spTgt spid="5"/>
-                                        </p:tgtEl>
-                                        <p:attrNameLst>
-                                          <p:attrName>style.visibility</p:attrName>
-                                        </p:attrNameLst>
-                                      </p:cBhvr>
-                                      <p:to>
-                                        <p:strVal val="visible"/>
-                                      </p:to>
-                                    </p:set>
-                                  </p:childTnLst>
-                                </p:cTn>
-                              </p:par>
-                            </p:childTnLst>
-                          </p:cTn>
-                        </p:par>
-                      </p:childTnLst>
-                    </p:cTn>
-                  </p:par>
-                </p:childTnLst>
-              </p:cTn>
-              <p:prevCondLst>
-                <p:cond evt="onPrev" delay="0">
-                  <p:tgtEl>
-                    <p:sldTgt/>
-                  </p:tgtEl>
-                </p:cond>
-              </p:prevCondLst>
-              <p:nextCondLst>
-                <p:cond evt="onNext" delay="0">
-                  <p:tgtEl>
-                    <p:sldTgt/>
-                  </p:tgtEl>
-                </p:cond>
-              </p:nextCondLst>
-            </p:seq>
-          </p:childTnLst>
-        </p:cTn>
-      </p:par>
-    </p:tnLst>
-    <p:bldLst>
-      <p:bldP spid="4" grpId="0" animBg="1"/>
-      <p:bldP spid="5" grpId="0"/>
-      <p:bldP spid="13" grpId="0" animBg="1"/>
-    </p:bldLst>
-  </p:timing>
-</p:sld>
-</file>
-
-<file path=ppt/slides/slide21.xml><?xml version="1.0" encoding="utf-8"?>
-<p:sld xmlns:a="http://schemas.openxmlformats.org/drawingml/2006/main" xmlns:r="http://schemas.openxmlformats.org/officeDocument/2006/relationships" xmlns:p="http://schemas.openxmlformats.org/presentationml/2006/main">
-  <p:cSld>
-    <p:spTree>
-      <p:nvGrpSpPr>
-        <p:cNvPr id="1" name=""/>
-        <p:cNvGrpSpPr/>
-        <p:nvPr/>
-      </p:nvGrpSpPr>
-      <p:grpSpPr>
-        <a:xfrm>
-          <a:off x="0" y="0"/>
-          <a:ext cx="0" cy="0"/>
-          <a:chOff x="0" y="0"/>
-          <a:chExt cx="0" cy="0"/>
-        </a:xfrm>
-      </p:grpSpPr>
-      <p:pic>
-        <p:nvPicPr>
-          <p:cNvPr id="12" name="Immagine 11"/>
-          <p:cNvPicPr>
-            <a:picLocks noChangeAspect="1"/>
-          </p:cNvPicPr>
-          <p:nvPr/>
-        </p:nvPicPr>
-        <p:blipFill>
-          <a:blip r:embed="rId4" cstate="print">
-            <a:extLst>
-              <a:ext uri="{28A0092B-C50C-407E-A947-70E740481C1C}">
-                <a14:useLocalDpi xmlns="" xmlns:a14="http://schemas.microsoft.com/office/drawing/2010/main" val="0"/>
-              </a:ext>
-            </a:extLst>
-          </a:blip>
-          <a:stretch>
-            <a:fillRect/>
-          </a:stretch>
-        </p:blipFill>
-        <p:spPr>
-          <a:xfrm>
-            <a:off x="4768900" y="1495103"/>
-            <a:ext cx="4096969" cy="3382383"/>
-          </a:xfrm>
-          <a:prstGeom prst="rect">
-            <a:avLst/>
-          </a:prstGeom>
-        </p:spPr>
-      </p:pic>
-      <p:sp>
-        <p:nvSpPr>
-          <p:cNvPr id="13" name="CasellaDiTesto 12"/>
-          <p:cNvSpPr txBox="1"/>
-          <p:nvPr/>
-        </p:nvSpPr>
-        <p:spPr>
-          <a:xfrm>
-            <a:off x="6414387" y="5133002"/>
-            <a:ext cx="1216150" cy="338554"/>
-          </a:xfrm>
-          <a:prstGeom prst="rect">
-            <a:avLst/>
-          </a:prstGeom>
-        </p:spPr>
-        <p:style>
-          <a:lnRef idx="2">
-            <a:schemeClr val="accent1"/>
-          </a:lnRef>
-          <a:fillRef idx="1">
-            <a:schemeClr val="lt1"/>
-          </a:fillRef>
-          <a:effectRef idx="0">
-            <a:schemeClr val="accent1"/>
-          </a:effectRef>
-          <a:fontRef idx="minor">
-            <a:schemeClr val="dk1"/>
-          </a:fontRef>
-        </p:style>
-        <p:txBody>
-          <a:bodyPr wrap="square" rtlCol="0">
-            <a:spAutoFit/>
-          </a:bodyPr>
-          <a:lstStyle/>
-          <a:p>
-            <a:pPr algn="ctr"/>
-            <a:r>
-              <a:rPr lang="it-IT" sz="1600" dirty="0" smtClean="0"/>
-              <a:t>ESEMPIO2</a:t>
-            </a:r>
-            <a:endParaRPr lang="it-IT" sz="1600" b="1" dirty="0"/>
-          </a:p>
-        </p:txBody>
-      </p:sp>
-      <p:sp>
-        <p:nvSpPr>
-          <p:cNvPr id="2" name="Segnaposto testo 1"/>
-          <p:cNvSpPr>
-            <a:spLocks noGrp="1"/>
-          </p:cNvSpPr>
-          <p:nvPr>
-            <p:ph type="body" sz="quarter" idx="10"/>
-          </p:nvPr>
-        </p:nvSpPr>
-        <p:spPr/>
-        <p:txBody>
-          <a:bodyPr/>
-          <a:lstStyle/>
-          <a:p>
-            <a:r>
-              <a:rPr lang="it-IT" dirty="0" smtClean="0"/>
-              <a:t>Esempio Grafici</a:t>
-            </a:r>
-            <a:endParaRPr lang="it-IT" dirty="0"/>
-          </a:p>
-        </p:txBody>
-      </p:sp>
-      <p:pic>
-        <p:nvPicPr>
-          <p:cNvPr id="7" name="Immagine 6"/>
-          <p:cNvPicPr>
-            <a:picLocks noChangeAspect="1"/>
-          </p:cNvPicPr>
-          <p:nvPr/>
-        </p:nvPicPr>
-        <p:blipFill>
-          <a:blip r:embed="rId5" cstate="print">
-            <a:extLst>
-              <a:ext uri="{28A0092B-C50C-407E-A947-70E740481C1C}">
-                <a14:useLocalDpi xmlns="" xmlns:a14="http://schemas.microsoft.com/office/drawing/2010/main" val="0"/>
-              </a:ext>
-            </a:extLst>
-          </a:blip>
-          <a:stretch>
-            <a:fillRect/>
-          </a:stretch>
-        </p:blipFill>
-        <p:spPr>
-          <a:xfrm>
-            <a:off x="197226" y="1495103"/>
-            <a:ext cx="4096970" cy="3382383"/>
-          </a:xfrm>
-          <a:prstGeom prst="rect">
-            <a:avLst/>
-          </a:prstGeom>
-        </p:spPr>
-      </p:pic>
-      <p:sp>
-        <p:nvSpPr>
-          <p:cNvPr id="18" name="CasellaDiTesto 17"/>
-          <p:cNvSpPr txBox="1"/>
-          <p:nvPr/>
-        </p:nvSpPr>
-        <p:spPr>
-          <a:xfrm>
-            <a:off x="1901219" y="5133002"/>
-            <a:ext cx="1141543" cy="338554"/>
-          </a:xfrm>
-          <a:prstGeom prst="rect">
-            <a:avLst/>
-          </a:prstGeom>
-        </p:spPr>
-        <p:style>
-          <a:lnRef idx="2">
-            <a:schemeClr val="accent1"/>
-          </a:lnRef>
-          <a:fillRef idx="1">
-            <a:schemeClr val="lt1"/>
-          </a:fillRef>
-          <a:effectRef idx="0">
-            <a:schemeClr val="accent1"/>
-          </a:effectRef>
-          <a:fontRef idx="minor">
-            <a:schemeClr val="dk1"/>
-          </a:fontRef>
-        </p:style>
-        <p:txBody>
-          <a:bodyPr wrap="square" rtlCol="0">
-            <a:spAutoFit/>
-          </a:bodyPr>
-          <a:lstStyle/>
-          <a:p>
-            <a:pPr algn="ctr"/>
-            <a:r>
-              <a:rPr lang="it-IT" sz="1600" dirty="0" smtClean="0"/>
-              <a:t>ESEMPIO1</a:t>
-            </a:r>
-            <a:endParaRPr lang="it-IT" sz="1600" b="1" dirty="0"/>
-          </a:p>
-        </p:txBody>
-      </p:sp>
-    </p:spTree>
-    <p:custDataLst>
-      <p:tags r:id="rId1"/>
-    </p:custDataLst>
-    <p:extLst>
-      <p:ext uri="{BB962C8B-B14F-4D97-AF65-F5344CB8AC3E}">
-        <p14:creationId xmlns="" xmlns:p14="http://schemas.microsoft.com/office/powerpoint/2010/main" val="2098952791"/>
-      </p:ext>
-    </p:extLst>
-  </p:cSld>
-  <p:clrMapOvr>
-    <a:masterClrMapping/>
-  </p:clrMapOvr>
-  <mc:AlternateContent xmlns:mc="http://schemas.openxmlformats.org/markup-compatibility/2006">
-    <mc:Choice xmlns="" xmlns:p14="http://schemas.microsoft.com/office/powerpoint/2010/main" Requires="p14">
-      <p:transition spd="slow" p14:dur="2000" advTm="51212"/>
-    </mc:Choice>
-    <mc:Fallback>
-      <p:transition spd="slow" advTm="51212"/>
-    </mc:Fallback>
-  </mc:AlternateContent>
-  <p:timing>
-    <p:tnLst>
-      <p:par>
-        <p:cTn id="1" dur="indefinite" restart="never" nodeType="tmRoot">
-          <p:childTnLst>
-            <p:seq concurrent="1" nextAc="seek">
-              <p:cTn id="2" dur="indefinite" nodeType="mainSeq">
-                <p:childTnLst>
-                  <p:par>
-                    <p:cTn id="3" fill="hold">
-                      <p:stCondLst>
-                        <p:cond delay="indefinite"/>
-                      </p:stCondLst>
-                      <p:childTnLst>
-                        <p:par>
-                          <p:cTn id="4" fill="hold">
-                            <p:stCondLst>
-                              <p:cond delay="0"/>
-                            </p:stCondLst>
-                            <p:childTnLst>
-                              <p:par>
-                                <p:cTn id="5" presetID="1" presetClass="entr" presetSubtype="0" fill="hold" grpId="0" nodeType="clickEffect">
-                                  <p:stCondLst>
-                                    <p:cond delay="0"/>
-                                  </p:stCondLst>
-                                  <p:childTnLst>
-                                    <p:set>
-                                      <p:cBhvr>
-                                        <p:cTn id="6" dur="1" fill="hold">
-                                          <p:stCondLst>
-                                            <p:cond delay="0"/>
-                                          </p:stCondLst>
-                                        </p:cTn>
-                                        <p:tgtEl>
-                                          <p:spTgt spid="13"/>
-                                        </p:tgtEl>
-                                        <p:attrNameLst>
-                                          <p:attrName>style.visibility</p:attrName>
-                                        </p:attrNameLst>
-                                      </p:cBhvr>
-                                      <p:to>
-                                        <p:strVal val="visible"/>
-                                      </p:to>
-                                    </p:set>
-                                  </p:childTnLst>
-                                </p:cTn>
-                              </p:par>
-                              <p:par>
-                                <p:cTn id="7" presetID="1" presetClass="entr" presetSubtype="0" fill="hold" nodeType="withEffect">
-                                  <p:stCondLst>
-                                    <p:cond delay="0"/>
-                                  </p:stCondLst>
-                                  <p:childTnLst>
-                                    <p:set>
-                                      <p:cBhvr>
-                                        <p:cTn id="8" dur="1" fill="hold">
-                                          <p:stCondLst>
-                                            <p:cond delay="0"/>
-                                          </p:stCondLst>
-                                        </p:cTn>
-                                        <p:tgtEl>
-                                          <p:spTgt spid="12"/>
-                                        </p:tgtEl>
-                                        <p:attrNameLst>
-                                          <p:attrName>style.visibility</p:attrName>
-                                        </p:attrNameLst>
-                                      </p:cBhvr>
-                                      <p:to>
-                                        <p:strVal val="visible"/>
-                                      </p:to>
-                                    </p:set>
-                                  </p:childTnLst>
-                                </p:cTn>
-                              </p:par>
-                            </p:childTnLst>
-                          </p:cTn>
-                        </p:par>
-                      </p:childTnLst>
-                    </p:cTn>
-                  </p:par>
-                </p:childTnLst>
-              </p:cTn>
-              <p:prevCondLst>
-                <p:cond evt="onPrev" delay="0">
-                  <p:tgtEl>
-                    <p:sldTgt/>
-                  </p:tgtEl>
-                </p:cond>
-              </p:prevCondLst>
-              <p:nextCondLst>
-                <p:cond evt="onNext" delay="0">
-                  <p:tgtEl>
-                    <p:sldTgt/>
-                  </p:tgtEl>
-                </p:cond>
-              </p:nextCondLst>
-            </p:seq>
-          </p:childTnLst>
-        </p:cTn>
-      </p:par>
-    </p:tnLst>
-    <p:bldLst>
-      <p:bldP spid="13" grpId="0" animBg="1"/>
-    </p:bldLst>
-  </p:timing>
-</p:sld>
-</file>
-
-<file path=ppt/slides/slide22.xml><?xml version="1.0" encoding="utf-8"?>
-<p:sld xmlns:a="http://schemas.openxmlformats.org/drawingml/2006/main" xmlns:r="http://schemas.openxmlformats.org/officeDocument/2006/relationships" xmlns:p="http://schemas.openxmlformats.org/presentationml/2006/main">
-  <p:cSld>
-    <p:spTree>
-      <p:nvGrpSpPr>
-        <p:cNvPr id="1" name=""/>
-        <p:cNvGrpSpPr/>
-        <p:nvPr/>
-      </p:nvGrpSpPr>
-      <p:grpSpPr>
-        <a:xfrm>
-          <a:off x="0" y="0"/>
-          <a:ext cx="0" cy="0"/>
-          <a:chOff x="0" y="0"/>
-          <a:chExt cx="0" cy="0"/>
-        </a:xfrm>
-      </p:grpSpPr>
-      <p:sp>
-        <p:nvSpPr>
-          <p:cNvPr id="2" name="Segnaposto testo 1"/>
-          <p:cNvSpPr>
-            <a:spLocks noGrp="1"/>
-          </p:cNvSpPr>
-          <p:nvPr>
-            <p:ph type="body" sz="quarter" idx="10"/>
-          </p:nvPr>
-        </p:nvSpPr>
-        <p:spPr/>
-        <p:txBody>
-          <a:bodyPr/>
-          <a:lstStyle/>
-          <a:p>
-            <a:r>
-              <a:rPr lang="it-IT" dirty="0" smtClean="0"/>
-              <a:t>Sommario</a:t>
-            </a:r>
-            <a:endParaRPr lang="it-IT" dirty="0"/>
-          </a:p>
-        </p:txBody>
-      </p:sp>
-      <p:sp>
-        <p:nvSpPr>
-          <p:cNvPr id="3" name="Segnaposto testo 2"/>
-          <p:cNvSpPr>
-            <a:spLocks noGrp="1"/>
-          </p:cNvSpPr>
-          <p:nvPr>
-            <p:ph type="body" sz="quarter" idx="11"/>
-          </p:nvPr>
-        </p:nvSpPr>
-        <p:spPr>
-          <a:xfrm>
-            <a:off x="603252" y="1671651"/>
-            <a:ext cx="7937501" cy="3514699"/>
-          </a:xfrm>
-        </p:spPr>
-        <p:txBody>
-          <a:bodyPr/>
-          <a:lstStyle/>
-          <a:p>
-            <a:pPr marL="457200" indent="-457200">
-              <a:lnSpc>
-                <a:spcPct val="140000"/>
-              </a:lnSpc>
-              <a:buFont typeface="Arial"/>
-              <a:buChar char="•"/>
-            </a:pPr>
-            <a:r>
-              <a:rPr lang="it-IT" sz="2800" dirty="0" smtClean="0">
-                <a:solidFill>
-                  <a:schemeClr val="tx1"/>
-                </a:solidFill>
-              </a:rPr>
-              <a:t>Introduzione e Obiettivi del Lavoro</a:t>
-            </a:r>
-          </a:p>
-          <a:p>
-            <a:pPr marL="457200" indent="-457200">
-              <a:lnSpc>
-                <a:spcPct val="140000"/>
-              </a:lnSpc>
-              <a:buFont typeface="Arial"/>
-              <a:buChar char="•"/>
-            </a:pPr>
-            <a:r>
-              <a:rPr lang="it-IT" sz="2800" dirty="0" smtClean="0">
-                <a:solidFill>
-                  <a:schemeClr val="tx1"/>
-                </a:solidFill>
-              </a:rPr>
-              <a:t>Parte 1 (es. Prove Sperimentali)</a:t>
-            </a:r>
-          </a:p>
-          <a:p>
-            <a:pPr marL="457200" indent="-457200">
-              <a:lnSpc>
-                <a:spcPct val="140000"/>
-              </a:lnSpc>
-              <a:buFont typeface="Arial"/>
-              <a:buChar char="•"/>
-            </a:pPr>
-            <a:r>
-              <a:rPr lang="it-IT" sz="2800" dirty="0" smtClean="0">
-                <a:solidFill>
-                  <a:schemeClr val="tx1"/>
-                </a:solidFill>
-              </a:rPr>
-              <a:t>Simulazioni Numeriche</a:t>
-            </a:r>
-          </a:p>
-          <a:p>
-            <a:pPr marL="457200" indent="-457200">
-              <a:lnSpc>
-                <a:spcPct val="140000"/>
-              </a:lnSpc>
-              <a:buFont typeface="Arial"/>
-              <a:buChar char="•"/>
-            </a:pPr>
-            <a:r>
-              <a:rPr lang="it-IT" sz="2800" b="1" dirty="0" smtClean="0"/>
-              <a:t>Parte 3</a:t>
-            </a:r>
-          </a:p>
-          <a:p>
-            <a:pPr marL="457200" indent="-457200">
-              <a:lnSpc>
-                <a:spcPct val="140000"/>
-              </a:lnSpc>
-              <a:buFont typeface="Arial"/>
-              <a:buChar char="•"/>
-            </a:pPr>
-            <a:r>
-              <a:rPr lang="it-IT" sz="2800" dirty="0" smtClean="0">
-                <a:solidFill>
-                  <a:schemeClr val="tx1"/>
-                </a:solidFill>
-              </a:rPr>
-              <a:t>Conclusioni</a:t>
-            </a:r>
-            <a:endParaRPr lang="it-IT" sz="2800" dirty="0">
-              <a:solidFill>
-                <a:schemeClr val="tx1"/>
-              </a:solidFill>
-            </a:endParaRPr>
-          </a:p>
-        </p:txBody>
-      </p:sp>
-    </p:spTree>
-    <p:extLst>
-      <p:ext uri="{BB962C8B-B14F-4D97-AF65-F5344CB8AC3E}">
-        <p14:creationId xmlns="" xmlns:p14="http://schemas.microsoft.com/office/powerpoint/2010/main" val="2551345563"/>
-      </p:ext>
-    </p:extLst>
-  </p:cSld>
-  <p:clrMapOvr>
-    <a:masterClrMapping/>
-  </p:clrMapOvr>
-  <mc:AlternateContent xmlns:mc="http://schemas.openxmlformats.org/markup-compatibility/2006">
-    <mc:Choice xmlns="" xmlns:p14="http://schemas.microsoft.com/office/powerpoint/2010/main" Requires="p14">
-      <p:transition spd="slow" p14:dur="2000" advTm="25932"/>
-    </mc:Choice>
-    <mc:Fallback>
-      <p:transition spd="slow" advTm="25932"/>
-    </mc:Fallback>
-  </mc:AlternateContent>
-  <p:timing>
-    <p:tnLst>
-      <p:par>
-        <p:cTn id="1" dur="indefinite" restart="never" nodeType="tmRoot"/>
-      </p:par>
-    </p:tnLst>
-  </p:timing>
-</p:sld>
-</file>
-
-<file path=ppt/slides/slide23.xml><?xml version="1.0" encoding="utf-8"?>
-<p:sld xmlns:a="http://schemas.openxmlformats.org/drawingml/2006/main" xmlns:r="http://schemas.openxmlformats.org/officeDocument/2006/relationships" xmlns:p="http://schemas.openxmlformats.org/presentationml/2006/main">
-  <p:cSld>
-    <p:spTree>
-      <p:nvGrpSpPr>
-        <p:cNvPr id="1" name=""/>
-        <p:cNvGrpSpPr/>
-        <p:nvPr/>
-      </p:nvGrpSpPr>
-      <p:grpSpPr>
-        <a:xfrm>
-          <a:off x="0" y="0"/>
-          <a:ext cx="0" cy="0"/>
-          <a:chOff x="0" y="0"/>
-          <a:chExt cx="0" cy="0"/>
-        </a:xfrm>
-      </p:grpSpPr>
-      <p:sp>
-        <p:nvSpPr>
-          <p:cNvPr id="2" name="Segnaposto testo 1"/>
-          <p:cNvSpPr>
-            <a:spLocks noGrp="1"/>
-          </p:cNvSpPr>
-          <p:nvPr>
-            <p:ph type="body" sz="quarter" idx="10"/>
-          </p:nvPr>
-        </p:nvSpPr>
-        <p:spPr/>
-        <p:txBody>
-          <a:bodyPr/>
-          <a:lstStyle/>
-          <a:p>
-            <a:r>
-              <a:rPr lang="it-IT" dirty="0" smtClean="0"/>
-              <a:t>Parte 3</a:t>
-            </a:r>
-            <a:endParaRPr lang="it-IT" dirty="0"/>
-          </a:p>
-        </p:txBody>
-      </p:sp>
-      <p:sp>
-        <p:nvSpPr>
-          <p:cNvPr id="3" name="CasellaDiTesto 2"/>
-          <p:cNvSpPr txBox="1"/>
-          <p:nvPr/>
-        </p:nvSpPr>
-        <p:spPr>
-          <a:xfrm>
-            <a:off x="3555662" y="3244335"/>
-            <a:ext cx="2031325" cy="369332"/>
-          </a:xfrm>
-          <a:prstGeom prst="rect">
-            <a:avLst/>
-          </a:prstGeom>
-          <a:noFill/>
-        </p:spPr>
-        <p:txBody>
-          <a:bodyPr wrap="none" rtlCol="0">
-            <a:spAutoFit/>
-          </a:bodyPr>
-          <a:lstStyle/>
-          <a:p>
-            <a:r>
-              <a:rPr lang="it-IT" dirty="0" smtClean="0"/>
-              <a:t>Contenuto parte 3</a:t>
-            </a:r>
-            <a:endParaRPr lang="it-IT" dirty="0"/>
-          </a:p>
-        </p:txBody>
-      </p:sp>
-    </p:spTree>
-    <p:custDataLst>
-      <p:tags r:id="rId1"/>
-    </p:custDataLst>
-    <p:extLst>
-      <p:ext uri="{BB962C8B-B14F-4D97-AF65-F5344CB8AC3E}">
-        <p14:creationId xmlns="" xmlns:p14="http://schemas.microsoft.com/office/powerpoint/2010/main" val="4098101552"/>
-      </p:ext>
-    </p:extLst>
-  </p:cSld>
-  <p:clrMapOvr>
-    <a:masterClrMapping/>
-  </p:clrMapOvr>
-  <mc:AlternateContent xmlns:mc="http://schemas.openxmlformats.org/markup-compatibility/2006">
-    <mc:Choice xmlns="" xmlns:p14="http://schemas.microsoft.com/office/powerpoint/2010/main" Requires="p14">
-      <p:transition spd="slow" p14:dur="2000" advTm="51149"/>
-    </mc:Choice>
-    <mc:Fallback>
-      <p:transition spd="slow" advTm="51149"/>
-    </mc:Fallback>
-  </mc:AlternateContent>
-  <p:timing>
-    <p:tnLst>
-      <p:par>
-        <p:cTn id="1" dur="indefinite" restart="never" nodeType="tmRoot"/>
-      </p:par>
-    </p:tnLst>
-  </p:timing>
-</p:sld>
-</file>
-
-<file path=ppt/slides/slide24.xml><?xml version="1.0" encoding="utf-8"?>
-<p:sld xmlns:a="http://schemas.openxmlformats.org/drawingml/2006/main" xmlns:r="http://schemas.openxmlformats.org/officeDocument/2006/relationships" xmlns:p="http://schemas.openxmlformats.org/presentationml/2006/main">
-  <p:cSld>
-    <p:spTree>
-      <p:nvGrpSpPr>
-        <p:cNvPr id="1" name=""/>
-        <p:cNvGrpSpPr/>
-        <p:nvPr/>
-      </p:nvGrpSpPr>
-      <p:grpSpPr>
-        <a:xfrm>
-          <a:off x="0" y="0"/>
-          <a:ext cx="0" cy="0"/>
-          <a:chOff x="0" y="0"/>
-          <a:chExt cx="0" cy="0"/>
-        </a:xfrm>
-      </p:grpSpPr>
-      <p:sp>
-        <p:nvSpPr>
-          <p:cNvPr id="2" name="Segnaposto testo 1"/>
-          <p:cNvSpPr>
-            <a:spLocks noGrp="1"/>
-          </p:cNvSpPr>
-          <p:nvPr>
-            <p:ph type="body" sz="quarter" idx="10"/>
-          </p:nvPr>
-        </p:nvSpPr>
-        <p:spPr/>
-        <p:txBody>
-          <a:bodyPr/>
-          <a:lstStyle/>
-          <a:p>
-            <a:r>
-              <a:rPr lang="it-IT" dirty="0" smtClean="0"/>
-              <a:t>Sommario</a:t>
-            </a:r>
-            <a:endParaRPr lang="it-IT" dirty="0"/>
-          </a:p>
-        </p:txBody>
-      </p:sp>
-      <p:sp>
-        <p:nvSpPr>
-          <p:cNvPr id="3" name="Segnaposto testo 2"/>
-          <p:cNvSpPr>
-            <a:spLocks noGrp="1"/>
-          </p:cNvSpPr>
-          <p:nvPr>
-            <p:ph type="body" sz="quarter" idx="11"/>
-          </p:nvPr>
-        </p:nvSpPr>
-        <p:spPr>
-          <a:xfrm>
-            <a:off x="603252" y="1671651"/>
-            <a:ext cx="7937501" cy="3514699"/>
-          </a:xfrm>
-        </p:spPr>
-        <p:txBody>
-          <a:bodyPr/>
-          <a:lstStyle/>
-          <a:p>
-            <a:pPr marL="457200" indent="-457200">
-              <a:lnSpc>
-                <a:spcPct val="140000"/>
-              </a:lnSpc>
-              <a:buFont typeface="Arial"/>
-              <a:buChar char="•"/>
-            </a:pPr>
-            <a:r>
-              <a:rPr lang="it-IT" sz="2800" dirty="0" smtClean="0">
-                <a:solidFill>
-                  <a:schemeClr val="tx1"/>
-                </a:solidFill>
-              </a:rPr>
-              <a:t>Introduzione e Obiettivi del Lavoro</a:t>
-            </a:r>
-          </a:p>
-          <a:p>
-            <a:pPr marL="457200" indent="-457200">
-              <a:lnSpc>
-                <a:spcPct val="140000"/>
-              </a:lnSpc>
-              <a:buFont typeface="Arial"/>
-              <a:buChar char="•"/>
-            </a:pPr>
-            <a:r>
-              <a:rPr lang="it-IT" sz="2800" dirty="0" smtClean="0">
-                <a:solidFill>
-                  <a:schemeClr val="tx1"/>
-                </a:solidFill>
-              </a:rPr>
-              <a:t>Parte 1 (es. Prove Sperimentali)</a:t>
-            </a:r>
-          </a:p>
-          <a:p>
-            <a:pPr marL="457200" indent="-457200">
-              <a:lnSpc>
-                <a:spcPct val="140000"/>
-              </a:lnSpc>
-              <a:buFont typeface="Arial"/>
-              <a:buChar char="•"/>
-            </a:pPr>
-            <a:r>
-              <a:rPr lang="it-IT" sz="2800" dirty="0" smtClean="0">
-                <a:solidFill>
-                  <a:schemeClr val="tx1"/>
-                </a:solidFill>
-              </a:rPr>
-              <a:t>Simulazioni Numeriche</a:t>
-            </a:r>
-          </a:p>
-          <a:p>
-            <a:pPr marL="457200" indent="-457200">
-              <a:lnSpc>
-                <a:spcPct val="140000"/>
-              </a:lnSpc>
-              <a:buFont typeface="Arial"/>
-              <a:buChar char="•"/>
-            </a:pPr>
-            <a:r>
-              <a:rPr lang="it-IT" sz="2800" dirty="0" smtClean="0">
-                <a:solidFill>
-                  <a:schemeClr val="tx1"/>
-                </a:solidFill>
-              </a:rPr>
-              <a:t>Parte 3</a:t>
-            </a:r>
-          </a:p>
-          <a:p>
-            <a:pPr marL="457200" indent="-457200">
-              <a:lnSpc>
-                <a:spcPct val="140000"/>
-              </a:lnSpc>
-              <a:buFont typeface="Arial"/>
-              <a:buChar char="•"/>
-            </a:pPr>
-            <a:r>
-              <a:rPr lang="it-IT" sz="2800" b="1" dirty="0" smtClean="0"/>
-              <a:t>Conclusioni</a:t>
-            </a:r>
-            <a:endParaRPr lang="it-IT" sz="2800" b="1" dirty="0"/>
-          </a:p>
-        </p:txBody>
-      </p:sp>
-    </p:spTree>
-    <p:extLst>
-      <p:ext uri="{BB962C8B-B14F-4D97-AF65-F5344CB8AC3E}">
-        <p14:creationId xmlns="" xmlns:p14="http://schemas.microsoft.com/office/powerpoint/2010/main" val="3508441899"/>
-      </p:ext>
-    </p:extLst>
-  </p:cSld>
-  <p:clrMapOvr>
-    <a:masterClrMapping/>
-  </p:clrMapOvr>
-  <mc:AlternateContent xmlns:mc="http://schemas.openxmlformats.org/markup-compatibility/2006">
-    <mc:Choice xmlns="" xmlns:p14="http://schemas.microsoft.com/office/powerpoint/2010/main" Requires="p14">
-      <p:transition spd="slow" p14:dur="2000" advTm="25932"/>
-    </mc:Choice>
-    <mc:Fallback>
-      <p:transition spd="slow" advTm="25932"/>
-    </mc:Fallback>
-  </mc:AlternateContent>
-  <p:timing>
-    <p:tnLst>
-      <p:par>
-        <p:cTn id="1" dur="indefinite" restart="never" nodeType="tmRoot"/>
-      </p:par>
-    </p:tnLst>
-  </p:timing>
-</p:sld>
-</file>
-
-<file path=ppt/slides/slide25.xml><?xml version="1.0" encoding="utf-8"?>
-<p:sld xmlns:a="http://schemas.openxmlformats.org/drawingml/2006/main" xmlns:r="http://schemas.openxmlformats.org/officeDocument/2006/relationships" xmlns:p="http://schemas.openxmlformats.org/presentationml/2006/main">
-  <p:cSld>
-    <p:spTree>
-      <p:nvGrpSpPr>
-        <p:cNvPr id="1" name=""/>
-        <p:cNvGrpSpPr/>
-        <p:nvPr/>
-      </p:nvGrpSpPr>
-      <p:grpSpPr>
-        <a:xfrm>
-          <a:off x="0" y="0"/>
-          <a:ext cx="0" cy="0"/>
-          <a:chOff x="0" y="0"/>
-          <a:chExt cx="0" cy="0"/>
-        </a:xfrm>
-      </p:grpSpPr>
-      <p:sp>
-        <p:nvSpPr>
-          <p:cNvPr id="2" name="Segnaposto testo 1"/>
-          <p:cNvSpPr>
-            <a:spLocks noGrp="1"/>
-          </p:cNvSpPr>
-          <p:nvPr>
-            <p:ph type="body" sz="quarter" idx="10"/>
-          </p:nvPr>
-        </p:nvSpPr>
-        <p:spPr/>
-        <p:txBody>
-          <a:bodyPr/>
-          <a:lstStyle/>
-          <a:p>
-            <a:r>
-              <a:rPr lang="it-IT" dirty="0" smtClean="0"/>
-              <a:t>Conclusioni</a:t>
-            </a:r>
-            <a:endParaRPr lang="it-IT" dirty="0"/>
-          </a:p>
-        </p:txBody>
-      </p:sp>
-      <p:pic>
-        <p:nvPicPr>
-          <p:cNvPr id="4" name="Picture 3"/>
-          <p:cNvPicPr>
-            <a:picLocks noChangeAspect="1" noChangeArrowheads="1"/>
-          </p:cNvPicPr>
-          <p:nvPr/>
-        </p:nvPicPr>
-        <p:blipFill>
-          <a:blip r:embed="rId4" cstate="print">
-            <a:extLst>
-              <a:ext uri="{28A0092B-C50C-407E-A947-70E740481C1C}">
-                <a14:useLocalDpi xmlns="" xmlns:a14="http://schemas.microsoft.com/office/drawing/2010/main" val="0"/>
-              </a:ext>
-            </a:extLst>
-          </a:blip>
-          <a:srcRect/>
-          <a:stretch>
-            <a:fillRect/>
-          </a:stretch>
-        </p:blipFill>
-        <p:spPr bwMode="auto">
-          <a:xfrm>
-            <a:off x="4139933" y="3422268"/>
-            <a:ext cx="3178592" cy="3059371"/>
-          </a:xfrm>
-          <a:prstGeom prst="rect">
-            <a:avLst/>
-          </a:prstGeom>
-          <a:noFill/>
-          <a:ln>
-            <a:noFill/>
-          </a:ln>
-          <a:extLst>
-            <a:ext uri="{909E8E84-426E-40dd-AFC4-6F175D3DCCD1}">
-              <a14:hiddenFill xmlns="" xmlns:a14="http://schemas.microsoft.com/office/drawing/2010/main">
-                <a:solidFill>
-                  <a:schemeClr val="accent1"/>
-                </a:solidFill>
-              </a14:hiddenFill>
-            </a:ext>
-            <a:ext uri="{91240B29-F687-4f45-9708-019B960494DF}">
-              <a14:hiddenLine xmlns="" xmlns:a14="http://schemas.microsoft.com/office/drawing/2010/main" w="9525">
-                <a:solidFill>
-                  <a:schemeClr val="tx1"/>
-                </a:solidFill>
-                <a:miter lim="800000"/>
-                <a:headEnd/>
-                <a:tailEnd/>
-              </a14:hiddenLine>
-            </a:ext>
-          </a:extLst>
-        </p:spPr>
-      </p:pic>
-      <p:sp>
-        <p:nvSpPr>
-          <p:cNvPr id="6" name="CasellaDiTesto 5"/>
-          <p:cNvSpPr txBox="1"/>
-          <p:nvPr/>
-        </p:nvSpPr>
-        <p:spPr>
-          <a:xfrm>
-            <a:off x="1791470" y="1646095"/>
-            <a:ext cx="5561065" cy="1269578"/>
-          </a:xfrm>
-          <a:prstGeom prst="rect">
-            <a:avLst/>
-          </a:prstGeom>
-          <a:noFill/>
-        </p:spPr>
-        <p:txBody>
-          <a:bodyPr wrap="square" rtlCol="0">
-            <a:spAutoFit/>
-          </a:bodyPr>
-          <a:lstStyle/>
-          <a:p>
-            <a:pPr marL="285750" indent="-285750">
-              <a:spcBef>
-                <a:spcPts val="0"/>
-              </a:spcBef>
-              <a:spcAft>
-                <a:spcPts val="500"/>
-              </a:spcAft>
-              <a:buFont typeface="Arial" panose="020B0604020202020204" pitchFamily="34" charset="0"/>
-              <a:buChar char="•"/>
-            </a:pPr>
-            <a:r>
-              <a:rPr lang="it-IT" sz="1600" dirty="0" smtClean="0"/>
-              <a:t>Risultato1</a:t>
-            </a:r>
-          </a:p>
-          <a:p>
-            <a:pPr marL="285750" indent="-285750">
-              <a:spcBef>
-                <a:spcPts val="0"/>
-              </a:spcBef>
-              <a:spcAft>
-                <a:spcPts val="500"/>
-              </a:spcAft>
-              <a:buFont typeface="Arial" panose="020B0604020202020204" pitchFamily="34" charset="0"/>
-              <a:buChar char="•"/>
-            </a:pPr>
-            <a:r>
-              <a:rPr lang="it-IT" sz="1600" dirty="0" smtClean="0"/>
-              <a:t>Risultato2</a:t>
-            </a:r>
-            <a:endParaRPr lang="it-IT" sz="1600" dirty="0"/>
-          </a:p>
-          <a:p>
-            <a:pPr marL="285750" indent="-285750">
-              <a:spcBef>
-                <a:spcPts val="0"/>
-              </a:spcBef>
-              <a:spcAft>
-                <a:spcPts val="500"/>
-              </a:spcAft>
-              <a:buFont typeface="Arial" panose="020B0604020202020204" pitchFamily="34" charset="0"/>
-              <a:buChar char="•"/>
-            </a:pPr>
-            <a:r>
-              <a:rPr lang="it-IT" sz="1600" dirty="0" smtClean="0"/>
-              <a:t>Risultato3</a:t>
-            </a:r>
-            <a:endParaRPr lang="it-IT" sz="1600" dirty="0"/>
-          </a:p>
-          <a:p>
-            <a:pPr marL="285750" indent="-285750">
-              <a:spcBef>
-                <a:spcPts val="0"/>
-              </a:spcBef>
-              <a:spcAft>
-                <a:spcPts val="500"/>
-              </a:spcAft>
-              <a:buFont typeface="Arial" panose="020B0604020202020204" pitchFamily="34" charset="0"/>
-              <a:buChar char="•"/>
-            </a:pPr>
-            <a:r>
-              <a:rPr lang="it-IT" sz="1600" dirty="0" smtClean="0"/>
-              <a:t>Risultato4</a:t>
-            </a:r>
-            <a:endParaRPr lang="it-IT" sz="1600" dirty="0"/>
-          </a:p>
-        </p:txBody>
-      </p:sp>
-      <p:sp useBgFill="1">
-        <p:nvSpPr>
-          <p:cNvPr id="9" name="CasellaDiTesto 8"/>
-          <p:cNvSpPr txBox="1"/>
-          <p:nvPr/>
-        </p:nvSpPr>
-        <p:spPr>
-          <a:xfrm>
-            <a:off x="3326540" y="1103225"/>
-            <a:ext cx="2490925" cy="400110"/>
-          </a:xfrm>
-          <a:prstGeom prst="rect">
-            <a:avLst/>
-          </a:prstGeom>
-        </p:spPr>
-        <p:style>
-          <a:lnRef idx="2">
-            <a:schemeClr val="accent1"/>
-          </a:lnRef>
-          <a:fillRef idx="1">
-            <a:schemeClr val="lt1"/>
-          </a:fillRef>
-          <a:effectRef idx="0">
-            <a:schemeClr val="accent1"/>
-          </a:effectRef>
-          <a:fontRef idx="minor">
-            <a:schemeClr val="dk1"/>
-          </a:fontRef>
-        </p:style>
-        <p:txBody>
-          <a:bodyPr wrap="square" rtlCol="0">
-            <a:spAutoFit/>
-          </a:bodyPr>
-          <a:lstStyle/>
-          <a:p>
-            <a:pPr algn="ctr"/>
-            <a:r>
-              <a:rPr lang="it-IT" sz="2000" dirty="0" smtClean="0"/>
-              <a:t>Risultati Scientifici</a:t>
-            </a:r>
-          </a:p>
-        </p:txBody>
-      </p:sp>
-      <p:sp>
-        <p:nvSpPr>
-          <p:cNvPr id="10" name="CasellaDiTesto 9"/>
-          <p:cNvSpPr txBox="1"/>
-          <p:nvPr/>
-        </p:nvSpPr>
-        <p:spPr>
-          <a:xfrm>
-            <a:off x="1649010" y="4854817"/>
-            <a:ext cx="2490925" cy="707886"/>
-          </a:xfrm>
-          <a:prstGeom prst="rect">
-            <a:avLst/>
-          </a:prstGeom>
-        </p:spPr>
-        <p:style>
-          <a:lnRef idx="2">
-            <a:schemeClr val="accent1"/>
-          </a:lnRef>
-          <a:fillRef idx="1">
-            <a:schemeClr val="lt1"/>
-          </a:fillRef>
-          <a:effectRef idx="0">
-            <a:schemeClr val="accent1"/>
-          </a:effectRef>
-          <a:fontRef idx="minor">
-            <a:schemeClr val="dk1"/>
-          </a:fontRef>
-        </p:style>
-        <p:txBody>
-          <a:bodyPr wrap="square" rtlCol="0">
-            <a:spAutoFit/>
-          </a:bodyPr>
-          <a:lstStyle/>
-          <a:p>
-            <a:pPr algn="ctr"/>
-            <a:r>
-              <a:rPr lang="it-IT" sz="2000" dirty="0" smtClean="0"/>
-              <a:t>Risultati Industriali</a:t>
-            </a:r>
-          </a:p>
-          <a:p>
-            <a:pPr algn="ctr"/>
-            <a:r>
-              <a:rPr lang="it-IT" sz="2000" dirty="0" smtClean="0"/>
-              <a:t>e/o Sviluppi Futuri</a:t>
-            </a:r>
-          </a:p>
-        </p:txBody>
-      </p:sp>
-      <p:sp>
-        <p:nvSpPr>
-          <p:cNvPr id="16" name="CasellaDiTesto 15"/>
-          <p:cNvSpPr txBox="1"/>
-          <p:nvPr/>
-        </p:nvSpPr>
-        <p:spPr>
-          <a:xfrm rot="21433596">
-            <a:off x="4498473" y="4124245"/>
-            <a:ext cx="2465271" cy="1933863"/>
-          </a:xfrm>
-          <a:prstGeom prst="rect">
-            <a:avLst/>
-          </a:prstGeom>
-          <a:noFill/>
-        </p:spPr>
-        <p:txBody>
-          <a:bodyPr wrap="square" rtlCol="0">
-            <a:spAutoFit/>
-          </a:bodyPr>
-          <a:lstStyle/>
-          <a:p>
-            <a:pPr marL="285750" indent="-285750">
-              <a:spcBef>
-                <a:spcPts val="0"/>
-              </a:spcBef>
-              <a:spcAft>
-                <a:spcPts val="1000"/>
-              </a:spcAft>
-              <a:buFont typeface="Arial" panose="020B0604020202020204" pitchFamily="34" charset="0"/>
-              <a:buChar char="•"/>
-            </a:pPr>
-            <a:r>
-              <a:rPr lang="it-IT" sz="1600" dirty="0" smtClean="0"/>
-              <a:t>Risultato1</a:t>
-            </a:r>
-          </a:p>
-          <a:p>
-            <a:pPr>
-              <a:spcBef>
-                <a:spcPts val="0"/>
-              </a:spcBef>
-              <a:spcAft>
-                <a:spcPts val="1000"/>
-              </a:spcAft>
-            </a:pPr>
-            <a:endParaRPr lang="it-IT" sz="1000" dirty="0" smtClean="0"/>
-          </a:p>
-          <a:p>
-            <a:pPr marL="285750" indent="-285750">
-              <a:spcBef>
-                <a:spcPts val="0"/>
-              </a:spcBef>
-              <a:spcAft>
-                <a:spcPts val="1000"/>
-              </a:spcAft>
-              <a:buFont typeface="Arial" panose="020B0604020202020204" pitchFamily="34" charset="0"/>
-              <a:buChar char="•"/>
-            </a:pPr>
-            <a:r>
-              <a:rPr lang="it-IT" sz="1600" dirty="0" smtClean="0"/>
-              <a:t>Risultato2</a:t>
-            </a:r>
-          </a:p>
-          <a:p>
-            <a:pPr>
-              <a:spcBef>
-                <a:spcPts val="0"/>
-              </a:spcBef>
-              <a:spcAft>
-                <a:spcPts val="1000"/>
-              </a:spcAft>
-            </a:pPr>
-            <a:endParaRPr lang="it-IT" sz="1000" dirty="0"/>
-          </a:p>
-          <a:p>
-            <a:pPr marL="285750" indent="-285750">
-              <a:spcBef>
-                <a:spcPts val="0"/>
-              </a:spcBef>
-              <a:spcAft>
-                <a:spcPts val="1000"/>
-              </a:spcAft>
-              <a:buFont typeface="Arial" panose="020B0604020202020204" pitchFamily="34" charset="0"/>
-              <a:buChar char="•"/>
-            </a:pPr>
-            <a:r>
-              <a:rPr lang="it-IT" sz="1600" dirty="0" smtClean="0"/>
-              <a:t>Risultato3</a:t>
-            </a:r>
-          </a:p>
-          <a:p>
-            <a:pPr>
-              <a:spcBef>
-                <a:spcPts val="0"/>
-              </a:spcBef>
-              <a:spcAft>
-                <a:spcPts val="1000"/>
-              </a:spcAft>
-            </a:pPr>
-            <a:endParaRPr lang="it-IT" sz="1000" dirty="0"/>
-          </a:p>
-        </p:txBody>
-      </p:sp>
-    </p:spTree>
-    <p:custDataLst>
-      <p:tags r:id="rId1"/>
-    </p:custDataLst>
-    <p:extLst>
-      <p:ext uri="{BB962C8B-B14F-4D97-AF65-F5344CB8AC3E}">
-        <p14:creationId xmlns="" xmlns:p14="http://schemas.microsoft.com/office/powerpoint/2010/main" val="1562047360"/>
-      </p:ext>
-    </p:extLst>
-  </p:cSld>
-  <p:clrMapOvr>
-    <a:masterClrMapping/>
-  </p:clrMapOvr>
-  <mc:AlternateContent xmlns:mc="http://schemas.openxmlformats.org/markup-compatibility/2006">
-    <mc:Choice xmlns="" xmlns:p14="http://schemas.microsoft.com/office/powerpoint/2010/main" Requires="p14">
-      <p:transition spd="slow" p14:dur="2000" advTm="9545"/>
-    </mc:Choice>
-    <mc:Fallback>
-      <p:transition spd="slow" advTm="9545"/>
-    </mc:Fallback>
-  </mc:AlternateContent>
-  <p:timing>
-    <p:tnLst>
-      <p:par>
-        <p:cTn id="1" dur="indefinite" restart="never" nodeType="tmRoot">
-          <p:childTnLst>
-            <p:seq concurrent="1" nextAc="seek">
-              <p:cTn id="2" dur="indefinite" nodeType="mainSeq">
-                <p:childTnLst>
-                  <p:par>
-                    <p:cTn id="3" fill="hold">
-                      <p:stCondLst>
-                        <p:cond delay="indefinite"/>
-                      </p:stCondLst>
-                      <p:childTnLst>
-                        <p:par>
-                          <p:cTn id="4" fill="hold">
-                            <p:stCondLst>
-                              <p:cond delay="0"/>
-                            </p:stCondLst>
-                            <p:childTnLst>
-                              <p:par>
-                                <p:cTn id="5" presetID="1" presetClass="entr" presetSubtype="0" fill="hold" grpId="0" nodeType="clickEffect">
-                                  <p:stCondLst>
-                                    <p:cond delay="0"/>
-                                  </p:stCondLst>
-                                  <p:childTnLst>
-                                    <p:set>
-                                      <p:cBhvr>
-                                        <p:cTn id="6" dur="1" fill="hold">
-                                          <p:stCondLst>
-                                            <p:cond delay="0"/>
-                                          </p:stCondLst>
-                                        </p:cTn>
-                                        <p:tgtEl>
-                                          <p:spTgt spid="16"/>
-                                        </p:tgtEl>
-                                        <p:attrNameLst>
-                                          <p:attrName>style.visibility</p:attrName>
-                                        </p:attrNameLst>
-                                      </p:cBhvr>
-                                      <p:to>
-                                        <p:strVal val="visible"/>
-                                      </p:to>
-                                    </p:set>
-                                  </p:childTnLst>
-                                </p:cTn>
-                              </p:par>
-                              <p:par>
-                                <p:cTn id="7" presetID="1" presetClass="entr" presetSubtype="0" fill="hold" nodeType="withEffect">
-                                  <p:stCondLst>
-                                    <p:cond delay="0"/>
-                                  </p:stCondLst>
-                                  <p:childTnLst>
-                                    <p:set>
-                                      <p:cBhvr>
-                                        <p:cTn id="8" dur="1" fill="hold">
-                                          <p:stCondLst>
-                                            <p:cond delay="0"/>
-                                          </p:stCondLst>
-                                        </p:cTn>
-                                        <p:tgtEl>
-                                          <p:spTgt spid="4"/>
-                                        </p:tgtEl>
-                                        <p:attrNameLst>
-                                          <p:attrName>style.visibility</p:attrName>
-                                        </p:attrNameLst>
-                                      </p:cBhvr>
-                                      <p:to>
-                                        <p:strVal val="visible"/>
-                                      </p:to>
-                                    </p:set>
-                                  </p:childTnLst>
-                                </p:cTn>
-                              </p:par>
-                              <p:par>
-                                <p:cTn id="9" presetID="1" presetClass="entr" presetSubtype="0" fill="hold" grpId="0" nodeType="withEffect">
-                                  <p:stCondLst>
-                                    <p:cond delay="0"/>
-                                  </p:stCondLst>
-                                  <p:childTnLst>
-                                    <p:set>
-                                      <p:cBhvr>
-                                        <p:cTn id="10" dur="1" fill="hold">
-                                          <p:stCondLst>
-                                            <p:cond delay="0"/>
-                                          </p:stCondLst>
-                                        </p:cTn>
-                                        <p:tgtEl>
-                                          <p:spTgt spid="10"/>
-                                        </p:tgtEl>
-                                        <p:attrNameLst>
-                                          <p:attrName>style.visibility</p:attrName>
-                                        </p:attrNameLst>
-                                      </p:cBhvr>
-                                      <p:to>
-                                        <p:strVal val="visible"/>
-                                      </p:to>
-                                    </p:set>
-                                  </p:childTnLst>
-                                </p:cTn>
-                              </p:par>
-                            </p:childTnLst>
-                          </p:cTn>
-                        </p:par>
-                      </p:childTnLst>
-                    </p:cTn>
-                  </p:par>
-                </p:childTnLst>
-              </p:cTn>
-              <p:prevCondLst>
-                <p:cond evt="onPrev" delay="0">
-                  <p:tgtEl>
-                    <p:sldTgt/>
-                  </p:tgtEl>
-                </p:cond>
-              </p:prevCondLst>
-              <p:nextCondLst>
-                <p:cond evt="onNext" delay="0">
-                  <p:tgtEl>
-                    <p:sldTgt/>
-                  </p:tgtEl>
-                </p:cond>
-              </p:nextCondLst>
-            </p:seq>
-          </p:childTnLst>
-        </p:cTn>
-      </p:par>
-    </p:tnLst>
-    <p:bldLst>
-      <p:bldP spid="10" grpId="0" animBg="1"/>
-      <p:bldP spid="16" grpId="0"/>
-    </p:bldLst>
-  </p:timing>
-</p:sld>
-</file>
-
-<file path=ppt/slides/slide26.xml><?xml version="1.0" encoding="utf-8"?>
-<p:sld xmlns:a="http://schemas.openxmlformats.org/drawingml/2006/main" xmlns:r="http://schemas.openxmlformats.org/officeDocument/2006/relationships" xmlns:p="http://schemas.openxmlformats.org/presentationml/2006/main">
-  <p:cSld>
-    <p:spTree>
-      <p:nvGrpSpPr>
-        <p:cNvPr id="1" name=""/>
-        <p:cNvGrpSpPr/>
-        <p:nvPr/>
-      </p:nvGrpSpPr>
-      <p:grpSpPr>
-        <a:xfrm>
-          <a:off x="0" y="0"/>
-          <a:ext cx="0" cy="0"/>
-          <a:chOff x="0" y="0"/>
-          <a:chExt cx="0" cy="0"/>
-        </a:xfrm>
-      </p:grpSpPr>
       <p:pic>
         <p:nvPicPr>
           <p:cNvPr id="5" name="Immagine 4" descr="logoPoliMi.png"/>
@@ -10849,7 +9232,7 @@
           <a:blip r:embed="rId2" cstate="print">
             <a:extLst>
               <a:ext uri="{28A0092B-C50C-407E-A947-70E740481C1C}">
-                <a14:useLocalDpi xmlns="" xmlns:a14="http://schemas.microsoft.com/office/drawing/2010/main" val="0"/>
+                <a14:useLocalDpi xmlns:a14="http://schemas.microsoft.com/office/drawing/2010/main" xmlns="" val="0"/>
               </a:ext>
             </a:extLst>
           </a:blip>
@@ -10924,7 +9307,7 @@
     </p:spTree>
     <p:extLst>
       <p:ext uri="{BB962C8B-B14F-4D97-AF65-F5344CB8AC3E}">
-        <p14:creationId xmlns="" xmlns:p14="http://schemas.microsoft.com/office/powerpoint/2010/main" val="1982816369"/>
+        <p14:creationId xmlns:p14="http://schemas.microsoft.com/office/powerpoint/2010/main" xmlns="" val="1982816369"/>
       </p:ext>
     </p:extLst>
   </p:cSld>
@@ -10932,7 +9315,7 @@
     <a:masterClrMapping/>
   </p:clrMapOvr>
   <mc:AlternateContent xmlns:mc="http://schemas.openxmlformats.org/markup-compatibility/2006">
-    <mc:Choice xmlns="" xmlns:p14="http://schemas.microsoft.com/office/powerpoint/2010/main" Requires="p14">
+    <mc:Choice xmlns:p14="http://schemas.microsoft.com/office/powerpoint/2010/main" xmlns="" Requires="p14">
       <p:transition spd="slow" p14:dur="2000" advTm="5275"/>
     </mc:Choice>
     <mc:Fallback>
@@ -11132,7 +9515,7 @@
     </p:spTree>
     <p:extLst>
       <p:ext uri="{BB962C8B-B14F-4D97-AF65-F5344CB8AC3E}">
-        <p14:creationId xmlns="" xmlns:p14="http://schemas.microsoft.com/office/powerpoint/2010/main" val="4293126687"/>
+        <p14:creationId xmlns:p14="http://schemas.microsoft.com/office/powerpoint/2010/main" xmlns="" val="4293126687"/>
       </p:ext>
     </p:extLst>
   </p:cSld>
@@ -11140,7 +9523,7 @@
     <a:masterClrMapping/>
   </p:clrMapOvr>
   <mc:AlternateContent xmlns:mc="http://schemas.openxmlformats.org/markup-compatibility/2006">
-    <mc:Choice xmlns="" xmlns:p14="http://schemas.microsoft.com/office/powerpoint/2010/main" Requires="p14">
+    <mc:Choice xmlns:p14="http://schemas.microsoft.com/office/powerpoint/2010/main" xmlns="" Requires="p14">
       <p:transition spd="slow" p14:dur="2000" advTm="25932"/>
     </mc:Choice>
     <mc:Fallback>
@@ -11199,847 +9582,20 @@
       </p:sp>
       <p:sp>
         <p:nvSpPr>
-          <p:cNvPr id="8" name="CasellaDiTesto 7"/>
-          <p:cNvSpPr txBox="1"/>
-          <p:nvPr/>
-        </p:nvSpPr>
-        <p:spPr>
-          <a:xfrm>
-            <a:off x="790027" y="5251964"/>
-            <a:ext cx="2105102" cy="338554"/>
-          </a:xfrm>
-          <a:prstGeom prst="rect">
-            <a:avLst/>
-          </a:prstGeom>
-          <a:noFill/>
-        </p:spPr>
+          <p:cNvPr id="16" name="Segnaposto testo 15"/>
+          <p:cNvSpPr>
+            <a:spLocks noGrp="1"/>
+          </p:cNvSpPr>
+          <p:nvPr>
+            <p:ph type="body" sz="quarter" idx="11"/>
+          </p:nvPr>
+        </p:nvSpPr>
+        <p:spPr/>
         <p:txBody>
-          <a:bodyPr wrap="square" rtlCol="0">
-            <a:spAutoFit/>
-          </a:bodyPr>
+          <a:bodyPr/>
           <a:lstStyle/>
           <a:p>
-            <a:r>
-              <a:rPr lang="it-IT" sz="1600" b="1" dirty="0" smtClean="0"/>
-              <a:t>Struttura ad albero</a:t>
-            </a:r>
-            <a:endParaRPr lang="it-IT" sz="1600" b="1" dirty="0"/>
-          </a:p>
-        </p:txBody>
-      </p:sp>
-      <p:sp>
-        <p:nvSpPr>
-          <p:cNvPr id="10" name="CasellaDiTesto 9"/>
-          <p:cNvSpPr txBox="1"/>
-          <p:nvPr/>
-        </p:nvSpPr>
-        <p:spPr>
-          <a:xfrm>
-            <a:off x="1964213" y="3287411"/>
-            <a:ext cx="1820308" cy="830997"/>
-          </a:xfrm>
-          <a:prstGeom prst="rect">
-            <a:avLst/>
-          </a:prstGeom>
-          <a:noFill/>
-        </p:spPr>
-        <p:txBody>
-          <a:bodyPr wrap="square" rtlCol="0">
-            <a:spAutoFit/>
-          </a:bodyPr>
-          <a:lstStyle/>
-          <a:p>
-            <a:pPr marL="285750" indent="-285750">
-              <a:buFont typeface="Arial"/>
-              <a:buChar char="•"/>
-            </a:pPr>
-            <a:r>
-              <a:rPr lang="it-IT" sz="1600" dirty="0" smtClean="0"/>
-              <a:t>Testo Item 1</a:t>
-            </a:r>
-            <a:endParaRPr lang="it-IT" sz="1600" b="1" dirty="0"/>
-          </a:p>
-          <a:p>
-            <a:pPr marL="285750" indent="-285750">
-              <a:buFont typeface="Arial"/>
-              <a:buChar char="•"/>
-            </a:pPr>
-            <a:r>
-              <a:rPr lang="it-IT" sz="1600" dirty="0"/>
-              <a:t>Testo Item </a:t>
-            </a:r>
-            <a:r>
-              <a:rPr lang="it-IT" sz="1600" dirty="0" smtClean="0"/>
-              <a:t>2</a:t>
-            </a:r>
-            <a:endParaRPr lang="it-IT" sz="1600" dirty="0"/>
-          </a:p>
-          <a:p>
-            <a:pPr marL="285750" indent="-285750">
-              <a:buFont typeface="Arial"/>
-              <a:buChar char="•"/>
-            </a:pPr>
-            <a:r>
-              <a:rPr lang="it-IT" sz="1600" dirty="0"/>
-              <a:t>Testo Item 3</a:t>
-            </a:r>
-          </a:p>
-        </p:txBody>
-      </p:sp>
-      <p:cxnSp>
-        <p:nvCxnSpPr>
-          <p:cNvPr id="6" name="Connettore 2 5"/>
-          <p:cNvCxnSpPr>
-            <a:stCxn id="8" idx="3"/>
-            <a:endCxn id="20" idx="1"/>
-          </p:cNvCxnSpPr>
-          <p:nvPr/>
-        </p:nvCxnSpPr>
-        <p:spPr>
-          <a:xfrm flipV="1">
-            <a:off x="2895129" y="5206879"/>
-            <a:ext cx="717686" cy="214362"/>
-          </a:xfrm>
-          <a:prstGeom prst="straightConnector1">
-            <a:avLst/>
-          </a:prstGeom>
-          <a:ln>
-            <a:solidFill>
-              <a:schemeClr val="tx2"/>
-            </a:solidFill>
-            <a:tailEnd type="arrow"/>
-          </a:ln>
-        </p:spPr>
-        <p:style>
-          <a:lnRef idx="2">
-            <a:schemeClr val="accent1"/>
-          </a:lnRef>
-          <a:fillRef idx="0">
-            <a:schemeClr val="accent1"/>
-          </a:fillRef>
-          <a:effectRef idx="1">
-            <a:schemeClr val="accent1"/>
-          </a:effectRef>
-          <a:fontRef idx="minor">
-            <a:schemeClr val="tx1"/>
-          </a:fontRef>
-        </p:style>
-      </p:cxnSp>
-      <p:cxnSp>
-        <p:nvCxnSpPr>
-          <p:cNvPr id="14" name="Connettore 2 13"/>
-          <p:cNvCxnSpPr>
-            <a:stCxn id="8" idx="3"/>
-            <a:endCxn id="21" idx="1"/>
-          </p:cNvCxnSpPr>
-          <p:nvPr/>
-        </p:nvCxnSpPr>
-        <p:spPr>
-          <a:xfrm>
-            <a:off x="2895129" y="5421241"/>
-            <a:ext cx="717686" cy="144962"/>
-          </a:xfrm>
-          <a:prstGeom prst="straightConnector1">
-            <a:avLst/>
-          </a:prstGeom>
-          <a:ln>
-            <a:solidFill>
-              <a:schemeClr val="tx2"/>
-            </a:solidFill>
-            <a:tailEnd type="arrow"/>
-          </a:ln>
-        </p:spPr>
-        <p:style>
-          <a:lnRef idx="2">
-            <a:schemeClr val="accent1"/>
-          </a:lnRef>
-          <a:fillRef idx="0">
-            <a:schemeClr val="accent1"/>
-          </a:fillRef>
-          <a:effectRef idx="1">
-            <a:schemeClr val="accent1"/>
-          </a:effectRef>
-          <a:fontRef idx="minor">
-            <a:schemeClr val="tx1"/>
-          </a:fontRef>
-        </p:style>
-      </p:cxnSp>
-      <p:sp>
-        <p:nvSpPr>
-          <p:cNvPr id="20" name="CasellaDiTesto 19"/>
-          <p:cNvSpPr txBox="1"/>
-          <p:nvPr/>
-        </p:nvSpPr>
-        <p:spPr>
-          <a:xfrm>
-            <a:off x="3612815" y="5037602"/>
-            <a:ext cx="1061509" cy="338554"/>
-          </a:xfrm>
-          <a:prstGeom prst="rect">
-            <a:avLst/>
-          </a:prstGeom>
-          <a:noFill/>
-        </p:spPr>
-        <p:txBody>
-          <a:bodyPr wrap="none" rtlCol="0">
-            <a:spAutoFit/>
-          </a:bodyPr>
-          <a:lstStyle/>
-          <a:p>
-            <a:r>
-              <a:rPr lang="it-IT" sz="1600" dirty="0" smtClean="0"/>
-              <a:t>Opzione1</a:t>
-            </a:r>
-            <a:endParaRPr lang="it-IT" sz="1600" dirty="0"/>
-          </a:p>
-        </p:txBody>
-      </p:sp>
-      <p:sp>
-        <p:nvSpPr>
-          <p:cNvPr id="21" name="CasellaDiTesto 20"/>
-          <p:cNvSpPr txBox="1"/>
-          <p:nvPr/>
-        </p:nvSpPr>
-        <p:spPr>
-          <a:xfrm>
-            <a:off x="3612815" y="5396926"/>
-            <a:ext cx="1061509" cy="338554"/>
-          </a:xfrm>
-          <a:prstGeom prst="rect">
-            <a:avLst/>
-          </a:prstGeom>
-          <a:noFill/>
-        </p:spPr>
-        <p:txBody>
-          <a:bodyPr wrap="none" rtlCol="0">
-            <a:spAutoFit/>
-          </a:bodyPr>
-          <a:lstStyle/>
-          <a:p>
-            <a:r>
-              <a:rPr lang="it-IT" sz="1600" dirty="0" smtClean="0"/>
-              <a:t>Opzione2</a:t>
-            </a:r>
-            <a:endParaRPr lang="it-IT" sz="1600" dirty="0"/>
-          </a:p>
-        </p:txBody>
-      </p:sp>
-      <p:sp>
-        <p:nvSpPr>
-          <p:cNvPr id="22" name="CasellaDiTesto 21"/>
-          <p:cNvSpPr txBox="1"/>
-          <p:nvPr/>
-        </p:nvSpPr>
-        <p:spPr>
-          <a:xfrm>
-            <a:off x="5545536" y="5366147"/>
-            <a:ext cx="2698175" cy="369332"/>
-          </a:xfrm>
-          <a:prstGeom prst="rect">
-            <a:avLst/>
-          </a:prstGeom>
-          <a:noFill/>
-        </p:spPr>
-        <p:txBody>
-          <a:bodyPr wrap="none" rtlCol="0">
-            <a:spAutoFit/>
-          </a:bodyPr>
-          <a:lstStyle/>
-          <a:p>
-            <a:r>
-              <a:rPr lang="it-IT" b="1" dirty="0" smtClean="0">
-                <a:solidFill>
-                  <a:srgbClr val="1F497D"/>
-                </a:solidFill>
-              </a:rPr>
-              <a:t>Grandezza di Interesse</a:t>
-            </a:r>
-            <a:endParaRPr lang="it-IT" dirty="0">
-              <a:solidFill>
-                <a:srgbClr val="1F497D"/>
-              </a:solidFill>
-            </a:endParaRPr>
-          </a:p>
-        </p:txBody>
-      </p:sp>
-      <p:cxnSp>
-        <p:nvCxnSpPr>
-          <p:cNvPr id="23" name="Connettore 2 22"/>
-          <p:cNvCxnSpPr>
-            <a:stCxn id="21" idx="3"/>
-            <a:endCxn id="22" idx="1"/>
-          </p:cNvCxnSpPr>
-          <p:nvPr/>
-        </p:nvCxnSpPr>
-        <p:spPr>
-          <a:xfrm flipV="1">
-            <a:off x="4674324" y="5550813"/>
-            <a:ext cx="871212" cy="15390"/>
-          </a:xfrm>
-          <a:prstGeom prst="straightConnector1">
-            <a:avLst/>
-          </a:prstGeom>
-          <a:ln>
-            <a:solidFill>
-              <a:schemeClr val="tx2"/>
-            </a:solidFill>
-            <a:tailEnd type="arrow"/>
-          </a:ln>
-        </p:spPr>
-        <p:style>
-          <a:lnRef idx="2">
-            <a:schemeClr val="accent1"/>
-          </a:lnRef>
-          <a:fillRef idx="0">
-            <a:schemeClr val="accent1"/>
-          </a:fillRef>
-          <a:effectRef idx="1">
-            <a:schemeClr val="accent1"/>
-          </a:effectRef>
-          <a:fontRef idx="minor">
-            <a:schemeClr val="tx1"/>
-          </a:fontRef>
-        </p:style>
-      </p:cxnSp>
-      <p:graphicFrame>
-        <p:nvGraphicFramePr>
-          <p:cNvPr id="4" name="Tabella 3"/>
-          <p:cNvGraphicFramePr>
-            <a:graphicFrameLocks noGrp="1"/>
-          </p:cNvGraphicFramePr>
-          <p:nvPr>
-            <p:extLst>
-              <p:ext uri="{D42A27DB-BD31-4B8C-83A1-F6EECF244321}">
-                <p14:modId xmlns="" xmlns:p14="http://schemas.microsoft.com/office/powerpoint/2010/main" val="3770485759"/>
-              </p:ext>
-            </p:extLst>
-          </p:nvPr>
-        </p:nvGraphicFramePr>
-        <p:xfrm>
-          <a:off x="5439014" y="3349943"/>
-          <a:ext cx="2313108" cy="1005840"/>
-        </p:xfrm>
-        <a:graphic>
-          <a:graphicData uri="http://schemas.openxmlformats.org/drawingml/2006/table">
-            <a:tbl>
-              <a:tblPr firstRow="1">
-                <a:tableStyleId>{2D5ABB26-0587-4C30-8999-92F81FD0307C}</a:tableStyleId>
-              </a:tblPr>
-              <a:tblGrid>
-                <a:gridCol w="1246423"/>
-                <a:gridCol w="1066685"/>
-              </a:tblGrid>
-              <a:tr h="335280">
-                <a:tc>
-                  <a:txBody>
-                    <a:bodyPr/>
-                    <a:lstStyle/>
-                    <a:p>
-                      <a:pPr algn="ctr"/>
-                      <a:r>
-                        <a:rPr lang="it-IT" sz="1600" b="1" dirty="0" smtClean="0">
-                          <a:solidFill>
-                            <a:schemeClr val="tx2"/>
-                          </a:solidFill>
-                        </a:rPr>
-                        <a:t>Velocità</a:t>
-                      </a:r>
-                      <a:endParaRPr lang="it-IT" sz="1600" b="1" dirty="0">
-                        <a:solidFill>
-                          <a:schemeClr val="tx2"/>
-                        </a:solidFill>
-                      </a:endParaRPr>
-                    </a:p>
-                  </a:txBody>
-                  <a:tcPr anchor="ctr">
-                    <a:lnL w="12700" cap="flat" cmpd="sng" algn="ctr">
-                      <a:solidFill>
-                        <a:scrgbClr r="0" g="0" b="0"/>
-                      </a:solidFill>
-                      <a:prstDash val="solid"/>
-                      <a:round/>
-                      <a:headEnd type="none" w="med" len="med"/>
-                      <a:tailEnd type="none" w="med" len="med"/>
-                    </a:lnL>
-                    <a:lnR w="12700" cap="flat" cmpd="sng" algn="ctr">
-                      <a:solidFill>
-                        <a:scrgbClr r="0" g="0" b="0"/>
-                      </a:solidFill>
-                      <a:prstDash val="solid"/>
-                      <a:round/>
-                      <a:headEnd type="none" w="med" len="med"/>
-                      <a:tailEnd type="none" w="med" len="med"/>
-                    </a:lnR>
-                    <a:lnT w="12700" cap="flat" cmpd="sng" algn="ctr">
-                      <a:solidFill>
-                        <a:scrgbClr r="0" g="0" b="0"/>
-                      </a:solidFill>
-                      <a:prstDash val="solid"/>
-                      <a:round/>
-                      <a:headEnd type="none" w="med" len="med"/>
-                      <a:tailEnd type="none" w="med" len="med"/>
-                    </a:lnT>
-                    <a:lnB w="12700" cap="flat" cmpd="sng" algn="ctr">
-                      <a:solidFill>
-                        <a:scrgbClr r="0" g="0" b="0"/>
-                      </a:solidFill>
-                      <a:prstDash val="solid"/>
-                      <a:round/>
-                      <a:headEnd type="none" w="med" len="med"/>
-                      <a:tailEnd type="none" w="med" len="med"/>
-                    </a:lnB>
-                  </a:tcPr>
-                </a:tc>
-                <a:tc>
-                  <a:txBody>
-                    <a:bodyPr/>
-                    <a:lstStyle/>
-                    <a:p>
-                      <a:pPr algn="ctr"/>
-                      <a:r>
-                        <a:rPr lang="it-IT" sz="1600" b="1" baseline="0" dirty="0" smtClean="0">
-                          <a:solidFill>
-                            <a:schemeClr val="tx2"/>
-                          </a:solidFill>
-                        </a:rPr>
-                        <a:t>Coppia</a:t>
-                      </a:r>
-                      <a:endParaRPr lang="it-IT" sz="1600" b="1" dirty="0">
-                        <a:solidFill>
-                          <a:schemeClr val="tx2"/>
-                        </a:solidFill>
-                      </a:endParaRPr>
-                    </a:p>
-                  </a:txBody>
-                  <a:tcPr anchor="ctr">
-                    <a:lnL w="12700" cap="flat" cmpd="sng" algn="ctr">
-                      <a:solidFill>
-                        <a:scrgbClr r="0" g="0" b="0"/>
-                      </a:solidFill>
-                      <a:prstDash val="solid"/>
-                      <a:round/>
-                      <a:headEnd type="none" w="med" len="med"/>
-                      <a:tailEnd type="none" w="med" len="med"/>
-                    </a:lnL>
-                    <a:lnR w="12700" cap="flat" cmpd="sng" algn="ctr">
-                      <a:solidFill>
-                        <a:scrgbClr r="0" g="0" b="0"/>
-                      </a:solidFill>
-                      <a:prstDash val="solid"/>
-                      <a:round/>
-                      <a:headEnd type="none" w="med" len="med"/>
-                      <a:tailEnd type="none" w="med" len="med"/>
-                    </a:lnR>
-                    <a:lnT w="12700" cap="flat" cmpd="sng" algn="ctr">
-                      <a:solidFill>
-                        <a:scrgbClr r="0" g="0" b="0"/>
-                      </a:solidFill>
-                      <a:prstDash val="solid"/>
-                      <a:round/>
-                      <a:headEnd type="none" w="med" len="med"/>
-                      <a:tailEnd type="none" w="med" len="med"/>
-                    </a:lnT>
-                    <a:lnB w="12700" cap="flat" cmpd="sng" algn="ctr">
-                      <a:solidFill>
-                        <a:scrgbClr r="0" g="0" b="0"/>
-                      </a:solidFill>
-                      <a:prstDash val="solid"/>
-                      <a:round/>
-                      <a:headEnd type="none" w="med" len="med"/>
-                      <a:tailEnd type="none" w="med" len="med"/>
-                    </a:lnB>
-                  </a:tcPr>
-                </a:tc>
-              </a:tr>
-              <a:tr h="335280">
-                <a:tc>
-                  <a:txBody>
-                    <a:bodyPr/>
-                    <a:lstStyle/>
-                    <a:p>
-                      <a:pPr algn="ctr"/>
-                      <a:r>
-                        <a:rPr lang="it-IT" sz="1600" dirty="0" smtClean="0"/>
-                        <a:t>150 km/h</a:t>
-                      </a:r>
-                      <a:endParaRPr lang="it-IT" sz="1600" dirty="0"/>
-                    </a:p>
-                  </a:txBody>
-                  <a:tcPr anchor="ctr">
-                    <a:lnL w="12700" cap="flat" cmpd="sng" algn="ctr">
-                      <a:solidFill>
-                        <a:scrgbClr r="0" g="0" b="0"/>
-                      </a:solidFill>
-                      <a:prstDash val="solid"/>
-                      <a:round/>
-                      <a:headEnd type="none" w="med" len="med"/>
-                      <a:tailEnd type="none" w="med" len="med"/>
-                    </a:lnL>
-                    <a:lnR w="12700" cap="flat" cmpd="sng" algn="ctr">
-                      <a:solidFill>
-                        <a:scrgbClr r="0" g="0" b="0"/>
-                      </a:solidFill>
-                      <a:prstDash val="solid"/>
-                      <a:round/>
-                      <a:headEnd type="none" w="med" len="med"/>
-                      <a:tailEnd type="none" w="med" len="med"/>
-                    </a:lnR>
-                    <a:lnT w="12700" cap="flat" cmpd="sng" algn="ctr">
-                      <a:solidFill>
-                        <a:scrgbClr r="0" g="0" b="0"/>
-                      </a:solidFill>
-                      <a:prstDash val="solid"/>
-                      <a:round/>
-                      <a:headEnd type="none" w="med" len="med"/>
-                      <a:tailEnd type="none" w="med" len="med"/>
-                    </a:lnT>
-                    <a:lnB w="12700" cap="flat" cmpd="sng" algn="ctr">
-                      <a:solidFill>
-                        <a:scrgbClr r="0" g="0" b="0"/>
-                      </a:solidFill>
-                      <a:prstDash val="solid"/>
-                      <a:round/>
-                      <a:headEnd type="none" w="med" len="med"/>
-                      <a:tailEnd type="none" w="med" len="med"/>
-                    </a:lnB>
-                  </a:tcPr>
-                </a:tc>
-                <a:tc>
-                  <a:txBody>
-                    <a:bodyPr/>
-                    <a:lstStyle/>
-                    <a:p>
-                      <a:pPr algn="ctr"/>
-                      <a:r>
-                        <a:rPr lang="it-IT" sz="1600" dirty="0" smtClean="0"/>
-                        <a:t>90 Nm</a:t>
-                      </a:r>
-                      <a:endParaRPr lang="it-IT" sz="1600" dirty="0"/>
-                    </a:p>
-                  </a:txBody>
-                  <a:tcPr anchor="ctr">
-                    <a:lnL w="12700" cap="flat" cmpd="sng" algn="ctr">
-                      <a:solidFill>
-                        <a:scrgbClr r="0" g="0" b="0"/>
-                      </a:solidFill>
-                      <a:prstDash val="solid"/>
-                      <a:round/>
-                      <a:headEnd type="none" w="med" len="med"/>
-                      <a:tailEnd type="none" w="med" len="med"/>
-                    </a:lnL>
-                    <a:lnR w="12700" cap="flat" cmpd="sng" algn="ctr">
-                      <a:solidFill>
-                        <a:scrgbClr r="0" g="0" b="0"/>
-                      </a:solidFill>
-                      <a:prstDash val="solid"/>
-                      <a:round/>
-                      <a:headEnd type="none" w="med" len="med"/>
-                      <a:tailEnd type="none" w="med" len="med"/>
-                    </a:lnR>
-                    <a:lnT w="12700" cap="flat" cmpd="sng" algn="ctr">
-                      <a:solidFill>
-                        <a:scrgbClr r="0" g="0" b="0"/>
-                      </a:solidFill>
-                      <a:prstDash val="solid"/>
-                      <a:round/>
-                      <a:headEnd type="none" w="med" len="med"/>
-                      <a:tailEnd type="none" w="med" len="med"/>
-                    </a:lnT>
-                    <a:lnB w="12700" cap="flat" cmpd="sng" algn="ctr">
-                      <a:solidFill>
-                        <a:scrgbClr r="0" g="0" b="0"/>
-                      </a:solidFill>
-                      <a:prstDash val="solid"/>
-                      <a:round/>
-                      <a:headEnd type="none" w="med" len="med"/>
-                      <a:tailEnd type="none" w="med" len="med"/>
-                    </a:lnB>
-                  </a:tcPr>
-                </a:tc>
-              </a:tr>
-              <a:tr h="335280">
-                <a:tc>
-                  <a:txBody>
-                    <a:bodyPr/>
-                    <a:lstStyle/>
-                    <a:p>
-                      <a:pPr algn="ctr"/>
-                      <a:r>
-                        <a:rPr lang="it-IT" sz="1600" dirty="0" smtClean="0"/>
-                        <a:t>300 km/h</a:t>
-                      </a:r>
-                      <a:endParaRPr lang="it-IT" sz="1600" dirty="0"/>
-                    </a:p>
-                  </a:txBody>
-                  <a:tcPr anchor="ctr">
-                    <a:lnL w="12700" cap="flat" cmpd="sng" algn="ctr">
-                      <a:solidFill>
-                        <a:scrgbClr r="0" g="0" b="0"/>
-                      </a:solidFill>
-                      <a:prstDash val="solid"/>
-                      <a:round/>
-                      <a:headEnd type="none" w="med" len="med"/>
-                      <a:tailEnd type="none" w="med" len="med"/>
-                    </a:lnL>
-                    <a:lnR w="12700" cap="flat" cmpd="sng" algn="ctr">
-                      <a:solidFill>
-                        <a:scrgbClr r="0" g="0" b="0"/>
-                      </a:solidFill>
-                      <a:prstDash val="solid"/>
-                      <a:round/>
-                      <a:headEnd type="none" w="med" len="med"/>
-                      <a:tailEnd type="none" w="med" len="med"/>
-                    </a:lnR>
-                    <a:lnT w="12700" cap="flat" cmpd="sng" algn="ctr">
-                      <a:solidFill>
-                        <a:scrgbClr r="0" g="0" b="0"/>
-                      </a:solidFill>
-                      <a:prstDash val="solid"/>
-                      <a:round/>
-                      <a:headEnd type="none" w="med" len="med"/>
-                      <a:tailEnd type="none" w="med" len="med"/>
-                    </a:lnT>
-                    <a:lnB w="12700" cap="flat" cmpd="sng" algn="ctr">
-                      <a:solidFill>
-                        <a:scrgbClr r="0" g="0" b="0"/>
-                      </a:solidFill>
-                      <a:prstDash val="solid"/>
-                      <a:round/>
-                      <a:headEnd type="none" w="med" len="med"/>
-                      <a:tailEnd type="none" w="med" len="med"/>
-                    </a:lnB>
-                  </a:tcPr>
-                </a:tc>
-                <a:tc>
-                  <a:txBody>
-                    <a:bodyPr/>
-                    <a:lstStyle/>
-                    <a:p>
-                      <a:pPr algn="ctr"/>
-                      <a:r>
-                        <a:rPr lang="it-IT" sz="1600" dirty="0" smtClean="0"/>
-                        <a:t>140 Nm</a:t>
-                      </a:r>
-                      <a:endParaRPr lang="it-IT" sz="1600" dirty="0"/>
-                    </a:p>
-                  </a:txBody>
-                  <a:tcPr anchor="ctr">
-                    <a:lnL w="12700" cap="flat" cmpd="sng" algn="ctr">
-                      <a:solidFill>
-                        <a:scrgbClr r="0" g="0" b="0"/>
-                      </a:solidFill>
-                      <a:prstDash val="solid"/>
-                      <a:round/>
-                      <a:headEnd type="none" w="med" len="med"/>
-                      <a:tailEnd type="none" w="med" len="med"/>
-                    </a:lnL>
-                    <a:lnR w="12700" cap="flat" cmpd="sng" algn="ctr">
-                      <a:solidFill>
-                        <a:scrgbClr r="0" g="0" b="0"/>
-                      </a:solidFill>
-                      <a:prstDash val="solid"/>
-                      <a:round/>
-                      <a:headEnd type="none" w="med" len="med"/>
-                      <a:tailEnd type="none" w="med" len="med"/>
-                    </a:lnR>
-                    <a:lnT w="12700" cap="flat" cmpd="sng" algn="ctr">
-                      <a:solidFill>
-                        <a:scrgbClr r="0" g="0" b="0"/>
-                      </a:solidFill>
-                      <a:prstDash val="solid"/>
-                      <a:round/>
-                      <a:headEnd type="none" w="med" len="med"/>
-                      <a:tailEnd type="none" w="med" len="med"/>
-                    </a:lnT>
-                    <a:lnB w="12700" cap="flat" cmpd="sng" algn="ctr">
-                      <a:solidFill>
-                        <a:scrgbClr r="0" g="0" b="0"/>
-                      </a:solidFill>
-                      <a:prstDash val="solid"/>
-                      <a:round/>
-                      <a:headEnd type="none" w="med" len="med"/>
-                      <a:tailEnd type="none" w="med" len="med"/>
-                    </a:lnB>
-                  </a:tcPr>
-                </a:tc>
-              </a:tr>
-            </a:tbl>
-          </a:graphicData>
-        </a:graphic>
-      </p:graphicFrame>
-      <p:sp>
-        <p:nvSpPr>
-          <p:cNvPr id="18" name="CasellaDiTesto 17"/>
-          <p:cNvSpPr txBox="1"/>
-          <p:nvPr/>
-        </p:nvSpPr>
-        <p:spPr>
-          <a:xfrm>
-            <a:off x="1964215" y="1222195"/>
-            <a:ext cx="1738525" cy="369332"/>
-          </a:xfrm>
-          <a:prstGeom prst="rect">
-            <a:avLst/>
-          </a:prstGeom>
-        </p:spPr>
-        <p:style>
-          <a:lnRef idx="2">
-            <a:schemeClr val="accent1"/>
-          </a:lnRef>
-          <a:fillRef idx="1">
-            <a:schemeClr val="lt1"/>
-          </a:fillRef>
-          <a:effectRef idx="0">
-            <a:schemeClr val="accent1"/>
-          </a:effectRef>
-          <a:fontRef idx="minor">
-            <a:schemeClr val="dk1"/>
-          </a:fontRef>
-        </p:style>
-        <p:txBody>
-          <a:bodyPr wrap="square" rtlCol="0">
-            <a:spAutoFit/>
-          </a:bodyPr>
-          <a:lstStyle/>
-          <a:p>
-            <a:pPr algn="ctr"/>
-            <a:r>
-              <a:rPr lang="it-IT" dirty="0" smtClean="0"/>
-              <a:t>Titoletto – 18pt</a:t>
-            </a:r>
-            <a:endParaRPr lang="it-IT" b="1" dirty="0"/>
-          </a:p>
-        </p:txBody>
-      </p:sp>
-      <p:sp>
-        <p:nvSpPr>
-          <p:cNvPr id="19" name="CasellaDiTesto 18"/>
-          <p:cNvSpPr txBox="1"/>
-          <p:nvPr/>
-        </p:nvSpPr>
-        <p:spPr>
-          <a:xfrm>
-            <a:off x="5439017" y="1222194"/>
-            <a:ext cx="1537337" cy="338554"/>
-          </a:xfrm>
-          <a:prstGeom prst="rect">
-            <a:avLst/>
-          </a:prstGeom>
-        </p:spPr>
-        <p:style>
-          <a:lnRef idx="2">
-            <a:schemeClr val="accent1"/>
-          </a:lnRef>
-          <a:fillRef idx="1">
-            <a:schemeClr val="lt1"/>
-          </a:fillRef>
-          <a:effectRef idx="0">
-            <a:schemeClr val="accent1"/>
-          </a:effectRef>
-          <a:fontRef idx="minor">
-            <a:schemeClr val="dk1"/>
-          </a:fontRef>
-        </p:style>
-        <p:txBody>
-          <a:bodyPr wrap="square" rtlCol="0">
-            <a:spAutoFit/>
-          </a:bodyPr>
-          <a:lstStyle/>
-          <a:p>
-            <a:pPr algn="ctr"/>
-            <a:r>
-              <a:rPr lang="it-IT" sz="1600" dirty="0" smtClean="0"/>
-              <a:t>Titoletto – 16pt</a:t>
-            </a:r>
-            <a:endParaRPr lang="it-IT" sz="1600" b="1" dirty="0"/>
-          </a:p>
-        </p:txBody>
-      </p:sp>
-      <p:sp>
-        <p:nvSpPr>
-          <p:cNvPr id="25" name="CasellaDiTesto 24"/>
-          <p:cNvSpPr txBox="1"/>
-          <p:nvPr/>
-        </p:nvSpPr>
-        <p:spPr>
-          <a:xfrm>
-            <a:off x="1964215" y="2768756"/>
-            <a:ext cx="1537337" cy="338554"/>
-          </a:xfrm>
-          <a:prstGeom prst="rect">
-            <a:avLst/>
-          </a:prstGeom>
-        </p:spPr>
-        <p:style>
-          <a:lnRef idx="2">
-            <a:schemeClr val="accent1"/>
-          </a:lnRef>
-          <a:fillRef idx="1">
-            <a:schemeClr val="lt1"/>
-          </a:fillRef>
-          <a:effectRef idx="0">
-            <a:schemeClr val="accent1"/>
-          </a:effectRef>
-          <a:fontRef idx="minor">
-            <a:schemeClr val="dk1"/>
-          </a:fontRef>
-        </p:style>
-        <p:txBody>
-          <a:bodyPr wrap="square" rtlCol="0">
-            <a:spAutoFit/>
-          </a:bodyPr>
-          <a:lstStyle/>
-          <a:p>
-            <a:pPr algn="ctr"/>
-            <a:r>
-              <a:rPr lang="it-IT" sz="1600" dirty="0" smtClean="0"/>
-              <a:t>Elenco Puntato</a:t>
-            </a:r>
-            <a:endParaRPr lang="it-IT" sz="1600" b="1" dirty="0"/>
-          </a:p>
-        </p:txBody>
-      </p:sp>
-      <p:sp>
-        <p:nvSpPr>
-          <p:cNvPr id="26" name="CasellaDiTesto 25"/>
-          <p:cNvSpPr txBox="1"/>
-          <p:nvPr/>
-        </p:nvSpPr>
-        <p:spPr>
-          <a:xfrm>
-            <a:off x="5439015" y="2768756"/>
-            <a:ext cx="869262" cy="338554"/>
-          </a:xfrm>
-          <a:prstGeom prst="rect">
-            <a:avLst/>
-          </a:prstGeom>
-        </p:spPr>
-        <p:style>
-          <a:lnRef idx="2">
-            <a:schemeClr val="accent1"/>
-          </a:lnRef>
-          <a:fillRef idx="1">
-            <a:schemeClr val="lt1"/>
-          </a:fillRef>
-          <a:effectRef idx="0">
-            <a:schemeClr val="accent1"/>
-          </a:effectRef>
-          <a:fontRef idx="minor">
-            <a:schemeClr val="dk1"/>
-          </a:fontRef>
-        </p:style>
-        <p:txBody>
-          <a:bodyPr wrap="square" rtlCol="0">
-            <a:spAutoFit/>
-          </a:bodyPr>
-          <a:lstStyle/>
-          <a:p>
-            <a:pPr algn="ctr"/>
-            <a:r>
-              <a:rPr lang="it-IT" sz="1600" dirty="0" smtClean="0"/>
-              <a:t>Tabella</a:t>
-            </a:r>
-            <a:endParaRPr lang="it-IT" sz="1600" b="1" dirty="0"/>
+            <a:endParaRPr lang="it-IT"/>
           </a:p>
         </p:txBody>
       </p:sp>
@@ -12049,7 +9605,7 @@
     </p:custDataLst>
     <p:extLst>
       <p:ext uri="{BB962C8B-B14F-4D97-AF65-F5344CB8AC3E}">
-        <p14:creationId xmlns="" xmlns:p14="http://schemas.microsoft.com/office/powerpoint/2010/main" val="3726194390"/>
+        <p14:creationId xmlns:p14="http://schemas.microsoft.com/office/powerpoint/2010/main" xmlns="" val="3726194390"/>
       </p:ext>
     </p:extLst>
   </p:cSld>
@@ -12057,7 +9613,7 @@
     <a:masterClrMapping/>
   </p:clrMapOvr>
   <mc:AlternateContent xmlns:mc="http://schemas.openxmlformats.org/markup-compatibility/2006">
-    <mc:Choice xmlns="" xmlns:p14="http://schemas.microsoft.com/office/powerpoint/2010/main" Requires="p14">
+    <mc:Choice xmlns:p14="http://schemas.microsoft.com/office/powerpoint/2010/main" xmlns="" Requires="p14">
       <p:transition spd="slow" p14:dur="2000" advTm="147542"/>
     </mc:Choice>
     <mc:Fallback>
@@ -12108,7 +9664,7 @@
           <a:p>
             <a:r>
               <a:rPr lang="it-IT" dirty="0" smtClean="0"/>
-              <a:t>Introduzione</a:t>
+              <a:t>Sommario</a:t>
             </a:r>
             <a:endParaRPr lang="it-IT" dirty="0"/>
           </a:p>
@@ -12116,840 +9672,199 @@
       </p:sp>
       <p:sp>
         <p:nvSpPr>
-          <p:cNvPr id="34" name="CasellaDiTesto 33"/>
-          <p:cNvSpPr txBox="1"/>
-          <p:nvPr/>
+          <p:cNvPr id="3" name="Segnaposto testo 2"/>
+          <p:cNvSpPr>
+            <a:spLocks noGrp="1"/>
+          </p:cNvSpPr>
+          <p:nvPr>
+            <p:ph type="body" sz="quarter" idx="11"/>
+          </p:nvPr>
         </p:nvSpPr>
         <p:spPr>
           <a:xfrm>
-            <a:off x="698503" y="1029885"/>
-            <a:ext cx="1738525" cy="369332"/>
+            <a:off x="603252" y="870856"/>
+            <a:ext cx="7937501" cy="5646057"/>
           </a:xfrm>
-          <a:prstGeom prst="rect">
-            <a:avLst/>
-          </a:prstGeom>
-        </p:spPr>
-        <p:style>
-          <a:lnRef idx="2">
-            <a:schemeClr val="accent1"/>
-          </a:lnRef>
-          <a:fillRef idx="1">
-            <a:schemeClr val="lt1"/>
-          </a:fillRef>
-          <a:effectRef idx="0">
-            <a:schemeClr val="accent1"/>
-          </a:effectRef>
-          <a:fontRef idx="minor">
-            <a:schemeClr val="dk1"/>
-          </a:fontRef>
-        </p:style>
-        <p:txBody>
-          <a:bodyPr wrap="square" rtlCol="0">
-            <a:spAutoFit/>
-          </a:bodyPr>
-          <a:lstStyle/>
-          <a:p>
-            <a:pPr algn="ctr"/>
-            <a:r>
-              <a:rPr lang="it-IT" dirty="0" smtClean="0"/>
-              <a:t>Dimensioni Font</a:t>
-            </a:r>
-            <a:endParaRPr lang="it-IT" b="1" dirty="0"/>
-          </a:p>
-        </p:txBody>
-      </p:sp>
-      <p:sp>
-        <p:nvSpPr>
-          <p:cNvPr id="35" name="CasellaDiTesto 34"/>
-          <p:cNvSpPr txBox="1"/>
-          <p:nvPr/>
-        </p:nvSpPr>
-        <p:spPr>
-          <a:xfrm>
-            <a:off x="698502" y="1573001"/>
-            <a:ext cx="3223561" cy="830997"/>
-          </a:xfrm>
-          <a:prstGeom prst="rect">
-            <a:avLst/>
-          </a:prstGeom>
-          <a:noFill/>
         </p:spPr>
         <p:txBody>
-          <a:bodyPr wrap="square" rtlCol="0">
-            <a:spAutoFit/>
-          </a:bodyPr>
+          <a:bodyPr/>
           <a:lstStyle/>
           <a:p>
-            <a:pPr marL="285750" indent="-285750">
+            <a:pPr marL="457200" indent="-457200">
+              <a:lnSpc>
+                <a:spcPct val="140000"/>
+              </a:lnSpc>
               <a:buFont typeface="Arial"/>
               <a:buChar char="•"/>
             </a:pPr>
             <a:r>
-              <a:rPr lang="it-IT" sz="1600" dirty="0" smtClean="0"/>
-              <a:t>Testo: minimo 16pt</a:t>
-            </a:r>
-            <a:endParaRPr lang="it-IT" sz="1600" b="1" dirty="0"/>
-          </a:p>
-          <a:p>
-            <a:pPr marL="285750" indent="-285750">
+              <a:rPr lang="it-IT" sz="2400" dirty="0" smtClean="0">
+                <a:solidFill>
+                  <a:schemeClr val="bg1">
+                    <a:lumMod val="50000"/>
+                  </a:schemeClr>
+                </a:solidFill>
+              </a:rPr>
+              <a:t>Introduzione</a:t>
+            </a:r>
+          </a:p>
+          <a:p>
+            <a:pPr marL="457200" indent="-457200">
+              <a:lnSpc>
+                <a:spcPct val="140000"/>
+              </a:lnSpc>
               <a:buFont typeface="Arial"/>
               <a:buChar char="•"/>
             </a:pPr>
             <a:r>
-              <a:rPr lang="it-IT" sz="1600" dirty="0" smtClean="0"/>
-              <a:t>Immagini: minimo 14pt</a:t>
-            </a:r>
-          </a:p>
-          <a:p>
-            <a:pPr marL="285750" indent="-285750">
+              <a:rPr lang="it-IT" sz="2800" b="1" dirty="0" smtClean="0">
+                <a:solidFill>
+                  <a:srgbClr val="0070C0"/>
+                </a:solidFill>
+              </a:rPr>
+              <a:t>Stato dell’arte</a:t>
+            </a:r>
+          </a:p>
+          <a:p>
+            <a:pPr marL="857250" lvl="1" indent="-457200">
+              <a:lnSpc>
+                <a:spcPct val="140000"/>
+              </a:lnSpc>
+              <a:buFont typeface="Wingdings" pitchFamily="2" charset="2"/>
+              <a:buChar char="§"/>
+            </a:pPr>
+            <a:r>
+              <a:rPr lang="it-IT" sz="2400" b="1" dirty="0" smtClean="0">
+                <a:solidFill>
+                  <a:srgbClr val="0070C0"/>
+                </a:solidFill>
+              </a:rPr>
+              <a:t>Bluetooth Low Energy</a:t>
+            </a:r>
+          </a:p>
+          <a:p>
+            <a:pPr marL="857250" lvl="1" indent="-457200">
+              <a:lnSpc>
+                <a:spcPct val="140000"/>
+              </a:lnSpc>
+              <a:buFont typeface="Wingdings" pitchFamily="2" charset="2"/>
+              <a:buChar char="§"/>
+            </a:pPr>
+            <a:r>
+              <a:rPr lang="it-IT" sz="2400" dirty="0" smtClean="0">
+                <a:solidFill>
+                  <a:schemeClr val="tx1"/>
+                </a:solidFill>
+              </a:rPr>
+              <a:t>Modello di rete</a:t>
+            </a:r>
+          </a:p>
+          <a:p>
+            <a:pPr marL="857250" lvl="1" indent="-457200">
+              <a:lnSpc>
+                <a:spcPct val="140000"/>
+              </a:lnSpc>
+              <a:buFont typeface="Wingdings" pitchFamily="2" charset="2"/>
+              <a:buChar char="§"/>
+            </a:pPr>
+            <a:r>
+              <a:rPr lang="it-IT" sz="2400" dirty="0" smtClean="0">
+                <a:solidFill>
+                  <a:schemeClr val="tx1"/>
+                </a:solidFill>
+              </a:rPr>
+              <a:t>Gossip</a:t>
+            </a:r>
+          </a:p>
+          <a:p>
+            <a:pPr marL="457200" indent="-457200">
+              <a:lnSpc>
+                <a:spcPct val="140000"/>
+              </a:lnSpc>
               <a:buFont typeface="Arial"/>
               <a:buChar char="•"/>
             </a:pPr>
             <a:r>
-              <a:rPr lang="it-IT" sz="1600" dirty="0" smtClean="0"/>
-              <a:t>Grafici e </a:t>
-            </a:r>
-            <a:r>
-              <a:rPr lang="it-IT" sz="1600" dirty="0" err="1" smtClean="0"/>
-              <a:t>Matlab</a:t>
-            </a:r>
-            <a:r>
-              <a:rPr lang="it-IT" sz="1600" dirty="0" smtClean="0"/>
-              <a:t>: minimo 14pt</a:t>
-            </a:r>
-            <a:endParaRPr lang="it-IT" sz="1600" dirty="0"/>
-          </a:p>
-        </p:txBody>
-      </p:sp>
-      <p:sp>
-        <p:nvSpPr>
-          <p:cNvPr id="27" name="CasellaDiTesto 26"/>
-          <p:cNvSpPr txBox="1"/>
-          <p:nvPr/>
-        </p:nvSpPr>
-        <p:spPr>
-          <a:xfrm>
-            <a:off x="4633494" y="1430226"/>
-            <a:ext cx="4251280" cy="584775"/>
-          </a:xfrm>
-          <a:prstGeom prst="rect">
-            <a:avLst/>
-          </a:prstGeom>
-          <a:noFill/>
-        </p:spPr>
-        <p:txBody>
-          <a:bodyPr wrap="square" rtlCol="0">
-            <a:spAutoFit/>
-          </a:bodyPr>
-          <a:lstStyle/>
-          <a:p>
-            <a:pPr marL="285750" indent="-285750">
+              <a:rPr lang="it-IT" sz="2400" dirty="0" smtClean="0">
+                <a:solidFill>
+                  <a:schemeClr val="bg1">
+                    <a:lumMod val="50000"/>
+                  </a:schemeClr>
+                </a:solidFill>
+              </a:rPr>
+              <a:t>Analisi di fattibilità</a:t>
+            </a:r>
+          </a:p>
+          <a:p>
+            <a:pPr marL="457200" indent="-457200">
+              <a:lnSpc>
+                <a:spcPct val="140000"/>
+              </a:lnSpc>
               <a:buFont typeface="Arial"/>
               <a:buChar char="•"/>
             </a:pPr>
             <a:r>
-              <a:rPr lang="tr-TR" sz="1600" dirty="0" smtClean="0"/>
-              <a:t>set</a:t>
-            </a:r>
-            <a:r>
-              <a:rPr lang="tr-TR" sz="1600" dirty="0"/>
-              <a:t>(gca,'FontSize',16);</a:t>
-            </a:r>
-          </a:p>
-          <a:p>
-            <a:pPr marL="285750" indent="-285750">
+              <a:rPr lang="it-IT" sz="2400" dirty="0" smtClean="0">
+                <a:solidFill>
+                  <a:schemeClr val="bg1">
+                    <a:lumMod val="50000"/>
+                  </a:schemeClr>
+                </a:solidFill>
+              </a:rPr>
+              <a:t>Architettura della soluzione</a:t>
+            </a:r>
+          </a:p>
+          <a:p>
+            <a:pPr marL="457200" indent="-457200">
+              <a:lnSpc>
+                <a:spcPct val="140000"/>
+              </a:lnSpc>
               <a:buFont typeface="Arial"/>
               <a:buChar char="•"/>
             </a:pPr>
             <a:r>
-              <a:rPr lang="it-IT" sz="1600" dirty="0" smtClean="0"/>
-              <a:t>set</a:t>
-            </a:r>
-            <a:r>
-              <a:rPr lang="it-IT" sz="1600" dirty="0"/>
-              <a:t>(</a:t>
-            </a:r>
-            <a:r>
-              <a:rPr lang="it-IT" sz="1600" dirty="0" err="1"/>
-              <a:t>findall</a:t>
-            </a:r>
-            <a:r>
-              <a:rPr lang="it-IT" sz="1600" dirty="0"/>
-              <a:t>(</a:t>
-            </a:r>
-            <a:r>
-              <a:rPr lang="it-IT" sz="1600" dirty="0" err="1"/>
-              <a:t>gcf</a:t>
-            </a:r>
-            <a:r>
-              <a:rPr lang="it-IT" sz="1600" dirty="0"/>
-              <a:t>,'</a:t>
-            </a:r>
-            <a:r>
-              <a:rPr lang="it-IT" sz="1600" dirty="0" err="1"/>
-              <a:t>type</a:t>
-            </a:r>
-            <a:r>
-              <a:rPr lang="it-IT" sz="1600" dirty="0"/>
-              <a:t>','text'),'FontSize',16)</a:t>
-            </a:r>
-            <a:r>
-              <a:rPr lang="it-IT" sz="1600" dirty="0" smtClean="0"/>
-              <a:t>;</a:t>
-            </a:r>
+              <a:rPr lang="it-IT" sz="2400" dirty="0" smtClean="0">
+                <a:solidFill>
+                  <a:schemeClr val="bg1">
+                    <a:lumMod val="50000"/>
+                  </a:schemeClr>
+                </a:solidFill>
+              </a:rPr>
+              <a:t>Simulazioni e risultati</a:t>
+            </a:r>
+          </a:p>
+          <a:p>
+            <a:pPr marL="457200" indent="-457200">
+              <a:lnSpc>
+                <a:spcPct val="140000"/>
+              </a:lnSpc>
+              <a:buFont typeface="Arial"/>
+              <a:buChar char="•"/>
+            </a:pPr>
+            <a:r>
+              <a:rPr lang="it-IT" sz="2400" dirty="0" smtClean="0">
+                <a:solidFill>
+                  <a:schemeClr val="bg1">
+                    <a:lumMod val="50000"/>
+                  </a:schemeClr>
+                </a:solidFill>
+              </a:rPr>
+              <a:t>Conclusioni</a:t>
+            </a:r>
+            <a:endParaRPr lang="it-IT" sz="2400" dirty="0">
+              <a:solidFill>
+                <a:schemeClr val="bg1">
+                  <a:lumMod val="50000"/>
+                </a:schemeClr>
+              </a:solidFill>
+            </a:endParaRPr>
           </a:p>
         </p:txBody>
       </p:sp>
-      <p:sp>
-        <p:nvSpPr>
-          <p:cNvPr id="28" name="CasellaDiTesto 27"/>
-          <p:cNvSpPr txBox="1"/>
-          <p:nvPr/>
-        </p:nvSpPr>
-        <p:spPr>
-          <a:xfrm>
-            <a:off x="3784593" y="1007114"/>
-            <a:ext cx="5230531" cy="338554"/>
-          </a:xfrm>
-          <a:prstGeom prst="rect">
-            <a:avLst/>
-          </a:prstGeom>
-        </p:spPr>
-        <p:style>
-          <a:lnRef idx="2">
-            <a:schemeClr val="accent1"/>
-          </a:lnRef>
-          <a:fillRef idx="1">
-            <a:schemeClr val="lt1"/>
-          </a:fillRef>
-          <a:effectRef idx="0">
-            <a:schemeClr val="accent1"/>
-          </a:effectRef>
-          <a:fontRef idx="minor">
-            <a:schemeClr val="dk1"/>
-          </a:fontRef>
-        </p:style>
-        <p:txBody>
-          <a:bodyPr wrap="square" rtlCol="0">
-            <a:spAutoFit/>
-          </a:bodyPr>
-          <a:lstStyle/>
-          <a:p>
-            <a:r>
-              <a:rPr lang="it-IT" sz="1600" dirty="0" err="1" smtClean="0"/>
-              <a:t>MatLab</a:t>
-            </a:r>
-            <a:r>
-              <a:rPr lang="it-IT" sz="1600" dirty="0" smtClean="0"/>
-              <a:t>: comandi utili per modificare il </a:t>
-            </a:r>
-            <a:r>
-              <a:rPr lang="it-IT" sz="1600" dirty="0" err="1" smtClean="0"/>
-              <a:t>FontSize</a:t>
-            </a:r>
-            <a:r>
-              <a:rPr lang="it-IT" sz="1600" dirty="0" smtClean="0"/>
-              <a:t> nelle </a:t>
-            </a:r>
-            <a:r>
-              <a:rPr lang="it-IT" sz="1600" dirty="0" err="1" smtClean="0"/>
-              <a:t>Figures</a:t>
-            </a:r>
-            <a:endParaRPr lang="it-IT" sz="1600" b="1" dirty="0"/>
-          </a:p>
-        </p:txBody>
-      </p:sp>
-      <p:sp>
-        <p:nvSpPr>
-          <p:cNvPr id="29" name="CasellaDiTesto 28"/>
-          <p:cNvSpPr txBox="1"/>
-          <p:nvPr/>
-        </p:nvSpPr>
-        <p:spPr>
-          <a:xfrm>
-            <a:off x="379281" y="3512399"/>
-            <a:ext cx="3934993" cy="830997"/>
-          </a:xfrm>
-          <a:prstGeom prst="rect">
-            <a:avLst/>
-          </a:prstGeom>
-        </p:spPr>
-        <p:style>
-          <a:lnRef idx="2">
-            <a:schemeClr val="dk1"/>
-          </a:lnRef>
-          <a:fillRef idx="1">
-            <a:schemeClr val="lt1"/>
-          </a:fillRef>
-          <a:effectRef idx="0">
-            <a:schemeClr val="dk1"/>
-          </a:effectRef>
-          <a:fontRef idx="minor">
-            <a:schemeClr val="dk1"/>
-          </a:fontRef>
-        </p:style>
-        <p:txBody>
-          <a:bodyPr wrap="square" rtlCol="0">
-            <a:spAutoFit/>
-          </a:bodyPr>
-          <a:lstStyle/>
-          <a:p>
-            <a:r>
-              <a:rPr lang="it-IT" sz="1600" dirty="0" err="1">
-                <a:solidFill>
-                  <a:srgbClr val="000000"/>
-                </a:solidFill>
-                <a:latin typeface="Lucida Grande"/>
-              </a:rPr>
-              <a:t>handle</a:t>
-            </a:r>
-            <a:r>
-              <a:rPr lang="it-IT" sz="1600" dirty="0">
-                <a:solidFill>
-                  <a:srgbClr val="000000"/>
-                </a:solidFill>
-                <a:latin typeface="Lucida Grande"/>
-              </a:rPr>
-              <a:t>=figure;</a:t>
-            </a:r>
-          </a:p>
-          <a:p>
-            <a:r>
-              <a:rPr lang="it-IT" sz="1600" dirty="0">
-                <a:solidFill>
-                  <a:srgbClr val="0000FF"/>
-                </a:solidFill>
-                <a:latin typeface="Lucida Grande"/>
-              </a:rPr>
-              <a:t>...</a:t>
-            </a:r>
-          </a:p>
-          <a:p>
-            <a:r>
-              <a:rPr lang="it-IT" sz="1600" dirty="0">
-                <a:solidFill>
-                  <a:srgbClr val="000000"/>
-                </a:solidFill>
-                <a:latin typeface="Lucida Grande"/>
-              </a:rPr>
-              <a:t>salva_2formati(</a:t>
-            </a:r>
-            <a:r>
-              <a:rPr lang="it-IT" sz="1600" dirty="0" err="1">
-                <a:solidFill>
-                  <a:srgbClr val="000000"/>
-                </a:solidFill>
-                <a:latin typeface="Lucida Grande"/>
-              </a:rPr>
-              <a:t>handle</a:t>
-            </a:r>
-            <a:r>
-              <a:rPr lang="it-IT" sz="1600" dirty="0">
-                <a:solidFill>
-                  <a:srgbClr val="000000"/>
-                </a:solidFill>
-                <a:latin typeface="Lucida Grande"/>
-              </a:rPr>
-              <a:t>,</a:t>
-            </a:r>
-            <a:r>
-              <a:rPr lang="it-IT" sz="1600" dirty="0">
-                <a:solidFill>
-                  <a:srgbClr val="A020F0"/>
-                </a:solidFill>
-                <a:latin typeface="Lucida Grande"/>
-              </a:rPr>
-              <a:t>'</a:t>
-            </a:r>
-            <a:r>
-              <a:rPr lang="it-IT" sz="1600" dirty="0" err="1">
-                <a:solidFill>
-                  <a:srgbClr val="A020F0"/>
-                </a:solidFill>
-                <a:latin typeface="Lucida Grande"/>
-              </a:rPr>
-              <a:t>Nome_Figura</a:t>
-            </a:r>
-            <a:r>
-              <a:rPr lang="it-IT" sz="1600" dirty="0">
-                <a:solidFill>
-                  <a:srgbClr val="A020F0"/>
-                </a:solidFill>
-                <a:latin typeface="Lucida Grande"/>
-              </a:rPr>
-              <a:t>'</a:t>
-            </a:r>
-            <a:r>
-              <a:rPr lang="it-IT" sz="1600" dirty="0">
-                <a:solidFill>
-                  <a:srgbClr val="000000"/>
-                </a:solidFill>
-                <a:latin typeface="Lucida Grande"/>
-              </a:rPr>
-              <a:t>);</a:t>
-            </a:r>
-          </a:p>
-        </p:txBody>
-      </p:sp>
-      <p:sp>
-        <p:nvSpPr>
-          <p:cNvPr id="30" name="CasellaDiTesto 29"/>
-          <p:cNvSpPr txBox="1"/>
-          <p:nvPr/>
-        </p:nvSpPr>
-        <p:spPr>
-          <a:xfrm>
-            <a:off x="2490099" y="2953579"/>
-            <a:ext cx="4163807" cy="369332"/>
-          </a:xfrm>
-          <a:prstGeom prst="rect">
-            <a:avLst/>
-          </a:prstGeom>
-        </p:spPr>
-        <p:style>
-          <a:lnRef idx="2">
-            <a:schemeClr val="accent1"/>
-          </a:lnRef>
-          <a:fillRef idx="1">
-            <a:schemeClr val="lt1"/>
-          </a:fillRef>
-          <a:effectRef idx="0">
-            <a:schemeClr val="accent1"/>
-          </a:effectRef>
-          <a:fontRef idx="minor">
-            <a:schemeClr val="dk1"/>
-          </a:fontRef>
-        </p:style>
-        <p:txBody>
-          <a:bodyPr wrap="square" rtlCol="0">
-            <a:spAutoFit/>
-          </a:bodyPr>
-          <a:lstStyle/>
-          <a:p>
-            <a:r>
-              <a:rPr lang="it-IT" dirty="0" err="1" smtClean="0"/>
-              <a:t>MatLab</a:t>
-            </a:r>
-            <a:r>
-              <a:rPr lang="it-IT" dirty="0" smtClean="0"/>
-              <a:t>: comandi utili per salvare le figure</a:t>
-            </a:r>
-            <a:endParaRPr lang="it-IT" b="1" dirty="0"/>
-          </a:p>
-        </p:txBody>
-      </p:sp>
-      <p:sp>
-        <p:nvSpPr>
-          <p:cNvPr id="31" name="CasellaDiTesto 30"/>
-          <p:cNvSpPr txBox="1"/>
-          <p:nvPr/>
-        </p:nvSpPr>
-        <p:spPr>
-          <a:xfrm>
-            <a:off x="4428682" y="3512399"/>
-            <a:ext cx="4221628" cy="2800767"/>
-          </a:xfrm>
-          <a:prstGeom prst="rect">
-            <a:avLst/>
-          </a:prstGeom>
-        </p:spPr>
-        <p:style>
-          <a:lnRef idx="2">
-            <a:schemeClr val="dk1"/>
-          </a:lnRef>
-          <a:fillRef idx="1">
-            <a:schemeClr val="lt1"/>
-          </a:fillRef>
-          <a:effectRef idx="0">
-            <a:schemeClr val="dk1"/>
-          </a:effectRef>
-          <a:fontRef idx="minor">
-            <a:schemeClr val="dk1"/>
-          </a:fontRef>
-        </p:style>
-        <p:txBody>
-          <a:bodyPr wrap="square" rtlCol="0">
-            <a:spAutoFit/>
-          </a:bodyPr>
-          <a:lstStyle/>
-          <a:p>
-            <a:r>
-              <a:rPr lang="it-IT" sz="1600" dirty="0" err="1">
-                <a:solidFill>
-                  <a:srgbClr val="0000FF"/>
-                </a:solidFill>
-                <a:latin typeface="Lucida Grande"/>
-              </a:rPr>
-              <a:t>function</a:t>
-            </a:r>
-            <a:r>
-              <a:rPr lang="it-IT" sz="1600" dirty="0">
-                <a:solidFill>
-                  <a:srgbClr val="000000"/>
-                </a:solidFill>
-                <a:latin typeface="Lucida Grande"/>
-              </a:rPr>
-              <a:t> []=salva_2formati(</a:t>
-            </a:r>
-            <a:r>
-              <a:rPr lang="it-IT" sz="1600" dirty="0" err="1">
-                <a:solidFill>
-                  <a:srgbClr val="000000"/>
-                </a:solidFill>
-                <a:latin typeface="Lucida Grande"/>
-              </a:rPr>
-              <a:t>handle,nome</a:t>
-            </a:r>
-            <a:r>
-              <a:rPr lang="it-IT" sz="1600" dirty="0">
-                <a:solidFill>
-                  <a:srgbClr val="000000"/>
-                </a:solidFill>
-                <a:latin typeface="Lucida Grande"/>
-              </a:rPr>
-              <a:t>)</a:t>
-            </a:r>
-          </a:p>
-          <a:p>
-            <a:r>
-              <a:rPr lang="it-IT" sz="1600" dirty="0">
-                <a:solidFill>
-                  <a:srgbClr val="000000"/>
-                </a:solidFill>
-                <a:latin typeface="Lucida Grande"/>
-              </a:rPr>
-              <a:t> </a:t>
-            </a:r>
-          </a:p>
-          <a:p>
-            <a:r>
-              <a:rPr lang="it-IT" sz="1600" dirty="0">
-                <a:solidFill>
-                  <a:srgbClr val="228B22"/>
-                </a:solidFill>
-                <a:latin typeface="Lucida Grande"/>
-              </a:rPr>
-              <a:t>% FIG</a:t>
-            </a:r>
-          </a:p>
-          <a:p>
-            <a:r>
-              <a:rPr lang="it-IT" sz="1600" dirty="0" err="1">
-                <a:solidFill>
-                  <a:srgbClr val="000000"/>
-                </a:solidFill>
-                <a:latin typeface="Lucida Grande"/>
-              </a:rPr>
-              <a:t>saveas</a:t>
-            </a:r>
-            <a:r>
-              <a:rPr lang="it-IT" sz="1600" dirty="0">
-                <a:solidFill>
-                  <a:srgbClr val="000000"/>
-                </a:solidFill>
-                <a:latin typeface="Lucida Grande"/>
-              </a:rPr>
-              <a:t>(handle,nome,</a:t>
-            </a:r>
-            <a:r>
-              <a:rPr lang="it-IT" sz="1600" dirty="0">
-                <a:solidFill>
-                  <a:srgbClr val="A020F0"/>
-                </a:solidFill>
-                <a:latin typeface="Lucida Grande"/>
-              </a:rPr>
-              <a:t>'</a:t>
-            </a:r>
-            <a:r>
-              <a:rPr lang="it-IT" sz="1600" dirty="0" err="1">
-                <a:solidFill>
-                  <a:srgbClr val="A020F0"/>
-                </a:solidFill>
-                <a:latin typeface="Lucida Grande"/>
-              </a:rPr>
-              <a:t>fig</a:t>
-            </a:r>
-            <a:r>
-              <a:rPr lang="it-IT" sz="1600" dirty="0">
-                <a:solidFill>
-                  <a:srgbClr val="A020F0"/>
-                </a:solidFill>
-                <a:latin typeface="Lucida Grande"/>
-              </a:rPr>
-              <a:t>'</a:t>
-            </a:r>
-            <a:r>
-              <a:rPr lang="it-IT" sz="1600" dirty="0">
-                <a:solidFill>
-                  <a:srgbClr val="000000"/>
-                </a:solidFill>
-                <a:latin typeface="Lucida Grande"/>
-              </a:rPr>
-              <a:t>)</a:t>
-            </a:r>
-            <a:r>
-              <a:rPr lang="it-IT" sz="1600" dirty="0" smtClean="0">
-                <a:solidFill>
-                  <a:srgbClr val="000000"/>
-                </a:solidFill>
-                <a:latin typeface="Lucida Grande"/>
-              </a:rPr>
-              <a:t>;</a:t>
-            </a:r>
-            <a:endParaRPr lang="it-IT" sz="1600" dirty="0">
-              <a:solidFill>
-                <a:srgbClr val="000000"/>
-              </a:solidFill>
-              <a:latin typeface="Lucida Grande"/>
-            </a:endParaRPr>
-          </a:p>
-          <a:p>
-            <a:r>
-              <a:rPr lang="it-IT" sz="1600" dirty="0">
-                <a:solidFill>
-                  <a:srgbClr val="228B22"/>
-                </a:solidFill>
-                <a:latin typeface="Lucida Grande"/>
-              </a:rPr>
-              <a:t>%</a:t>
-            </a:r>
-            <a:endParaRPr lang="it-IT" sz="1600" dirty="0" smtClean="0">
-              <a:solidFill>
-                <a:srgbClr val="228B22"/>
-              </a:solidFill>
-              <a:latin typeface="Lucida Grande"/>
-            </a:endParaRPr>
-          </a:p>
-          <a:p>
-            <a:r>
-              <a:rPr lang="it-IT" sz="1600" dirty="0" smtClean="0">
-                <a:solidFill>
-                  <a:srgbClr val="228B22"/>
-                </a:solidFill>
-                <a:latin typeface="Lucida Grande"/>
-              </a:rPr>
-              <a:t>% </a:t>
-            </a:r>
-            <a:r>
-              <a:rPr lang="it-IT" sz="1600" dirty="0">
-                <a:solidFill>
-                  <a:srgbClr val="228B22"/>
-                </a:solidFill>
-                <a:latin typeface="Lucida Grande"/>
-              </a:rPr>
-              <a:t>EPS</a:t>
-            </a:r>
-          </a:p>
-          <a:p>
-            <a:r>
-              <a:rPr lang="it-IT" sz="1600" dirty="0" err="1">
-                <a:solidFill>
-                  <a:srgbClr val="000000"/>
-                </a:solidFill>
-                <a:latin typeface="Lucida Grande"/>
-              </a:rPr>
-              <a:t>print</a:t>
-            </a:r>
-            <a:r>
-              <a:rPr lang="it-IT" sz="1600" dirty="0">
-                <a:solidFill>
-                  <a:srgbClr val="000000"/>
-                </a:solidFill>
-                <a:latin typeface="Lucida Grande"/>
-              </a:rPr>
-              <a:t>(</a:t>
-            </a:r>
-            <a:r>
-              <a:rPr lang="it-IT" sz="1600" dirty="0" err="1">
-                <a:solidFill>
-                  <a:srgbClr val="000000"/>
-                </a:solidFill>
-                <a:latin typeface="Lucida Grande"/>
-              </a:rPr>
-              <a:t>handle</a:t>
-            </a:r>
-            <a:r>
-              <a:rPr lang="it-IT" sz="1600" dirty="0">
-                <a:solidFill>
-                  <a:srgbClr val="000000"/>
-                </a:solidFill>
-                <a:latin typeface="Lucida Grande"/>
-              </a:rPr>
-              <a:t>,</a:t>
-            </a:r>
-            <a:r>
-              <a:rPr lang="it-IT" sz="1600" dirty="0">
-                <a:solidFill>
-                  <a:srgbClr val="A020F0"/>
-                </a:solidFill>
-                <a:latin typeface="Lucida Grande"/>
-              </a:rPr>
-              <a:t>'-</a:t>
-            </a:r>
-            <a:r>
-              <a:rPr lang="it-IT" sz="1600" dirty="0" err="1">
-                <a:solidFill>
-                  <a:srgbClr val="A020F0"/>
-                </a:solidFill>
-                <a:latin typeface="Lucida Grande"/>
-              </a:rPr>
-              <a:t>depsc</a:t>
-            </a:r>
-            <a:r>
-              <a:rPr lang="it-IT" sz="1600" dirty="0">
-                <a:solidFill>
-                  <a:srgbClr val="A020F0"/>
-                </a:solidFill>
-                <a:latin typeface="Lucida Grande"/>
-              </a:rPr>
-              <a:t>'</a:t>
-            </a:r>
-            <a:r>
-              <a:rPr lang="it-IT" sz="1600" dirty="0">
-                <a:solidFill>
-                  <a:srgbClr val="000000"/>
-                </a:solidFill>
-                <a:latin typeface="Lucida Grande"/>
-              </a:rPr>
-              <a:t>,nome)</a:t>
-            </a:r>
-            <a:r>
-              <a:rPr lang="it-IT" sz="1600" dirty="0" smtClean="0">
-                <a:solidFill>
-                  <a:srgbClr val="000000"/>
-                </a:solidFill>
-                <a:latin typeface="Lucida Grande"/>
-              </a:rPr>
-              <a:t>;</a:t>
-            </a:r>
-          </a:p>
-          <a:p>
-            <a:r>
-              <a:rPr lang="it-IT" sz="1600" dirty="0" smtClean="0">
-                <a:solidFill>
-                  <a:srgbClr val="228B22"/>
-                </a:solidFill>
-                <a:latin typeface="Lucida Grande"/>
-              </a:rPr>
-              <a:t>%</a:t>
-            </a:r>
-            <a:endParaRPr lang="it-IT" sz="1600" dirty="0">
-              <a:solidFill>
-                <a:srgbClr val="228B22"/>
-              </a:solidFill>
-              <a:latin typeface="Lucida Grande"/>
-            </a:endParaRPr>
-          </a:p>
-          <a:p>
-            <a:r>
-              <a:rPr lang="it-IT" sz="1600" dirty="0">
-                <a:solidFill>
-                  <a:srgbClr val="228B22"/>
-                </a:solidFill>
-                <a:latin typeface="Lucida Grande"/>
-              </a:rPr>
-              <a:t>% JPEG</a:t>
-            </a:r>
-          </a:p>
-          <a:p>
-            <a:r>
-              <a:rPr lang="it-IT" sz="1600" dirty="0">
-                <a:solidFill>
-                  <a:srgbClr val="228B22"/>
-                </a:solidFill>
-                <a:latin typeface="Lucida Grande"/>
-              </a:rPr>
-              <a:t>%</a:t>
-            </a:r>
-            <a:r>
-              <a:rPr lang="it-IT" sz="1600" dirty="0" err="1">
-                <a:solidFill>
-                  <a:srgbClr val="228B22"/>
-                </a:solidFill>
-                <a:latin typeface="Lucida Grande"/>
-              </a:rPr>
-              <a:t>print</a:t>
-            </a:r>
-            <a:r>
-              <a:rPr lang="it-IT" sz="1600" dirty="0">
-                <a:solidFill>
-                  <a:srgbClr val="228B22"/>
-                </a:solidFill>
-                <a:latin typeface="Lucida Grande"/>
-              </a:rPr>
-              <a:t>(handle,'-djpeg90',nome);</a:t>
-            </a:r>
-          </a:p>
-          <a:p>
-            <a:r>
-              <a:rPr lang="it-IT" sz="1600" dirty="0" smtClean="0">
-                <a:solidFill>
-                  <a:srgbClr val="228B22"/>
-                </a:solidFill>
-                <a:latin typeface="Lucida Grande"/>
-              </a:rPr>
-              <a:t>%</a:t>
-            </a:r>
-            <a:endParaRPr lang="it-IT" sz="1600" dirty="0">
-              <a:solidFill>
-                <a:srgbClr val="228B22"/>
-              </a:solidFill>
-              <a:latin typeface="Lucida Grande"/>
-            </a:endParaRPr>
-          </a:p>
-        </p:txBody>
-      </p:sp>
-      <p:sp>
-        <p:nvSpPr>
-          <p:cNvPr id="3" name="CasellaDiTesto 2"/>
-          <p:cNvSpPr txBox="1"/>
-          <p:nvPr/>
-        </p:nvSpPr>
-        <p:spPr>
-          <a:xfrm>
-            <a:off x="698502" y="5016745"/>
-            <a:ext cx="2605555" cy="646331"/>
-          </a:xfrm>
-          <a:prstGeom prst="rect">
-            <a:avLst/>
-          </a:prstGeom>
-          <a:solidFill>
-            <a:schemeClr val="accent6"/>
-          </a:solidFill>
-        </p:spPr>
-        <p:txBody>
-          <a:bodyPr wrap="square" rtlCol="0">
-            <a:spAutoFit/>
-          </a:bodyPr>
-          <a:lstStyle/>
-          <a:p>
-            <a:r>
-              <a:rPr lang="it-IT" dirty="0" smtClean="0"/>
-              <a:t>Ideale figure in formato vettoriale (</a:t>
-            </a:r>
-            <a:r>
-              <a:rPr lang="it-IT" dirty="0" smtClean="0">
-                <a:solidFill>
-                  <a:schemeClr val="tx2"/>
-                </a:solidFill>
-              </a:rPr>
-              <a:t>EPS</a:t>
-            </a:r>
-            <a:r>
-              <a:rPr lang="it-IT" dirty="0" smtClean="0"/>
-              <a:t>)</a:t>
-            </a:r>
-            <a:endParaRPr lang="it-IT" dirty="0"/>
-          </a:p>
-        </p:txBody>
-      </p:sp>
     </p:spTree>
-    <p:custDataLst>
-      <p:tags r:id="rId1"/>
-    </p:custDataLst>
     <p:extLst>
       <p:ext uri="{BB962C8B-B14F-4D97-AF65-F5344CB8AC3E}">
-        <p14:creationId xmlns="" xmlns:p14="http://schemas.microsoft.com/office/powerpoint/2010/main" val="1358968746"/>
+        <p14:creationId xmlns:p14="http://schemas.microsoft.com/office/powerpoint/2010/main" xmlns="" val="4293126687"/>
       </p:ext>
     </p:extLst>
   </p:cSld>
@@ -12957,11 +9872,11 @@
     <a:masterClrMapping/>
   </p:clrMapOvr>
   <mc:AlternateContent xmlns:mc="http://schemas.openxmlformats.org/markup-compatibility/2006">
-    <mc:Choice xmlns="" xmlns:p14="http://schemas.microsoft.com/office/powerpoint/2010/main" Requires="p14">
-      <p:transition spd="slow" p14:dur="2000" advTm="147542"/>
+    <mc:Choice xmlns:p14="http://schemas.microsoft.com/office/powerpoint/2010/main" xmlns="" Requires="p14">
+      <p:transition spd="slow" p14:dur="2000" advTm="25932"/>
     </mc:Choice>
     <mc:Fallback>
-      <p:transition spd="slow" advTm="147542"/>
+      <p:transition spd="slow" advTm="25932"/>
     </mc:Fallback>
   </mc:AlternateContent>
   <p:timing>
@@ -12993,1521 +9908,6 @@
       </p:grpSpPr>
       <p:sp>
         <p:nvSpPr>
-          <p:cNvPr id="22" name="Ovale 21"/>
-          <p:cNvSpPr/>
-          <p:nvPr/>
-        </p:nvSpPr>
-        <p:spPr>
-          <a:xfrm>
-            <a:off x="3796665" y="1026583"/>
-            <a:ext cx="5196417" cy="1238251"/>
-          </a:xfrm>
-          <a:prstGeom prst="ellipse">
-            <a:avLst/>
-          </a:prstGeom>
-          <a:solidFill>
-            <a:schemeClr val="accent6"/>
-          </a:solidFill>
-        </p:spPr>
-        <p:style>
-          <a:lnRef idx="1">
-            <a:schemeClr val="accent1"/>
-          </a:lnRef>
-          <a:fillRef idx="3">
-            <a:schemeClr val="accent1"/>
-          </a:fillRef>
-          <a:effectRef idx="2">
-            <a:schemeClr val="accent1"/>
-          </a:effectRef>
-          <a:fontRef idx="minor">
-            <a:schemeClr val="lt1"/>
-          </a:fontRef>
-        </p:style>
-        <p:txBody>
-          <a:bodyPr rtlCol="0" anchor="ctr"/>
-          <a:lstStyle/>
-          <a:p>
-            <a:pPr algn="ctr"/>
-            <a:endParaRPr lang="it-IT" dirty="0"/>
-          </a:p>
-        </p:txBody>
-      </p:sp>
-      <p:sp>
-        <p:nvSpPr>
-          <p:cNvPr id="9" name="Ovale 8"/>
-          <p:cNvSpPr/>
-          <p:nvPr/>
-        </p:nvSpPr>
-        <p:spPr>
-          <a:xfrm>
-            <a:off x="116418" y="1026583"/>
-            <a:ext cx="5196417" cy="1238251"/>
-          </a:xfrm>
-          <a:prstGeom prst="ellipse">
-            <a:avLst/>
-          </a:prstGeom>
-          <a:solidFill>
-            <a:schemeClr val="accent6"/>
-          </a:solidFill>
-        </p:spPr>
-        <p:style>
-          <a:lnRef idx="1">
-            <a:schemeClr val="accent1"/>
-          </a:lnRef>
-          <a:fillRef idx="3">
-            <a:schemeClr val="accent1"/>
-          </a:fillRef>
-          <a:effectRef idx="2">
-            <a:schemeClr val="accent1"/>
-          </a:effectRef>
-          <a:fontRef idx="minor">
-            <a:schemeClr val="lt1"/>
-          </a:fontRef>
-        </p:style>
-        <p:txBody>
-          <a:bodyPr rtlCol="0" anchor="ctr"/>
-          <a:lstStyle/>
-          <a:p>
-            <a:pPr algn="ctr"/>
-            <a:endParaRPr lang="it-IT" dirty="0"/>
-          </a:p>
-        </p:txBody>
-      </p:sp>
-      <p:sp>
-        <p:nvSpPr>
-          <p:cNvPr id="2" name="Segnaposto testo 1"/>
-          <p:cNvSpPr>
-            <a:spLocks noGrp="1"/>
-          </p:cNvSpPr>
-          <p:nvPr>
-            <p:ph type="body" sz="quarter" idx="10"/>
-          </p:nvPr>
-        </p:nvSpPr>
-        <p:spPr/>
-        <p:txBody>
-          <a:bodyPr/>
-          <a:lstStyle/>
-          <a:p>
-            <a:r>
-              <a:rPr lang="it-IT" dirty="0" smtClean="0"/>
-              <a:t>Esempio di Animazione</a:t>
-            </a:r>
-            <a:endParaRPr lang="it-IT" dirty="0"/>
-          </a:p>
-        </p:txBody>
-      </p:sp>
-      <p:sp>
-        <p:nvSpPr>
-          <p:cNvPr id="7" name="Ovale 6"/>
-          <p:cNvSpPr/>
-          <p:nvPr/>
-        </p:nvSpPr>
-        <p:spPr>
-          <a:xfrm>
-            <a:off x="253999" y="1238249"/>
-            <a:ext cx="2963334" cy="740835"/>
-          </a:xfrm>
-          <a:prstGeom prst="ellipse">
-            <a:avLst/>
-          </a:prstGeom>
-        </p:spPr>
-        <p:style>
-          <a:lnRef idx="1">
-            <a:schemeClr val="accent1"/>
-          </a:lnRef>
-          <a:fillRef idx="3">
-            <a:schemeClr val="accent1"/>
-          </a:fillRef>
-          <a:effectRef idx="2">
-            <a:schemeClr val="accent1"/>
-          </a:effectRef>
-          <a:fontRef idx="minor">
-            <a:schemeClr val="lt1"/>
-          </a:fontRef>
-        </p:style>
-        <p:txBody>
-          <a:bodyPr rtlCol="0" anchor="ctr"/>
-          <a:lstStyle/>
-          <a:p>
-            <a:pPr algn="ctr"/>
-            <a:r>
-              <a:rPr lang="it-IT" dirty="0" smtClean="0"/>
-              <a:t>Prove Sperimentali di tipo 1</a:t>
-            </a:r>
-            <a:endParaRPr lang="it-IT" dirty="0"/>
-          </a:p>
-        </p:txBody>
-      </p:sp>
-      <p:sp>
-        <p:nvSpPr>
-          <p:cNvPr id="10" name="CasellaDiTesto 9"/>
-          <p:cNvSpPr txBox="1"/>
-          <p:nvPr/>
-        </p:nvSpPr>
-        <p:spPr>
-          <a:xfrm>
-            <a:off x="253999" y="2401667"/>
-            <a:ext cx="4074584" cy="338554"/>
-          </a:xfrm>
-          <a:prstGeom prst="rect">
-            <a:avLst/>
-          </a:prstGeom>
-          <a:noFill/>
-        </p:spPr>
-        <p:txBody>
-          <a:bodyPr wrap="square" rtlCol="0">
-            <a:spAutoFit/>
-          </a:bodyPr>
-          <a:lstStyle/>
-          <a:p>
-            <a:pPr marL="285750" indent="-285750">
-              <a:buClr>
-                <a:srgbClr val="008000"/>
-              </a:buClr>
-              <a:buSzPct val="150000"/>
-              <a:buFont typeface="Lucida Grande"/>
-              <a:buChar char="✔"/>
-            </a:pPr>
-            <a:r>
-              <a:rPr lang="it-IT" sz="1600" dirty="0" smtClean="0"/>
-              <a:t>Vantaggio1</a:t>
-            </a:r>
-          </a:p>
-        </p:txBody>
-      </p:sp>
-      <p:sp>
-        <p:nvSpPr>
-          <p:cNvPr id="13" name="Freccia giù 12"/>
-          <p:cNvSpPr/>
-          <p:nvPr/>
-        </p:nvSpPr>
-        <p:spPr>
-          <a:xfrm>
-            <a:off x="4366474" y="2264835"/>
-            <a:ext cx="411057" cy="2142524"/>
-          </a:xfrm>
-          <a:prstGeom prst="downArrow">
-            <a:avLst>
-              <a:gd name="adj1" fmla="val 16843"/>
-              <a:gd name="adj2" fmla="val 58289"/>
-            </a:avLst>
-          </a:prstGeom>
-        </p:spPr>
-        <p:style>
-          <a:lnRef idx="1">
-            <a:schemeClr val="accent5"/>
-          </a:lnRef>
-          <a:fillRef idx="3">
-            <a:schemeClr val="accent5"/>
-          </a:fillRef>
-          <a:effectRef idx="2">
-            <a:schemeClr val="accent5"/>
-          </a:effectRef>
-          <a:fontRef idx="minor">
-            <a:schemeClr val="lt1"/>
-          </a:fontRef>
-        </p:style>
-        <p:txBody>
-          <a:bodyPr rtlCol="0" anchor="ctr"/>
-          <a:lstStyle/>
-          <a:p>
-            <a:pPr algn="ctr"/>
-            <a:endParaRPr lang="it-IT"/>
-          </a:p>
-        </p:txBody>
-      </p:sp>
-      <p:sp>
-        <p:nvSpPr>
-          <p:cNvPr id="19" name="Ovale 18"/>
-          <p:cNvSpPr/>
-          <p:nvPr/>
-        </p:nvSpPr>
-        <p:spPr>
-          <a:xfrm>
-            <a:off x="3980391" y="1344086"/>
-            <a:ext cx="1183218" cy="634999"/>
-          </a:xfrm>
-          <a:prstGeom prst="ellipse">
-            <a:avLst/>
-          </a:prstGeom>
-        </p:spPr>
-        <p:style>
-          <a:lnRef idx="1">
-            <a:schemeClr val="accent5"/>
-          </a:lnRef>
-          <a:fillRef idx="3">
-            <a:schemeClr val="accent5"/>
-          </a:fillRef>
-          <a:effectRef idx="2">
-            <a:schemeClr val="accent5"/>
-          </a:effectRef>
-          <a:fontRef idx="minor">
-            <a:schemeClr val="lt1"/>
-          </a:fontRef>
-        </p:style>
-        <p:txBody>
-          <a:bodyPr rtlCol="0" anchor="ctr"/>
-          <a:lstStyle/>
-          <a:p>
-            <a:pPr algn="ctr"/>
-            <a:r>
-              <a:rPr lang="it-IT" sz="2400" dirty="0" smtClean="0"/>
-              <a:t>SIM</a:t>
-            </a:r>
-            <a:endParaRPr lang="it-IT" sz="2400" dirty="0"/>
-          </a:p>
-        </p:txBody>
-      </p:sp>
-      <p:sp>
-        <p:nvSpPr>
-          <p:cNvPr id="21" name="Ovale 20"/>
-          <p:cNvSpPr/>
-          <p:nvPr/>
-        </p:nvSpPr>
-        <p:spPr>
-          <a:xfrm>
-            <a:off x="5920315" y="1238249"/>
-            <a:ext cx="2963334" cy="740835"/>
-          </a:xfrm>
-          <a:prstGeom prst="ellipse">
-            <a:avLst/>
-          </a:prstGeom>
-        </p:spPr>
-        <p:style>
-          <a:lnRef idx="1">
-            <a:schemeClr val="accent1"/>
-          </a:lnRef>
-          <a:fillRef idx="3">
-            <a:schemeClr val="accent1"/>
-          </a:fillRef>
-          <a:effectRef idx="2">
-            <a:schemeClr val="accent1"/>
-          </a:effectRef>
-          <a:fontRef idx="minor">
-            <a:schemeClr val="lt1"/>
-          </a:fontRef>
-        </p:style>
-        <p:txBody>
-          <a:bodyPr rtlCol="0" anchor="ctr"/>
-          <a:lstStyle/>
-          <a:p>
-            <a:pPr algn="ctr"/>
-            <a:r>
-              <a:rPr lang="it-IT" dirty="0" smtClean="0"/>
-              <a:t>Prove Sperimentali di tipo 2</a:t>
-            </a:r>
-            <a:endParaRPr lang="it-IT" dirty="0"/>
-          </a:p>
-        </p:txBody>
-      </p:sp>
-      <p:sp>
-        <p:nvSpPr>
-          <p:cNvPr id="23" name="CasellaDiTesto 22"/>
-          <p:cNvSpPr txBox="1"/>
-          <p:nvPr/>
-        </p:nvSpPr>
-        <p:spPr>
-          <a:xfrm>
-            <a:off x="253999" y="2803141"/>
-            <a:ext cx="3542664" cy="584775"/>
-          </a:xfrm>
-          <a:prstGeom prst="rect">
-            <a:avLst/>
-          </a:prstGeom>
-          <a:noFill/>
-        </p:spPr>
-        <p:txBody>
-          <a:bodyPr wrap="square" rtlCol="0">
-            <a:spAutoFit/>
-          </a:bodyPr>
-          <a:lstStyle/>
-          <a:p>
-            <a:pPr marL="285750" indent="-285750">
-              <a:buClr>
-                <a:srgbClr val="FF0000"/>
-              </a:buClr>
-              <a:buSzPct val="150000"/>
-              <a:buFont typeface="Lucida Grande"/>
-              <a:buChar char="✘"/>
-            </a:pPr>
-            <a:r>
-              <a:rPr lang="it-IT" sz="1600" dirty="0" smtClean="0"/>
-              <a:t>Svantaggio1</a:t>
-            </a:r>
-          </a:p>
-          <a:p>
-            <a:pPr marL="285750" indent="-285750">
-              <a:buClr>
-                <a:srgbClr val="FF0000"/>
-              </a:buClr>
-              <a:buSzPct val="150000"/>
-              <a:buFont typeface="Lucida Grande"/>
-              <a:buChar char="✘"/>
-            </a:pPr>
-            <a:r>
-              <a:rPr lang="it-IT" sz="1600" dirty="0" smtClean="0"/>
-              <a:t>Svantaggio2</a:t>
-            </a:r>
-          </a:p>
-        </p:txBody>
-      </p:sp>
-      <p:sp>
-        <p:nvSpPr>
-          <p:cNvPr id="24" name="CasellaDiTesto 23"/>
-          <p:cNvSpPr txBox="1"/>
-          <p:nvPr/>
-        </p:nvSpPr>
-        <p:spPr>
-          <a:xfrm>
-            <a:off x="5340985" y="2401667"/>
-            <a:ext cx="3678206" cy="338554"/>
-          </a:xfrm>
-          <a:prstGeom prst="rect">
-            <a:avLst/>
-          </a:prstGeom>
-          <a:noFill/>
-        </p:spPr>
-        <p:txBody>
-          <a:bodyPr wrap="square" rtlCol="0">
-            <a:spAutoFit/>
-          </a:bodyPr>
-          <a:lstStyle/>
-          <a:p>
-            <a:pPr marL="285750" indent="-285750">
-              <a:buClr>
-                <a:srgbClr val="008000"/>
-              </a:buClr>
-              <a:buSzPct val="150000"/>
-              <a:buFont typeface="Lucida Grande"/>
-              <a:buChar char="✔"/>
-            </a:pPr>
-            <a:r>
-              <a:rPr lang="it-IT" sz="1600" dirty="0"/>
-              <a:t>V</a:t>
-            </a:r>
-            <a:r>
-              <a:rPr lang="it-IT" sz="1600" dirty="0" smtClean="0"/>
-              <a:t>antaggio1</a:t>
-            </a:r>
-          </a:p>
-        </p:txBody>
-      </p:sp>
-      <p:sp>
-        <p:nvSpPr>
-          <p:cNvPr id="25" name="CasellaDiTesto 24"/>
-          <p:cNvSpPr txBox="1"/>
-          <p:nvPr/>
-        </p:nvSpPr>
-        <p:spPr>
-          <a:xfrm>
-            <a:off x="5340985" y="2803141"/>
-            <a:ext cx="3803016" cy="830997"/>
-          </a:xfrm>
-          <a:prstGeom prst="rect">
-            <a:avLst/>
-          </a:prstGeom>
-          <a:noFill/>
-        </p:spPr>
-        <p:txBody>
-          <a:bodyPr wrap="square" rtlCol="0">
-            <a:spAutoFit/>
-          </a:bodyPr>
-          <a:lstStyle/>
-          <a:p>
-            <a:pPr marL="285750" indent="-285750">
-              <a:buClr>
-                <a:srgbClr val="FF0000"/>
-              </a:buClr>
-              <a:buSzPct val="150000"/>
-              <a:buFont typeface="Lucida Grande"/>
-              <a:buChar char="✘"/>
-            </a:pPr>
-            <a:r>
-              <a:rPr lang="it-IT" sz="1600" dirty="0" smtClean="0"/>
-              <a:t>Svantaggio1</a:t>
-            </a:r>
-          </a:p>
-          <a:p>
-            <a:pPr marL="285750" indent="-285750">
-              <a:buClr>
-                <a:srgbClr val="FF0000"/>
-              </a:buClr>
-              <a:buSzPct val="150000"/>
-              <a:buFont typeface="Lucida Grande"/>
-              <a:buChar char="✘"/>
-            </a:pPr>
-            <a:r>
-              <a:rPr lang="it-IT" sz="1600" dirty="0" smtClean="0"/>
-              <a:t>Svantaggio2</a:t>
-            </a:r>
-          </a:p>
-          <a:p>
-            <a:pPr marL="285750" indent="-285750">
-              <a:buClr>
-                <a:srgbClr val="FF0000"/>
-              </a:buClr>
-              <a:buSzPct val="150000"/>
-              <a:buFont typeface="Lucida Grande"/>
-              <a:buChar char="✘"/>
-            </a:pPr>
-            <a:r>
-              <a:rPr lang="it-IT" sz="1600" dirty="0" smtClean="0"/>
-              <a:t>Svantaggio3</a:t>
-            </a:r>
-            <a:endParaRPr lang="it-IT" sz="1600" dirty="0"/>
-          </a:p>
-        </p:txBody>
-      </p:sp>
-      <p:sp>
-        <p:nvSpPr>
-          <p:cNvPr id="3" name="CasellaDiTesto 2"/>
-          <p:cNvSpPr txBox="1"/>
-          <p:nvPr/>
-        </p:nvSpPr>
-        <p:spPr>
-          <a:xfrm>
-            <a:off x="2084212" y="4548359"/>
-            <a:ext cx="4975593" cy="369332"/>
-          </a:xfrm>
-          <a:prstGeom prst="rect">
-            <a:avLst/>
-          </a:prstGeom>
-        </p:spPr>
-        <p:style>
-          <a:lnRef idx="2">
-            <a:schemeClr val="accent5"/>
-          </a:lnRef>
-          <a:fillRef idx="1">
-            <a:schemeClr val="lt1"/>
-          </a:fillRef>
-          <a:effectRef idx="0">
-            <a:schemeClr val="accent5"/>
-          </a:effectRef>
-          <a:fontRef idx="minor">
-            <a:schemeClr val="dk1"/>
-          </a:fontRef>
-        </p:style>
-        <p:txBody>
-          <a:bodyPr wrap="none" rtlCol="0">
-            <a:spAutoFit/>
-          </a:bodyPr>
-          <a:lstStyle/>
-          <a:p>
-            <a:pPr algn="ctr"/>
-            <a:r>
-              <a:rPr lang="it-IT" dirty="0" smtClean="0"/>
-              <a:t>Obiettivo Generale (es. Simulazione numerica di …)</a:t>
-            </a:r>
-            <a:endParaRPr lang="it-IT" dirty="0"/>
-          </a:p>
-        </p:txBody>
-      </p:sp>
-      <p:sp>
-        <p:nvSpPr>
-          <p:cNvPr id="5" name="CasellaDiTesto 4"/>
-          <p:cNvSpPr txBox="1"/>
-          <p:nvPr/>
-        </p:nvSpPr>
-        <p:spPr>
-          <a:xfrm>
-            <a:off x="698500" y="5190502"/>
-            <a:ext cx="6053324" cy="338554"/>
-          </a:xfrm>
-          <a:prstGeom prst="rect">
-            <a:avLst/>
-          </a:prstGeom>
-          <a:noFill/>
-        </p:spPr>
-        <p:txBody>
-          <a:bodyPr wrap="square" rtlCol="0">
-            <a:spAutoFit/>
-          </a:bodyPr>
-          <a:lstStyle/>
-          <a:p>
-            <a:pPr marL="285750" indent="-285750">
-              <a:buClr>
-                <a:schemeClr val="accent5">
-                  <a:lumMod val="75000"/>
-                </a:schemeClr>
-              </a:buClr>
-              <a:buFont typeface="Wingdings" charset="2"/>
-              <a:buChar char="Ø"/>
-            </a:pPr>
-            <a:r>
-              <a:rPr lang="it-IT" sz="1600" dirty="0" smtClean="0">
-                <a:sym typeface="Wingdings"/>
-              </a:rPr>
-              <a:t>Obiettivo particolare 1</a:t>
-            </a:r>
-            <a:endParaRPr lang="it-IT" sz="1600" b="1" dirty="0" smtClean="0">
-              <a:sym typeface="Wingdings"/>
-            </a:endParaRPr>
-          </a:p>
-        </p:txBody>
-      </p:sp>
-      <p:sp>
-        <p:nvSpPr>
-          <p:cNvPr id="17" name="CasellaDiTesto 16"/>
-          <p:cNvSpPr txBox="1"/>
-          <p:nvPr/>
-        </p:nvSpPr>
-        <p:spPr>
-          <a:xfrm>
-            <a:off x="698502" y="5873036"/>
-            <a:ext cx="6282011" cy="338554"/>
-          </a:xfrm>
-          <a:prstGeom prst="rect">
-            <a:avLst/>
-          </a:prstGeom>
-          <a:noFill/>
-        </p:spPr>
-        <p:txBody>
-          <a:bodyPr wrap="square" rtlCol="0">
-            <a:spAutoFit/>
-          </a:bodyPr>
-          <a:lstStyle/>
-          <a:p>
-            <a:pPr marL="285750" indent="-285750">
-              <a:buClr>
-                <a:schemeClr val="accent5">
-                  <a:lumMod val="75000"/>
-                </a:schemeClr>
-              </a:buClr>
-              <a:buFont typeface="Wingdings" charset="2"/>
-              <a:buChar char="Ø"/>
-            </a:pPr>
-            <a:r>
-              <a:rPr lang="it-IT" sz="1600" dirty="0">
-                <a:sym typeface="Wingdings"/>
-              </a:rPr>
-              <a:t>Obiettivo particolare </a:t>
-            </a:r>
-            <a:r>
-              <a:rPr lang="it-IT" sz="1600" dirty="0" smtClean="0">
-                <a:sym typeface="Wingdings"/>
-              </a:rPr>
-              <a:t>2</a:t>
-            </a:r>
-            <a:endParaRPr lang="it-IT" sz="1600" b="1" dirty="0">
-              <a:sym typeface="Wingdings"/>
-            </a:endParaRPr>
-          </a:p>
-        </p:txBody>
-      </p:sp>
-      <p:sp>
-        <p:nvSpPr>
-          <p:cNvPr id="6" name="CasellaDiTesto 5"/>
-          <p:cNvSpPr txBox="1"/>
-          <p:nvPr/>
-        </p:nvSpPr>
-        <p:spPr>
-          <a:xfrm>
-            <a:off x="6751825" y="5190502"/>
-            <a:ext cx="2361544" cy="338554"/>
-          </a:xfrm>
-          <a:prstGeom prst="rect">
-            <a:avLst/>
-          </a:prstGeom>
-          <a:noFill/>
-        </p:spPr>
-        <p:txBody>
-          <a:bodyPr wrap="none" rtlCol="0">
-            <a:spAutoFit/>
-          </a:bodyPr>
-          <a:lstStyle/>
-          <a:p>
-            <a:r>
-              <a:rPr lang="it-IT" sz="1600" b="1" dirty="0" smtClean="0">
-                <a:sym typeface="Wingdings"/>
-              </a:rPr>
-              <a:t> Settore di Impatto 1</a:t>
-            </a:r>
-            <a:endParaRPr lang="it-IT" sz="1600" dirty="0"/>
-          </a:p>
-        </p:txBody>
-      </p:sp>
-      <p:sp>
-        <p:nvSpPr>
-          <p:cNvPr id="20" name="CasellaDiTesto 19"/>
-          <p:cNvSpPr txBox="1"/>
-          <p:nvPr/>
-        </p:nvSpPr>
-        <p:spPr>
-          <a:xfrm>
-            <a:off x="6751824" y="5873036"/>
-            <a:ext cx="2361544" cy="338554"/>
-          </a:xfrm>
-          <a:prstGeom prst="rect">
-            <a:avLst/>
-          </a:prstGeom>
-          <a:noFill/>
-        </p:spPr>
-        <p:txBody>
-          <a:bodyPr wrap="none" rtlCol="0">
-            <a:spAutoFit/>
-          </a:bodyPr>
-          <a:lstStyle/>
-          <a:p>
-            <a:r>
-              <a:rPr lang="it-IT" sz="1600" b="1" dirty="0">
-                <a:sym typeface="Wingdings"/>
-              </a:rPr>
-              <a:t> Settore di Impatto </a:t>
-            </a:r>
-            <a:r>
-              <a:rPr lang="it-IT" sz="1600" b="1" dirty="0" smtClean="0">
-                <a:sym typeface="Wingdings"/>
-              </a:rPr>
-              <a:t>2</a:t>
-            </a:r>
-            <a:endParaRPr lang="it-IT" sz="1600" dirty="0"/>
-          </a:p>
-        </p:txBody>
-      </p:sp>
-    </p:spTree>
-    <p:custDataLst>
-      <p:tags r:id="rId1"/>
-    </p:custDataLst>
-    <p:extLst>
-      <p:ext uri="{BB962C8B-B14F-4D97-AF65-F5344CB8AC3E}">
-        <p14:creationId xmlns="" xmlns:p14="http://schemas.microsoft.com/office/powerpoint/2010/main" val="2671343476"/>
-      </p:ext>
-    </p:extLst>
-  </p:cSld>
-  <p:clrMapOvr>
-    <a:masterClrMapping/>
-  </p:clrMapOvr>
-  <mc:AlternateContent xmlns:mc="http://schemas.openxmlformats.org/markup-compatibility/2006">
-    <mc:Choice xmlns="" xmlns:p14="http://schemas.microsoft.com/office/powerpoint/2010/main" Requires="p14">
-      <p:transition spd="slow" p14:dur="2000" advTm="157969"/>
-    </mc:Choice>
-    <mc:Fallback>
-      <p:transition spd="slow" advTm="157969"/>
-    </mc:Fallback>
-  </mc:AlternateContent>
-  <p:timing>
-    <p:tnLst>
-      <p:par>
-        <p:cTn id="1" dur="indefinite" restart="never" nodeType="tmRoot">
-          <p:childTnLst>
-            <p:seq concurrent="1" nextAc="seek">
-              <p:cTn id="2" dur="indefinite" nodeType="mainSeq">
-                <p:childTnLst>
-                  <p:par>
-                    <p:cTn id="3" fill="hold">
-                      <p:stCondLst>
-                        <p:cond delay="indefinite"/>
-                      </p:stCondLst>
-                      <p:childTnLst>
-                        <p:par>
-                          <p:cTn id="4" fill="hold">
-                            <p:stCondLst>
-                              <p:cond delay="0"/>
-                            </p:stCondLst>
-                            <p:childTnLst>
-                              <p:par>
-                                <p:cTn id="5" presetID="1" presetClass="entr" presetSubtype="0" fill="hold" grpId="0" nodeType="clickEffect">
-                                  <p:stCondLst>
-                                    <p:cond delay="0"/>
-                                  </p:stCondLst>
-                                  <p:childTnLst>
-                                    <p:set>
-                                      <p:cBhvr>
-                                        <p:cTn id="6" dur="1" fill="hold">
-                                          <p:stCondLst>
-                                            <p:cond delay="0"/>
-                                          </p:stCondLst>
-                                        </p:cTn>
-                                        <p:tgtEl>
-                                          <p:spTgt spid="10"/>
-                                        </p:tgtEl>
-                                        <p:attrNameLst>
-                                          <p:attrName>style.visibility</p:attrName>
-                                        </p:attrNameLst>
-                                      </p:cBhvr>
-                                      <p:to>
-                                        <p:strVal val="visible"/>
-                                      </p:to>
-                                    </p:set>
-                                  </p:childTnLst>
-                                </p:cTn>
-                              </p:par>
-                              <p:par>
-                                <p:cTn id="7" presetID="1" presetClass="entr" presetSubtype="0" fill="hold" grpId="0" nodeType="withEffect">
-                                  <p:stCondLst>
-                                    <p:cond delay="0"/>
-                                  </p:stCondLst>
-                                  <p:childTnLst>
-                                    <p:set>
-                                      <p:cBhvr>
-                                        <p:cTn id="8" dur="1" fill="hold">
-                                          <p:stCondLst>
-                                            <p:cond delay="0"/>
-                                          </p:stCondLst>
-                                        </p:cTn>
-                                        <p:tgtEl>
-                                          <p:spTgt spid="23"/>
-                                        </p:tgtEl>
-                                        <p:attrNameLst>
-                                          <p:attrName>style.visibility</p:attrName>
-                                        </p:attrNameLst>
-                                      </p:cBhvr>
-                                      <p:to>
-                                        <p:strVal val="visible"/>
-                                      </p:to>
-                                    </p:set>
-                                  </p:childTnLst>
-                                </p:cTn>
-                              </p:par>
-                            </p:childTnLst>
-                          </p:cTn>
-                        </p:par>
-                      </p:childTnLst>
-                    </p:cTn>
-                  </p:par>
-                  <p:par>
-                    <p:cTn id="9" fill="hold">
-                      <p:stCondLst>
-                        <p:cond delay="indefinite"/>
-                      </p:stCondLst>
-                      <p:childTnLst>
-                        <p:par>
-                          <p:cTn id="10" fill="hold">
-                            <p:stCondLst>
-                              <p:cond delay="0"/>
-                            </p:stCondLst>
-                            <p:childTnLst>
-                              <p:par>
-                                <p:cTn id="11" presetID="1" presetClass="entr" presetSubtype="0" fill="hold" grpId="0" nodeType="clickEffect">
-                                  <p:stCondLst>
-                                    <p:cond delay="0"/>
-                                  </p:stCondLst>
-                                  <p:childTnLst>
-                                    <p:set>
-                                      <p:cBhvr>
-                                        <p:cTn id="12" dur="1" fill="hold">
-                                          <p:stCondLst>
-                                            <p:cond delay="0"/>
-                                          </p:stCondLst>
-                                        </p:cTn>
-                                        <p:tgtEl>
-                                          <p:spTgt spid="25"/>
-                                        </p:tgtEl>
-                                        <p:attrNameLst>
-                                          <p:attrName>style.visibility</p:attrName>
-                                        </p:attrNameLst>
-                                      </p:cBhvr>
-                                      <p:to>
-                                        <p:strVal val="visible"/>
-                                      </p:to>
-                                    </p:set>
-                                  </p:childTnLst>
-                                </p:cTn>
-                              </p:par>
-                              <p:par>
-                                <p:cTn id="13" presetID="1" presetClass="entr" presetSubtype="0" fill="hold" grpId="0" nodeType="withEffect">
-                                  <p:stCondLst>
-                                    <p:cond delay="0"/>
-                                  </p:stCondLst>
-                                  <p:childTnLst>
-                                    <p:set>
-                                      <p:cBhvr>
-                                        <p:cTn id="14" dur="1" fill="hold">
-                                          <p:stCondLst>
-                                            <p:cond delay="0"/>
-                                          </p:stCondLst>
-                                        </p:cTn>
-                                        <p:tgtEl>
-                                          <p:spTgt spid="24"/>
-                                        </p:tgtEl>
-                                        <p:attrNameLst>
-                                          <p:attrName>style.visibility</p:attrName>
-                                        </p:attrNameLst>
-                                      </p:cBhvr>
-                                      <p:to>
-                                        <p:strVal val="visible"/>
-                                      </p:to>
-                                    </p:set>
-                                  </p:childTnLst>
-                                </p:cTn>
-                              </p:par>
-                            </p:childTnLst>
-                          </p:cTn>
-                        </p:par>
-                      </p:childTnLst>
-                    </p:cTn>
-                  </p:par>
-                  <p:par>
-                    <p:cTn id="15" fill="hold">
-                      <p:stCondLst>
-                        <p:cond delay="indefinite"/>
-                      </p:stCondLst>
-                      <p:childTnLst>
-                        <p:par>
-                          <p:cTn id="16" fill="hold">
-                            <p:stCondLst>
-                              <p:cond delay="0"/>
-                            </p:stCondLst>
-                            <p:childTnLst>
-                              <p:par>
-                                <p:cTn id="17" presetID="1" presetClass="entr" presetSubtype="0" fill="hold" grpId="0" nodeType="clickEffect">
-                                  <p:stCondLst>
-                                    <p:cond delay="0"/>
-                                  </p:stCondLst>
-                                  <p:childTnLst>
-                                    <p:set>
-                                      <p:cBhvr>
-                                        <p:cTn id="18" dur="1" fill="hold">
-                                          <p:stCondLst>
-                                            <p:cond delay="0"/>
-                                          </p:stCondLst>
-                                        </p:cTn>
-                                        <p:tgtEl>
-                                          <p:spTgt spid="19"/>
-                                        </p:tgtEl>
-                                        <p:attrNameLst>
-                                          <p:attrName>style.visibility</p:attrName>
-                                        </p:attrNameLst>
-                                      </p:cBhvr>
-                                      <p:to>
-                                        <p:strVal val="visible"/>
-                                      </p:to>
-                                    </p:set>
-                                  </p:childTnLst>
-                                </p:cTn>
-                              </p:par>
-                            </p:childTnLst>
-                          </p:cTn>
-                        </p:par>
-                      </p:childTnLst>
-                    </p:cTn>
-                  </p:par>
-                  <p:par>
-                    <p:cTn id="19" fill="hold">
-                      <p:stCondLst>
-                        <p:cond delay="indefinite"/>
-                      </p:stCondLst>
-                      <p:childTnLst>
-                        <p:par>
-                          <p:cTn id="20" fill="hold">
-                            <p:stCondLst>
-                              <p:cond delay="0"/>
-                            </p:stCondLst>
-                            <p:childTnLst>
-                              <p:par>
-                                <p:cTn id="21" presetID="1" presetClass="entr" presetSubtype="0" fill="hold" grpId="0" nodeType="clickEffect">
-                                  <p:stCondLst>
-                                    <p:cond delay="0"/>
-                                  </p:stCondLst>
-                                  <p:childTnLst>
-                                    <p:set>
-                                      <p:cBhvr>
-                                        <p:cTn id="22" dur="1" fill="hold">
-                                          <p:stCondLst>
-                                            <p:cond delay="0"/>
-                                          </p:stCondLst>
-                                        </p:cTn>
-                                        <p:tgtEl>
-                                          <p:spTgt spid="13"/>
-                                        </p:tgtEl>
-                                        <p:attrNameLst>
-                                          <p:attrName>style.visibility</p:attrName>
-                                        </p:attrNameLst>
-                                      </p:cBhvr>
-                                      <p:to>
-                                        <p:strVal val="visible"/>
-                                      </p:to>
-                                    </p:set>
-                                  </p:childTnLst>
-                                </p:cTn>
-                              </p:par>
-                              <p:par>
-                                <p:cTn id="23" presetID="1" presetClass="entr" presetSubtype="0" fill="hold" grpId="0" nodeType="withEffect">
-                                  <p:stCondLst>
-                                    <p:cond delay="0"/>
-                                  </p:stCondLst>
-                                  <p:childTnLst>
-                                    <p:set>
-                                      <p:cBhvr>
-                                        <p:cTn id="24" dur="1" fill="hold">
-                                          <p:stCondLst>
-                                            <p:cond delay="0"/>
-                                          </p:stCondLst>
-                                        </p:cTn>
-                                        <p:tgtEl>
-                                          <p:spTgt spid="3"/>
-                                        </p:tgtEl>
-                                        <p:attrNameLst>
-                                          <p:attrName>style.visibility</p:attrName>
-                                        </p:attrNameLst>
-                                      </p:cBhvr>
-                                      <p:to>
-                                        <p:strVal val="visible"/>
-                                      </p:to>
-                                    </p:set>
-                                  </p:childTnLst>
-                                </p:cTn>
-                              </p:par>
-                            </p:childTnLst>
-                          </p:cTn>
-                        </p:par>
-                      </p:childTnLst>
-                    </p:cTn>
-                  </p:par>
-                  <p:par>
-                    <p:cTn id="25" fill="hold">
-                      <p:stCondLst>
-                        <p:cond delay="indefinite"/>
-                      </p:stCondLst>
-                      <p:childTnLst>
-                        <p:par>
-                          <p:cTn id="26" fill="hold">
-                            <p:stCondLst>
-                              <p:cond delay="0"/>
-                            </p:stCondLst>
-                            <p:childTnLst>
-                              <p:par>
-                                <p:cTn id="27" presetID="1" presetClass="entr" presetSubtype="0" fill="hold" grpId="0" nodeType="clickEffect">
-                                  <p:stCondLst>
-                                    <p:cond delay="0"/>
-                                  </p:stCondLst>
-                                  <p:childTnLst>
-                                    <p:set>
-                                      <p:cBhvr>
-                                        <p:cTn id="28" dur="1" fill="hold">
-                                          <p:stCondLst>
-                                            <p:cond delay="0"/>
-                                          </p:stCondLst>
-                                        </p:cTn>
-                                        <p:tgtEl>
-                                          <p:spTgt spid="5"/>
-                                        </p:tgtEl>
-                                        <p:attrNameLst>
-                                          <p:attrName>style.visibility</p:attrName>
-                                        </p:attrNameLst>
-                                      </p:cBhvr>
-                                      <p:to>
-                                        <p:strVal val="visible"/>
-                                      </p:to>
-                                    </p:set>
-                                  </p:childTnLst>
-                                </p:cTn>
-                              </p:par>
-                              <p:par>
-                                <p:cTn id="29" presetID="1" presetClass="entr" presetSubtype="0" fill="hold" grpId="0" nodeType="withEffect">
-                                  <p:stCondLst>
-                                    <p:cond delay="0"/>
-                                  </p:stCondLst>
-                                  <p:childTnLst>
-                                    <p:set>
-                                      <p:cBhvr>
-                                        <p:cTn id="30" dur="1" fill="hold">
-                                          <p:stCondLst>
-                                            <p:cond delay="0"/>
-                                          </p:stCondLst>
-                                        </p:cTn>
-                                        <p:tgtEl>
-                                          <p:spTgt spid="6"/>
-                                        </p:tgtEl>
-                                        <p:attrNameLst>
-                                          <p:attrName>style.visibility</p:attrName>
-                                        </p:attrNameLst>
-                                      </p:cBhvr>
-                                      <p:to>
-                                        <p:strVal val="visible"/>
-                                      </p:to>
-                                    </p:set>
-                                  </p:childTnLst>
-                                </p:cTn>
-                              </p:par>
-                              <p:par>
-                                <p:cTn id="31" presetID="1" presetClass="entr" presetSubtype="0" fill="hold" grpId="0" nodeType="withEffect">
-                                  <p:stCondLst>
-                                    <p:cond delay="0"/>
-                                  </p:stCondLst>
-                                  <p:childTnLst>
-                                    <p:set>
-                                      <p:cBhvr>
-                                        <p:cTn id="32" dur="1" fill="hold">
-                                          <p:stCondLst>
-                                            <p:cond delay="0"/>
-                                          </p:stCondLst>
-                                        </p:cTn>
-                                        <p:tgtEl>
-                                          <p:spTgt spid="9"/>
-                                        </p:tgtEl>
-                                        <p:attrNameLst>
-                                          <p:attrName>style.visibility</p:attrName>
-                                        </p:attrNameLst>
-                                      </p:cBhvr>
-                                      <p:to>
-                                        <p:strVal val="visible"/>
-                                      </p:to>
-                                    </p:set>
-                                  </p:childTnLst>
-                                </p:cTn>
-                              </p:par>
-                            </p:childTnLst>
-                          </p:cTn>
-                        </p:par>
-                      </p:childTnLst>
-                    </p:cTn>
-                  </p:par>
-                  <p:par>
-                    <p:cTn id="33" fill="hold">
-                      <p:stCondLst>
-                        <p:cond delay="indefinite"/>
-                      </p:stCondLst>
-                      <p:childTnLst>
-                        <p:par>
-                          <p:cTn id="34" fill="hold">
-                            <p:stCondLst>
-                              <p:cond delay="0"/>
-                            </p:stCondLst>
-                            <p:childTnLst>
-                              <p:par>
-                                <p:cTn id="35" presetID="1" presetClass="exit" presetSubtype="0" fill="hold" grpId="1" nodeType="clickEffect">
-                                  <p:stCondLst>
-                                    <p:cond delay="0"/>
-                                  </p:stCondLst>
-                                  <p:childTnLst>
-                                    <p:set>
-                                      <p:cBhvr>
-                                        <p:cTn id="36" dur="1" fill="hold">
-                                          <p:stCondLst>
-                                            <p:cond delay="0"/>
-                                          </p:stCondLst>
-                                        </p:cTn>
-                                        <p:tgtEl>
-                                          <p:spTgt spid="9"/>
-                                        </p:tgtEl>
-                                        <p:attrNameLst>
-                                          <p:attrName>style.visibility</p:attrName>
-                                        </p:attrNameLst>
-                                      </p:cBhvr>
-                                      <p:to>
-                                        <p:strVal val="hidden"/>
-                                      </p:to>
-                                    </p:set>
-                                  </p:childTnLst>
-                                </p:cTn>
-                              </p:par>
-                              <p:par>
-                                <p:cTn id="37" presetID="1" presetClass="entr" presetSubtype="0" fill="hold" grpId="0" nodeType="withEffect">
-                                  <p:stCondLst>
-                                    <p:cond delay="0"/>
-                                  </p:stCondLst>
-                                  <p:childTnLst>
-                                    <p:set>
-                                      <p:cBhvr>
-                                        <p:cTn id="38" dur="1" fill="hold">
-                                          <p:stCondLst>
-                                            <p:cond delay="0"/>
-                                          </p:stCondLst>
-                                        </p:cTn>
-                                        <p:tgtEl>
-                                          <p:spTgt spid="22"/>
-                                        </p:tgtEl>
-                                        <p:attrNameLst>
-                                          <p:attrName>style.visibility</p:attrName>
-                                        </p:attrNameLst>
-                                      </p:cBhvr>
-                                      <p:to>
-                                        <p:strVal val="visible"/>
-                                      </p:to>
-                                    </p:set>
-                                  </p:childTnLst>
-                                </p:cTn>
-                              </p:par>
-                              <p:par>
-                                <p:cTn id="39" presetID="1" presetClass="entr" presetSubtype="0" fill="hold" grpId="0" nodeType="withEffect">
-                                  <p:stCondLst>
-                                    <p:cond delay="0"/>
-                                  </p:stCondLst>
-                                  <p:childTnLst>
-                                    <p:set>
-                                      <p:cBhvr>
-                                        <p:cTn id="40" dur="1" fill="hold">
-                                          <p:stCondLst>
-                                            <p:cond delay="0"/>
-                                          </p:stCondLst>
-                                        </p:cTn>
-                                        <p:tgtEl>
-                                          <p:spTgt spid="17"/>
-                                        </p:tgtEl>
-                                        <p:attrNameLst>
-                                          <p:attrName>style.visibility</p:attrName>
-                                        </p:attrNameLst>
-                                      </p:cBhvr>
-                                      <p:to>
-                                        <p:strVal val="visible"/>
-                                      </p:to>
-                                    </p:set>
-                                  </p:childTnLst>
-                                </p:cTn>
-                              </p:par>
-                              <p:par>
-                                <p:cTn id="41" presetID="1" presetClass="entr" presetSubtype="0" fill="hold" grpId="0" nodeType="withEffect">
-                                  <p:stCondLst>
-                                    <p:cond delay="0"/>
-                                  </p:stCondLst>
-                                  <p:childTnLst>
-                                    <p:set>
-                                      <p:cBhvr>
-                                        <p:cTn id="42" dur="1" fill="hold">
-                                          <p:stCondLst>
-                                            <p:cond delay="0"/>
-                                          </p:stCondLst>
-                                        </p:cTn>
-                                        <p:tgtEl>
-                                          <p:spTgt spid="20"/>
-                                        </p:tgtEl>
-                                        <p:attrNameLst>
-                                          <p:attrName>style.visibility</p:attrName>
-                                        </p:attrNameLst>
-                                      </p:cBhvr>
-                                      <p:to>
-                                        <p:strVal val="visible"/>
-                                      </p:to>
-                                    </p:set>
-                                  </p:childTnLst>
-                                </p:cTn>
-                              </p:par>
-                            </p:childTnLst>
-                          </p:cTn>
-                        </p:par>
-                      </p:childTnLst>
-                    </p:cTn>
-                  </p:par>
-                </p:childTnLst>
-              </p:cTn>
-              <p:prevCondLst>
-                <p:cond evt="onPrev" delay="0">
-                  <p:tgtEl>
-                    <p:sldTgt/>
-                  </p:tgtEl>
-                </p:cond>
-              </p:prevCondLst>
-              <p:nextCondLst>
-                <p:cond evt="onNext" delay="0">
-                  <p:tgtEl>
-                    <p:sldTgt/>
-                  </p:tgtEl>
-                </p:cond>
-              </p:nextCondLst>
-            </p:seq>
-          </p:childTnLst>
-        </p:cTn>
-      </p:par>
-    </p:tnLst>
-    <p:bldLst>
-      <p:bldP spid="22" grpId="0" animBg="1"/>
-      <p:bldP spid="9" grpId="0" animBg="1"/>
-      <p:bldP spid="9" grpId="1" animBg="1"/>
-      <p:bldP spid="10" grpId="0"/>
-      <p:bldP spid="13" grpId="0" animBg="1"/>
-      <p:bldP spid="19" grpId="0" animBg="1"/>
-      <p:bldP spid="23" grpId="0"/>
-      <p:bldP spid="24" grpId="0"/>
-      <p:bldP spid="25" grpId="0"/>
-      <p:bldP spid="3" grpId="0" animBg="1"/>
-      <p:bldP spid="5" grpId="0"/>
-      <p:bldP spid="17" grpId="0"/>
-      <p:bldP spid="6" grpId="0"/>
-      <p:bldP spid="20" grpId="0"/>
-    </p:bldLst>
-  </p:timing>
-</p:sld>
-</file>
-
-<file path=ppt/slides/slide7.xml><?xml version="1.0" encoding="utf-8"?>
-<p:sld xmlns:a="http://schemas.openxmlformats.org/drawingml/2006/main" xmlns:r="http://schemas.openxmlformats.org/officeDocument/2006/relationships" xmlns:p="http://schemas.openxmlformats.org/presentationml/2006/main">
-  <p:cSld>
-    <p:spTree>
-      <p:nvGrpSpPr>
-        <p:cNvPr id="1" name=""/>
-        <p:cNvGrpSpPr/>
-        <p:nvPr/>
-      </p:nvGrpSpPr>
-      <p:grpSpPr>
-        <a:xfrm>
-          <a:off x="0" y="0"/>
-          <a:ext cx="0" cy="0"/>
-          <a:chOff x="0" y="0"/>
-          <a:chExt cx="0" cy="0"/>
-        </a:xfrm>
-      </p:grpSpPr>
-      <p:sp>
-        <p:nvSpPr>
-          <p:cNvPr id="2" name="Segnaposto testo 1"/>
-          <p:cNvSpPr>
-            <a:spLocks noGrp="1"/>
-          </p:cNvSpPr>
-          <p:nvPr>
-            <p:ph type="body" sz="quarter" idx="10"/>
-          </p:nvPr>
-        </p:nvSpPr>
-        <p:spPr/>
-        <p:txBody>
-          <a:bodyPr/>
-          <a:lstStyle/>
-          <a:p>
-            <a:r>
-              <a:rPr lang="it-IT" dirty="0" smtClean="0"/>
-              <a:t>Sommario</a:t>
-            </a:r>
-            <a:endParaRPr lang="it-IT" dirty="0"/>
-          </a:p>
-        </p:txBody>
-      </p:sp>
-      <p:sp>
-        <p:nvSpPr>
-          <p:cNvPr id="3" name="Segnaposto testo 2"/>
-          <p:cNvSpPr>
-            <a:spLocks noGrp="1"/>
-          </p:cNvSpPr>
-          <p:nvPr>
-            <p:ph type="body" sz="quarter" idx="11"/>
-          </p:nvPr>
-        </p:nvSpPr>
-        <p:spPr>
-          <a:xfrm>
-            <a:off x="603252" y="870856"/>
-            <a:ext cx="7937501" cy="5646057"/>
-          </a:xfrm>
-        </p:spPr>
-        <p:txBody>
-          <a:bodyPr/>
-          <a:lstStyle/>
-          <a:p>
-            <a:pPr marL="457200" indent="-457200">
-              <a:lnSpc>
-                <a:spcPct val="140000"/>
-              </a:lnSpc>
-              <a:buFont typeface="Arial"/>
-              <a:buChar char="•"/>
-            </a:pPr>
-            <a:r>
-              <a:rPr lang="it-IT" sz="2400" dirty="0" smtClean="0">
-                <a:solidFill>
-                  <a:schemeClr val="bg1">
-                    <a:lumMod val="50000"/>
-                  </a:schemeClr>
-                </a:solidFill>
-              </a:rPr>
-              <a:t>Introduzione</a:t>
-            </a:r>
-          </a:p>
-          <a:p>
-            <a:pPr marL="457200" indent="-457200">
-              <a:lnSpc>
-                <a:spcPct val="140000"/>
-              </a:lnSpc>
-              <a:buFont typeface="Arial"/>
-              <a:buChar char="•"/>
-            </a:pPr>
-            <a:r>
-              <a:rPr lang="it-IT" sz="2800" b="1" dirty="0" smtClean="0">
-                <a:solidFill>
-                  <a:srgbClr val="0070C0"/>
-                </a:solidFill>
-              </a:rPr>
-              <a:t>Stato dell’arte</a:t>
-            </a:r>
-          </a:p>
-          <a:p>
-            <a:pPr marL="857250" lvl="1" indent="-457200">
-              <a:lnSpc>
-                <a:spcPct val="140000"/>
-              </a:lnSpc>
-              <a:buFont typeface="Wingdings" pitchFamily="2" charset="2"/>
-              <a:buChar char="§"/>
-            </a:pPr>
-            <a:r>
-              <a:rPr lang="it-IT" sz="2400" b="1" dirty="0" smtClean="0">
-                <a:solidFill>
-                  <a:srgbClr val="0070C0"/>
-                </a:solidFill>
-              </a:rPr>
-              <a:t>Bluetooth Low Energy</a:t>
-            </a:r>
-          </a:p>
-          <a:p>
-            <a:pPr marL="857250" lvl="1" indent="-457200">
-              <a:lnSpc>
-                <a:spcPct val="140000"/>
-              </a:lnSpc>
-              <a:buFont typeface="Wingdings" pitchFamily="2" charset="2"/>
-              <a:buChar char="§"/>
-            </a:pPr>
-            <a:r>
-              <a:rPr lang="it-IT" sz="2400" dirty="0" smtClean="0">
-                <a:solidFill>
-                  <a:schemeClr val="tx1"/>
-                </a:solidFill>
-              </a:rPr>
-              <a:t>Modello di rete</a:t>
-            </a:r>
-          </a:p>
-          <a:p>
-            <a:pPr marL="857250" lvl="1" indent="-457200">
-              <a:lnSpc>
-                <a:spcPct val="140000"/>
-              </a:lnSpc>
-              <a:buFont typeface="Wingdings" pitchFamily="2" charset="2"/>
-              <a:buChar char="§"/>
-            </a:pPr>
-            <a:r>
-              <a:rPr lang="it-IT" sz="2400" dirty="0" smtClean="0">
-                <a:solidFill>
-                  <a:schemeClr val="tx1"/>
-                </a:solidFill>
-              </a:rPr>
-              <a:t>Gossip</a:t>
-            </a:r>
-          </a:p>
-          <a:p>
-            <a:pPr marL="457200" indent="-457200">
-              <a:lnSpc>
-                <a:spcPct val="140000"/>
-              </a:lnSpc>
-              <a:buFont typeface="Arial"/>
-              <a:buChar char="•"/>
-            </a:pPr>
-            <a:r>
-              <a:rPr lang="it-IT" sz="2400" dirty="0" smtClean="0">
-                <a:solidFill>
-                  <a:schemeClr val="bg1">
-                    <a:lumMod val="50000"/>
-                  </a:schemeClr>
-                </a:solidFill>
-              </a:rPr>
-              <a:t>Analisi </a:t>
-            </a:r>
-            <a:r>
-              <a:rPr lang="it-IT" sz="2400" dirty="0" smtClean="0">
-                <a:solidFill>
-                  <a:schemeClr val="bg1">
-                    <a:lumMod val="50000"/>
-                  </a:schemeClr>
-                </a:solidFill>
-              </a:rPr>
-              <a:t>di fattibilità</a:t>
-            </a:r>
-          </a:p>
-          <a:p>
-            <a:pPr marL="457200" indent="-457200">
-              <a:lnSpc>
-                <a:spcPct val="140000"/>
-              </a:lnSpc>
-              <a:buFont typeface="Arial"/>
-              <a:buChar char="•"/>
-            </a:pPr>
-            <a:r>
-              <a:rPr lang="it-IT" sz="2400" dirty="0" smtClean="0">
-                <a:solidFill>
-                  <a:schemeClr val="bg1">
-                    <a:lumMod val="50000"/>
-                  </a:schemeClr>
-                </a:solidFill>
-              </a:rPr>
-              <a:t>Architettura della soluzione</a:t>
-            </a:r>
-          </a:p>
-          <a:p>
-            <a:pPr marL="457200" indent="-457200">
-              <a:lnSpc>
-                <a:spcPct val="140000"/>
-              </a:lnSpc>
-              <a:buFont typeface="Arial"/>
-              <a:buChar char="•"/>
-            </a:pPr>
-            <a:r>
-              <a:rPr lang="it-IT" sz="2400" dirty="0" smtClean="0">
-                <a:solidFill>
-                  <a:schemeClr val="bg1">
-                    <a:lumMod val="50000"/>
-                  </a:schemeClr>
-                </a:solidFill>
-              </a:rPr>
-              <a:t>Simulazioni e risultati</a:t>
-            </a:r>
-          </a:p>
-          <a:p>
-            <a:pPr marL="457200" indent="-457200">
-              <a:lnSpc>
-                <a:spcPct val="140000"/>
-              </a:lnSpc>
-              <a:buFont typeface="Arial"/>
-              <a:buChar char="•"/>
-            </a:pPr>
-            <a:r>
-              <a:rPr lang="it-IT" sz="2400" dirty="0" smtClean="0">
-                <a:solidFill>
-                  <a:schemeClr val="bg1">
-                    <a:lumMod val="50000"/>
-                  </a:schemeClr>
-                </a:solidFill>
-              </a:rPr>
-              <a:t>Conclusioni</a:t>
-            </a:r>
-            <a:endParaRPr lang="it-IT" sz="2400" dirty="0">
-              <a:solidFill>
-                <a:schemeClr val="bg1">
-                  <a:lumMod val="50000"/>
-                </a:schemeClr>
-              </a:solidFill>
-            </a:endParaRPr>
-          </a:p>
-        </p:txBody>
-      </p:sp>
-    </p:spTree>
-    <p:extLst>
-      <p:ext uri="{BB962C8B-B14F-4D97-AF65-F5344CB8AC3E}">
-        <p14:creationId xmlns="" xmlns:p14="http://schemas.microsoft.com/office/powerpoint/2010/main" val="4293126687"/>
-      </p:ext>
-    </p:extLst>
-  </p:cSld>
-  <p:clrMapOvr>
-    <a:masterClrMapping/>
-  </p:clrMapOvr>
-  <mc:AlternateContent xmlns:mc="http://schemas.openxmlformats.org/markup-compatibility/2006">
-    <mc:Choice xmlns="" xmlns:p14="http://schemas.microsoft.com/office/powerpoint/2010/main" Requires="p14">
-      <p:transition spd="slow" p14:dur="2000" advTm="25932"/>
-    </mc:Choice>
-    <mc:Fallback>
-      <p:transition spd="slow" advTm="25932"/>
-    </mc:Fallback>
-  </mc:AlternateContent>
-  <p:timing>
-    <p:tnLst>
-      <p:par>
-        <p:cTn id="1" dur="indefinite" restart="never" nodeType="tmRoot"/>
-      </p:par>
-    </p:tnLst>
-  </p:timing>
-</p:sld>
-</file>
-
-<file path=ppt/slides/slide8.xml><?xml version="1.0" encoding="utf-8"?>
-<p:sld xmlns:a="http://schemas.openxmlformats.org/drawingml/2006/main" xmlns:r="http://schemas.openxmlformats.org/officeDocument/2006/relationships" xmlns:p="http://schemas.openxmlformats.org/presentationml/2006/main">
-  <p:cSld>
-    <p:spTree>
-      <p:nvGrpSpPr>
-        <p:cNvPr id="1" name=""/>
-        <p:cNvGrpSpPr/>
-        <p:nvPr/>
-      </p:nvGrpSpPr>
-      <p:grpSpPr>
-        <a:xfrm>
-          <a:off x="0" y="0"/>
-          <a:ext cx="0" cy="0"/>
-          <a:chOff x="0" y="0"/>
-          <a:chExt cx="0" cy="0"/>
-        </a:xfrm>
-      </p:grpSpPr>
-      <p:sp>
-        <p:nvSpPr>
           <p:cNvPr id="2" name="Segnaposto testo 1"/>
           <p:cNvSpPr>
             <a:spLocks noGrp="1"/>
@@ -14640,11 +10040,6 @@
               </a:rPr>
               <a:t>Ottimizzata per la trasmissione di piccole informazioni</a:t>
             </a:r>
-            <a:endParaRPr lang="it-IT" sz="2400" dirty="0" smtClean="0">
-              <a:solidFill>
-                <a:schemeClr val="tx1"/>
-              </a:solidFill>
-            </a:endParaRPr>
           </a:p>
           <a:p>
             <a:pPr>
@@ -14753,7 +10148,7 @@
     </p:custDataLst>
     <p:extLst>
       <p:ext uri="{BB962C8B-B14F-4D97-AF65-F5344CB8AC3E}">
-        <p14:creationId xmlns="" xmlns:p14="http://schemas.microsoft.com/office/powerpoint/2010/main" val="2671343476"/>
+        <p14:creationId xmlns:p14="http://schemas.microsoft.com/office/powerpoint/2010/main" xmlns="" val="2671343476"/>
       </p:ext>
     </p:extLst>
   </p:cSld>
@@ -14761,7 +10156,7 @@
     <a:masterClrMapping/>
   </p:clrMapOvr>
   <mc:AlternateContent xmlns:mc="http://schemas.openxmlformats.org/markup-compatibility/2006">
-    <mc:Choice xmlns="" xmlns:p14="http://schemas.microsoft.com/office/powerpoint/2010/main" Requires="p14">
+    <mc:Choice xmlns:p14="http://schemas.microsoft.com/office/powerpoint/2010/main" xmlns="" Requires="p14">
       <p:transition spd="slow" p14:dur="2000" advTm="157969"/>
     </mc:Choice>
     <mc:Fallback>
@@ -14778,7 +10173,7 @@
 </p:sld>
 </file>
 
-<file path=ppt/slides/slide9.xml><?xml version="1.0" encoding="utf-8"?>
+<file path=ppt/slides/slide7.xml><?xml version="1.0" encoding="utf-8"?>
 <p:sld xmlns:a="http://schemas.openxmlformats.org/drawingml/2006/main" xmlns:r="http://schemas.openxmlformats.org/officeDocument/2006/relationships" xmlns:p="http://schemas.openxmlformats.org/presentationml/2006/main">
   <p:cSld>
     <p:spTree>
@@ -15191,13 +10586,7 @@
                         <a:rPr lang="it-IT" sz="1600" dirty="0" smtClean="0">
                           <a:latin typeface="+mn-lt"/>
                         </a:rPr>
-                        <a:t>~</a:t>
-                      </a:r>
-                      <a:r>
-                        <a:rPr lang="it-IT" sz="1600" dirty="0" smtClean="0">
-                          <a:latin typeface="+mn-lt"/>
-                        </a:rPr>
-                        <a:t>10</a:t>
+                        <a:t>~10</a:t>
                       </a:r>
                     </a:p>
                   </a:txBody>
@@ -15271,13 +10660,7 @@
                         <a:rPr lang="it-IT" sz="1600" dirty="0" smtClean="0">
                           <a:latin typeface="+mn-lt"/>
                         </a:rPr>
-                        <a:t>~</a:t>
-                      </a:r>
-                      <a:r>
-                        <a:rPr lang="it-IT" sz="1600" dirty="0" smtClean="0">
-                          <a:latin typeface="+mn-lt"/>
-                        </a:rPr>
-                        <a:t>1</a:t>
+                        <a:t>~1</a:t>
                       </a:r>
                       <a:endParaRPr lang="it-IT" sz="1600" dirty="0">
                         <a:latin typeface="+mn-lt"/>
@@ -15596,7 +10979,7 @@
     </p:custDataLst>
     <p:extLst>
       <p:ext uri="{BB962C8B-B14F-4D97-AF65-F5344CB8AC3E}">
-        <p14:creationId xmlns="" xmlns:p14="http://schemas.microsoft.com/office/powerpoint/2010/main" val="2671343476"/>
+        <p14:creationId xmlns:p14="http://schemas.microsoft.com/office/powerpoint/2010/main" xmlns="" val="2671343476"/>
       </p:ext>
     </p:extLst>
   </p:cSld>
@@ -15604,11 +10987,510 @@
     <a:masterClrMapping/>
   </p:clrMapOvr>
   <mc:AlternateContent xmlns:mc="http://schemas.openxmlformats.org/markup-compatibility/2006">
-    <mc:Choice xmlns="" xmlns:p14="http://schemas.microsoft.com/office/powerpoint/2010/main" Requires="p14">
+    <mc:Choice xmlns:p14="http://schemas.microsoft.com/office/powerpoint/2010/main" xmlns="" Requires="p14">
       <p:transition spd="slow" p14:dur="2000" advTm="157969"/>
     </mc:Choice>
     <mc:Fallback>
       <p:transition spd="slow" advTm="157969"/>
+    </mc:Fallback>
+  </mc:AlternateContent>
+  <p:timing>
+    <p:tnLst>
+      <p:par>
+        <p:cTn id="1" dur="indefinite" restart="never" nodeType="tmRoot"/>
+      </p:par>
+    </p:tnLst>
+  </p:timing>
+</p:sld>
+</file>
+
+<file path=ppt/slides/slide8.xml><?xml version="1.0" encoding="utf-8"?>
+<p:sld xmlns:a="http://schemas.openxmlformats.org/drawingml/2006/main" xmlns:r="http://schemas.openxmlformats.org/officeDocument/2006/relationships" xmlns:p="http://schemas.openxmlformats.org/presentationml/2006/main">
+  <p:cSld>
+    <p:spTree>
+      <p:nvGrpSpPr>
+        <p:cNvPr id="1" name=""/>
+        <p:cNvGrpSpPr/>
+        <p:nvPr/>
+      </p:nvGrpSpPr>
+      <p:grpSpPr>
+        <a:xfrm>
+          <a:off x="0" y="0"/>
+          <a:ext cx="0" cy="0"/>
+          <a:chOff x="0" y="0"/>
+          <a:chExt cx="0" cy="0"/>
+        </a:xfrm>
+      </p:grpSpPr>
+      <p:sp>
+        <p:nvSpPr>
+          <p:cNvPr id="2" name="Segnaposto testo 1"/>
+          <p:cNvSpPr>
+            <a:spLocks noGrp="1"/>
+          </p:cNvSpPr>
+          <p:nvPr>
+            <p:ph type="body" sz="quarter" idx="10"/>
+          </p:nvPr>
+        </p:nvSpPr>
+        <p:spPr/>
+        <p:txBody>
+          <a:bodyPr/>
+          <a:lstStyle/>
+          <a:p>
+            <a:r>
+              <a:rPr lang="it-IT" dirty="0" smtClean="0"/>
+              <a:t>BLE – Link </a:t>
+            </a:r>
+            <a:r>
+              <a:rPr lang="it-IT" dirty="0" err="1" smtClean="0"/>
+              <a:t>Layer</a:t>
+            </a:r>
+            <a:endParaRPr lang="it-IT" dirty="0"/>
+          </a:p>
+        </p:txBody>
+      </p:sp>
+      <p:sp>
+        <p:nvSpPr>
+          <p:cNvPr id="12" name="Segnaposto testo 11"/>
+          <p:cNvSpPr>
+            <a:spLocks noGrp="1"/>
+          </p:cNvSpPr>
+          <p:nvPr>
+            <p:ph type="body" sz="quarter" idx="11"/>
+          </p:nvPr>
+        </p:nvSpPr>
+        <p:spPr>
+          <a:xfrm>
+            <a:off x="698500" y="1358900"/>
+            <a:ext cx="7061200" cy="4991101"/>
+          </a:xfrm>
+        </p:spPr>
+        <p:txBody>
+          <a:bodyPr/>
+          <a:lstStyle/>
+          <a:p>
+            <a:r>
+              <a:rPr lang="it-IT" sz="2400" dirty="0" smtClean="0">
+                <a:solidFill>
+                  <a:schemeClr val="tx1"/>
+                </a:solidFill>
+              </a:rPr>
+              <a:t>Macchina a stati:</a:t>
+            </a:r>
+          </a:p>
+          <a:p>
+            <a:pPr>
+              <a:buFont typeface="Arial" pitchFamily="34" charset="0"/>
+              <a:buChar char="•"/>
+            </a:pPr>
+            <a:r>
+              <a:rPr lang="it-IT" sz="2400" dirty="0" smtClean="0">
+                <a:solidFill>
+                  <a:schemeClr val="tx1"/>
+                </a:solidFill>
+              </a:rPr>
+              <a:t>Standby</a:t>
+            </a:r>
+          </a:p>
+          <a:p>
+            <a:pPr>
+              <a:buFont typeface="Arial" pitchFamily="34" charset="0"/>
+              <a:buChar char="•"/>
+            </a:pPr>
+            <a:r>
+              <a:rPr lang="it-IT" sz="2400" dirty="0" smtClean="0">
+                <a:solidFill>
+                  <a:schemeClr val="tx1"/>
+                </a:solidFill>
+              </a:rPr>
+              <a:t>Scanning</a:t>
+            </a:r>
+          </a:p>
+          <a:p>
+            <a:pPr>
+              <a:buFont typeface="Arial" pitchFamily="34" charset="0"/>
+              <a:buChar char="•"/>
+            </a:pPr>
+            <a:r>
+              <a:rPr lang="it-IT" sz="2400" dirty="0" smtClean="0">
+                <a:solidFill>
+                  <a:schemeClr val="tx1"/>
+                </a:solidFill>
+              </a:rPr>
+              <a:t>Advertising</a:t>
+            </a:r>
+          </a:p>
+          <a:p>
+            <a:pPr>
+              <a:buFont typeface="Arial" pitchFamily="34" charset="0"/>
+              <a:buChar char="•"/>
+            </a:pPr>
+            <a:r>
+              <a:rPr lang="it-IT" sz="2400" dirty="0" err="1" smtClean="0">
+                <a:solidFill>
+                  <a:schemeClr val="tx1"/>
+                </a:solidFill>
+              </a:rPr>
+              <a:t>Initiating</a:t>
+            </a:r>
+            <a:endParaRPr lang="it-IT" sz="2400" dirty="0" smtClean="0">
+              <a:solidFill>
+                <a:schemeClr val="tx1"/>
+              </a:solidFill>
+            </a:endParaRPr>
+          </a:p>
+          <a:p>
+            <a:pPr>
+              <a:buFont typeface="Arial" pitchFamily="34" charset="0"/>
+              <a:buChar char="•"/>
+            </a:pPr>
+            <a:r>
+              <a:rPr lang="it-IT" sz="2400" dirty="0" smtClean="0">
+                <a:solidFill>
+                  <a:schemeClr val="tx1"/>
+                </a:solidFill>
+              </a:rPr>
+              <a:t>Connection</a:t>
+            </a:r>
+          </a:p>
+          <a:p>
+            <a:pPr lvl="1">
+              <a:buFont typeface="Wingdings" pitchFamily="2" charset="2"/>
+              <a:buChar char="§"/>
+            </a:pPr>
+            <a:r>
+              <a:rPr lang="it-IT" sz="2000" dirty="0" smtClean="0">
+                <a:solidFill>
+                  <a:schemeClr val="tx1"/>
+                </a:solidFill>
+              </a:rPr>
+              <a:t>Master</a:t>
+            </a:r>
+          </a:p>
+          <a:p>
+            <a:pPr lvl="1">
+              <a:buFont typeface="Wingdings" pitchFamily="2" charset="2"/>
+              <a:buChar char="§"/>
+            </a:pPr>
+            <a:r>
+              <a:rPr lang="it-IT" sz="2000" dirty="0" smtClean="0">
+                <a:solidFill>
+                  <a:schemeClr val="tx1"/>
+                </a:solidFill>
+              </a:rPr>
+              <a:t>Slave</a:t>
+            </a:r>
+            <a:endParaRPr lang="it-IT" sz="2000" dirty="0">
+              <a:solidFill>
+                <a:schemeClr val="tx1"/>
+              </a:solidFill>
+            </a:endParaRPr>
+          </a:p>
+        </p:txBody>
+      </p:sp>
+      <p:pic>
+        <p:nvPicPr>
+          <p:cNvPr id="1026" name="Picture 2" descr="C:\Users\Lorenzo\Documents\GitHub\Tesi\LaTeX\Pagliari_Lorenzo_Tesi\Images\bt\bt_fsa.png"/>
+          <p:cNvPicPr>
+            <a:picLocks noChangeAspect="1" noChangeArrowheads="1"/>
+          </p:cNvPicPr>
+          <p:nvPr/>
+        </p:nvPicPr>
+        <p:blipFill>
+          <a:blip r:embed="rId4" cstate="print"/>
+          <a:srcRect/>
+          <a:stretch>
+            <a:fillRect/>
+          </a:stretch>
+        </p:blipFill>
+        <p:spPr bwMode="auto">
+          <a:xfrm>
+            <a:off x="3441699" y="1609030"/>
+            <a:ext cx="5257953" cy="3966270"/>
+          </a:xfrm>
+          <a:prstGeom prst="rect">
+            <a:avLst/>
+          </a:prstGeom>
+          <a:noFill/>
+        </p:spPr>
+      </p:pic>
+    </p:spTree>
+    <p:custDataLst>
+      <p:tags r:id="rId1"/>
+    </p:custDataLst>
+    <p:extLst>
+      <p:ext uri="{BB962C8B-B14F-4D97-AF65-F5344CB8AC3E}">
+        <p14:creationId xmlns:p14="http://schemas.microsoft.com/office/powerpoint/2010/main" xmlns="" val="2671343476"/>
+      </p:ext>
+    </p:extLst>
+  </p:cSld>
+  <p:clrMapOvr>
+    <a:masterClrMapping/>
+  </p:clrMapOvr>
+  <mc:AlternateContent xmlns:mc="http://schemas.openxmlformats.org/markup-compatibility/2006">
+    <mc:Choice xmlns:p14="http://schemas.microsoft.com/office/powerpoint/2010/main" xmlns="" Requires="p14">
+      <p:transition spd="slow" p14:dur="2000" advTm="157969"/>
+    </mc:Choice>
+    <mc:Fallback>
+      <p:transition spd="slow" advTm="157969"/>
+    </mc:Fallback>
+  </mc:AlternateContent>
+  <p:timing>
+    <p:tnLst>
+      <p:par>
+        <p:cTn id="1" dur="indefinite" restart="never" nodeType="tmRoot"/>
+      </p:par>
+    </p:tnLst>
+  </p:timing>
+</p:sld>
+</file>
+
+<file path=ppt/slides/slide9.xml><?xml version="1.0" encoding="utf-8"?>
+<p:sld xmlns:a="http://schemas.openxmlformats.org/drawingml/2006/main" xmlns:r="http://schemas.openxmlformats.org/officeDocument/2006/relationships" xmlns:p="http://schemas.openxmlformats.org/presentationml/2006/main">
+  <p:cSld>
+    <p:spTree>
+      <p:nvGrpSpPr>
+        <p:cNvPr id="1" name=""/>
+        <p:cNvGrpSpPr/>
+        <p:nvPr/>
+      </p:nvGrpSpPr>
+      <p:grpSpPr>
+        <a:xfrm>
+          <a:off x="0" y="0"/>
+          <a:ext cx="0" cy="0"/>
+          <a:chOff x="0" y="0"/>
+          <a:chExt cx="0" cy="0"/>
+        </a:xfrm>
+      </p:grpSpPr>
+      <p:sp>
+        <p:nvSpPr>
+          <p:cNvPr id="2" name="Segnaposto testo 1"/>
+          <p:cNvSpPr>
+            <a:spLocks noGrp="1"/>
+          </p:cNvSpPr>
+          <p:nvPr>
+            <p:ph type="body" sz="quarter" idx="10"/>
+          </p:nvPr>
+        </p:nvSpPr>
+        <p:spPr/>
+        <p:txBody>
+          <a:bodyPr/>
+          <a:lstStyle/>
+          <a:p>
+            <a:r>
+              <a:rPr lang="it-IT" dirty="0" smtClean="0"/>
+              <a:t>Sommario</a:t>
+            </a:r>
+            <a:endParaRPr lang="it-IT" dirty="0"/>
+          </a:p>
+        </p:txBody>
+      </p:sp>
+      <p:sp>
+        <p:nvSpPr>
+          <p:cNvPr id="3" name="Segnaposto testo 2"/>
+          <p:cNvSpPr>
+            <a:spLocks noGrp="1"/>
+          </p:cNvSpPr>
+          <p:nvPr>
+            <p:ph type="body" sz="quarter" idx="11"/>
+          </p:nvPr>
+        </p:nvSpPr>
+        <p:spPr>
+          <a:xfrm>
+            <a:off x="603252" y="870856"/>
+            <a:ext cx="7937501" cy="5646057"/>
+          </a:xfrm>
+        </p:spPr>
+        <p:txBody>
+          <a:bodyPr/>
+          <a:lstStyle/>
+          <a:p>
+            <a:pPr marL="457200" indent="-457200">
+              <a:lnSpc>
+                <a:spcPct val="140000"/>
+              </a:lnSpc>
+              <a:buFont typeface="Arial"/>
+              <a:buChar char="•"/>
+            </a:pPr>
+            <a:r>
+              <a:rPr lang="it-IT" sz="2400" dirty="0" smtClean="0">
+                <a:solidFill>
+                  <a:schemeClr val="bg1">
+                    <a:lumMod val="50000"/>
+                  </a:schemeClr>
+                </a:solidFill>
+              </a:rPr>
+              <a:t>Introduzione</a:t>
+            </a:r>
+          </a:p>
+          <a:p>
+            <a:pPr marL="457200" indent="-457200">
+              <a:lnSpc>
+                <a:spcPct val="140000"/>
+              </a:lnSpc>
+              <a:buFont typeface="Arial"/>
+              <a:buChar char="•"/>
+            </a:pPr>
+            <a:r>
+              <a:rPr lang="it-IT" sz="2800" b="1" dirty="0" smtClean="0">
+                <a:solidFill>
+                  <a:srgbClr val="0070C0"/>
+                </a:solidFill>
+              </a:rPr>
+              <a:t>Stato dell’arte</a:t>
+            </a:r>
+          </a:p>
+          <a:p>
+            <a:pPr marL="857250" lvl="1" indent="-457200">
+              <a:lnSpc>
+                <a:spcPct val="140000"/>
+              </a:lnSpc>
+              <a:buFont typeface="Wingdings" pitchFamily="2" charset="2"/>
+              <a:buChar char="§"/>
+            </a:pPr>
+            <a:r>
+              <a:rPr lang="it-IT" sz="2400" dirty="0" smtClean="0">
+                <a:solidFill>
+                  <a:schemeClr val="tx1"/>
+                </a:solidFill>
+              </a:rPr>
+              <a:t>Bluetooth Low Energy</a:t>
+            </a:r>
+          </a:p>
+          <a:p>
+            <a:pPr marL="857250" lvl="1" indent="-457200">
+              <a:lnSpc>
+                <a:spcPct val="140000"/>
+              </a:lnSpc>
+              <a:buFont typeface="Wingdings" pitchFamily="2" charset="2"/>
+              <a:buChar char="§"/>
+            </a:pPr>
+            <a:r>
+              <a:rPr lang="it-IT" sz="2400" b="1" dirty="0" smtClean="0">
+                <a:solidFill>
+                  <a:srgbClr val="0070C0"/>
+                </a:solidFill>
+              </a:rPr>
+              <a:t>Modello di rete</a:t>
+            </a:r>
+          </a:p>
+          <a:p>
+            <a:pPr marL="857250" lvl="1" indent="-457200">
+              <a:lnSpc>
+                <a:spcPct val="140000"/>
+              </a:lnSpc>
+              <a:buFont typeface="Wingdings" pitchFamily="2" charset="2"/>
+              <a:buChar char="§"/>
+            </a:pPr>
+            <a:r>
+              <a:rPr lang="it-IT" sz="2400" dirty="0" smtClean="0">
+                <a:solidFill>
+                  <a:schemeClr val="tx1"/>
+                </a:solidFill>
+              </a:rPr>
+              <a:t>Gossip</a:t>
+            </a:r>
+          </a:p>
+          <a:p>
+            <a:pPr marL="457200" indent="-457200">
+              <a:lnSpc>
+                <a:spcPct val="140000"/>
+              </a:lnSpc>
+              <a:buFont typeface="Arial"/>
+              <a:buChar char="•"/>
+            </a:pPr>
+            <a:r>
+              <a:rPr lang="it-IT" sz="2400" dirty="0" smtClean="0">
+                <a:solidFill>
+                  <a:schemeClr val="bg1">
+                    <a:lumMod val="50000"/>
+                  </a:schemeClr>
+                </a:solidFill>
+              </a:rPr>
+              <a:t>Analisi di fattibilità</a:t>
+            </a:r>
+          </a:p>
+          <a:p>
+            <a:pPr marL="457200" indent="-457200">
+              <a:lnSpc>
+                <a:spcPct val="140000"/>
+              </a:lnSpc>
+              <a:buFont typeface="Arial"/>
+              <a:buChar char="•"/>
+            </a:pPr>
+            <a:r>
+              <a:rPr lang="it-IT" sz="2400" dirty="0" smtClean="0">
+                <a:solidFill>
+                  <a:schemeClr val="bg1">
+                    <a:lumMod val="50000"/>
+                  </a:schemeClr>
+                </a:solidFill>
+              </a:rPr>
+              <a:t>Architettura della soluzione</a:t>
+            </a:r>
+          </a:p>
+          <a:p>
+            <a:pPr marL="457200" indent="-457200">
+              <a:lnSpc>
+                <a:spcPct val="140000"/>
+              </a:lnSpc>
+              <a:buFont typeface="Arial"/>
+              <a:buChar char="•"/>
+            </a:pPr>
+            <a:r>
+              <a:rPr lang="it-IT" sz="2400" dirty="0" smtClean="0">
+                <a:solidFill>
+                  <a:schemeClr val="bg1">
+                    <a:lumMod val="50000"/>
+                  </a:schemeClr>
+                </a:solidFill>
+              </a:rPr>
+              <a:t>Simulazioni e risultati</a:t>
+            </a:r>
+          </a:p>
+          <a:p>
+            <a:pPr marL="457200" indent="-457200">
+              <a:lnSpc>
+                <a:spcPct val="140000"/>
+              </a:lnSpc>
+              <a:buFont typeface="Arial"/>
+              <a:buChar char="•"/>
+            </a:pPr>
+            <a:r>
+              <a:rPr lang="it-IT" sz="2400" dirty="0" smtClean="0">
+                <a:solidFill>
+                  <a:schemeClr val="bg1">
+                    <a:lumMod val="50000"/>
+                  </a:schemeClr>
+                </a:solidFill>
+              </a:rPr>
+              <a:t>Conclusioni</a:t>
+            </a:r>
+            <a:endParaRPr lang="it-IT" sz="2400" dirty="0">
+              <a:solidFill>
+                <a:schemeClr val="bg1">
+                  <a:lumMod val="50000"/>
+                </a:schemeClr>
+              </a:solidFill>
+            </a:endParaRPr>
+          </a:p>
+        </p:txBody>
+      </p:sp>
+    </p:spTree>
+    <p:extLst>
+      <p:ext uri="{BB962C8B-B14F-4D97-AF65-F5344CB8AC3E}">
+        <p14:creationId xmlns:p14="http://schemas.microsoft.com/office/powerpoint/2010/main" xmlns="" val="4293126687"/>
+      </p:ext>
+    </p:extLst>
+  </p:cSld>
+  <p:clrMapOvr>
+    <a:masterClrMapping/>
+  </p:clrMapOvr>
+  <mc:AlternateContent xmlns:mc="http://schemas.openxmlformats.org/markup-compatibility/2006">
+    <mc:Choice xmlns:p14="http://schemas.microsoft.com/office/powerpoint/2010/main" xmlns="" Requires="p14">
+      <p:transition spd="slow" p14:dur="2000" advTm="25932"/>
+    </mc:Choice>
+    <mc:Fallback>
+      <p:transition spd="slow" advTm="25932"/>
     </mc:Fallback>
   </mc:AlternateContent>
   <p:timing>
@@ -15627,27 +11509,9 @@
 </p:tagLst>
 </file>
 
-<file path=ppt/tags/tag10.xml><?xml version="1.0" encoding="utf-8"?>
-<p:tagLst xmlns:a="http://schemas.openxmlformats.org/drawingml/2006/main" xmlns:r="http://schemas.openxmlformats.org/officeDocument/2006/relationships" xmlns:p="http://schemas.openxmlformats.org/presentationml/2006/main">
-  <p:tag name="TIMING" val="|38.5|6"/>
-</p:tagLst>
-</file>
-
-<file path=ppt/tags/tag11.xml><?xml version="1.0" encoding="utf-8"?>
-<p:tagLst xmlns:a="http://schemas.openxmlformats.org/drawingml/2006/main" xmlns:r="http://schemas.openxmlformats.org/officeDocument/2006/relationships" xmlns:p="http://schemas.openxmlformats.org/presentationml/2006/main">
-  <p:tag name="TIMING" val="|27.6"/>
-</p:tagLst>
-</file>
-
-<file path=ppt/tags/tag12.xml><?xml version="1.0" encoding="utf-8"?>
-<p:tagLst xmlns:a="http://schemas.openxmlformats.org/drawingml/2006/main" xmlns:r="http://schemas.openxmlformats.org/officeDocument/2006/relationships" xmlns:p="http://schemas.openxmlformats.org/presentationml/2006/main">
-  <p:tag name="TIMING" val="|36.5"/>
-</p:tagLst>
-</file>
-
 <file path=ppt/tags/tag2.xml><?xml version="1.0" encoding="utf-8"?>
 <p:tagLst xmlns:a="http://schemas.openxmlformats.org/drawingml/2006/main" xmlns:r="http://schemas.openxmlformats.org/officeDocument/2006/relationships" xmlns:p="http://schemas.openxmlformats.org/presentationml/2006/main">
-  <p:tag name="TIMING" val="|27.6|25.6|40.5"/>
+  <p:tag name="TIMING" val="|14.6|29.9|30.2|10.6|27.6|22.9"/>
 </p:tagLst>
 </file>
 
@@ -15677,19 +11541,19 @@
 
 <file path=ppt/tags/tag7.xml><?xml version="1.0" encoding="utf-8"?>
 <p:tagLst xmlns:a="http://schemas.openxmlformats.org/drawingml/2006/main" xmlns:r="http://schemas.openxmlformats.org/officeDocument/2006/relationships" xmlns:p="http://schemas.openxmlformats.org/presentationml/2006/main">
-  <p:tag name="TIMING" val="|26.7|10.3"/>
+  <p:tag name="TIMING" val="|14.6|29.9|30.2|10.6|27.6|22.9"/>
 </p:tagLst>
 </file>
 
 <file path=ppt/tags/tag8.xml><?xml version="1.0" encoding="utf-8"?>
 <p:tagLst xmlns:a="http://schemas.openxmlformats.org/drawingml/2006/main" xmlns:r="http://schemas.openxmlformats.org/officeDocument/2006/relationships" xmlns:p="http://schemas.openxmlformats.org/presentationml/2006/main">
-  <p:tag name="TIMING" val="|26.7|10.3"/>
+  <p:tag name="TIMING" val="|14.6|29.9|30.2|10.6|27.6|22.9"/>
 </p:tagLst>
 </file>
 
 <file path=ppt/tags/tag9.xml><?xml version="1.0" encoding="utf-8"?>
 <p:tagLst xmlns:a="http://schemas.openxmlformats.org/drawingml/2006/main" xmlns:r="http://schemas.openxmlformats.org/officeDocument/2006/relationships" xmlns:p="http://schemas.openxmlformats.org/presentationml/2006/main">
-  <p:tag name="TIMING" val="|40.2|36.6|27.1"/>
+  <p:tag name="TIMING" val="|36.5"/>
 </p:tagLst>
 </file>
 

--- a/presentazione/Pagliari Lorenzo presentazione.pptx
+++ b/presentazione/Pagliari Lorenzo presentazione.pptx
@@ -247,7 +247,7 @@
             <a:fld id="{3012F1C6-8193-4D58-BB28-44CF9C7F83D5}" type="datetimeFigureOut">
               <a:rPr lang="it-IT" smtClean="0"/>
               <a:pPr/>
-              <a:t>04/09/2015</a:t>
+              <a:t>08/09/2015</a:t>
             </a:fld>
             <a:endParaRPr lang="it-IT"/>
           </a:p>
@@ -409,7 +409,7 @@
             <a:fld id="{0A055084-1CB9-CF40-93F3-663EB9ADEB9C}" type="datetimeFigureOut">
               <a:rPr lang="it-IT" smtClean="0"/>
               <a:pPr/>
-              <a:t>04/09/2015</a:t>
+              <a:t>08/09/2015</a:t>
             </a:fld>
             <a:endParaRPr lang="it-IT"/>
           </a:p>
@@ -578,7 +578,7 @@
     </p:spTree>
     <p:extLst>
       <p:ext uri="{BB962C8B-B14F-4D97-AF65-F5344CB8AC3E}">
-        <p14:creationId xmlns:p14="http://schemas.microsoft.com/office/powerpoint/2010/main" xmlns="" val="983607612"/>
+        <p14:creationId xmlns="" xmlns:p14="http://schemas.microsoft.com/office/powerpoint/2010/main" val="983607612"/>
       </p:ext>
     </p:extLst>
   </p:cSld>
@@ -758,7 +758,7 @@
     </p:spTree>
     <p:extLst>
       <p:ext uri="{BB962C8B-B14F-4D97-AF65-F5344CB8AC3E}">
-        <p14:creationId xmlns:p14="http://schemas.microsoft.com/office/powerpoint/2010/main" xmlns="" val="1229878964"/>
+        <p14:creationId xmlns="" xmlns:p14="http://schemas.microsoft.com/office/powerpoint/2010/main" val="1229878964"/>
       </p:ext>
     </p:extLst>
   </p:cSld>
@@ -869,7 +869,7 @@
     </p:spTree>
     <p:extLst>
       <p:ext uri="{BB962C8B-B14F-4D97-AF65-F5344CB8AC3E}">
-        <p14:creationId xmlns:p14="http://schemas.microsoft.com/office/powerpoint/2010/main" xmlns="" val="650065356"/>
+        <p14:creationId xmlns="" xmlns:p14="http://schemas.microsoft.com/office/powerpoint/2010/main" val="650065356"/>
       </p:ext>
     </p:extLst>
   </p:cSld>
@@ -980,7 +980,7 @@
     </p:spTree>
     <p:extLst>
       <p:ext uri="{BB962C8B-B14F-4D97-AF65-F5344CB8AC3E}">
-        <p14:creationId xmlns:p14="http://schemas.microsoft.com/office/powerpoint/2010/main" xmlns="" val="650065356"/>
+        <p14:creationId xmlns="" xmlns:p14="http://schemas.microsoft.com/office/powerpoint/2010/main" val="650065356"/>
       </p:ext>
     </p:extLst>
   </p:cSld>
@@ -1070,7 +1070,7 @@
     </p:spTree>
     <p:extLst>
       <p:ext uri="{BB962C8B-B14F-4D97-AF65-F5344CB8AC3E}">
-        <p14:creationId xmlns:p14="http://schemas.microsoft.com/office/powerpoint/2010/main" xmlns="" val="70992606"/>
+        <p14:creationId xmlns="" xmlns:p14="http://schemas.microsoft.com/office/powerpoint/2010/main" val="70992606"/>
       </p:ext>
     </p:extLst>
   </p:cSld>
@@ -1181,7 +1181,7 @@
     </p:spTree>
     <p:extLst>
       <p:ext uri="{BB962C8B-B14F-4D97-AF65-F5344CB8AC3E}">
-        <p14:creationId xmlns:p14="http://schemas.microsoft.com/office/powerpoint/2010/main" xmlns="" val="650065356"/>
+        <p14:creationId xmlns="" xmlns:p14="http://schemas.microsoft.com/office/powerpoint/2010/main" val="650065356"/>
       </p:ext>
     </p:extLst>
   </p:cSld>
@@ -1292,7 +1292,7 @@
     </p:spTree>
     <p:extLst>
       <p:ext uri="{BB962C8B-B14F-4D97-AF65-F5344CB8AC3E}">
-        <p14:creationId xmlns:p14="http://schemas.microsoft.com/office/powerpoint/2010/main" xmlns="" val="650065356"/>
+        <p14:creationId xmlns="" xmlns:p14="http://schemas.microsoft.com/office/powerpoint/2010/main" val="650065356"/>
       </p:ext>
     </p:extLst>
   </p:cSld>
@@ -1382,7 +1382,7 @@
     </p:spTree>
     <p:extLst>
       <p:ext uri="{BB962C8B-B14F-4D97-AF65-F5344CB8AC3E}">
-        <p14:creationId xmlns:p14="http://schemas.microsoft.com/office/powerpoint/2010/main" xmlns="" val="70992606"/>
+        <p14:creationId xmlns="" xmlns:p14="http://schemas.microsoft.com/office/powerpoint/2010/main" val="70992606"/>
       </p:ext>
     </p:extLst>
   </p:cSld>
@@ -1472,7 +1472,7 @@
     </p:spTree>
     <p:extLst>
       <p:ext uri="{BB962C8B-B14F-4D97-AF65-F5344CB8AC3E}">
-        <p14:creationId xmlns:p14="http://schemas.microsoft.com/office/powerpoint/2010/main" xmlns="" val="70992606"/>
+        <p14:creationId xmlns="" xmlns:p14="http://schemas.microsoft.com/office/powerpoint/2010/main" val="70992606"/>
       </p:ext>
     </p:extLst>
   </p:cSld>
@@ -1562,7 +1562,7 @@
     </p:spTree>
     <p:extLst>
       <p:ext uri="{BB962C8B-B14F-4D97-AF65-F5344CB8AC3E}">
-        <p14:creationId xmlns:p14="http://schemas.microsoft.com/office/powerpoint/2010/main" xmlns="" val="70992606"/>
+        <p14:creationId xmlns="" xmlns:p14="http://schemas.microsoft.com/office/powerpoint/2010/main" val="70992606"/>
       </p:ext>
     </p:extLst>
   </p:cSld>
@@ -1652,7 +1652,7 @@
     </p:spTree>
     <p:extLst>
       <p:ext uri="{BB962C8B-B14F-4D97-AF65-F5344CB8AC3E}">
-        <p14:creationId xmlns:p14="http://schemas.microsoft.com/office/powerpoint/2010/main" xmlns="" val="70992606"/>
+        <p14:creationId xmlns="" xmlns:p14="http://schemas.microsoft.com/office/powerpoint/2010/main" val="70992606"/>
       </p:ext>
     </p:extLst>
   </p:cSld>
@@ -1759,7 +1759,7 @@
     </p:spTree>
     <p:extLst>
       <p:ext uri="{BB962C8B-B14F-4D97-AF65-F5344CB8AC3E}">
-        <p14:creationId xmlns:p14="http://schemas.microsoft.com/office/powerpoint/2010/main" xmlns="" val="2864582512"/>
+        <p14:creationId xmlns="" xmlns:p14="http://schemas.microsoft.com/office/powerpoint/2010/main" val="2864582512"/>
       </p:ext>
     </p:extLst>
   </p:cSld>
@@ -1849,7 +1849,7 @@
     </p:spTree>
     <p:extLst>
       <p:ext uri="{BB962C8B-B14F-4D97-AF65-F5344CB8AC3E}">
-        <p14:creationId xmlns:p14="http://schemas.microsoft.com/office/powerpoint/2010/main" xmlns="" val="70992606"/>
+        <p14:creationId xmlns="" xmlns:p14="http://schemas.microsoft.com/office/powerpoint/2010/main" val="70992606"/>
       </p:ext>
     </p:extLst>
   </p:cSld>
@@ -1939,7 +1939,7 @@
     </p:spTree>
     <p:extLst>
       <p:ext uri="{BB962C8B-B14F-4D97-AF65-F5344CB8AC3E}">
-        <p14:creationId xmlns:p14="http://schemas.microsoft.com/office/powerpoint/2010/main" xmlns="" val="70992606"/>
+        <p14:creationId xmlns="" xmlns:p14="http://schemas.microsoft.com/office/powerpoint/2010/main" val="70992606"/>
       </p:ext>
     </p:extLst>
   </p:cSld>
@@ -2048,7 +2048,7 @@
     </p:spTree>
     <p:extLst>
       <p:ext uri="{BB962C8B-B14F-4D97-AF65-F5344CB8AC3E}">
-        <p14:creationId xmlns:p14="http://schemas.microsoft.com/office/powerpoint/2010/main" xmlns="" val="2759415330"/>
+        <p14:creationId xmlns="" xmlns:p14="http://schemas.microsoft.com/office/powerpoint/2010/main" val="2759415330"/>
       </p:ext>
     </p:extLst>
   </p:cSld>
@@ -2138,7 +2138,7 @@
     </p:spTree>
     <p:extLst>
       <p:ext uri="{BB962C8B-B14F-4D97-AF65-F5344CB8AC3E}">
-        <p14:creationId xmlns:p14="http://schemas.microsoft.com/office/powerpoint/2010/main" xmlns="" val="70992606"/>
+        <p14:creationId xmlns="" xmlns:p14="http://schemas.microsoft.com/office/powerpoint/2010/main" val="70992606"/>
       </p:ext>
     </p:extLst>
   </p:cSld>
@@ -2249,7 +2249,7 @@
     </p:spTree>
     <p:extLst>
       <p:ext uri="{BB962C8B-B14F-4D97-AF65-F5344CB8AC3E}">
-        <p14:creationId xmlns:p14="http://schemas.microsoft.com/office/powerpoint/2010/main" xmlns="" val="650065356"/>
+        <p14:creationId xmlns="" xmlns:p14="http://schemas.microsoft.com/office/powerpoint/2010/main" val="650065356"/>
       </p:ext>
     </p:extLst>
   </p:cSld>
@@ -2360,7 +2360,7 @@
     </p:spTree>
     <p:extLst>
       <p:ext uri="{BB962C8B-B14F-4D97-AF65-F5344CB8AC3E}">
-        <p14:creationId xmlns:p14="http://schemas.microsoft.com/office/powerpoint/2010/main" xmlns="" val="650065356"/>
+        <p14:creationId xmlns="" xmlns:p14="http://schemas.microsoft.com/office/powerpoint/2010/main" val="650065356"/>
       </p:ext>
     </p:extLst>
   </p:cSld>
@@ -2471,7 +2471,7 @@
     </p:spTree>
     <p:extLst>
       <p:ext uri="{BB962C8B-B14F-4D97-AF65-F5344CB8AC3E}">
-        <p14:creationId xmlns:p14="http://schemas.microsoft.com/office/powerpoint/2010/main" xmlns="" val="650065356"/>
+        <p14:creationId xmlns="" xmlns:p14="http://schemas.microsoft.com/office/powerpoint/2010/main" val="650065356"/>
       </p:ext>
     </p:extLst>
   </p:cSld>
@@ -2561,7 +2561,7 @@
     </p:spTree>
     <p:extLst>
       <p:ext uri="{BB962C8B-B14F-4D97-AF65-F5344CB8AC3E}">
-        <p14:creationId xmlns:p14="http://schemas.microsoft.com/office/powerpoint/2010/main" xmlns="" val="70992606"/>
+        <p14:creationId xmlns="" xmlns:p14="http://schemas.microsoft.com/office/powerpoint/2010/main" val="70992606"/>
       </p:ext>
     </p:extLst>
   </p:cSld>
@@ -2723,7 +2723,7 @@
     </p:spTree>
     <p:extLst>
       <p:ext uri="{BB962C8B-B14F-4D97-AF65-F5344CB8AC3E}">
-        <p14:creationId xmlns:p14="http://schemas.microsoft.com/office/powerpoint/2010/main" xmlns="" val="27430096"/>
+        <p14:creationId xmlns="" xmlns:p14="http://schemas.microsoft.com/office/powerpoint/2010/main" val="27430096"/>
       </p:ext>
     </p:extLst>
   </p:cSld>
@@ -2841,7 +2841,7 @@
     </p:spTree>
     <p:extLst>
       <p:ext uri="{BB962C8B-B14F-4D97-AF65-F5344CB8AC3E}">
-        <p14:creationId xmlns:p14="http://schemas.microsoft.com/office/powerpoint/2010/main" xmlns="" val="1473926903"/>
+        <p14:creationId xmlns="" xmlns:p14="http://schemas.microsoft.com/office/powerpoint/2010/main" val="1473926903"/>
       </p:ext>
     </p:extLst>
   </p:cSld>
@@ -2959,7 +2959,7 @@
     </p:spTree>
     <p:extLst>
       <p:ext uri="{BB962C8B-B14F-4D97-AF65-F5344CB8AC3E}">
-        <p14:creationId xmlns:p14="http://schemas.microsoft.com/office/powerpoint/2010/main" xmlns="" val="1681231856"/>
+        <p14:creationId xmlns="" xmlns:p14="http://schemas.microsoft.com/office/powerpoint/2010/main" val="1681231856"/>
       </p:ext>
     </p:extLst>
   </p:cSld>
@@ -3121,7 +3121,7 @@
     </p:spTree>
     <p:extLst>
       <p:ext uri="{BB962C8B-B14F-4D97-AF65-F5344CB8AC3E}">
-        <p14:creationId xmlns:p14="http://schemas.microsoft.com/office/powerpoint/2010/main" xmlns="" val="27430096"/>
+        <p14:creationId xmlns="" xmlns:p14="http://schemas.microsoft.com/office/powerpoint/2010/main" val="27430096"/>
       </p:ext>
     </p:extLst>
   </p:cSld>
@@ -3174,7 +3174,7 @@
     </p:spTree>
     <p:extLst>
       <p:ext uri="{BB962C8B-B14F-4D97-AF65-F5344CB8AC3E}">
-        <p14:creationId xmlns:p14="http://schemas.microsoft.com/office/powerpoint/2010/main" xmlns="" val="1191776143"/>
+        <p14:creationId xmlns="" xmlns:p14="http://schemas.microsoft.com/office/powerpoint/2010/main" val="1191776143"/>
       </p:ext>
     </p:extLst>
   </p:cSld>
@@ -3204,7 +3204,7 @@
     </p:spTree>
     <p:extLst>
       <p:ext uri="{BB962C8B-B14F-4D97-AF65-F5344CB8AC3E}">
-        <p14:creationId xmlns:p14="http://schemas.microsoft.com/office/powerpoint/2010/main" xmlns="" val="871637495"/>
+        <p14:creationId xmlns="" xmlns:p14="http://schemas.microsoft.com/office/powerpoint/2010/main" val="871637495"/>
       </p:ext>
     </p:extLst>
   </p:cSld>
@@ -3257,7 +3257,7 @@
     </p:spTree>
     <p:extLst>
       <p:ext uri="{BB962C8B-B14F-4D97-AF65-F5344CB8AC3E}">
-        <p14:creationId xmlns:p14="http://schemas.microsoft.com/office/powerpoint/2010/main" xmlns="" val="1191776143"/>
+        <p14:creationId xmlns="" xmlns:p14="http://schemas.microsoft.com/office/powerpoint/2010/main" val="1191776143"/>
       </p:ext>
     </p:extLst>
   </p:cSld>
@@ -3287,7 +3287,7 @@
     </p:spTree>
     <p:extLst>
       <p:ext uri="{BB962C8B-B14F-4D97-AF65-F5344CB8AC3E}">
-        <p14:creationId xmlns:p14="http://schemas.microsoft.com/office/powerpoint/2010/main" xmlns="" val="871637495"/>
+        <p14:creationId xmlns="" xmlns:p14="http://schemas.microsoft.com/office/powerpoint/2010/main" val="871637495"/>
       </p:ext>
     </p:extLst>
   </p:cSld>
@@ -3374,7 +3374,7 @@
     </p:spTree>
     <p:extLst>
       <p:ext uri="{BB962C8B-B14F-4D97-AF65-F5344CB8AC3E}">
-        <p14:creationId xmlns:p14="http://schemas.microsoft.com/office/powerpoint/2010/main" xmlns="" val="1724467125"/>
+        <p14:creationId xmlns="" xmlns:p14="http://schemas.microsoft.com/office/powerpoint/2010/main" val="1724467125"/>
       </p:ext>
     </p:extLst>
   </p:cSld>
@@ -3557,7 +3557,7 @@
     </p:spTree>
     <p:extLst>
       <p:ext uri="{BB962C8B-B14F-4D97-AF65-F5344CB8AC3E}">
-        <p14:creationId xmlns:p14="http://schemas.microsoft.com/office/powerpoint/2010/main" xmlns="" val="3825920509"/>
+        <p14:creationId xmlns="" xmlns:p14="http://schemas.microsoft.com/office/powerpoint/2010/main" val="3825920509"/>
       </p:ext>
     </p:extLst>
   </p:cSld>
@@ -3675,7 +3675,7 @@
     </p:spTree>
     <p:extLst>
       <p:ext uri="{BB962C8B-B14F-4D97-AF65-F5344CB8AC3E}">
-        <p14:creationId xmlns:p14="http://schemas.microsoft.com/office/powerpoint/2010/main" xmlns="" val="1473926903"/>
+        <p14:creationId xmlns="" xmlns:p14="http://schemas.microsoft.com/office/powerpoint/2010/main" val="1473926903"/>
       </p:ext>
     </p:extLst>
   </p:cSld>
@@ -3793,7 +3793,7 @@
     </p:spTree>
     <p:extLst>
       <p:ext uri="{BB962C8B-B14F-4D97-AF65-F5344CB8AC3E}">
-        <p14:creationId xmlns:p14="http://schemas.microsoft.com/office/powerpoint/2010/main" xmlns="" val="1681231856"/>
+        <p14:creationId xmlns="" xmlns:p14="http://schemas.microsoft.com/office/powerpoint/2010/main" val="1681231856"/>
       </p:ext>
     </p:extLst>
   </p:cSld>
@@ -3880,7 +3880,7 @@
     </p:spTree>
     <p:extLst>
       <p:ext uri="{BB962C8B-B14F-4D97-AF65-F5344CB8AC3E}">
-        <p14:creationId xmlns:p14="http://schemas.microsoft.com/office/powerpoint/2010/main" xmlns="" val="1724467125"/>
+        <p14:creationId xmlns="" xmlns:p14="http://schemas.microsoft.com/office/powerpoint/2010/main" val="1724467125"/>
       </p:ext>
     </p:extLst>
   </p:cSld>
@@ -4063,7 +4063,7 @@
     </p:spTree>
     <p:extLst>
       <p:ext uri="{BB962C8B-B14F-4D97-AF65-F5344CB8AC3E}">
-        <p14:creationId xmlns:p14="http://schemas.microsoft.com/office/powerpoint/2010/main" xmlns="" val="3825920509"/>
+        <p14:creationId xmlns="" xmlns:p14="http://schemas.microsoft.com/office/powerpoint/2010/main" val="3825920509"/>
       </p:ext>
     </p:extLst>
   </p:cSld>
@@ -4110,7 +4110,7 @@
           <a:blip r:embed="rId5" cstate="print">
             <a:extLst>
               <a:ext uri="{28A0092B-C50C-407E-A947-70E740481C1C}">
-                <a14:useLocalDpi xmlns:a14="http://schemas.microsoft.com/office/drawing/2010/main" xmlns="" val="0"/>
+                <a14:useLocalDpi xmlns="" xmlns:a14="http://schemas.microsoft.com/office/drawing/2010/main" val="0"/>
               </a:ext>
             </a:extLst>
           </a:blip>
@@ -4133,14 +4133,14 @@
           </a:ln>
           <a:extLst>
             <a:ext uri="{909E8E84-426E-40dd-AFC4-6F175D3DCCD1}">
-              <a14:hiddenFill xmlns:a14="http://schemas.microsoft.com/office/drawing/2010/main" xmlns="">
+              <a14:hiddenFill xmlns="" xmlns:a14="http://schemas.microsoft.com/office/drawing/2010/main">
                 <a:solidFill>
                   <a:srgbClr val="FFFFFF"/>
                 </a:solidFill>
               </a14:hiddenFill>
             </a:ext>
             <a:ext uri="{91240B29-F687-4f45-9708-019B960494DF}">
-              <a14:hiddenLine xmlns:a14="http://schemas.microsoft.com/office/drawing/2010/main" xmlns="" w="9525">
+              <a14:hiddenLine xmlns="" xmlns:a14="http://schemas.microsoft.com/office/drawing/2010/main" w="9525">
                 <a:solidFill>
                   <a:srgbClr val="000000"/>
                 </a:solidFill>
@@ -4218,14 +4218,14 @@
           </a:ln>
           <a:extLst>
             <a:ext uri="{909E8E84-426E-40dd-AFC4-6F175D3DCCD1}">
-              <a14:hiddenFill xmlns:a14="http://schemas.microsoft.com/office/drawing/2010/main" xmlns="">
+              <a14:hiddenFill xmlns="" xmlns:a14="http://schemas.microsoft.com/office/drawing/2010/main">
                 <a:solidFill>
                   <a:srgbClr val="FFFFFF"/>
                 </a:solidFill>
               </a14:hiddenFill>
             </a:ext>
             <a:ext uri="{91240B29-F687-4f45-9708-019B960494DF}">
-              <a14:hiddenLine xmlns:a14="http://schemas.microsoft.com/office/drawing/2010/main" xmlns="" w="9525">
+              <a14:hiddenLine xmlns="" xmlns:a14="http://schemas.microsoft.com/office/drawing/2010/main" w="9525">
                 <a:solidFill>
                   <a:srgbClr val="000000"/>
                 </a:solidFill>
@@ -4235,7 +4235,7 @@
               </a14:hiddenLine>
             </a:ext>
             <a:ext uri="{FAA26D3D-D897-4be2-8F04-BA451C77F1D7}">
-              <ma14:placeholderFlag xmlns:ma14="http://schemas.microsoft.com/office/mac/drawingml/2011/main" xmlns="" val="1"/>
+              <ma14:placeholderFlag xmlns="" xmlns:ma14="http://schemas.microsoft.com/office/mac/drawingml/2011/main" val="1"/>
             </a:ext>
           </a:extLst>
         </p:spPr>
@@ -4284,14 +4284,14 @@
           </a:ln>
           <a:extLst>
             <a:ext uri="{909E8E84-426E-40dd-AFC4-6F175D3DCCD1}">
-              <a14:hiddenFill xmlns:a14="http://schemas.microsoft.com/office/drawing/2010/main" xmlns="">
+              <a14:hiddenFill xmlns="" xmlns:a14="http://schemas.microsoft.com/office/drawing/2010/main">
                 <a:solidFill>
                   <a:srgbClr val="FFFFFF"/>
                 </a:solidFill>
               </a14:hiddenFill>
             </a:ext>
             <a:ext uri="{91240B29-F687-4f45-9708-019B960494DF}">
-              <a14:hiddenLine xmlns:a14="http://schemas.microsoft.com/office/drawing/2010/main" xmlns="" w="9525">
+              <a14:hiddenLine xmlns="" xmlns:a14="http://schemas.microsoft.com/office/drawing/2010/main" w="9525">
                 <a:solidFill>
                   <a:srgbClr val="000000"/>
                 </a:solidFill>
@@ -4301,7 +4301,7 @@
               </a14:hiddenLine>
             </a:ext>
             <a:ext uri="{FAA26D3D-D897-4be2-8F04-BA451C77F1D7}">
-              <ma14:placeholderFlag xmlns:ma14="http://schemas.microsoft.com/office/mac/drawingml/2011/main" xmlns="" val="1"/>
+              <ma14:placeholderFlag xmlns="" xmlns:ma14="http://schemas.microsoft.com/office/mac/drawingml/2011/main" val="1"/>
             </a:ext>
           </a:extLst>
         </p:spPr>
@@ -4345,7 +4345,7 @@
     </p:spTree>
     <p:extLst>
       <p:ext uri="{BB962C8B-B14F-4D97-AF65-F5344CB8AC3E}">
-        <p14:creationId xmlns:p14="http://schemas.microsoft.com/office/powerpoint/2010/main" xmlns="" val="4048614870"/>
+        <p14:creationId xmlns="" xmlns:p14="http://schemas.microsoft.com/office/powerpoint/2010/main" val="4048614870"/>
       </p:ext>
     </p:extLst>
   </p:cSld>
@@ -4796,14 +4796,14 @@
           <a:effectLst/>
           <a:extLst>
             <a:ext uri="{909E8E84-426E-40dd-AFC4-6F175D3DCCD1}">
-              <a14:hiddenFill xmlns:a14="http://schemas.microsoft.com/office/drawing/2010/main" xmlns="">
+              <a14:hiddenFill xmlns="" xmlns:a14="http://schemas.microsoft.com/office/drawing/2010/main">
                 <a:solidFill>
                   <a:schemeClr val="accent1"/>
                 </a:solidFill>
               </a14:hiddenFill>
             </a:ext>
             <a:ext uri="{91240B29-F687-4f45-9708-019B960494DF}">
-              <a14:hiddenLine xmlns:a14="http://schemas.microsoft.com/office/drawing/2010/main" xmlns="" w="9525">
+              <a14:hiddenLine xmlns="" xmlns:a14="http://schemas.microsoft.com/office/drawing/2010/main" w="9525">
                 <a:solidFill>
                   <a:srgbClr val="FF6600"/>
                 </a:solidFill>
@@ -4813,7 +4813,7 @@
               </a14:hiddenLine>
             </a:ext>
             <a:ext uri="{AF507438-7753-43e0-B8FC-AC1667EBCBE1}">
-              <a14:hiddenEffects xmlns:a14="http://schemas.microsoft.com/office/drawing/2010/main" xmlns="">
+              <a14:hiddenEffects xmlns="" xmlns:a14="http://schemas.microsoft.com/office/drawing/2010/main">
                 <a:effectLst>
                   <a:outerShdw blurRad="63500" dist="38099" dir="2700000" algn="ctr" rotWithShape="0">
                     <a:schemeClr val="bg2">
@@ -5369,7 +5369,7 @@
           <a:blip r:embed="rId5" cstate="print">
             <a:extLst>
               <a:ext uri="{28A0092B-C50C-407E-A947-70E740481C1C}">
-                <a14:useLocalDpi xmlns:a14="http://schemas.microsoft.com/office/drawing/2010/main" xmlns="" val="0"/>
+                <a14:useLocalDpi xmlns="" xmlns:a14="http://schemas.microsoft.com/office/drawing/2010/main" val="0"/>
               </a:ext>
             </a:extLst>
           </a:blip>
@@ -5392,14 +5392,14 @@
           </a:ln>
           <a:extLst>
             <a:ext uri="{909E8E84-426E-40dd-AFC4-6F175D3DCCD1}">
-              <a14:hiddenFill xmlns:a14="http://schemas.microsoft.com/office/drawing/2010/main" xmlns="">
+              <a14:hiddenFill xmlns="" xmlns:a14="http://schemas.microsoft.com/office/drawing/2010/main">
                 <a:solidFill>
                   <a:srgbClr val="FFFFFF"/>
                 </a:solidFill>
               </a14:hiddenFill>
             </a:ext>
             <a:ext uri="{91240B29-F687-4f45-9708-019B960494DF}">
-              <a14:hiddenLine xmlns:a14="http://schemas.microsoft.com/office/drawing/2010/main" xmlns="" w="9525">
+              <a14:hiddenLine xmlns="" xmlns:a14="http://schemas.microsoft.com/office/drawing/2010/main" w="9525">
                 <a:solidFill>
                   <a:srgbClr val="000000"/>
                 </a:solidFill>
@@ -5477,14 +5477,14 @@
           </a:ln>
           <a:extLst>
             <a:ext uri="{909E8E84-426E-40dd-AFC4-6F175D3DCCD1}">
-              <a14:hiddenFill xmlns:a14="http://schemas.microsoft.com/office/drawing/2010/main" xmlns="">
+              <a14:hiddenFill xmlns="" xmlns:a14="http://schemas.microsoft.com/office/drawing/2010/main">
                 <a:solidFill>
                   <a:srgbClr val="FFFFFF"/>
                 </a:solidFill>
               </a14:hiddenFill>
             </a:ext>
             <a:ext uri="{91240B29-F687-4f45-9708-019B960494DF}">
-              <a14:hiddenLine xmlns:a14="http://schemas.microsoft.com/office/drawing/2010/main" xmlns="" w="9525">
+              <a14:hiddenLine xmlns="" xmlns:a14="http://schemas.microsoft.com/office/drawing/2010/main" w="9525">
                 <a:solidFill>
                   <a:srgbClr val="000000"/>
                 </a:solidFill>
@@ -5494,7 +5494,7 @@
               </a14:hiddenLine>
             </a:ext>
             <a:ext uri="{FAA26D3D-D897-4be2-8F04-BA451C77F1D7}">
-              <ma14:placeholderFlag xmlns:ma14="http://schemas.microsoft.com/office/mac/drawingml/2011/main" xmlns="" val="1"/>
+              <ma14:placeholderFlag xmlns="" xmlns:ma14="http://schemas.microsoft.com/office/mac/drawingml/2011/main" val="1"/>
             </a:ext>
           </a:extLst>
         </p:spPr>
@@ -5543,14 +5543,14 @@
           </a:ln>
           <a:extLst>
             <a:ext uri="{909E8E84-426E-40dd-AFC4-6F175D3DCCD1}">
-              <a14:hiddenFill xmlns:a14="http://schemas.microsoft.com/office/drawing/2010/main" xmlns="">
+              <a14:hiddenFill xmlns="" xmlns:a14="http://schemas.microsoft.com/office/drawing/2010/main">
                 <a:solidFill>
                   <a:srgbClr val="FFFFFF"/>
                 </a:solidFill>
               </a14:hiddenFill>
             </a:ext>
             <a:ext uri="{91240B29-F687-4f45-9708-019B960494DF}">
-              <a14:hiddenLine xmlns:a14="http://schemas.microsoft.com/office/drawing/2010/main" xmlns="" w="9525">
+              <a14:hiddenLine xmlns="" xmlns:a14="http://schemas.microsoft.com/office/drawing/2010/main" w="9525">
                 <a:solidFill>
                   <a:srgbClr val="000000"/>
                 </a:solidFill>
@@ -5560,7 +5560,7 @@
               </a14:hiddenLine>
             </a:ext>
             <a:ext uri="{FAA26D3D-D897-4be2-8F04-BA451C77F1D7}">
-              <ma14:placeholderFlag xmlns:ma14="http://schemas.microsoft.com/office/mac/drawingml/2011/main" xmlns="" val="1"/>
+              <ma14:placeholderFlag xmlns="" xmlns:ma14="http://schemas.microsoft.com/office/mac/drawingml/2011/main" val="1"/>
             </a:ext>
           </a:extLst>
         </p:spPr>
@@ -5604,7 +5604,7 @@
     </p:spTree>
     <p:extLst>
       <p:ext uri="{BB962C8B-B14F-4D97-AF65-F5344CB8AC3E}">
-        <p14:creationId xmlns:p14="http://schemas.microsoft.com/office/powerpoint/2010/main" xmlns="" val="4048614870"/>
+        <p14:creationId xmlns="" xmlns:p14="http://schemas.microsoft.com/office/powerpoint/2010/main" val="4048614870"/>
       </p:ext>
     </p:extLst>
   </p:cSld>
@@ -6037,7 +6037,7 @@
           <a:p>
             <a:r>
               <a:rPr lang="it-IT" dirty="0" smtClean="0"/>
-              <a:t>Titolo della Tesi</a:t>
+              <a:t>Algoritmi adattativi per il risparmio energetico di sistemi broadcast via Bluetooth</a:t>
             </a:r>
             <a:endParaRPr lang="it-IT" dirty="0"/>
           </a:p>
@@ -6290,7 +6290,7 @@
           <a:blip r:embed="rId3" cstate="print">
             <a:extLst>
               <a:ext uri="{28A0092B-C50C-407E-A947-70E740481C1C}">
-                <a14:useLocalDpi xmlns:a14="http://schemas.microsoft.com/office/drawing/2010/main" xmlns="" val="0"/>
+                <a14:useLocalDpi xmlns="" xmlns:a14="http://schemas.microsoft.com/office/drawing/2010/main" val="0"/>
               </a:ext>
             </a:extLst>
           </a:blip>
@@ -6311,7 +6311,7 @@
     </p:spTree>
     <p:extLst>
       <p:ext uri="{BB962C8B-B14F-4D97-AF65-F5344CB8AC3E}">
-        <p14:creationId xmlns:p14="http://schemas.microsoft.com/office/powerpoint/2010/main" xmlns="" val="2572022632"/>
+        <p14:creationId xmlns="" xmlns:p14="http://schemas.microsoft.com/office/powerpoint/2010/main" val="2572022632"/>
       </p:ext>
     </p:extLst>
   </p:cSld>
@@ -6319,7 +6319,7 @@
     <a:masterClrMapping/>
   </p:clrMapOvr>
   <mc:AlternateContent xmlns:mc="http://schemas.openxmlformats.org/markup-compatibility/2006">
-    <mc:Choice xmlns:p14="http://schemas.microsoft.com/office/powerpoint/2010/main" xmlns="" Requires="p14">
+    <mc:Choice xmlns="" xmlns:p14="http://schemas.microsoft.com/office/powerpoint/2010/main" Requires="p14">
       <p:transition spd="slow" p14:dur="2000" advTm="19458"/>
     </mc:Choice>
     <mc:Fallback>
@@ -6474,21 +6474,8 @@
                   <a:schemeClr val="tx1"/>
                 </a:solidFill>
               </a:rPr>
-              <a:t>Visione locale della </a:t>
-            </a:r>
-            <a:r>
-              <a:rPr lang="it-IT" sz="2000" dirty="0" smtClean="0">
-                <a:solidFill>
-                  <a:schemeClr val="tx1"/>
-                </a:solidFill>
-              </a:rPr>
-              <a:t>rete</a:t>
-            </a:r>
-            <a:endParaRPr lang="it-IT" sz="2000" dirty="0" smtClean="0">
-              <a:solidFill>
-                <a:schemeClr val="tx1"/>
-              </a:solidFill>
-            </a:endParaRPr>
+              <a:t>Visione locale della rete</a:t>
+            </a:r>
           </a:p>
         </p:txBody>
       </p:sp>
@@ -6890,7 +6877,7 @@
     </p:custDataLst>
     <p:extLst>
       <p:ext uri="{BB962C8B-B14F-4D97-AF65-F5344CB8AC3E}">
-        <p14:creationId xmlns:p14="http://schemas.microsoft.com/office/powerpoint/2010/main" xmlns="" val="2671343476"/>
+        <p14:creationId xmlns="" xmlns:p14="http://schemas.microsoft.com/office/powerpoint/2010/main" val="2671343476"/>
       </p:ext>
     </p:extLst>
   </p:cSld>
@@ -6898,7 +6885,7 @@
     <a:masterClrMapping/>
   </p:clrMapOvr>
   <mc:AlternateContent xmlns:mc="http://schemas.openxmlformats.org/markup-compatibility/2006">
-    <mc:Choice xmlns:p14="http://schemas.microsoft.com/office/powerpoint/2010/main" xmlns="" Requires="p14">
+    <mc:Choice xmlns="" xmlns:p14="http://schemas.microsoft.com/office/powerpoint/2010/main" Requires="p14">
       <p:transition spd="slow" p14:dur="2000" advTm="157969"/>
     </mc:Choice>
     <mc:Fallback>
@@ -7231,11 +7218,6 @@
               </a:rPr>
               <a:t>Sinergia con BLE</a:t>
             </a:r>
-            <a:endParaRPr lang="it-IT" sz="2000" i="1" dirty="0" smtClean="0">
-              <a:solidFill>
-                <a:schemeClr val="tx1"/>
-              </a:solidFill>
-            </a:endParaRPr>
           </a:p>
           <a:p>
             <a:pPr>
@@ -7282,7 +7264,7 @@
     </p:custDataLst>
     <p:extLst>
       <p:ext uri="{BB962C8B-B14F-4D97-AF65-F5344CB8AC3E}">
-        <p14:creationId xmlns:p14="http://schemas.microsoft.com/office/powerpoint/2010/main" xmlns="" val="2671343476"/>
+        <p14:creationId xmlns="" xmlns:p14="http://schemas.microsoft.com/office/powerpoint/2010/main" val="2671343476"/>
       </p:ext>
     </p:extLst>
   </p:cSld>
@@ -7290,7 +7272,7 @@
     <a:masterClrMapping/>
   </p:clrMapOvr>
   <mc:AlternateContent xmlns:mc="http://schemas.openxmlformats.org/markup-compatibility/2006">
-    <mc:Choice xmlns:p14="http://schemas.microsoft.com/office/powerpoint/2010/main" xmlns="" Requires="p14">
+    <mc:Choice xmlns="" xmlns:p14="http://schemas.microsoft.com/office/powerpoint/2010/main" Requires="p14">
       <p:transition spd="slow" p14:dur="2000" advTm="157969"/>
     </mc:Choice>
     <mc:Fallback>
@@ -7541,7 +7523,7 @@
     </p:spTree>
     <p:extLst>
       <p:ext uri="{BB962C8B-B14F-4D97-AF65-F5344CB8AC3E}">
-        <p14:creationId xmlns:p14="http://schemas.microsoft.com/office/powerpoint/2010/main" xmlns="" val="4293126687"/>
+        <p14:creationId xmlns="" xmlns:p14="http://schemas.microsoft.com/office/powerpoint/2010/main" val="4293126687"/>
       </p:ext>
     </p:extLst>
   </p:cSld>
@@ -7549,7 +7531,7 @@
     <a:masterClrMapping/>
   </p:clrMapOvr>
   <mc:AlternateContent xmlns:mc="http://schemas.openxmlformats.org/markup-compatibility/2006">
-    <mc:Choice xmlns:p14="http://schemas.microsoft.com/office/powerpoint/2010/main" xmlns="" Requires="p14">
+    <mc:Choice xmlns="" xmlns:p14="http://schemas.microsoft.com/office/powerpoint/2010/main" Requires="p14">
       <p:transition spd="slow" p14:dur="2000" advTm="25932"/>
     </mc:Choice>
     <mc:Fallback>
@@ -7732,11 +7714,6 @@
               </a:rPr>
               <a:t>Rimosso</a:t>
             </a:r>
-            <a:endParaRPr lang="it-IT" sz="2400" dirty="0" smtClean="0">
-              <a:solidFill>
-                <a:schemeClr val="tx1"/>
-              </a:solidFill>
-            </a:endParaRPr>
           </a:p>
         </p:txBody>
       </p:sp>
@@ -7746,7 +7723,7 @@
     </p:custDataLst>
     <p:extLst>
       <p:ext uri="{BB962C8B-B14F-4D97-AF65-F5344CB8AC3E}">
-        <p14:creationId xmlns:p14="http://schemas.microsoft.com/office/powerpoint/2010/main" xmlns="" val="2671343476"/>
+        <p14:creationId xmlns="" xmlns:p14="http://schemas.microsoft.com/office/powerpoint/2010/main" val="2671343476"/>
       </p:ext>
     </p:extLst>
   </p:cSld>
@@ -7754,7 +7731,7 @@
     <a:masterClrMapping/>
   </p:clrMapOvr>
   <mc:AlternateContent xmlns:mc="http://schemas.openxmlformats.org/markup-compatibility/2006">
-    <mc:Choice xmlns:p14="http://schemas.microsoft.com/office/powerpoint/2010/main" xmlns="" Requires="p14">
+    <mc:Choice xmlns="" xmlns:p14="http://schemas.microsoft.com/office/powerpoint/2010/main" Requires="p14">
       <p:transition spd="slow" p14:dur="2000" advTm="157969"/>
     </mc:Choice>
     <mc:Fallback>
@@ -8062,7 +8039,7 @@
     </p:custDataLst>
     <p:extLst>
       <p:ext uri="{BB962C8B-B14F-4D97-AF65-F5344CB8AC3E}">
-        <p14:creationId xmlns:p14="http://schemas.microsoft.com/office/powerpoint/2010/main" xmlns="" val="2671343476"/>
+        <p14:creationId xmlns="" xmlns:p14="http://schemas.microsoft.com/office/powerpoint/2010/main" val="2671343476"/>
       </p:ext>
     </p:extLst>
   </p:cSld>
@@ -8070,7 +8047,7 @@
     <a:masterClrMapping/>
   </p:clrMapOvr>
   <mc:AlternateContent xmlns:mc="http://schemas.openxmlformats.org/markup-compatibility/2006">
-    <mc:Choice xmlns:p14="http://schemas.microsoft.com/office/powerpoint/2010/main" xmlns="" Requires="p14">
+    <mc:Choice xmlns="" xmlns:p14="http://schemas.microsoft.com/office/powerpoint/2010/main" Requires="p14">
       <p:transition spd="slow" p14:dur="2000" advTm="157969"/>
     </mc:Choice>
     <mc:Fallback>
@@ -8270,7 +8247,7 @@
     </p:spTree>
     <p:extLst>
       <p:ext uri="{BB962C8B-B14F-4D97-AF65-F5344CB8AC3E}">
-        <p14:creationId xmlns:p14="http://schemas.microsoft.com/office/powerpoint/2010/main" xmlns="" val="4293126687"/>
+        <p14:creationId xmlns="" xmlns:p14="http://schemas.microsoft.com/office/powerpoint/2010/main" val="4293126687"/>
       </p:ext>
     </p:extLst>
   </p:cSld>
@@ -8278,7 +8255,7 @@
     <a:masterClrMapping/>
   </p:clrMapOvr>
   <mc:AlternateContent xmlns:mc="http://schemas.openxmlformats.org/markup-compatibility/2006">
-    <mc:Choice xmlns:p14="http://schemas.microsoft.com/office/powerpoint/2010/main" xmlns="" Requires="p14">
+    <mc:Choice xmlns="" xmlns:p14="http://schemas.microsoft.com/office/powerpoint/2010/main" Requires="p14">
       <p:transition spd="slow" p14:dur="2000" advTm="25932"/>
     </mc:Choice>
     <mc:Fallback>
@@ -8478,7 +8455,7 @@
     </p:spTree>
     <p:extLst>
       <p:ext uri="{BB962C8B-B14F-4D97-AF65-F5344CB8AC3E}">
-        <p14:creationId xmlns:p14="http://schemas.microsoft.com/office/powerpoint/2010/main" xmlns="" val="4293126687"/>
+        <p14:creationId xmlns="" xmlns:p14="http://schemas.microsoft.com/office/powerpoint/2010/main" val="4293126687"/>
       </p:ext>
     </p:extLst>
   </p:cSld>
@@ -8486,7 +8463,7 @@
     <a:masterClrMapping/>
   </p:clrMapOvr>
   <mc:AlternateContent xmlns:mc="http://schemas.openxmlformats.org/markup-compatibility/2006">
-    <mc:Choice xmlns:p14="http://schemas.microsoft.com/office/powerpoint/2010/main" xmlns="" Requires="p14">
+    <mc:Choice xmlns="" xmlns:p14="http://schemas.microsoft.com/office/powerpoint/2010/main" Requires="p14">
       <p:transition spd="slow" p14:dur="2000" advTm="25932"/>
     </mc:Choice>
     <mc:Fallback>
@@ -8686,7 +8663,7 @@
     </p:spTree>
     <p:extLst>
       <p:ext uri="{BB962C8B-B14F-4D97-AF65-F5344CB8AC3E}">
-        <p14:creationId xmlns:p14="http://schemas.microsoft.com/office/powerpoint/2010/main" xmlns="" val="4293126687"/>
+        <p14:creationId xmlns="" xmlns:p14="http://schemas.microsoft.com/office/powerpoint/2010/main" val="4293126687"/>
       </p:ext>
     </p:extLst>
   </p:cSld>
@@ -8694,7 +8671,7 @@
     <a:masterClrMapping/>
   </p:clrMapOvr>
   <mc:AlternateContent xmlns:mc="http://schemas.openxmlformats.org/markup-compatibility/2006">
-    <mc:Choice xmlns:p14="http://schemas.microsoft.com/office/powerpoint/2010/main" xmlns="" Requires="p14">
+    <mc:Choice xmlns="" xmlns:p14="http://schemas.microsoft.com/office/powerpoint/2010/main" Requires="p14">
       <p:transition spd="slow" p14:dur="2000" advTm="25932"/>
     </mc:Choice>
     <mc:Fallback>
@@ -8892,7 +8869,7 @@
     </p:spTree>
     <p:extLst>
       <p:ext uri="{BB962C8B-B14F-4D97-AF65-F5344CB8AC3E}">
-        <p14:creationId xmlns:p14="http://schemas.microsoft.com/office/powerpoint/2010/main" xmlns="" val="4293126687"/>
+        <p14:creationId xmlns="" xmlns:p14="http://schemas.microsoft.com/office/powerpoint/2010/main" val="4293126687"/>
       </p:ext>
     </p:extLst>
   </p:cSld>
@@ -8900,7 +8877,7 @@
     <a:masterClrMapping/>
   </p:clrMapOvr>
   <mc:AlternateContent xmlns:mc="http://schemas.openxmlformats.org/markup-compatibility/2006">
-    <mc:Choice xmlns:p14="http://schemas.microsoft.com/office/powerpoint/2010/main" xmlns="" Requires="p14">
+    <mc:Choice xmlns="" xmlns:p14="http://schemas.microsoft.com/office/powerpoint/2010/main" Requires="p14">
       <p:transition spd="slow" p14:dur="2000" advTm="25932"/>
     </mc:Choice>
     <mc:Fallback>
@@ -8982,7 +8959,7 @@
     </p:custDataLst>
     <p:extLst>
       <p:ext uri="{BB962C8B-B14F-4D97-AF65-F5344CB8AC3E}">
-        <p14:creationId xmlns:p14="http://schemas.microsoft.com/office/powerpoint/2010/main" xmlns="" val="1562047360"/>
+        <p14:creationId xmlns="" xmlns:p14="http://schemas.microsoft.com/office/powerpoint/2010/main" val="1562047360"/>
       </p:ext>
     </p:extLst>
   </p:cSld>
@@ -8990,7 +8967,7 @@
     <a:masterClrMapping/>
   </p:clrMapOvr>
   <mc:AlternateContent xmlns:mc="http://schemas.openxmlformats.org/markup-compatibility/2006">
-    <mc:Choice xmlns:p14="http://schemas.microsoft.com/office/powerpoint/2010/main" xmlns="" Requires="p14">
+    <mc:Choice xmlns="" xmlns:p14="http://schemas.microsoft.com/office/powerpoint/2010/main" Requires="p14">
       <p:transition spd="slow" p14:dur="2000" advTm="9545"/>
     </mc:Choice>
     <mc:Fallback>
@@ -9178,7 +9155,7 @@
     </p:spTree>
     <p:extLst>
       <p:ext uri="{BB962C8B-B14F-4D97-AF65-F5344CB8AC3E}">
-        <p14:creationId xmlns:p14="http://schemas.microsoft.com/office/powerpoint/2010/main" xmlns="" val="4293126687"/>
+        <p14:creationId xmlns="" xmlns:p14="http://schemas.microsoft.com/office/powerpoint/2010/main" val="4293126687"/>
       </p:ext>
     </p:extLst>
   </p:cSld>
@@ -9186,7 +9163,7 @@
     <a:masterClrMapping/>
   </p:clrMapOvr>
   <mc:AlternateContent xmlns:mc="http://schemas.openxmlformats.org/markup-compatibility/2006">
-    <mc:Choice xmlns:p14="http://schemas.microsoft.com/office/powerpoint/2010/main" xmlns="" Requires="p14">
+    <mc:Choice xmlns="" xmlns:p14="http://schemas.microsoft.com/office/powerpoint/2010/main" Requires="p14">
       <p:transition spd="slow" p14:dur="2000" advTm="25932"/>
     </mc:Choice>
     <mc:Fallback>
@@ -9232,7 +9209,7 @@
           <a:blip r:embed="rId2" cstate="print">
             <a:extLst>
               <a:ext uri="{28A0092B-C50C-407E-A947-70E740481C1C}">
-                <a14:useLocalDpi xmlns:a14="http://schemas.microsoft.com/office/drawing/2010/main" xmlns="" val="0"/>
+                <a14:useLocalDpi xmlns="" xmlns:a14="http://schemas.microsoft.com/office/drawing/2010/main" val="0"/>
               </a:ext>
             </a:extLst>
           </a:blip>
@@ -9307,7 +9284,7 @@
     </p:spTree>
     <p:extLst>
       <p:ext uri="{BB962C8B-B14F-4D97-AF65-F5344CB8AC3E}">
-        <p14:creationId xmlns:p14="http://schemas.microsoft.com/office/powerpoint/2010/main" xmlns="" val="1982816369"/>
+        <p14:creationId xmlns="" xmlns:p14="http://schemas.microsoft.com/office/powerpoint/2010/main" val="1982816369"/>
       </p:ext>
     </p:extLst>
   </p:cSld>
@@ -9315,7 +9292,7 @@
     <a:masterClrMapping/>
   </p:clrMapOvr>
   <mc:AlternateContent xmlns:mc="http://schemas.openxmlformats.org/markup-compatibility/2006">
-    <mc:Choice xmlns:p14="http://schemas.microsoft.com/office/powerpoint/2010/main" xmlns="" Requires="p14">
+    <mc:Choice xmlns="" xmlns:p14="http://schemas.microsoft.com/office/powerpoint/2010/main" Requires="p14">
       <p:transition spd="slow" p14:dur="2000" advTm="5275"/>
     </mc:Choice>
     <mc:Fallback>
@@ -9515,7 +9492,7 @@
     </p:spTree>
     <p:extLst>
       <p:ext uri="{BB962C8B-B14F-4D97-AF65-F5344CB8AC3E}">
-        <p14:creationId xmlns:p14="http://schemas.microsoft.com/office/powerpoint/2010/main" xmlns="" val="4293126687"/>
+        <p14:creationId xmlns="" xmlns:p14="http://schemas.microsoft.com/office/powerpoint/2010/main" val="4293126687"/>
       </p:ext>
     </p:extLst>
   </p:cSld>
@@ -9523,7 +9500,7 @@
     <a:masterClrMapping/>
   </p:clrMapOvr>
   <mc:AlternateContent xmlns:mc="http://schemas.openxmlformats.org/markup-compatibility/2006">
-    <mc:Choice xmlns:p14="http://schemas.microsoft.com/office/powerpoint/2010/main" xmlns="" Requires="p14">
+    <mc:Choice xmlns="" xmlns:p14="http://schemas.microsoft.com/office/powerpoint/2010/main" Requires="p14">
       <p:transition spd="slow" p14:dur="2000" advTm="25932"/>
     </mc:Choice>
     <mc:Fallback>
@@ -9605,7 +9582,7 @@
     </p:custDataLst>
     <p:extLst>
       <p:ext uri="{BB962C8B-B14F-4D97-AF65-F5344CB8AC3E}">
-        <p14:creationId xmlns:p14="http://schemas.microsoft.com/office/powerpoint/2010/main" xmlns="" val="3726194390"/>
+        <p14:creationId xmlns="" xmlns:p14="http://schemas.microsoft.com/office/powerpoint/2010/main" val="3726194390"/>
       </p:ext>
     </p:extLst>
   </p:cSld>
@@ -9613,7 +9590,7 @@
     <a:masterClrMapping/>
   </p:clrMapOvr>
   <mc:AlternateContent xmlns:mc="http://schemas.openxmlformats.org/markup-compatibility/2006">
-    <mc:Choice xmlns:p14="http://schemas.microsoft.com/office/powerpoint/2010/main" xmlns="" Requires="p14">
+    <mc:Choice xmlns="" xmlns:p14="http://schemas.microsoft.com/office/powerpoint/2010/main" Requires="p14">
       <p:transition spd="slow" p14:dur="2000" advTm="147542"/>
     </mc:Choice>
     <mc:Fallback>
@@ -9864,7 +9841,7 @@
     </p:spTree>
     <p:extLst>
       <p:ext uri="{BB962C8B-B14F-4D97-AF65-F5344CB8AC3E}">
-        <p14:creationId xmlns:p14="http://schemas.microsoft.com/office/powerpoint/2010/main" xmlns="" val="4293126687"/>
+        <p14:creationId xmlns="" xmlns:p14="http://schemas.microsoft.com/office/powerpoint/2010/main" val="4293126687"/>
       </p:ext>
     </p:extLst>
   </p:cSld>
@@ -9872,7 +9849,7 @@
     <a:masterClrMapping/>
   </p:clrMapOvr>
   <mc:AlternateContent xmlns:mc="http://schemas.openxmlformats.org/markup-compatibility/2006">
-    <mc:Choice xmlns:p14="http://schemas.microsoft.com/office/powerpoint/2010/main" xmlns="" Requires="p14">
+    <mc:Choice xmlns="" xmlns:p14="http://schemas.microsoft.com/office/powerpoint/2010/main" Requires="p14">
       <p:transition spd="slow" p14:dur="2000" advTm="25932"/>
     </mc:Choice>
     <mc:Fallback>
@@ -10148,7 +10125,7 @@
     </p:custDataLst>
     <p:extLst>
       <p:ext uri="{BB962C8B-B14F-4D97-AF65-F5344CB8AC3E}">
-        <p14:creationId xmlns:p14="http://schemas.microsoft.com/office/powerpoint/2010/main" xmlns="" val="2671343476"/>
+        <p14:creationId xmlns="" xmlns:p14="http://schemas.microsoft.com/office/powerpoint/2010/main" val="2671343476"/>
       </p:ext>
     </p:extLst>
   </p:cSld>
@@ -10156,7 +10133,7 @@
     <a:masterClrMapping/>
   </p:clrMapOvr>
   <mc:AlternateContent xmlns:mc="http://schemas.openxmlformats.org/markup-compatibility/2006">
-    <mc:Choice xmlns:p14="http://schemas.microsoft.com/office/powerpoint/2010/main" xmlns="" Requires="p14">
+    <mc:Choice xmlns="" xmlns:p14="http://schemas.microsoft.com/office/powerpoint/2010/main" Requires="p14">
       <p:transition spd="slow" p14:dur="2000" advTm="157969"/>
     </mc:Choice>
     <mc:Fallback>
@@ -10979,7 +10956,7 @@
     </p:custDataLst>
     <p:extLst>
       <p:ext uri="{BB962C8B-B14F-4D97-AF65-F5344CB8AC3E}">
-        <p14:creationId xmlns:p14="http://schemas.microsoft.com/office/powerpoint/2010/main" xmlns="" val="2671343476"/>
+        <p14:creationId xmlns="" xmlns:p14="http://schemas.microsoft.com/office/powerpoint/2010/main" val="2671343476"/>
       </p:ext>
     </p:extLst>
   </p:cSld>
@@ -10987,7 +10964,7 @@
     <a:masterClrMapping/>
   </p:clrMapOvr>
   <mc:AlternateContent xmlns:mc="http://schemas.openxmlformats.org/markup-compatibility/2006">
-    <mc:Choice xmlns:p14="http://schemas.microsoft.com/office/powerpoint/2010/main" xmlns="" Requires="p14">
+    <mc:Choice xmlns="" xmlns:p14="http://schemas.microsoft.com/office/powerpoint/2010/main" Requires="p14">
       <p:transition spd="slow" p14:dur="2000" advTm="157969"/>
     </mc:Choice>
     <mc:Fallback>
@@ -11219,7 +11196,7 @@
     </p:custDataLst>
     <p:extLst>
       <p:ext uri="{BB962C8B-B14F-4D97-AF65-F5344CB8AC3E}">
-        <p14:creationId xmlns:p14="http://schemas.microsoft.com/office/powerpoint/2010/main" xmlns="" val="2671343476"/>
+        <p14:creationId xmlns="" xmlns:p14="http://schemas.microsoft.com/office/powerpoint/2010/main" val="2671343476"/>
       </p:ext>
     </p:extLst>
   </p:cSld>
@@ -11227,7 +11204,7 @@
     <a:masterClrMapping/>
   </p:clrMapOvr>
   <mc:AlternateContent xmlns:mc="http://schemas.openxmlformats.org/markup-compatibility/2006">
-    <mc:Choice xmlns:p14="http://schemas.microsoft.com/office/powerpoint/2010/main" xmlns="" Requires="p14">
+    <mc:Choice xmlns="" xmlns:p14="http://schemas.microsoft.com/office/powerpoint/2010/main" Requires="p14">
       <p:transition spd="slow" p14:dur="2000" advTm="157969"/>
     </mc:Choice>
     <mc:Fallback>
@@ -11478,7 +11455,7 @@
     </p:spTree>
     <p:extLst>
       <p:ext uri="{BB962C8B-B14F-4D97-AF65-F5344CB8AC3E}">
-        <p14:creationId xmlns:p14="http://schemas.microsoft.com/office/powerpoint/2010/main" xmlns="" val="4293126687"/>
+        <p14:creationId xmlns="" xmlns:p14="http://schemas.microsoft.com/office/powerpoint/2010/main" val="4293126687"/>
       </p:ext>
     </p:extLst>
   </p:cSld>
@@ -11486,7 +11463,7 @@
     <a:masterClrMapping/>
   </p:clrMapOvr>
   <mc:AlternateContent xmlns:mc="http://schemas.openxmlformats.org/markup-compatibility/2006">
-    <mc:Choice xmlns:p14="http://schemas.microsoft.com/office/powerpoint/2010/main" xmlns="" Requires="p14">
+    <mc:Choice xmlns="" xmlns:p14="http://schemas.microsoft.com/office/powerpoint/2010/main" Requires="p14">
       <p:transition spd="slow" p14:dur="2000" advTm="25932"/>
     </mc:Choice>
     <mc:Fallback>
